--- a/Présentation.pptx
+++ b/Présentation.pptx
@@ -5,7 +5,7 @@
     <p:sldMasterId id="2147483648" r:id="rId1"/>
   </p:sldMasterIdLst>
   <p:notesMasterIdLst>
-    <p:notesMasterId r:id="rId23"/>
+    <p:notesMasterId r:id="rId24"/>
   </p:notesMasterIdLst>
   <p:sldIdLst>
     <p:sldId id="256" r:id="rId2"/>
@@ -25,10 +25,11 @@
     <p:sldId id="285" r:id="rId16"/>
     <p:sldId id="294" r:id="rId17"/>
     <p:sldId id="286" r:id="rId18"/>
-    <p:sldId id="290" r:id="rId19"/>
-    <p:sldId id="291" r:id="rId20"/>
-    <p:sldId id="288" r:id="rId21"/>
-    <p:sldId id="289" r:id="rId22"/>
+    <p:sldId id="296" r:id="rId19"/>
+    <p:sldId id="290" r:id="rId20"/>
+    <p:sldId id="295" r:id="rId21"/>
+    <p:sldId id="288" r:id="rId22"/>
+    <p:sldId id="289" r:id="rId23"/>
   </p:sldIdLst>
   <p:sldSz cx="12192000" cy="6858000"/>
   <p:notesSz cx="6858000" cy="9144000"/>
@@ -217,7 +218,7 @@
           <a:p>
             <a:fld id="{033193B6-5E70-9947-90BB-6115D3AF2A14}" type="datetimeFigureOut">
               <a:rPr lang="fr-FR" smtClean="0"/>
-              <a:t>26/01/2024</a:t>
+              <a:t>31/01/2024</a:t>
             </a:fld>
             <a:endParaRPr lang="fr-FR"/>
           </a:p>
@@ -528,7 +529,26 @@
           <a:bodyPr/>
           <a:lstStyle/>
           <a:p>
-            <a:endParaRPr lang="fr-FR" dirty="0"/>
+            <a:r>
+              <a:rPr lang="fr-FR" dirty="0"/>
+              <a:t>Bienvenue dans cet atelier qui se nomme « maitriser </a:t>
+            </a:r>
+            <a:r>
+              <a:rPr lang="fr-FR" dirty="0" err="1"/>
+              <a:t>angular</a:t>
+            </a:r>
+            <a:r>
+              <a:rPr lang="fr-FR" dirty="0"/>
+              <a:t> 17 … » Notre objectif aujourd’hui n’est pas de vous faire maitriser </a:t>
+            </a:r>
+            <a:r>
+              <a:rPr lang="fr-FR" dirty="0" err="1"/>
+              <a:t>Angular</a:t>
+            </a:r>
+            <a:r>
+              <a:rPr lang="fr-FR" dirty="0"/>
+              <a:t> 17 mais de vous présenter les nouveautés inclus jusqu’à cette version ainsi que vous montrer comment migrer votre application existante vers ces nouveautés.</a:t>
+            </a:r>
           </a:p>
         </p:txBody>
       </p:sp>
@@ -549,7 +569,7 @@
           <a:p>
             <a:fld id="{EB0C3375-AD00-2849-8B47-02ED823D7559}" type="slidenum">
               <a:rPr lang="fr-FR" smtClean="0"/>
-              <a:t>3</a:t>
+              <a:t>1</a:t>
             </a:fld>
             <a:endParaRPr lang="fr-FR"/>
           </a:p>
@@ -558,7 +578,7 @@
     </p:spTree>
     <p:extLst>
       <p:ext uri="{BB962C8B-B14F-4D97-AF65-F5344CB8AC3E}">
-        <p14:creationId xmlns:p14="http://schemas.microsoft.com/office/powerpoint/2010/main" val="202802719"/>
+        <p14:creationId xmlns:p14="http://schemas.microsoft.com/office/powerpoint/2010/main" val="1336400425"/>
       </p:ext>
     </p:extLst>
   </p:cSld>
@@ -569,6 +589,260 @@
 </file>
 
 <file path=ppt/notesSlides/notesSlide10.xml><?xml version="1.0" encoding="utf-8"?>
+<p:notes xmlns:a="http://schemas.openxmlformats.org/drawingml/2006/main" xmlns:r="http://schemas.openxmlformats.org/officeDocument/2006/relationships" xmlns:p="http://schemas.openxmlformats.org/presentationml/2006/main">
+  <p:cSld>
+    <p:spTree>
+      <p:nvGrpSpPr>
+        <p:cNvPr id="1" name="">
+          <a:extLst>
+            <a:ext uri="{FF2B5EF4-FFF2-40B4-BE49-F238E27FC236}">
+              <a16:creationId xmlns:a16="http://schemas.microsoft.com/office/drawing/2014/main" id="{0010A2BC-5167-6A03-0A00-952930325421}"/>
+            </a:ext>
+          </a:extLst>
+        </p:cNvPr>
+        <p:cNvGrpSpPr/>
+        <p:nvPr/>
+      </p:nvGrpSpPr>
+      <p:grpSpPr>
+        <a:xfrm>
+          <a:off x="0" y="0"/>
+          <a:ext cx="0" cy="0"/>
+          <a:chOff x="0" y="0"/>
+          <a:chExt cx="0" cy="0"/>
+        </a:xfrm>
+      </p:grpSpPr>
+      <p:sp>
+        <p:nvSpPr>
+          <p:cNvPr id="2" name="Espace réservé de l'image des diapositives 1">
+            <a:extLst>
+              <a:ext uri="{FF2B5EF4-FFF2-40B4-BE49-F238E27FC236}">
+                <a16:creationId xmlns:a16="http://schemas.microsoft.com/office/drawing/2014/main" id="{D643D55B-AF8E-4F2F-1C91-F298F98081E1}"/>
+              </a:ext>
+            </a:extLst>
+          </p:cNvPr>
+          <p:cNvSpPr>
+            <a:spLocks noGrp="1" noRot="1" noChangeAspect="1"/>
+          </p:cNvSpPr>
+          <p:nvPr>
+            <p:ph type="sldImg"/>
+          </p:nvPr>
+        </p:nvSpPr>
+        <p:spPr/>
+      </p:sp>
+      <p:sp>
+        <p:nvSpPr>
+          <p:cNvPr id="3" name="Espace réservé des notes 2">
+            <a:extLst>
+              <a:ext uri="{FF2B5EF4-FFF2-40B4-BE49-F238E27FC236}">
+                <a16:creationId xmlns:a16="http://schemas.microsoft.com/office/drawing/2014/main" id="{64805E78-FAFC-3FBD-D7A1-C80B355B73F1}"/>
+              </a:ext>
+            </a:extLst>
+          </p:cNvPr>
+          <p:cNvSpPr>
+            <a:spLocks noGrp="1"/>
+          </p:cNvSpPr>
+          <p:nvPr>
+            <p:ph type="body" idx="1"/>
+          </p:nvPr>
+        </p:nvSpPr>
+        <p:spPr/>
+        <p:txBody>
+          <a:bodyPr/>
+          <a:lstStyle/>
+          <a:p>
+            <a:r>
+              <a:rPr lang="fr-FR" dirty="0"/>
+              <a:t>Jusqu’à la version 13, il n’y avait pas de typage sur les formulaires. Ce qui veut dire qu’on avait pas de contrôle de cohérence sur les données sortie du formulaire. Aujourd’hui ce n’est plus le cas !!! On va pouvoir profiter de la puissance de </a:t>
+            </a:r>
+            <a:r>
+              <a:rPr lang="fr-FR" dirty="0" err="1"/>
+              <a:t>typescript</a:t>
+            </a:r>
+            <a:r>
+              <a:rPr lang="fr-FR" dirty="0"/>
+              <a:t> même sur cette partie là</a:t>
+            </a:r>
+          </a:p>
+        </p:txBody>
+      </p:sp>
+      <p:sp>
+        <p:nvSpPr>
+          <p:cNvPr id="4" name="Espace réservé du numéro de diapositive 3">
+            <a:extLst>
+              <a:ext uri="{FF2B5EF4-FFF2-40B4-BE49-F238E27FC236}">
+                <a16:creationId xmlns:a16="http://schemas.microsoft.com/office/drawing/2014/main" id="{F08E4A46-71DD-EE67-71FB-407F9DCAFAE2}"/>
+              </a:ext>
+            </a:extLst>
+          </p:cNvPr>
+          <p:cNvSpPr>
+            <a:spLocks noGrp="1"/>
+          </p:cNvSpPr>
+          <p:nvPr>
+            <p:ph type="sldNum" sz="quarter" idx="5"/>
+          </p:nvPr>
+        </p:nvSpPr>
+        <p:spPr/>
+        <p:txBody>
+          <a:bodyPr/>
+          <a:lstStyle/>
+          <a:p>
+            <a:fld id="{EB0C3375-AD00-2849-8B47-02ED823D7559}" type="slidenum">
+              <a:rPr lang="fr-FR" smtClean="0"/>
+              <a:t>10</a:t>
+            </a:fld>
+            <a:endParaRPr lang="fr-FR"/>
+          </a:p>
+        </p:txBody>
+      </p:sp>
+    </p:spTree>
+    <p:extLst>
+      <p:ext uri="{BB962C8B-B14F-4D97-AF65-F5344CB8AC3E}">
+        <p14:creationId xmlns:p14="http://schemas.microsoft.com/office/powerpoint/2010/main" val="3255709435"/>
+      </p:ext>
+    </p:extLst>
+  </p:cSld>
+  <p:clrMapOvr>
+    <a:masterClrMapping/>
+  </p:clrMapOvr>
+</p:notes>
+</file>
+
+<file path=ppt/notesSlides/notesSlide11.xml><?xml version="1.0" encoding="utf-8"?>
+<p:notes xmlns:a="http://schemas.openxmlformats.org/drawingml/2006/main" xmlns:r="http://schemas.openxmlformats.org/officeDocument/2006/relationships" xmlns:p="http://schemas.openxmlformats.org/presentationml/2006/main">
+  <p:cSld>
+    <p:spTree>
+      <p:nvGrpSpPr>
+        <p:cNvPr id="1" name="">
+          <a:extLst>
+            <a:ext uri="{FF2B5EF4-FFF2-40B4-BE49-F238E27FC236}">
+              <a16:creationId xmlns:a16="http://schemas.microsoft.com/office/drawing/2014/main" id="{61BF84CA-E9C7-E21A-551B-83D69EE7BBDE}"/>
+            </a:ext>
+          </a:extLst>
+        </p:cNvPr>
+        <p:cNvGrpSpPr/>
+        <p:nvPr/>
+      </p:nvGrpSpPr>
+      <p:grpSpPr>
+        <a:xfrm>
+          <a:off x="0" y="0"/>
+          <a:ext cx="0" cy="0"/>
+          <a:chOff x="0" y="0"/>
+          <a:chExt cx="0" cy="0"/>
+        </a:xfrm>
+      </p:grpSpPr>
+      <p:sp>
+        <p:nvSpPr>
+          <p:cNvPr id="2" name="Espace réservé de l'image des diapositives 1">
+            <a:extLst>
+              <a:ext uri="{FF2B5EF4-FFF2-40B4-BE49-F238E27FC236}">
+                <a16:creationId xmlns:a16="http://schemas.microsoft.com/office/drawing/2014/main" id="{883C61A0-68D4-CD34-9D4C-A64F14F5751F}"/>
+              </a:ext>
+            </a:extLst>
+          </p:cNvPr>
+          <p:cNvSpPr>
+            <a:spLocks noGrp="1" noRot="1" noChangeAspect="1"/>
+          </p:cNvSpPr>
+          <p:nvPr>
+            <p:ph type="sldImg"/>
+          </p:nvPr>
+        </p:nvSpPr>
+        <p:spPr/>
+      </p:sp>
+      <p:sp>
+        <p:nvSpPr>
+          <p:cNvPr id="3" name="Espace réservé des notes 2">
+            <a:extLst>
+              <a:ext uri="{FF2B5EF4-FFF2-40B4-BE49-F238E27FC236}">
+                <a16:creationId xmlns:a16="http://schemas.microsoft.com/office/drawing/2014/main" id="{F7C52168-ADB6-6D69-30FA-6B8AA1F38007}"/>
+              </a:ext>
+            </a:extLst>
+          </p:cNvPr>
+          <p:cNvSpPr>
+            <a:spLocks noGrp="1"/>
+          </p:cNvSpPr>
+          <p:nvPr>
+            <p:ph type="body" idx="1"/>
+          </p:nvPr>
+        </p:nvSpPr>
+        <p:spPr/>
+        <p:txBody>
+          <a:bodyPr/>
+          <a:lstStyle/>
+          <a:p>
+            <a:r>
+              <a:rPr lang="fr-FR" dirty="0"/>
+              <a:t>Sans </a:t>
+            </a:r>
+            <a:r>
+              <a:rPr lang="fr-FR" dirty="0" err="1"/>
+              <a:t>esbuild</a:t>
+            </a:r>
+            <a:r>
+              <a:rPr lang="fr-FR" dirty="0"/>
+              <a:t> -&gt; Création d’un bundle (minification / regroupement de tout ce qui concerne un module dans une fichier …) puis on était prêt à rendre l’application (comme ça que fonctionnait jusqu’ici </a:t>
+            </a:r>
+            <a:r>
+              <a:rPr lang="fr-FR" dirty="0" err="1"/>
+              <a:t>Angular</a:t>
+            </a:r>
+            <a:r>
+              <a:rPr lang="fr-FR" dirty="0"/>
+              <a:t> via </a:t>
+            </a:r>
+            <a:r>
+              <a:rPr lang="fr-FR" dirty="0" err="1"/>
+              <a:t>Webpack</a:t>
+            </a:r>
+            <a:r>
+              <a:rPr lang="fr-FR" dirty="0"/>
+              <a:t>)</a:t>
+            </a:r>
+          </a:p>
+        </p:txBody>
+      </p:sp>
+      <p:sp>
+        <p:nvSpPr>
+          <p:cNvPr id="4" name="Espace réservé du numéro de diapositive 3">
+            <a:extLst>
+              <a:ext uri="{FF2B5EF4-FFF2-40B4-BE49-F238E27FC236}">
+                <a16:creationId xmlns:a16="http://schemas.microsoft.com/office/drawing/2014/main" id="{2AD28C42-A23B-FECB-3FBF-D9D536989C1E}"/>
+              </a:ext>
+            </a:extLst>
+          </p:cNvPr>
+          <p:cNvSpPr>
+            <a:spLocks noGrp="1"/>
+          </p:cNvSpPr>
+          <p:nvPr>
+            <p:ph type="sldNum" sz="quarter" idx="5"/>
+          </p:nvPr>
+        </p:nvSpPr>
+        <p:spPr/>
+        <p:txBody>
+          <a:bodyPr/>
+          <a:lstStyle/>
+          <a:p>
+            <a:fld id="{EB0C3375-AD00-2849-8B47-02ED823D7559}" type="slidenum">
+              <a:rPr lang="fr-FR" smtClean="0"/>
+              <a:t>11</a:t>
+            </a:fld>
+            <a:endParaRPr lang="fr-FR"/>
+          </a:p>
+        </p:txBody>
+      </p:sp>
+    </p:spTree>
+    <p:extLst>
+      <p:ext uri="{BB962C8B-B14F-4D97-AF65-F5344CB8AC3E}">
+        <p14:creationId xmlns:p14="http://schemas.microsoft.com/office/powerpoint/2010/main" val="1673340606"/>
+      </p:ext>
+    </p:extLst>
+  </p:cSld>
+  <p:clrMapOvr>
+    <a:masterClrMapping/>
+  </p:clrMapOvr>
+</p:notes>
+</file>
+
+<file path=ppt/notesSlides/notesSlide12.xml><?xml version="1.0" encoding="utf-8"?>
 <p:notes xmlns:a="http://schemas.openxmlformats.org/drawingml/2006/main" xmlns:r="http://schemas.openxmlformats.org/officeDocument/2006/relationships" xmlns:p="http://schemas.openxmlformats.org/presentationml/2006/main">
   <p:cSld>
     <p:spTree>
@@ -630,7 +904,42 @@
           <a:bodyPr/>
           <a:lstStyle/>
           <a:p>
-            <a:endParaRPr lang="fr-FR" dirty="0"/>
+            <a:r>
+              <a:rPr lang="fr-FR" dirty="0"/>
+              <a:t>Avec </a:t>
+            </a:r>
+            <a:r>
+              <a:rPr lang="fr-FR" dirty="0" err="1"/>
+              <a:t>EsBuild</a:t>
+            </a:r>
+            <a:r>
+              <a:rPr lang="fr-FR" dirty="0"/>
+              <a:t> -&gt; le serveur est prêt directement. Lorsqu’on tape une requête http, on va </a:t>
+            </a:r>
+            <a:r>
+              <a:rPr lang="fr-FR" dirty="0" err="1"/>
+              <a:t>builder</a:t>
+            </a:r>
+            <a:r>
+              <a:rPr lang="fr-FR" dirty="0"/>
+              <a:t> via </a:t>
+            </a:r>
+            <a:r>
+              <a:rPr lang="fr-FR" dirty="0" err="1"/>
+              <a:t>ViteJs</a:t>
+            </a:r>
+            <a:r>
+              <a:rPr lang="fr-FR" dirty="0"/>
+              <a:t> et </a:t>
+            </a:r>
+            <a:r>
+              <a:rPr lang="fr-FR" dirty="0" err="1"/>
+              <a:t>EsBuild</a:t>
+            </a:r>
+            <a:r>
+              <a:rPr lang="fr-FR" dirty="0"/>
+              <a:t> l’application et renvoyé uniquement ce qui est nécessaire à l’application.</a:t>
+            </a:r>
           </a:p>
         </p:txBody>
       </p:sp>
@@ -676,7 +985,7 @@
 </p:notes>
 </file>
 
-<file path=ppt/notesSlides/notesSlide11.xml><?xml version="1.0" encoding="utf-8"?>
+<file path=ppt/notesSlides/notesSlide13.xml><?xml version="1.0" encoding="utf-8"?>
 <p:notes xmlns:a="http://schemas.openxmlformats.org/drawingml/2006/main" xmlns:r="http://schemas.openxmlformats.org/officeDocument/2006/relationships" xmlns:p="http://schemas.openxmlformats.org/presentationml/2006/main">
   <p:cSld>
     <p:spTree>
@@ -738,7 +1047,64 @@
           <a:bodyPr/>
           <a:lstStyle/>
           <a:p>
-            <a:endParaRPr lang="fr-FR" dirty="0"/>
+            <a:r>
+              <a:rPr lang="fr-FR" dirty="0"/>
+              <a:t>Le SSR est la capacité à généré côté back les pages front avec le </a:t>
+            </a:r>
+            <a:r>
+              <a:rPr lang="fr-FR" dirty="0" err="1"/>
+              <a:t>framework</a:t>
+            </a:r>
+            <a:r>
+              <a:rPr lang="fr-FR" dirty="0"/>
+              <a:t> </a:t>
+            </a:r>
+            <a:r>
+              <a:rPr lang="fr-FR" dirty="0" err="1"/>
+              <a:t>Angular</a:t>
+            </a:r>
+            <a:r>
+              <a:rPr lang="fr-FR" dirty="0"/>
+              <a:t>.</a:t>
+            </a:r>
+          </a:p>
+          <a:p>
+            <a:r>
+              <a:rPr lang="fr-FR" dirty="0"/>
+              <a:t>Cette fonctionnalité existait dans un package séparé, ça a été réintégré dans </a:t>
+            </a:r>
+            <a:r>
+              <a:rPr lang="fr-FR" dirty="0" err="1"/>
+              <a:t>Angular</a:t>
+            </a:r>
+            <a:r>
+              <a:rPr lang="fr-FR" dirty="0"/>
+              <a:t> et doté d’une notion de de </a:t>
+            </a:r>
+            <a:r>
+              <a:rPr lang="fr-FR" dirty="0" err="1"/>
+              <a:t>hydration</a:t>
+            </a:r>
+            <a:r>
+              <a:rPr lang="fr-FR" dirty="0"/>
+              <a:t> (Hydratation). Cette Hydratation est la grosse nouveauté qui rend l’usage du SSR avec </a:t>
+            </a:r>
+            <a:r>
+              <a:rPr lang="fr-FR" dirty="0" err="1"/>
+              <a:t>Angular</a:t>
+            </a:r>
+            <a:r>
+              <a:rPr lang="fr-FR" dirty="0"/>
+              <a:t> « utilisable ». Avant à chaque changement, on rechargeait l’ensemble de la page. </a:t>
+            </a:r>
+            <a:r>
+              <a:rPr lang="fr-FR" dirty="0" err="1"/>
+              <a:t>Mainteant</a:t>
+            </a:r>
+            <a:r>
+              <a:rPr lang="fr-FR" dirty="0"/>
+              <a:t> on va être capable de modifier uniquement les partie modifiées.</a:t>
+            </a:r>
           </a:p>
         </p:txBody>
       </p:sp>
@@ -784,7 +1150,7 @@
 </p:notes>
 </file>
 
-<file path=ppt/notesSlides/notesSlide12.xml><?xml version="1.0" encoding="utf-8"?>
+<file path=ppt/notesSlides/notesSlide14.xml><?xml version="1.0" encoding="utf-8"?>
 <p:notes xmlns:a="http://schemas.openxmlformats.org/drawingml/2006/main" xmlns:r="http://schemas.openxmlformats.org/officeDocument/2006/relationships" xmlns:p="http://schemas.openxmlformats.org/presentationml/2006/main">
   <p:cSld>
     <p:spTree>
@@ -846,6 +1212,63 @@
           <a:bodyPr/>
           <a:lstStyle/>
           <a:p>
+            <a:r>
+              <a:rPr lang="fr-FR" dirty="0"/>
+              <a:t>Nouveau système d’injection -&gt; via une fonction </a:t>
+            </a:r>
+            <a:r>
+              <a:rPr lang="fr-FR" dirty="0" err="1"/>
+              <a:t>inject</a:t>
+            </a:r>
+            <a:r>
+              <a:rPr lang="fr-FR" dirty="0"/>
+              <a:t> présent dans @</a:t>
+            </a:r>
+            <a:r>
+              <a:rPr lang="fr-FR" dirty="0" err="1"/>
+              <a:t>angular</a:t>
+            </a:r>
+            <a:r>
+              <a:rPr lang="fr-FR" dirty="0"/>
+              <a:t>/</a:t>
+            </a:r>
+            <a:r>
+              <a:rPr lang="fr-FR" dirty="0" err="1"/>
+              <a:t>core</a:t>
+            </a:r>
+            <a:endParaRPr lang="fr-FR" dirty="0"/>
+          </a:p>
+          <a:p>
+            <a:r>
+              <a:rPr lang="fr-FR" dirty="0"/>
+              <a:t>Avantage, on va pouvoir se passer de classe pour utiliser des fonctions. C’est l’évolution qui a permis d’avoir des </a:t>
+            </a:r>
+            <a:r>
+              <a:rPr lang="fr-FR" dirty="0" err="1"/>
+              <a:t>guards</a:t>
+            </a:r>
+            <a:r>
+              <a:rPr lang="fr-FR" dirty="0"/>
+              <a:t> sous forme de fonction …</a:t>
+            </a:r>
+          </a:p>
+          <a:p>
+            <a:r>
+              <a:rPr lang="fr-FR" dirty="0"/>
+              <a:t>Il existe des limitations bien entendu : On ne peut pas utiliser cette fonction </a:t>
+            </a:r>
+            <a:r>
+              <a:rPr lang="fr-FR" dirty="0" err="1"/>
+              <a:t>inject</a:t>
+            </a:r>
+            <a:r>
+              <a:rPr lang="fr-FR" dirty="0"/>
+              <a:t> partout, il est nécessaire d’être dans un </a:t>
+            </a:r>
+            <a:r>
+              <a:rPr lang="fr-FR"/>
+              <a:t>contexte d’injection.</a:t>
+            </a:r>
             <a:endParaRPr lang="fr-FR" dirty="0"/>
           </a:p>
         </p:txBody>
@@ -892,7 +1315,7 @@
 </p:notes>
 </file>
 
-<file path=ppt/notesSlides/notesSlide13.xml><?xml version="1.0" encoding="utf-8"?>
+<file path=ppt/notesSlides/notesSlide15.xml><?xml version="1.0" encoding="utf-8"?>
 <p:notes xmlns:a="http://schemas.openxmlformats.org/drawingml/2006/main" xmlns:r="http://schemas.openxmlformats.org/officeDocument/2006/relationships" xmlns:p="http://schemas.openxmlformats.org/presentationml/2006/main">
   <p:cSld>
     <p:spTree>
@@ -1000,7 +1423,7 @@
 </p:notes>
 </file>
 
-<file path=ppt/notesSlides/notesSlide14.xml><?xml version="1.0" encoding="utf-8"?>
+<file path=ppt/notesSlides/notesSlide16.xml><?xml version="1.0" encoding="utf-8"?>
 <p:notes xmlns:a="http://schemas.openxmlformats.org/drawingml/2006/main" xmlns:r="http://schemas.openxmlformats.org/officeDocument/2006/relationships" xmlns:p="http://schemas.openxmlformats.org/presentationml/2006/main">
   <p:cSld>
     <p:spTree>
@@ -1099,222 +1522,6 @@
     <p:extLst>
       <p:ext uri="{BB962C8B-B14F-4D97-AF65-F5344CB8AC3E}">
         <p14:creationId xmlns:p14="http://schemas.microsoft.com/office/powerpoint/2010/main" val="3385922128"/>
-      </p:ext>
-    </p:extLst>
-  </p:cSld>
-  <p:clrMapOvr>
-    <a:masterClrMapping/>
-  </p:clrMapOvr>
-</p:notes>
-</file>
-
-<file path=ppt/notesSlides/notesSlide15.xml><?xml version="1.0" encoding="utf-8"?>
-<p:notes xmlns:a="http://schemas.openxmlformats.org/drawingml/2006/main" xmlns:r="http://schemas.openxmlformats.org/officeDocument/2006/relationships" xmlns:p="http://schemas.openxmlformats.org/presentationml/2006/main">
-  <p:cSld>
-    <p:spTree>
-      <p:nvGrpSpPr>
-        <p:cNvPr id="1" name="">
-          <a:extLst>
-            <a:ext uri="{FF2B5EF4-FFF2-40B4-BE49-F238E27FC236}">
-              <a16:creationId xmlns:a16="http://schemas.microsoft.com/office/drawing/2014/main" id="{F36513F0-37D6-D747-1421-6E60B8C07C7E}"/>
-            </a:ext>
-          </a:extLst>
-        </p:cNvPr>
-        <p:cNvGrpSpPr/>
-        <p:nvPr/>
-      </p:nvGrpSpPr>
-      <p:grpSpPr>
-        <a:xfrm>
-          <a:off x="0" y="0"/>
-          <a:ext cx="0" cy="0"/>
-          <a:chOff x="0" y="0"/>
-          <a:chExt cx="0" cy="0"/>
-        </a:xfrm>
-      </p:grpSpPr>
-      <p:sp>
-        <p:nvSpPr>
-          <p:cNvPr id="2" name="Espace réservé de l'image des diapositives 1">
-            <a:extLst>
-              <a:ext uri="{FF2B5EF4-FFF2-40B4-BE49-F238E27FC236}">
-                <a16:creationId xmlns:a16="http://schemas.microsoft.com/office/drawing/2014/main" id="{CCA557E2-1303-1B92-DE50-632EB09C87A4}"/>
-              </a:ext>
-            </a:extLst>
-          </p:cNvPr>
-          <p:cNvSpPr>
-            <a:spLocks noGrp="1" noRot="1" noChangeAspect="1"/>
-          </p:cNvSpPr>
-          <p:nvPr>
-            <p:ph type="sldImg"/>
-          </p:nvPr>
-        </p:nvSpPr>
-        <p:spPr/>
-      </p:sp>
-      <p:sp>
-        <p:nvSpPr>
-          <p:cNvPr id="3" name="Espace réservé des notes 2">
-            <a:extLst>
-              <a:ext uri="{FF2B5EF4-FFF2-40B4-BE49-F238E27FC236}">
-                <a16:creationId xmlns:a16="http://schemas.microsoft.com/office/drawing/2014/main" id="{57D81247-1186-5C36-1438-1C1DDC87D2AF}"/>
-              </a:ext>
-            </a:extLst>
-          </p:cNvPr>
-          <p:cNvSpPr>
-            <a:spLocks noGrp="1"/>
-          </p:cNvSpPr>
-          <p:nvPr>
-            <p:ph type="body" idx="1"/>
-          </p:nvPr>
-        </p:nvSpPr>
-        <p:spPr/>
-        <p:txBody>
-          <a:bodyPr/>
-          <a:lstStyle/>
-          <a:p>
-            <a:endParaRPr lang="fr-FR" dirty="0"/>
-          </a:p>
-        </p:txBody>
-      </p:sp>
-      <p:sp>
-        <p:nvSpPr>
-          <p:cNvPr id="4" name="Espace réservé du numéro de diapositive 3">
-            <a:extLst>
-              <a:ext uri="{FF2B5EF4-FFF2-40B4-BE49-F238E27FC236}">
-                <a16:creationId xmlns:a16="http://schemas.microsoft.com/office/drawing/2014/main" id="{654513DC-AD84-18E9-2B94-9358F81DDCE2}"/>
-              </a:ext>
-            </a:extLst>
-          </p:cNvPr>
-          <p:cNvSpPr>
-            <a:spLocks noGrp="1"/>
-          </p:cNvSpPr>
-          <p:nvPr>
-            <p:ph type="sldNum" sz="quarter" idx="5"/>
-          </p:nvPr>
-        </p:nvSpPr>
-        <p:spPr/>
-        <p:txBody>
-          <a:bodyPr/>
-          <a:lstStyle/>
-          <a:p>
-            <a:fld id="{EB0C3375-AD00-2849-8B47-02ED823D7559}" type="slidenum">
-              <a:rPr lang="fr-FR" smtClean="0"/>
-              <a:t>17</a:t>
-            </a:fld>
-            <a:endParaRPr lang="fr-FR"/>
-          </a:p>
-        </p:txBody>
-      </p:sp>
-    </p:spTree>
-    <p:extLst>
-      <p:ext uri="{BB962C8B-B14F-4D97-AF65-F5344CB8AC3E}">
-        <p14:creationId xmlns:p14="http://schemas.microsoft.com/office/powerpoint/2010/main" val="2216242843"/>
-      </p:ext>
-    </p:extLst>
-  </p:cSld>
-  <p:clrMapOvr>
-    <a:masterClrMapping/>
-  </p:clrMapOvr>
-</p:notes>
-</file>
-
-<file path=ppt/notesSlides/notesSlide16.xml><?xml version="1.0" encoding="utf-8"?>
-<p:notes xmlns:a="http://schemas.openxmlformats.org/drawingml/2006/main" xmlns:r="http://schemas.openxmlformats.org/officeDocument/2006/relationships" xmlns:p="http://schemas.openxmlformats.org/presentationml/2006/main">
-  <p:cSld>
-    <p:spTree>
-      <p:nvGrpSpPr>
-        <p:cNvPr id="1" name="">
-          <a:extLst>
-            <a:ext uri="{FF2B5EF4-FFF2-40B4-BE49-F238E27FC236}">
-              <a16:creationId xmlns:a16="http://schemas.microsoft.com/office/drawing/2014/main" id="{F36513F0-37D6-D747-1421-6E60B8C07C7E}"/>
-            </a:ext>
-          </a:extLst>
-        </p:cNvPr>
-        <p:cNvGrpSpPr/>
-        <p:nvPr/>
-      </p:nvGrpSpPr>
-      <p:grpSpPr>
-        <a:xfrm>
-          <a:off x="0" y="0"/>
-          <a:ext cx="0" cy="0"/>
-          <a:chOff x="0" y="0"/>
-          <a:chExt cx="0" cy="0"/>
-        </a:xfrm>
-      </p:grpSpPr>
-      <p:sp>
-        <p:nvSpPr>
-          <p:cNvPr id="2" name="Espace réservé de l'image des diapositives 1">
-            <a:extLst>
-              <a:ext uri="{FF2B5EF4-FFF2-40B4-BE49-F238E27FC236}">
-                <a16:creationId xmlns:a16="http://schemas.microsoft.com/office/drawing/2014/main" id="{CCA557E2-1303-1B92-DE50-632EB09C87A4}"/>
-              </a:ext>
-            </a:extLst>
-          </p:cNvPr>
-          <p:cNvSpPr>
-            <a:spLocks noGrp="1" noRot="1" noChangeAspect="1"/>
-          </p:cNvSpPr>
-          <p:nvPr>
-            <p:ph type="sldImg"/>
-          </p:nvPr>
-        </p:nvSpPr>
-        <p:spPr/>
-      </p:sp>
-      <p:sp>
-        <p:nvSpPr>
-          <p:cNvPr id="3" name="Espace réservé des notes 2">
-            <a:extLst>
-              <a:ext uri="{FF2B5EF4-FFF2-40B4-BE49-F238E27FC236}">
-                <a16:creationId xmlns:a16="http://schemas.microsoft.com/office/drawing/2014/main" id="{57D81247-1186-5C36-1438-1C1DDC87D2AF}"/>
-              </a:ext>
-            </a:extLst>
-          </p:cNvPr>
-          <p:cNvSpPr>
-            <a:spLocks noGrp="1"/>
-          </p:cNvSpPr>
-          <p:nvPr>
-            <p:ph type="body" idx="1"/>
-          </p:nvPr>
-        </p:nvSpPr>
-        <p:spPr/>
-        <p:txBody>
-          <a:bodyPr/>
-          <a:lstStyle/>
-          <a:p>
-            <a:endParaRPr lang="fr-FR" dirty="0"/>
-          </a:p>
-        </p:txBody>
-      </p:sp>
-      <p:sp>
-        <p:nvSpPr>
-          <p:cNvPr id="4" name="Espace réservé du numéro de diapositive 3">
-            <a:extLst>
-              <a:ext uri="{FF2B5EF4-FFF2-40B4-BE49-F238E27FC236}">
-                <a16:creationId xmlns:a16="http://schemas.microsoft.com/office/drawing/2014/main" id="{654513DC-AD84-18E9-2B94-9358F81DDCE2}"/>
-              </a:ext>
-            </a:extLst>
-          </p:cNvPr>
-          <p:cNvSpPr>
-            <a:spLocks noGrp="1"/>
-          </p:cNvSpPr>
-          <p:nvPr>
-            <p:ph type="sldNum" sz="quarter" idx="5"/>
-          </p:nvPr>
-        </p:nvSpPr>
-        <p:spPr/>
-        <p:txBody>
-          <a:bodyPr/>
-          <a:lstStyle/>
-          <a:p>
-            <a:fld id="{EB0C3375-AD00-2849-8B47-02ED823D7559}" type="slidenum">
-              <a:rPr lang="fr-FR" smtClean="0"/>
-              <a:t>18</a:t>
-            </a:fld>
-            <a:endParaRPr lang="fr-FR"/>
-          </a:p>
-        </p:txBody>
-      </p:sp>
-    </p:spTree>
-    <p:extLst>
-      <p:ext uri="{BB962C8B-B14F-4D97-AF65-F5344CB8AC3E}">
-        <p14:creationId xmlns:p14="http://schemas.microsoft.com/office/powerpoint/2010/main" val="187704489"/>
       </p:ext>
     </p:extLst>
   </p:cSld>
@@ -1413,7 +1620,7 @@
           <a:p>
             <a:fld id="{EB0C3375-AD00-2849-8B47-02ED823D7559}" type="slidenum">
               <a:rPr lang="fr-FR" smtClean="0"/>
-              <a:t>19</a:t>
+              <a:t>17</a:t>
             </a:fld>
             <a:endParaRPr lang="fr-FR"/>
           </a:p>
@@ -1422,7 +1629,7 @@
     </p:spTree>
     <p:extLst>
       <p:ext uri="{BB962C8B-B14F-4D97-AF65-F5344CB8AC3E}">
-        <p14:creationId xmlns:p14="http://schemas.microsoft.com/office/powerpoint/2010/main" val="2818104151"/>
+        <p14:creationId xmlns:p14="http://schemas.microsoft.com/office/powerpoint/2010/main" val="2216242843"/>
       </p:ext>
     </p:extLst>
   </p:cSld>
@@ -1433,6 +1640,417 @@
 </file>
 
 <file path=ppt/notesSlides/notesSlide18.xml><?xml version="1.0" encoding="utf-8"?>
+<p:notes xmlns:a="http://schemas.openxmlformats.org/drawingml/2006/main" xmlns:r="http://schemas.openxmlformats.org/officeDocument/2006/relationships" xmlns:p="http://schemas.openxmlformats.org/presentationml/2006/main">
+  <p:cSld>
+    <p:spTree>
+      <p:nvGrpSpPr>
+        <p:cNvPr id="1" name="">
+          <a:extLst>
+            <a:ext uri="{FF2B5EF4-FFF2-40B4-BE49-F238E27FC236}">
+              <a16:creationId xmlns:a16="http://schemas.microsoft.com/office/drawing/2014/main" id="{1D0AA110-C694-038E-FE2C-CB79290D8AD2}"/>
+            </a:ext>
+          </a:extLst>
+        </p:cNvPr>
+        <p:cNvGrpSpPr/>
+        <p:nvPr/>
+      </p:nvGrpSpPr>
+      <p:grpSpPr>
+        <a:xfrm>
+          <a:off x="0" y="0"/>
+          <a:ext cx="0" cy="0"/>
+          <a:chOff x="0" y="0"/>
+          <a:chExt cx="0" cy="0"/>
+        </a:xfrm>
+      </p:grpSpPr>
+      <p:sp>
+        <p:nvSpPr>
+          <p:cNvPr id="2" name="Espace réservé de l'image des diapositives 1">
+            <a:extLst>
+              <a:ext uri="{FF2B5EF4-FFF2-40B4-BE49-F238E27FC236}">
+                <a16:creationId xmlns:a16="http://schemas.microsoft.com/office/drawing/2014/main" id="{EE96C880-036E-6F99-9222-750A987345B1}"/>
+              </a:ext>
+            </a:extLst>
+          </p:cNvPr>
+          <p:cNvSpPr>
+            <a:spLocks noGrp="1" noRot="1" noChangeAspect="1"/>
+          </p:cNvSpPr>
+          <p:nvPr>
+            <p:ph type="sldImg"/>
+          </p:nvPr>
+        </p:nvSpPr>
+        <p:spPr/>
+      </p:sp>
+      <p:sp>
+        <p:nvSpPr>
+          <p:cNvPr id="3" name="Espace réservé des notes 2">
+            <a:extLst>
+              <a:ext uri="{FF2B5EF4-FFF2-40B4-BE49-F238E27FC236}">
+                <a16:creationId xmlns:a16="http://schemas.microsoft.com/office/drawing/2014/main" id="{54D58964-6A0C-4D8E-2E03-4B99E25AB2A9}"/>
+              </a:ext>
+            </a:extLst>
+          </p:cNvPr>
+          <p:cNvSpPr>
+            <a:spLocks noGrp="1"/>
+          </p:cNvSpPr>
+          <p:nvPr>
+            <p:ph type="body" idx="1"/>
+          </p:nvPr>
+        </p:nvSpPr>
+        <p:spPr/>
+        <p:txBody>
+          <a:bodyPr/>
+          <a:lstStyle/>
+          <a:p>
+            <a:endParaRPr lang="fr-FR" dirty="0"/>
+          </a:p>
+        </p:txBody>
+      </p:sp>
+      <p:sp>
+        <p:nvSpPr>
+          <p:cNvPr id="4" name="Espace réservé du numéro de diapositive 3">
+            <a:extLst>
+              <a:ext uri="{FF2B5EF4-FFF2-40B4-BE49-F238E27FC236}">
+                <a16:creationId xmlns:a16="http://schemas.microsoft.com/office/drawing/2014/main" id="{4308DD36-8BED-02FE-60A8-C96CB32E4A4B}"/>
+              </a:ext>
+            </a:extLst>
+          </p:cNvPr>
+          <p:cNvSpPr>
+            <a:spLocks noGrp="1"/>
+          </p:cNvSpPr>
+          <p:nvPr>
+            <p:ph type="sldNum" sz="quarter" idx="5"/>
+          </p:nvPr>
+        </p:nvSpPr>
+        <p:spPr/>
+        <p:txBody>
+          <a:bodyPr/>
+          <a:lstStyle/>
+          <a:p>
+            <a:fld id="{EB0C3375-AD00-2849-8B47-02ED823D7559}" type="slidenum">
+              <a:rPr lang="fr-FR" smtClean="0"/>
+              <a:t>18</a:t>
+            </a:fld>
+            <a:endParaRPr lang="fr-FR"/>
+          </a:p>
+        </p:txBody>
+      </p:sp>
+    </p:spTree>
+    <p:extLst>
+      <p:ext uri="{BB962C8B-B14F-4D97-AF65-F5344CB8AC3E}">
+        <p14:creationId xmlns:p14="http://schemas.microsoft.com/office/powerpoint/2010/main" val="2875577167"/>
+      </p:ext>
+    </p:extLst>
+  </p:cSld>
+  <p:clrMapOvr>
+    <a:masterClrMapping/>
+  </p:clrMapOvr>
+</p:notes>
+</file>
+
+<file path=ppt/notesSlides/notesSlide19.xml><?xml version="1.0" encoding="utf-8"?>
+<p:notes xmlns:a="http://schemas.openxmlformats.org/drawingml/2006/main" xmlns:r="http://schemas.openxmlformats.org/officeDocument/2006/relationships" xmlns:p="http://schemas.openxmlformats.org/presentationml/2006/main">
+  <p:cSld>
+    <p:spTree>
+      <p:nvGrpSpPr>
+        <p:cNvPr id="1" name="">
+          <a:extLst>
+            <a:ext uri="{FF2B5EF4-FFF2-40B4-BE49-F238E27FC236}">
+              <a16:creationId xmlns:a16="http://schemas.microsoft.com/office/drawing/2014/main" id="{F36513F0-37D6-D747-1421-6E60B8C07C7E}"/>
+            </a:ext>
+          </a:extLst>
+        </p:cNvPr>
+        <p:cNvGrpSpPr/>
+        <p:nvPr/>
+      </p:nvGrpSpPr>
+      <p:grpSpPr>
+        <a:xfrm>
+          <a:off x="0" y="0"/>
+          <a:ext cx="0" cy="0"/>
+          <a:chOff x="0" y="0"/>
+          <a:chExt cx="0" cy="0"/>
+        </a:xfrm>
+      </p:grpSpPr>
+      <p:sp>
+        <p:nvSpPr>
+          <p:cNvPr id="2" name="Espace réservé de l'image des diapositives 1">
+            <a:extLst>
+              <a:ext uri="{FF2B5EF4-FFF2-40B4-BE49-F238E27FC236}">
+                <a16:creationId xmlns:a16="http://schemas.microsoft.com/office/drawing/2014/main" id="{CCA557E2-1303-1B92-DE50-632EB09C87A4}"/>
+              </a:ext>
+            </a:extLst>
+          </p:cNvPr>
+          <p:cNvSpPr>
+            <a:spLocks noGrp="1" noRot="1" noChangeAspect="1"/>
+          </p:cNvSpPr>
+          <p:nvPr>
+            <p:ph type="sldImg"/>
+          </p:nvPr>
+        </p:nvSpPr>
+        <p:spPr/>
+      </p:sp>
+      <p:sp>
+        <p:nvSpPr>
+          <p:cNvPr id="3" name="Espace réservé des notes 2">
+            <a:extLst>
+              <a:ext uri="{FF2B5EF4-FFF2-40B4-BE49-F238E27FC236}">
+                <a16:creationId xmlns:a16="http://schemas.microsoft.com/office/drawing/2014/main" id="{57D81247-1186-5C36-1438-1C1DDC87D2AF}"/>
+              </a:ext>
+            </a:extLst>
+          </p:cNvPr>
+          <p:cNvSpPr>
+            <a:spLocks noGrp="1"/>
+          </p:cNvSpPr>
+          <p:nvPr>
+            <p:ph type="body" idx="1"/>
+          </p:nvPr>
+        </p:nvSpPr>
+        <p:spPr/>
+        <p:txBody>
+          <a:bodyPr/>
+          <a:lstStyle/>
+          <a:p>
+            <a:endParaRPr lang="fr-FR" dirty="0"/>
+          </a:p>
+        </p:txBody>
+      </p:sp>
+      <p:sp>
+        <p:nvSpPr>
+          <p:cNvPr id="4" name="Espace réservé du numéro de diapositive 3">
+            <a:extLst>
+              <a:ext uri="{FF2B5EF4-FFF2-40B4-BE49-F238E27FC236}">
+                <a16:creationId xmlns:a16="http://schemas.microsoft.com/office/drawing/2014/main" id="{654513DC-AD84-18E9-2B94-9358F81DDCE2}"/>
+              </a:ext>
+            </a:extLst>
+          </p:cNvPr>
+          <p:cNvSpPr>
+            <a:spLocks noGrp="1"/>
+          </p:cNvSpPr>
+          <p:nvPr>
+            <p:ph type="sldNum" sz="quarter" idx="5"/>
+          </p:nvPr>
+        </p:nvSpPr>
+        <p:spPr/>
+        <p:txBody>
+          <a:bodyPr/>
+          <a:lstStyle/>
+          <a:p>
+            <a:fld id="{EB0C3375-AD00-2849-8B47-02ED823D7559}" type="slidenum">
+              <a:rPr lang="fr-FR" smtClean="0"/>
+              <a:t>19</a:t>
+            </a:fld>
+            <a:endParaRPr lang="fr-FR"/>
+          </a:p>
+        </p:txBody>
+      </p:sp>
+    </p:spTree>
+    <p:extLst>
+      <p:ext uri="{BB962C8B-B14F-4D97-AF65-F5344CB8AC3E}">
+        <p14:creationId xmlns:p14="http://schemas.microsoft.com/office/powerpoint/2010/main" val="187704489"/>
+      </p:ext>
+    </p:extLst>
+  </p:cSld>
+  <p:clrMapOvr>
+    <a:masterClrMapping/>
+  </p:clrMapOvr>
+</p:notes>
+</file>
+
+<file path=ppt/notesSlides/notesSlide2.xml><?xml version="1.0" encoding="utf-8"?>
+<p:notes xmlns:a="http://schemas.openxmlformats.org/drawingml/2006/main" xmlns:r="http://schemas.openxmlformats.org/officeDocument/2006/relationships" xmlns:p="http://schemas.openxmlformats.org/presentationml/2006/main">
+  <p:cSld>
+    <p:spTree>
+      <p:nvGrpSpPr>
+        <p:cNvPr id="1" name=""/>
+        <p:cNvGrpSpPr/>
+        <p:nvPr/>
+      </p:nvGrpSpPr>
+      <p:grpSpPr>
+        <a:xfrm>
+          <a:off x="0" y="0"/>
+          <a:ext cx="0" cy="0"/>
+          <a:chOff x="0" y="0"/>
+          <a:chExt cx="0" cy="0"/>
+        </a:xfrm>
+      </p:grpSpPr>
+      <p:sp>
+        <p:nvSpPr>
+          <p:cNvPr id="2" name="Espace réservé de l'image des diapositives 1"/>
+          <p:cNvSpPr>
+            <a:spLocks noGrp="1" noRot="1" noChangeAspect="1"/>
+          </p:cNvSpPr>
+          <p:nvPr>
+            <p:ph type="sldImg"/>
+          </p:nvPr>
+        </p:nvSpPr>
+        <p:spPr/>
+      </p:sp>
+      <p:sp>
+        <p:nvSpPr>
+          <p:cNvPr id="3" name="Espace réservé des notes 2"/>
+          <p:cNvSpPr>
+            <a:spLocks noGrp="1"/>
+          </p:cNvSpPr>
+          <p:nvPr>
+            <p:ph type="body" idx="1"/>
+          </p:nvPr>
+        </p:nvSpPr>
+        <p:spPr/>
+        <p:txBody>
+          <a:bodyPr/>
+          <a:lstStyle/>
+          <a:p>
+            <a:r>
+              <a:rPr lang="fr-FR" dirty="0"/>
+              <a:t>Notre présentation</a:t>
+            </a:r>
+          </a:p>
+        </p:txBody>
+      </p:sp>
+      <p:sp>
+        <p:nvSpPr>
+          <p:cNvPr id="4" name="Espace réservé du numéro de diapositive 3"/>
+          <p:cNvSpPr>
+            <a:spLocks noGrp="1"/>
+          </p:cNvSpPr>
+          <p:nvPr>
+            <p:ph type="sldNum" sz="quarter" idx="5"/>
+          </p:nvPr>
+        </p:nvSpPr>
+        <p:spPr/>
+        <p:txBody>
+          <a:bodyPr/>
+          <a:lstStyle/>
+          <a:p>
+            <a:fld id="{EB0C3375-AD00-2849-8B47-02ED823D7559}" type="slidenum">
+              <a:rPr lang="fr-FR" smtClean="0"/>
+              <a:t>2</a:t>
+            </a:fld>
+            <a:endParaRPr lang="fr-FR"/>
+          </a:p>
+        </p:txBody>
+      </p:sp>
+    </p:spTree>
+    <p:extLst>
+      <p:ext uri="{BB962C8B-B14F-4D97-AF65-F5344CB8AC3E}">
+        <p14:creationId xmlns:p14="http://schemas.microsoft.com/office/powerpoint/2010/main" val="1380767728"/>
+      </p:ext>
+    </p:extLst>
+  </p:cSld>
+  <p:clrMapOvr>
+    <a:masterClrMapping/>
+  </p:clrMapOvr>
+</p:notes>
+</file>
+
+<file path=ppt/notesSlides/notesSlide20.xml><?xml version="1.0" encoding="utf-8"?>
+<p:notes xmlns:a="http://schemas.openxmlformats.org/drawingml/2006/main" xmlns:r="http://schemas.openxmlformats.org/officeDocument/2006/relationships" xmlns:p="http://schemas.openxmlformats.org/presentationml/2006/main">
+  <p:cSld>
+    <p:spTree>
+      <p:nvGrpSpPr>
+        <p:cNvPr id="1" name="">
+          <a:extLst>
+            <a:ext uri="{FF2B5EF4-FFF2-40B4-BE49-F238E27FC236}">
+              <a16:creationId xmlns:a16="http://schemas.microsoft.com/office/drawing/2014/main" id="{3B780864-11BA-9C29-ECF8-CD8A21BBDE4E}"/>
+            </a:ext>
+          </a:extLst>
+        </p:cNvPr>
+        <p:cNvGrpSpPr/>
+        <p:nvPr/>
+      </p:nvGrpSpPr>
+      <p:grpSpPr>
+        <a:xfrm>
+          <a:off x="0" y="0"/>
+          <a:ext cx="0" cy="0"/>
+          <a:chOff x="0" y="0"/>
+          <a:chExt cx="0" cy="0"/>
+        </a:xfrm>
+      </p:grpSpPr>
+      <p:sp>
+        <p:nvSpPr>
+          <p:cNvPr id="2" name="Espace réservé de l'image des diapositives 1">
+            <a:extLst>
+              <a:ext uri="{FF2B5EF4-FFF2-40B4-BE49-F238E27FC236}">
+                <a16:creationId xmlns:a16="http://schemas.microsoft.com/office/drawing/2014/main" id="{FB180D06-92E9-FC71-D74B-B472C90A58D3}"/>
+              </a:ext>
+            </a:extLst>
+          </p:cNvPr>
+          <p:cNvSpPr>
+            <a:spLocks noGrp="1" noRot="1" noChangeAspect="1"/>
+          </p:cNvSpPr>
+          <p:nvPr>
+            <p:ph type="sldImg"/>
+          </p:nvPr>
+        </p:nvSpPr>
+        <p:spPr/>
+      </p:sp>
+      <p:sp>
+        <p:nvSpPr>
+          <p:cNvPr id="3" name="Espace réservé des notes 2">
+            <a:extLst>
+              <a:ext uri="{FF2B5EF4-FFF2-40B4-BE49-F238E27FC236}">
+                <a16:creationId xmlns:a16="http://schemas.microsoft.com/office/drawing/2014/main" id="{91448EA3-4331-13DB-F626-F5E1F9AB6B0E}"/>
+              </a:ext>
+            </a:extLst>
+          </p:cNvPr>
+          <p:cNvSpPr>
+            <a:spLocks noGrp="1"/>
+          </p:cNvSpPr>
+          <p:nvPr>
+            <p:ph type="body" idx="1"/>
+          </p:nvPr>
+        </p:nvSpPr>
+        <p:spPr/>
+        <p:txBody>
+          <a:bodyPr/>
+          <a:lstStyle/>
+          <a:p>
+            <a:endParaRPr lang="fr-FR" dirty="0"/>
+          </a:p>
+        </p:txBody>
+      </p:sp>
+      <p:sp>
+        <p:nvSpPr>
+          <p:cNvPr id="4" name="Espace réservé du numéro de diapositive 3">
+            <a:extLst>
+              <a:ext uri="{FF2B5EF4-FFF2-40B4-BE49-F238E27FC236}">
+                <a16:creationId xmlns:a16="http://schemas.microsoft.com/office/drawing/2014/main" id="{EE6A5A19-6C5B-D7D0-4B4D-A661D20F24BF}"/>
+              </a:ext>
+            </a:extLst>
+          </p:cNvPr>
+          <p:cNvSpPr>
+            <a:spLocks noGrp="1"/>
+          </p:cNvSpPr>
+          <p:nvPr>
+            <p:ph type="sldNum" sz="quarter" idx="5"/>
+          </p:nvPr>
+        </p:nvSpPr>
+        <p:spPr/>
+        <p:txBody>
+          <a:bodyPr/>
+          <a:lstStyle/>
+          <a:p>
+            <a:fld id="{EB0C3375-AD00-2849-8B47-02ED823D7559}" type="slidenum">
+              <a:rPr lang="fr-FR" smtClean="0"/>
+              <a:t>20</a:t>
+            </a:fld>
+            <a:endParaRPr lang="fr-FR"/>
+          </a:p>
+        </p:txBody>
+      </p:sp>
+    </p:spTree>
+    <p:extLst>
+      <p:ext uri="{BB962C8B-B14F-4D97-AF65-F5344CB8AC3E}">
+        <p14:creationId xmlns:p14="http://schemas.microsoft.com/office/powerpoint/2010/main" val="3842465737"/>
+      </p:ext>
+    </p:extLst>
+  </p:cSld>
+  <p:clrMapOvr>
+    <a:masterClrMapping/>
+  </p:clrMapOvr>
+</p:notes>
+</file>
+
+<file path=ppt/notesSlides/notesSlide21.xml><?xml version="1.0" encoding="utf-8"?>
 <p:notes xmlns:a="http://schemas.openxmlformats.org/drawingml/2006/main" xmlns:r="http://schemas.openxmlformats.org/officeDocument/2006/relationships" xmlns:p="http://schemas.openxmlformats.org/presentationml/2006/main">
   <p:cSld>
     <p:spTree>
@@ -1521,7 +2139,7 @@
           <a:p>
             <a:fld id="{EB0C3375-AD00-2849-8B47-02ED823D7559}" type="slidenum">
               <a:rPr lang="fr-FR" smtClean="0"/>
-              <a:t>20</a:t>
+              <a:t>21</a:t>
             </a:fld>
             <a:endParaRPr lang="fr-FR"/>
           </a:p>
@@ -1540,7 +2158,7 @@
 </p:notes>
 </file>
 
-<file path=ppt/notesSlides/notesSlide19.xml><?xml version="1.0" encoding="utf-8"?>
+<file path=ppt/notesSlides/notesSlide22.xml><?xml version="1.0" encoding="utf-8"?>
 <p:notes xmlns:a="http://schemas.openxmlformats.org/drawingml/2006/main" xmlns:r="http://schemas.openxmlformats.org/officeDocument/2006/relationships" xmlns:p="http://schemas.openxmlformats.org/presentationml/2006/main">
   <p:cSld>
     <p:spTree>
@@ -1629,7 +2247,7 @@
           <a:p>
             <a:fld id="{EB0C3375-AD00-2849-8B47-02ED823D7559}" type="slidenum">
               <a:rPr lang="fr-FR" smtClean="0"/>
-              <a:t>21</a:t>
+              <a:t>22</a:t>
             </a:fld>
             <a:endParaRPr lang="fr-FR"/>
           </a:p>
@@ -1648,7 +2266,91 @@
 </p:notes>
 </file>
 
-<file path=ppt/notesSlides/notesSlide2.xml><?xml version="1.0" encoding="utf-8"?>
+<file path=ppt/notesSlides/notesSlide3.xml><?xml version="1.0" encoding="utf-8"?>
+<p:notes xmlns:a="http://schemas.openxmlformats.org/drawingml/2006/main" xmlns:r="http://schemas.openxmlformats.org/officeDocument/2006/relationships" xmlns:p="http://schemas.openxmlformats.org/presentationml/2006/main">
+  <p:cSld>
+    <p:spTree>
+      <p:nvGrpSpPr>
+        <p:cNvPr id="1" name=""/>
+        <p:cNvGrpSpPr/>
+        <p:nvPr/>
+      </p:nvGrpSpPr>
+      <p:grpSpPr>
+        <a:xfrm>
+          <a:off x="0" y="0"/>
+          <a:ext cx="0" cy="0"/>
+          <a:chOff x="0" y="0"/>
+          <a:chExt cx="0" cy="0"/>
+        </a:xfrm>
+      </p:grpSpPr>
+      <p:sp>
+        <p:nvSpPr>
+          <p:cNvPr id="2" name="Espace réservé de l'image des diapositives 1"/>
+          <p:cNvSpPr>
+            <a:spLocks noGrp="1" noRot="1" noChangeAspect="1"/>
+          </p:cNvSpPr>
+          <p:nvPr>
+            <p:ph type="sldImg"/>
+          </p:nvPr>
+        </p:nvSpPr>
+        <p:spPr/>
+      </p:sp>
+      <p:sp>
+        <p:nvSpPr>
+          <p:cNvPr id="3" name="Espace réservé des notes 2"/>
+          <p:cNvSpPr>
+            <a:spLocks noGrp="1"/>
+          </p:cNvSpPr>
+          <p:nvPr>
+            <p:ph type="body" idx="1"/>
+          </p:nvPr>
+        </p:nvSpPr>
+        <p:spPr/>
+        <p:txBody>
+          <a:bodyPr/>
+          <a:lstStyle/>
+          <a:p>
+            <a:endParaRPr lang="fr-FR" dirty="0"/>
+          </a:p>
+        </p:txBody>
+      </p:sp>
+      <p:sp>
+        <p:nvSpPr>
+          <p:cNvPr id="4" name="Espace réservé du numéro de diapositive 3"/>
+          <p:cNvSpPr>
+            <a:spLocks noGrp="1"/>
+          </p:cNvSpPr>
+          <p:nvPr>
+            <p:ph type="sldNum" sz="quarter" idx="5"/>
+          </p:nvPr>
+        </p:nvSpPr>
+        <p:spPr/>
+        <p:txBody>
+          <a:bodyPr/>
+          <a:lstStyle/>
+          <a:p>
+            <a:fld id="{EB0C3375-AD00-2849-8B47-02ED823D7559}" type="slidenum">
+              <a:rPr lang="fr-FR" smtClean="0"/>
+              <a:t>3</a:t>
+            </a:fld>
+            <a:endParaRPr lang="fr-FR"/>
+          </a:p>
+        </p:txBody>
+      </p:sp>
+    </p:spTree>
+    <p:extLst>
+      <p:ext uri="{BB962C8B-B14F-4D97-AF65-F5344CB8AC3E}">
+        <p14:creationId xmlns:p14="http://schemas.microsoft.com/office/powerpoint/2010/main" val="202802719"/>
+      </p:ext>
+    </p:extLst>
+  </p:cSld>
+  <p:clrMapOvr>
+    <a:masterClrMapping/>
+  </p:clrMapOvr>
+</p:notes>
+</file>
+
+<file path=ppt/notesSlides/notesSlide4.xml><?xml version="1.0" encoding="utf-8"?>
 <p:notes xmlns:a="http://schemas.openxmlformats.org/drawingml/2006/main" xmlns:r="http://schemas.openxmlformats.org/officeDocument/2006/relationships" xmlns:p="http://schemas.openxmlformats.org/presentationml/2006/main">
   <p:cSld>
     <p:spTree>
@@ -1710,7 +2412,27 @@
           <a:bodyPr/>
           <a:lstStyle/>
           <a:p>
+            <a:r>
+              <a:rPr lang="fr-FR" dirty="0"/>
+              <a:t>Nous allons d’abord passer en revue les grandes nouveautés introduit dans les dernières versions d’</a:t>
+            </a:r>
+            <a:r>
+              <a:rPr lang="fr-FR" dirty="0" err="1"/>
+              <a:t>Angular</a:t>
+            </a:r>
+            <a:r>
+              <a:rPr lang="fr-FR" dirty="0"/>
+              <a:t> (pas forcément la 17)</a:t>
+            </a:r>
+          </a:p>
+          <a:p>
             <a:endParaRPr lang="fr-FR" dirty="0"/>
+          </a:p>
+          <a:p>
+            <a:r>
+              <a:rPr lang="fr-FR" dirty="0"/>
+              <a:t>Nous présenterons ensuite le TP que nous allons réaliser au cours de cet atelier.</a:t>
+            </a:r>
           </a:p>
         </p:txBody>
       </p:sp>
@@ -1756,7 +2478,7 @@
 </p:notes>
 </file>
 
-<file path=ppt/notesSlides/notesSlide3.xml><?xml version="1.0" encoding="utf-8"?>
+<file path=ppt/notesSlides/notesSlide5.xml><?xml version="1.0" encoding="utf-8"?>
 <p:notes xmlns:a="http://schemas.openxmlformats.org/drawingml/2006/main" xmlns:r="http://schemas.openxmlformats.org/officeDocument/2006/relationships" xmlns:p="http://schemas.openxmlformats.org/presentationml/2006/main">
   <p:cSld>
     <p:spTree>
@@ -1818,7 +2540,38 @@
           <a:bodyPr/>
           <a:lstStyle/>
           <a:p>
-            <a:endParaRPr lang="fr-FR" dirty="0"/>
+            <a:r>
+              <a:rPr lang="fr-FR" dirty="0" err="1"/>
+              <a:t>Angular</a:t>
+            </a:r>
+            <a:r>
+              <a:rPr lang="fr-FR" dirty="0"/>
+              <a:t> 17 marque un renouveau pour </a:t>
+            </a:r>
+            <a:r>
+              <a:rPr lang="fr-FR" dirty="0" err="1"/>
+              <a:t>Angular</a:t>
+            </a:r>
+            <a:r>
+              <a:rPr lang="fr-FR" dirty="0"/>
+              <a:t> -&gt; ils ont fait les choses en grand, nouveau logo, attention c’est pas non plus la même marche que lorsqu’on est passé de </a:t>
+            </a:r>
+            <a:r>
+              <a:rPr lang="fr-FR" dirty="0" err="1"/>
+              <a:t>angularjs</a:t>
+            </a:r>
+            <a:r>
+              <a:rPr lang="fr-FR" dirty="0"/>
+              <a:t> à </a:t>
+            </a:r>
+            <a:r>
+              <a:rPr lang="fr-FR" dirty="0" err="1"/>
+              <a:t>angular</a:t>
+            </a:r>
+            <a:r>
+              <a:rPr lang="fr-FR" dirty="0"/>
+              <a:t> 2 !!!</a:t>
+            </a:r>
           </a:p>
         </p:txBody>
       </p:sp>
@@ -1864,7 +2617,7 @@
 </p:notes>
 </file>
 
-<file path=ppt/notesSlides/notesSlide4.xml><?xml version="1.0" encoding="utf-8"?>
+<file path=ppt/notesSlides/notesSlide6.xml><?xml version="1.0" encoding="utf-8"?>
 <p:notes xmlns:a="http://schemas.openxmlformats.org/drawingml/2006/main" xmlns:r="http://schemas.openxmlformats.org/officeDocument/2006/relationships" xmlns:p="http://schemas.openxmlformats.org/presentationml/2006/main">
   <p:cSld>
     <p:spTree>
@@ -1926,7 +2679,10 @@
           <a:bodyPr/>
           <a:lstStyle/>
           <a:p>
-            <a:endParaRPr lang="fr-FR" dirty="0"/>
+            <a:r>
+              <a:rPr lang="fr-FR" dirty="0"/>
+              <a:t>Nouvelle documentation -&gt; l’ancienne existe toujours !!!</a:t>
+            </a:r>
           </a:p>
         </p:txBody>
       </p:sp>
@@ -1972,7 +2728,7 @@
 </p:notes>
 </file>
 
-<file path=ppt/notesSlides/notesSlide5.xml><?xml version="1.0" encoding="utf-8"?>
+<file path=ppt/notesSlides/notesSlide7.xml><?xml version="1.0" encoding="utf-8"?>
 <p:notes xmlns:a="http://schemas.openxmlformats.org/drawingml/2006/main" xmlns:r="http://schemas.openxmlformats.org/officeDocument/2006/relationships" xmlns:p="http://schemas.openxmlformats.org/presentationml/2006/main">
   <p:cSld>
     <p:spTree>
@@ -2034,7 +2790,14 @@
           <a:bodyPr/>
           <a:lstStyle/>
           <a:p>
-            <a:endParaRPr lang="fr-FR" dirty="0"/>
+            <a:r>
+              <a:rPr lang="fr-FR" dirty="0" err="1"/>
+              <a:t>Playgrond</a:t>
+            </a:r>
+            <a:r>
+              <a:rPr lang="fr-FR" dirty="0"/>
+              <a:t> disponible pour jouer directement sur votre navigateur sans installation sur votre poste. Idem pour les tutoriaux …</a:t>
+            </a:r>
           </a:p>
         </p:txBody>
       </p:sp>
@@ -2080,7 +2843,7 @@
 </p:notes>
 </file>
 
-<file path=ppt/notesSlides/notesSlide6.xml><?xml version="1.0" encoding="utf-8"?>
+<file path=ppt/notesSlides/notesSlide8.xml><?xml version="1.0" encoding="utf-8"?>
 <p:notes xmlns:a="http://schemas.openxmlformats.org/drawingml/2006/main" xmlns:r="http://schemas.openxmlformats.org/officeDocument/2006/relationships" xmlns:p="http://schemas.openxmlformats.org/presentationml/2006/main">
   <p:cSld>
     <p:spTree>
@@ -2142,7 +2905,63 @@
           <a:bodyPr/>
           <a:lstStyle/>
           <a:p>
+            <a:r>
+              <a:rPr lang="fr-FR" dirty="0"/>
+              <a:t>Les standalones sont un nouveau concept introduit afin de se séparer de la notion de module au niveau du code.</a:t>
+            </a:r>
+          </a:p>
+          <a:p>
             <a:endParaRPr lang="fr-FR" dirty="0"/>
+          </a:p>
+          <a:p>
+            <a:r>
+              <a:rPr lang="fr-FR" dirty="0"/>
+              <a:t>Comment faire un standalone, c’est pas très compliqué :</a:t>
+            </a:r>
+          </a:p>
+          <a:p>
+            <a:r>
+              <a:rPr lang="fr-FR" dirty="0"/>
+              <a:t>- on ajoute le flag standalone au composant</a:t>
+            </a:r>
+          </a:p>
+          <a:p>
+            <a:r>
+              <a:rPr lang="fr-FR" dirty="0"/>
+              <a:t>- On supprime le composant des </a:t>
+            </a:r>
+            <a:r>
+              <a:rPr lang="fr-FR" dirty="0" err="1"/>
+              <a:t>declarations</a:t>
+            </a:r>
+            <a:r>
+              <a:rPr lang="fr-FR" dirty="0"/>
+              <a:t> du modules</a:t>
+            </a:r>
+          </a:p>
+          <a:p>
+            <a:r>
+              <a:rPr lang="fr-FR" dirty="0"/>
+              <a:t>- On ajoute les imports nécessaires au composant</a:t>
+            </a:r>
+          </a:p>
+          <a:p>
+            <a:endParaRPr lang="fr-FR" dirty="0"/>
+          </a:p>
+          <a:p>
+            <a:r>
+              <a:rPr lang="fr-FR" dirty="0"/>
+              <a:t>Et voilà</a:t>
+            </a:r>
+          </a:p>
+          <a:p>
+            <a:endParaRPr lang="fr-FR" dirty="0"/>
+          </a:p>
+          <a:p>
+            <a:r>
+              <a:rPr lang="fr-FR" dirty="0"/>
+              <a:t>En réalité, c’est comme si il existait un module avec uniquement le composant !!!</a:t>
+            </a:r>
           </a:p>
         </p:txBody>
       </p:sp>
@@ -2188,7 +3007,7 @@
 </p:notes>
 </file>
 
-<file path=ppt/notesSlides/notesSlide7.xml><?xml version="1.0" encoding="utf-8"?>
+<file path=ppt/notesSlides/notesSlide9.xml><?xml version="1.0" encoding="utf-8"?>
 <p:notes xmlns:a="http://schemas.openxmlformats.org/drawingml/2006/main" xmlns:r="http://schemas.openxmlformats.org/officeDocument/2006/relationships" xmlns:p="http://schemas.openxmlformats.org/presentationml/2006/main">
   <p:cSld>
     <p:spTree>
@@ -2250,7 +3069,18 @@
           <a:bodyPr/>
           <a:lstStyle/>
           <a:p>
-            <a:endParaRPr lang="fr-FR" dirty="0"/>
+            <a:r>
+              <a:rPr lang="fr-FR" dirty="0"/>
+              <a:t>Les signaux sont de nouveau type d’objet permettant de commencer une transition pour se passer de </a:t>
+            </a:r>
+            <a:r>
+              <a:rPr lang="fr-FR" dirty="0" err="1"/>
+              <a:t>zoneJs</a:t>
+            </a:r>
+            <a:r>
+              <a:rPr lang="fr-FR" dirty="0"/>
+              <a:t>. Comment ça fonctionne. En gros les signaux sont indépendant sur cycle de vie d’un composant. Lorsqu’une valeur est changé dans un signal, elle est auto propagé aux autres signaux en cascade. Il existe plein de façon de pouvoir les utiliser.</a:t>
+            </a:r>
           </a:p>
         </p:txBody>
       </p:sp>
@@ -2287,222 +3117,6 @@
     <p:extLst>
       <p:ext uri="{BB962C8B-B14F-4D97-AF65-F5344CB8AC3E}">
         <p14:creationId xmlns:p14="http://schemas.microsoft.com/office/powerpoint/2010/main" val="3419930292"/>
-      </p:ext>
-    </p:extLst>
-  </p:cSld>
-  <p:clrMapOvr>
-    <a:masterClrMapping/>
-  </p:clrMapOvr>
-</p:notes>
-</file>
-
-<file path=ppt/notesSlides/notesSlide8.xml><?xml version="1.0" encoding="utf-8"?>
-<p:notes xmlns:a="http://schemas.openxmlformats.org/drawingml/2006/main" xmlns:r="http://schemas.openxmlformats.org/officeDocument/2006/relationships" xmlns:p="http://schemas.openxmlformats.org/presentationml/2006/main">
-  <p:cSld>
-    <p:spTree>
-      <p:nvGrpSpPr>
-        <p:cNvPr id="1" name="">
-          <a:extLst>
-            <a:ext uri="{FF2B5EF4-FFF2-40B4-BE49-F238E27FC236}">
-              <a16:creationId xmlns:a16="http://schemas.microsoft.com/office/drawing/2014/main" id="{0010A2BC-5167-6A03-0A00-952930325421}"/>
-            </a:ext>
-          </a:extLst>
-        </p:cNvPr>
-        <p:cNvGrpSpPr/>
-        <p:nvPr/>
-      </p:nvGrpSpPr>
-      <p:grpSpPr>
-        <a:xfrm>
-          <a:off x="0" y="0"/>
-          <a:ext cx="0" cy="0"/>
-          <a:chOff x="0" y="0"/>
-          <a:chExt cx="0" cy="0"/>
-        </a:xfrm>
-      </p:grpSpPr>
-      <p:sp>
-        <p:nvSpPr>
-          <p:cNvPr id="2" name="Espace réservé de l'image des diapositives 1">
-            <a:extLst>
-              <a:ext uri="{FF2B5EF4-FFF2-40B4-BE49-F238E27FC236}">
-                <a16:creationId xmlns:a16="http://schemas.microsoft.com/office/drawing/2014/main" id="{D643D55B-AF8E-4F2F-1C91-F298F98081E1}"/>
-              </a:ext>
-            </a:extLst>
-          </p:cNvPr>
-          <p:cNvSpPr>
-            <a:spLocks noGrp="1" noRot="1" noChangeAspect="1"/>
-          </p:cNvSpPr>
-          <p:nvPr>
-            <p:ph type="sldImg"/>
-          </p:nvPr>
-        </p:nvSpPr>
-        <p:spPr/>
-      </p:sp>
-      <p:sp>
-        <p:nvSpPr>
-          <p:cNvPr id="3" name="Espace réservé des notes 2">
-            <a:extLst>
-              <a:ext uri="{FF2B5EF4-FFF2-40B4-BE49-F238E27FC236}">
-                <a16:creationId xmlns:a16="http://schemas.microsoft.com/office/drawing/2014/main" id="{64805E78-FAFC-3FBD-D7A1-C80B355B73F1}"/>
-              </a:ext>
-            </a:extLst>
-          </p:cNvPr>
-          <p:cNvSpPr>
-            <a:spLocks noGrp="1"/>
-          </p:cNvSpPr>
-          <p:nvPr>
-            <p:ph type="body" idx="1"/>
-          </p:nvPr>
-        </p:nvSpPr>
-        <p:spPr/>
-        <p:txBody>
-          <a:bodyPr/>
-          <a:lstStyle/>
-          <a:p>
-            <a:endParaRPr lang="fr-FR" dirty="0"/>
-          </a:p>
-        </p:txBody>
-      </p:sp>
-      <p:sp>
-        <p:nvSpPr>
-          <p:cNvPr id="4" name="Espace réservé du numéro de diapositive 3">
-            <a:extLst>
-              <a:ext uri="{FF2B5EF4-FFF2-40B4-BE49-F238E27FC236}">
-                <a16:creationId xmlns:a16="http://schemas.microsoft.com/office/drawing/2014/main" id="{F08E4A46-71DD-EE67-71FB-407F9DCAFAE2}"/>
-              </a:ext>
-            </a:extLst>
-          </p:cNvPr>
-          <p:cNvSpPr>
-            <a:spLocks noGrp="1"/>
-          </p:cNvSpPr>
-          <p:nvPr>
-            <p:ph type="sldNum" sz="quarter" idx="5"/>
-          </p:nvPr>
-        </p:nvSpPr>
-        <p:spPr/>
-        <p:txBody>
-          <a:bodyPr/>
-          <a:lstStyle/>
-          <a:p>
-            <a:fld id="{EB0C3375-AD00-2849-8B47-02ED823D7559}" type="slidenum">
-              <a:rPr lang="fr-FR" smtClean="0"/>
-              <a:t>10</a:t>
-            </a:fld>
-            <a:endParaRPr lang="fr-FR"/>
-          </a:p>
-        </p:txBody>
-      </p:sp>
-    </p:spTree>
-    <p:extLst>
-      <p:ext uri="{BB962C8B-B14F-4D97-AF65-F5344CB8AC3E}">
-        <p14:creationId xmlns:p14="http://schemas.microsoft.com/office/powerpoint/2010/main" val="3255709435"/>
-      </p:ext>
-    </p:extLst>
-  </p:cSld>
-  <p:clrMapOvr>
-    <a:masterClrMapping/>
-  </p:clrMapOvr>
-</p:notes>
-</file>
-
-<file path=ppt/notesSlides/notesSlide9.xml><?xml version="1.0" encoding="utf-8"?>
-<p:notes xmlns:a="http://schemas.openxmlformats.org/drawingml/2006/main" xmlns:r="http://schemas.openxmlformats.org/officeDocument/2006/relationships" xmlns:p="http://schemas.openxmlformats.org/presentationml/2006/main">
-  <p:cSld>
-    <p:spTree>
-      <p:nvGrpSpPr>
-        <p:cNvPr id="1" name="">
-          <a:extLst>
-            <a:ext uri="{FF2B5EF4-FFF2-40B4-BE49-F238E27FC236}">
-              <a16:creationId xmlns:a16="http://schemas.microsoft.com/office/drawing/2014/main" id="{61BF84CA-E9C7-E21A-551B-83D69EE7BBDE}"/>
-            </a:ext>
-          </a:extLst>
-        </p:cNvPr>
-        <p:cNvGrpSpPr/>
-        <p:nvPr/>
-      </p:nvGrpSpPr>
-      <p:grpSpPr>
-        <a:xfrm>
-          <a:off x="0" y="0"/>
-          <a:ext cx="0" cy="0"/>
-          <a:chOff x="0" y="0"/>
-          <a:chExt cx="0" cy="0"/>
-        </a:xfrm>
-      </p:grpSpPr>
-      <p:sp>
-        <p:nvSpPr>
-          <p:cNvPr id="2" name="Espace réservé de l'image des diapositives 1">
-            <a:extLst>
-              <a:ext uri="{FF2B5EF4-FFF2-40B4-BE49-F238E27FC236}">
-                <a16:creationId xmlns:a16="http://schemas.microsoft.com/office/drawing/2014/main" id="{883C61A0-68D4-CD34-9D4C-A64F14F5751F}"/>
-              </a:ext>
-            </a:extLst>
-          </p:cNvPr>
-          <p:cNvSpPr>
-            <a:spLocks noGrp="1" noRot="1" noChangeAspect="1"/>
-          </p:cNvSpPr>
-          <p:nvPr>
-            <p:ph type="sldImg"/>
-          </p:nvPr>
-        </p:nvSpPr>
-        <p:spPr/>
-      </p:sp>
-      <p:sp>
-        <p:nvSpPr>
-          <p:cNvPr id="3" name="Espace réservé des notes 2">
-            <a:extLst>
-              <a:ext uri="{FF2B5EF4-FFF2-40B4-BE49-F238E27FC236}">
-                <a16:creationId xmlns:a16="http://schemas.microsoft.com/office/drawing/2014/main" id="{F7C52168-ADB6-6D69-30FA-6B8AA1F38007}"/>
-              </a:ext>
-            </a:extLst>
-          </p:cNvPr>
-          <p:cNvSpPr>
-            <a:spLocks noGrp="1"/>
-          </p:cNvSpPr>
-          <p:nvPr>
-            <p:ph type="body" idx="1"/>
-          </p:nvPr>
-        </p:nvSpPr>
-        <p:spPr/>
-        <p:txBody>
-          <a:bodyPr/>
-          <a:lstStyle/>
-          <a:p>
-            <a:endParaRPr lang="fr-FR" dirty="0"/>
-          </a:p>
-        </p:txBody>
-      </p:sp>
-      <p:sp>
-        <p:nvSpPr>
-          <p:cNvPr id="4" name="Espace réservé du numéro de diapositive 3">
-            <a:extLst>
-              <a:ext uri="{FF2B5EF4-FFF2-40B4-BE49-F238E27FC236}">
-                <a16:creationId xmlns:a16="http://schemas.microsoft.com/office/drawing/2014/main" id="{2AD28C42-A23B-FECB-3FBF-D9D536989C1E}"/>
-              </a:ext>
-            </a:extLst>
-          </p:cNvPr>
-          <p:cNvSpPr>
-            <a:spLocks noGrp="1"/>
-          </p:cNvSpPr>
-          <p:nvPr>
-            <p:ph type="sldNum" sz="quarter" idx="5"/>
-          </p:nvPr>
-        </p:nvSpPr>
-        <p:spPr/>
-        <p:txBody>
-          <a:bodyPr/>
-          <a:lstStyle/>
-          <a:p>
-            <a:fld id="{EB0C3375-AD00-2849-8B47-02ED823D7559}" type="slidenum">
-              <a:rPr lang="fr-FR" smtClean="0"/>
-              <a:t>11</a:t>
-            </a:fld>
-            <a:endParaRPr lang="fr-FR"/>
-          </a:p>
-        </p:txBody>
-      </p:sp>
-    </p:spTree>
-    <p:extLst>
-      <p:ext uri="{BB962C8B-B14F-4D97-AF65-F5344CB8AC3E}">
-        <p14:creationId xmlns:p14="http://schemas.microsoft.com/office/powerpoint/2010/main" val="1673340606"/>
       </p:ext>
     </p:extLst>
   </p:cSld>
@@ -2659,7 +3273,7 @@
           <a:p>
             <a:fld id="{B31D952E-9AEA-B24E-B6B1-F2B5D1DED824}" type="datetimeFigureOut">
               <a:rPr lang="fr-FR" smtClean="0"/>
-              <a:t>26/01/2024</a:t>
+              <a:t>31/01/2024</a:t>
             </a:fld>
             <a:endParaRPr lang="fr-FR"/>
           </a:p>
@@ -2857,7 +3471,7 @@
           <a:p>
             <a:fld id="{B31D952E-9AEA-B24E-B6B1-F2B5D1DED824}" type="datetimeFigureOut">
               <a:rPr lang="fr-FR" smtClean="0"/>
-              <a:t>26/01/2024</a:t>
+              <a:t>31/01/2024</a:t>
             </a:fld>
             <a:endParaRPr lang="fr-FR"/>
           </a:p>
@@ -3065,7 +3679,7 @@
           <a:p>
             <a:fld id="{B31D952E-9AEA-B24E-B6B1-F2B5D1DED824}" type="datetimeFigureOut">
               <a:rPr lang="fr-FR" smtClean="0"/>
-              <a:t>26/01/2024</a:t>
+              <a:t>31/01/2024</a:t>
             </a:fld>
             <a:endParaRPr lang="fr-FR"/>
           </a:p>
@@ -3263,7 +3877,7 @@
           <a:p>
             <a:fld id="{B31D952E-9AEA-B24E-B6B1-F2B5D1DED824}" type="datetimeFigureOut">
               <a:rPr lang="fr-FR" smtClean="0"/>
-              <a:t>26/01/2024</a:t>
+              <a:t>31/01/2024</a:t>
             </a:fld>
             <a:endParaRPr lang="fr-FR"/>
           </a:p>
@@ -3538,7 +4152,7 @@
           <a:p>
             <a:fld id="{B31D952E-9AEA-B24E-B6B1-F2B5D1DED824}" type="datetimeFigureOut">
               <a:rPr lang="fr-FR" smtClean="0"/>
-              <a:t>26/01/2024</a:t>
+              <a:t>31/01/2024</a:t>
             </a:fld>
             <a:endParaRPr lang="fr-FR"/>
           </a:p>
@@ -3803,7 +4417,7 @@
           <a:p>
             <a:fld id="{B31D952E-9AEA-B24E-B6B1-F2B5D1DED824}" type="datetimeFigureOut">
               <a:rPr lang="fr-FR" smtClean="0"/>
-              <a:t>26/01/2024</a:t>
+              <a:t>31/01/2024</a:t>
             </a:fld>
             <a:endParaRPr lang="fr-FR"/>
           </a:p>
@@ -4215,7 +4829,7 @@
           <a:p>
             <a:fld id="{B31D952E-9AEA-B24E-B6B1-F2B5D1DED824}" type="datetimeFigureOut">
               <a:rPr lang="fr-FR" smtClean="0"/>
-              <a:t>26/01/2024</a:t>
+              <a:t>31/01/2024</a:t>
             </a:fld>
             <a:endParaRPr lang="fr-FR"/>
           </a:p>
@@ -4356,7 +4970,7 @@
           <a:p>
             <a:fld id="{B31D952E-9AEA-B24E-B6B1-F2B5D1DED824}" type="datetimeFigureOut">
               <a:rPr lang="fr-FR" smtClean="0"/>
-              <a:t>26/01/2024</a:t>
+              <a:t>31/01/2024</a:t>
             </a:fld>
             <a:endParaRPr lang="fr-FR"/>
           </a:p>
@@ -4469,7 +5083,7 @@
           <a:p>
             <a:fld id="{B31D952E-9AEA-B24E-B6B1-F2B5D1DED824}" type="datetimeFigureOut">
               <a:rPr lang="fr-FR" smtClean="0"/>
-              <a:t>26/01/2024</a:t>
+              <a:t>31/01/2024</a:t>
             </a:fld>
             <a:endParaRPr lang="fr-FR"/>
           </a:p>
@@ -4780,7 +5394,7 @@
           <a:p>
             <a:fld id="{B31D952E-9AEA-B24E-B6B1-F2B5D1DED824}" type="datetimeFigureOut">
               <a:rPr lang="fr-FR" smtClean="0"/>
-              <a:t>26/01/2024</a:t>
+              <a:t>31/01/2024</a:t>
             </a:fld>
             <a:endParaRPr lang="fr-FR"/>
           </a:p>
@@ -5068,7 +5682,7 @@
           <a:p>
             <a:fld id="{B31D952E-9AEA-B24E-B6B1-F2B5D1DED824}" type="datetimeFigureOut">
               <a:rPr lang="fr-FR" smtClean="0"/>
-              <a:t>26/01/2024</a:t>
+              <a:t>31/01/2024</a:t>
             </a:fld>
             <a:endParaRPr lang="fr-FR"/>
           </a:p>
@@ -5309,7 +5923,7 @@
           <a:p>
             <a:fld id="{B31D952E-9AEA-B24E-B6B1-F2B5D1DED824}" type="datetimeFigureOut">
               <a:rPr lang="fr-FR" smtClean="0"/>
-              <a:t>26/01/2024</a:t>
+              <a:t>31/01/2024</a:t>
             </a:fld>
             <a:endParaRPr lang="fr-FR"/>
           </a:p>
@@ -5785,7 +6399,7 @@
           <p:nvPr/>
         </p:nvPicPr>
         <p:blipFill>
-          <a:blip r:embed="rId2"/>
+          <a:blip r:embed="rId3"/>
           <a:stretch>
             <a:fillRect/>
           </a:stretch>
@@ -11194,7 +11808,7 @@
         <p:spPr>
           <a:xfrm>
             <a:off x="282573" y="1887786"/>
-            <a:ext cx="1716832" cy="338554"/>
+            <a:ext cx="1716832" cy="276999"/>
           </a:xfrm>
           <a:prstGeom prst="rect">
             <a:avLst/>
@@ -11208,18 +11822,13 @@
           <a:lstStyle/>
           <a:p>
             <a:r>
-              <a:rPr lang="fr-FR" sz="1600" dirty="0">
+              <a:rPr lang="fr-FR" sz="1200" dirty="0">
                 <a:solidFill>
                   <a:schemeClr val="bg1"/>
                 </a:solidFill>
               </a:rPr>
               <a:t>Contrôle-Flow</a:t>
             </a:r>
-            <a:endParaRPr lang="fr-FR" sz="2000" dirty="0">
-              <a:solidFill>
-                <a:schemeClr val="bg1"/>
-              </a:solidFill>
-            </a:endParaRPr>
           </a:p>
         </p:txBody>
       </p:sp>
@@ -11238,7 +11847,7 @@
         <p:spPr>
           <a:xfrm>
             <a:off x="282573" y="2225735"/>
-            <a:ext cx="1716832" cy="338554"/>
+            <a:ext cx="1716832" cy="276999"/>
           </a:xfrm>
           <a:prstGeom prst="rect">
             <a:avLst/>
@@ -11252,51 +11861,12 @@
           <a:lstStyle/>
           <a:p>
             <a:r>
-              <a:rPr lang="fr-FR" sz="1600" dirty="0">
+              <a:rPr lang="fr-FR" sz="1200" dirty="0">
                 <a:solidFill>
                   <a:schemeClr val="bg1"/>
                 </a:solidFill>
               </a:rPr>
               <a:t>Formulaires Typés</a:t>
-            </a:r>
-          </a:p>
-        </p:txBody>
-      </p:sp>
-      <p:sp>
-        <p:nvSpPr>
-          <p:cNvPr id="7" name="ZoneTexte 6">
-            <a:extLst>
-              <a:ext uri="{FF2B5EF4-FFF2-40B4-BE49-F238E27FC236}">
-                <a16:creationId xmlns:a16="http://schemas.microsoft.com/office/drawing/2014/main" id="{EA9CC114-2B79-E6AF-2192-375204FBD375}"/>
-              </a:ext>
-            </a:extLst>
-          </p:cNvPr>
-          <p:cNvSpPr txBox="1"/>
-          <p:nvPr/>
-        </p:nvSpPr>
-        <p:spPr>
-          <a:xfrm>
-            <a:off x="282573" y="2563684"/>
-            <a:ext cx="1716832" cy="338554"/>
-          </a:xfrm>
-          <a:prstGeom prst="rect">
-            <a:avLst/>
-          </a:prstGeom>
-          <a:noFill/>
-        </p:spPr>
-        <p:txBody>
-          <a:bodyPr wrap="square" rtlCol="0">
-            <a:spAutoFit/>
-          </a:bodyPr>
-          <a:lstStyle/>
-          <a:p>
-            <a:r>
-              <a:rPr lang="fr-FR" sz="1600" dirty="0">
-                <a:solidFill>
-                  <a:schemeClr val="bg1"/>
-                </a:solidFill>
-              </a:rPr>
-              <a:t>Un peu d’aide</a:t>
             </a:r>
           </a:p>
         </p:txBody>
@@ -11790,7 +12360,7 @@
         <p:cNvPr id="1" name="">
           <a:extLst>
             <a:ext uri="{FF2B5EF4-FFF2-40B4-BE49-F238E27FC236}">
-              <a16:creationId xmlns:a16="http://schemas.microsoft.com/office/drawing/2014/main" id="{6FD2F1F4-A1B4-3318-FEAD-3C73021AB5DF}"/>
+              <a16:creationId xmlns:a16="http://schemas.microsoft.com/office/drawing/2014/main" id="{5DB274A6-3E95-EFAC-5DAE-85B11C3D9326}"/>
             </a:ext>
           </a:extLst>
         </p:cNvPr>
@@ -11810,7 +12380,7 @@
           <p:cNvPr id="37" name="ZoneTexte 36">
             <a:extLst>
               <a:ext uri="{FF2B5EF4-FFF2-40B4-BE49-F238E27FC236}">
-                <a16:creationId xmlns:a16="http://schemas.microsoft.com/office/drawing/2014/main" id="{3B69AE5A-AFEF-2140-F430-5FFBB92302AD}"/>
+                <a16:creationId xmlns:a16="http://schemas.microsoft.com/office/drawing/2014/main" id="{569106AD-D5B4-9594-CEBE-AC57797A5D1A}"/>
               </a:ext>
             </a:extLst>
           </p:cNvPr>
@@ -11845,7 +12415,7 @@
           <p:cNvPr id="53" name="Forme libre 52">
             <a:extLst>
               <a:ext uri="{FF2B5EF4-FFF2-40B4-BE49-F238E27FC236}">
-                <a16:creationId xmlns:a16="http://schemas.microsoft.com/office/drawing/2014/main" id="{D2C42CC4-DA42-F6BC-D613-06771F374F3C}"/>
+                <a16:creationId xmlns:a16="http://schemas.microsoft.com/office/drawing/2014/main" id="{9ABE298F-8A73-D8AF-A7AE-80A0FBFA4B0F}"/>
               </a:ext>
             </a:extLst>
           </p:cNvPr>
@@ -11982,7 +12552,7 @@
           <p:cNvPr id="48" name="Forme libre 47">
             <a:extLst>
               <a:ext uri="{FF2B5EF4-FFF2-40B4-BE49-F238E27FC236}">
-                <a16:creationId xmlns:a16="http://schemas.microsoft.com/office/drawing/2014/main" id="{8EA09BDC-9B42-B202-71D8-2D91E510F02B}"/>
+                <a16:creationId xmlns:a16="http://schemas.microsoft.com/office/drawing/2014/main" id="{04123F1C-9F0E-CBF4-4A63-7A181DFC50D6}"/>
               </a:ext>
             </a:extLst>
           </p:cNvPr>
@@ -12081,7 +12651,7 @@
           <p:cNvPr id="16" name="Image 15">
             <a:extLst>
               <a:ext uri="{FF2B5EF4-FFF2-40B4-BE49-F238E27FC236}">
-                <a16:creationId xmlns:a16="http://schemas.microsoft.com/office/drawing/2014/main" id="{4D601168-B79C-4599-57E6-78ED578B5093}"/>
+                <a16:creationId xmlns:a16="http://schemas.microsoft.com/office/drawing/2014/main" id="{4FABDB84-8B29-DABB-5D64-4F4597C89DCF}"/>
               </a:ext>
             </a:extLst>
           </p:cNvPr>
@@ -12110,7 +12680,7 @@
           <p:cNvPr id="3" name="ZoneTexte 2">
             <a:extLst>
               <a:ext uri="{FF2B5EF4-FFF2-40B4-BE49-F238E27FC236}">
-                <a16:creationId xmlns:a16="http://schemas.microsoft.com/office/drawing/2014/main" id="{95F96CC4-88D0-2C3A-4F1C-A8BCB7644811}"/>
+                <a16:creationId xmlns:a16="http://schemas.microsoft.com/office/drawing/2014/main" id="{504EE855-C499-E5A1-1EF9-11F69982DFBE}"/>
               </a:ext>
             </a:extLst>
           </p:cNvPr>
@@ -12139,17 +12709,17 @@
                   <a:schemeClr val="bg1"/>
                 </a:solidFill>
               </a:rPr>
-              <a:t>Control-Flow</a:t>
-            </a:r>
-          </a:p>
-        </p:txBody>
-      </p:sp>
-      <p:sp>
-        <p:nvSpPr>
-          <p:cNvPr id="6" name="ZoneTexte 5">
-            <a:extLst>
-              <a:ext uri="{FF2B5EF4-FFF2-40B4-BE49-F238E27FC236}">
-                <a16:creationId xmlns:a16="http://schemas.microsoft.com/office/drawing/2014/main" id="{515448ED-22A9-FCEE-4DA6-EF1B64570B58}"/>
+              <a:t>Standalone</a:t>
+            </a:r>
+          </a:p>
+        </p:txBody>
+      </p:sp>
+      <p:sp>
+        <p:nvSpPr>
+          <p:cNvPr id="5" name="ZoneTexte 4">
+            <a:extLst>
+              <a:ext uri="{FF2B5EF4-FFF2-40B4-BE49-F238E27FC236}">
+                <a16:creationId xmlns:a16="http://schemas.microsoft.com/office/drawing/2014/main" id="{33693DFE-C66E-5D89-C6AF-076E526B8FD7}"/>
               </a:ext>
             </a:extLst>
           </p:cNvPr>
@@ -12158,8 +12728,8 @@
         </p:nvSpPr>
         <p:spPr>
           <a:xfrm>
-            <a:off x="282573" y="1971533"/>
-            <a:ext cx="1716832" cy="338554"/>
+            <a:off x="282573" y="1887786"/>
+            <a:ext cx="1716832" cy="276999"/>
           </a:xfrm>
           <a:prstGeom prst="rect">
             <a:avLst/>
@@ -12173,7 +12743,46 @@
           <a:lstStyle/>
           <a:p>
             <a:r>
-              <a:rPr lang="fr-FR" sz="1600" dirty="0">
+              <a:rPr lang="fr-FR" sz="1200" dirty="0">
+                <a:solidFill>
+                  <a:schemeClr val="bg1"/>
+                </a:solidFill>
+              </a:rPr>
+              <a:t>Control-Flow</a:t>
+            </a:r>
+          </a:p>
+        </p:txBody>
+      </p:sp>
+      <p:sp>
+        <p:nvSpPr>
+          <p:cNvPr id="6" name="ZoneTexte 5">
+            <a:extLst>
+              <a:ext uri="{FF2B5EF4-FFF2-40B4-BE49-F238E27FC236}">
+                <a16:creationId xmlns:a16="http://schemas.microsoft.com/office/drawing/2014/main" id="{29046383-A122-D9AE-3111-46A228784BBA}"/>
+              </a:ext>
+            </a:extLst>
+          </p:cNvPr>
+          <p:cNvSpPr txBox="1"/>
+          <p:nvPr/>
+        </p:nvSpPr>
+        <p:spPr>
+          <a:xfrm>
+            <a:off x="282573" y="2225735"/>
+            <a:ext cx="1716832" cy="276999"/>
+          </a:xfrm>
+          <a:prstGeom prst="rect">
+            <a:avLst/>
+          </a:prstGeom>
+          <a:noFill/>
+        </p:spPr>
+        <p:txBody>
+          <a:bodyPr wrap="square" rtlCol="0">
+            <a:spAutoFit/>
+          </a:bodyPr>
+          <a:lstStyle/>
+          <a:p>
+            <a:r>
+              <a:rPr lang="fr-FR" sz="1200" dirty="0">
                 <a:solidFill>
                   <a:schemeClr val="bg1"/>
                 </a:solidFill>
@@ -12185,10 +12794,10 @@
       </p:sp>
       <p:sp>
         <p:nvSpPr>
-          <p:cNvPr id="7" name="ZoneTexte 6">
-            <a:extLst>
-              <a:ext uri="{FF2B5EF4-FFF2-40B4-BE49-F238E27FC236}">
-                <a16:creationId xmlns:a16="http://schemas.microsoft.com/office/drawing/2014/main" id="{EA9CC114-2B79-E6AF-2192-375204FBD375}"/>
+          <p:cNvPr id="9" name="ZoneTexte 8">
+            <a:extLst>
+              <a:ext uri="{FF2B5EF4-FFF2-40B4-BE49-F238E27FC236}">
+                <a16:creationId xmlns:a16="http://schemas.microsoft.com/office/drawing/2014/main" id="{B2CC36DC-56B2-73BB-8847-28469252C0EC}"/>
               </a:ext>
             </a:extLst>
           </p:cNvPr>
@@ -12197,8 +12806,8 @@
         </p:nvSpPr>
         <p:spPr>
           <a:xfrm>
-            <a:off x="282573" y="2393834"/>
-            <a:ext cx="1716832" cy="338554"/>
+            <a:off x="2470775" y="34803"/>
+            <a:ext cx="3344809" cy="646331"/>
           </a:xfrm>
           <a:prstGeom prst="rect">
             <a:avLst/>
@@ -12212,22 +12821,18 @@
           <a:lstStyle/>
           <a:p>
             <a:r>
-              <a:rPr lang="fr-FR" sz="1600" dirty="0">
-                <a:solidFill>
-                  <a:schemeClr val="bg1"/>
-                </a:solidFill>
-              </a:rPr>
-              <a:t>Un peu d’aide</a:t>
-            </a:r>
-          </a:p>
-        </p:txBody>
-      </p:sp>
-      <p:sp>
-        <p:nvSpPr>
-          <p:cNvPr id="8" name="ZoneTexte 7">
-            <a:extLst>
-              <a:ext uri="{FF2B5EF4-FFF2-40B4-BE49-F238E27FC236}">
-                <a16:creationId xmlns:a16="http://schemas.microsoft.com/office/drawing/2014/main" id="{66B5E832-A7AD-59DA-A7F7-F2964E6E7E5D}"/>
+              <a:rPr lang="fr-FR" sz="3600" dirty="0"/>
+              <a:t>Standalone</a:t>
+            </a:r>
+          </a:p>
+        </p:txBody>
+      </p:sp>
+      <p:sp>
+        <p:nvSpPr>
+          <p:cNvPr id="10" name="ZoneTexte 9">
+            <a:extLst>
+              <a:ext uri="{FF2B5EF4-FFF2-40B4-BE49-F238E27FC236}">
+                <a16:creationId xmlns:a16="http://schemas.microsoft.com/office/drawing/2014/main" id="{1A15B63E-C625-AF9D-F213-6EE6F9527E1D}"/>
               </a:ext>
             </a:extLst>
           </p:cNvPr>
@@ -12236,8 +12841,8 @@
         </p:nvSpPr>
         <p:spPr>
           <a:xfrm>
-            <a:off x="2470775" y="34803"/>
-            <a:ext cx="3344809" cy="646331"/>
+            <a:off x="5815584" y="1989408"/>
+            <a:ext cx="3187794" cy="369332"/>
           </a:xfrm>
           <a:prstGeom prst="rect">
             <a:avLst/>
@@ -12246,71 +12851,6 @@
         </p:spPr>
         <p:txBody>
           <a:bodyPr wrap="square" rtlCol="0">
-            <a:spAutoFit/>
-          </a:bodyPr>
-          <a:lstStyle/>
-          <a:p>
-            <a:r>
-              <a:rPr lang="fr-FR" sz="3600" dirty="0"/>
-              <a:t>Control-Flow</a:t>
-            </a:r>
-          </a:p>
-        </p:txBody>
-      </p:sp>
-      <p:pic>
-        <p:nvPicPr>
-          <p:cNvPr id="12" name="Image 11">
-            <a:extLst>
-              <a:ext uri="{FF2B5EF4-FFF2-40B4-BE49-F238E27FC236}">
-                <a16:creationId xmlns:a16="http://schemas.microsoft.com/office/drawing/2014/main" id="{DCF998AE-316B-30AB-2F2B-F6AB3CE76C1A}"/>
-              </a:ext>
-            </a:extLst>
-          </p:cNvPr>
-          <p:cNvPicPr>
-            <a:picLocks noChangeAspect="1"/>
-          </p:cNvPicPr>
-          <p:nvPr/>
-        </p:nvPicPr>
-        <p:blipFill>
-          <a:blip r:embed="rId4"/>
-          <a:stretch>
-            <a:fillRect/>
-          </a:stretch>
-        </p:blipFill>
-        <p:spPr>
-          <a:xfrm>
-            <a:off x="4143179" y="2473498"/>
-            <a:ext cx="5005197" cy="517779"/>
-          </a:xfrm>
-          <a:prstGeom prst="rect">
-            <a:avLst/>
-          </a:prstGeom>
-        </p:spPr>
-      </p:pic>
-      <p:sp>
-        <p:nvSpPr>
-          <p:cNvPr id="13" name="ZoneTexte 12">
-            <a:extLst>
-              <a:ext uri="{FF2B5EF4-FFF2-40B4-BE49-F238E27FC236}">
-                <a16:creationId xmlns:a16="http://schemas.microsoft.com/office/drawing/2014/main" id="{7C64C7A1-BDE6-6EAE-AC55-FABBA54B31DC}"/>
-              </a:ext>
-            </a:extLst>
-          </p:cNvPr>
-          <p:cNvSpPr txBox="1"/>
-          <p:nvPr/>
-        </p:nvSpPr>
-        <p:spPr>
-          <a:xfrm>
-            <a:off x="5073467" y="1786867"/>
-            <a:ext cx="2959465" cy="369332"/>
-          </a:xfrm>
-          <a:prstGeom prst="rect">
-            <a:avLst/>
-          </a:prstGeom>
-          <a:noFill/>
-        </p:spPr>
-        <p:txBody>
-          <a:bodyPr wrap="none" rtlCol="0">
             <a:spAutoFit/>
           </a:bodyPr>
           <a:lstStyle/>
@@ -12346,10 +12886,40 @@
           </a:p>
         </p:txBody>
       </p:sp>
+      <p:pic>
+        <p:nvPicPr>
+          <p:cNvPr id="15" name="Image 14">
+            <a:extLst>
+              <a:ext uri="{FF2B5EF4-FFF2-40B4-BE49-F238E27FC236}">
+                <a16:creationId xmlns:a16="http://schemas.microsoft.com/office/drawing/2014/main" id="{E0B8CD84-F858-DFF3-03D8-CDAA1FFFE27C}"/>
+              </a:ext>
+            </a:extLst>
+          </p:cNvPr>
+          <p:cNvPicPr>
+            <a:picLocks noChangeAspect="1"/>
+          </p:cNvPicPr>
+          <p:nvPr/>
+        </p:nvPicPr>
+        <p:blipFill>
+          <a:blip r:embed="rId4"/>
+          <a:stretch>
+            <a:fillRect/>
+          </a:stretch>
+        </p:blipFill>
+        <p:spPr>
+          <a:xfrm>
+            <a:off x="5030835" y="4348148"/>
+            <a:ext cx="4443791" cy="520444"/>
+          </a:xfrm>
+          <a:prstGeom prst="rect">
+            <a:avLst/>
+          </a:prstGeom>
+        </p:spPr>
+      </p:pic>
     </p:spTree>
     <p:extLst>
       <p:ext uri="{BB962C8B-B14F-4D97-AF65-F5344CB8AC3E}">
-        <p14:creationId xmlns:p14="http://schemas.microsoft.com/office/powerpoint/2010/main" val="1505289827"/>
+        <p14:creationId xmlns:p14="http://schemas.microsoft.com/office/powerpoint/2010/main" val="2150457709"/>
       </p:ext>
     </p:extLst>
   </p:cSld>
@@ -12443,7 +13013,7 @@
         </p:nvSpPr>
         <p:spPr>
           <a:xfrm>
-            <a:off x="-137160" y="-442"/>
+            <a:off x="0" y="0"/>
             <a:ext cx="2376435" cy="6858000"/>
           </a:xfrm>
           <a:custGeom>
@@ -12709,7 +13279,7 @@
         <p:spPr>
           <a:xfrm>
             <a:off x="282573" y="1487676"/>
-            <a:ext cx="2093862" cy="400110"/>
+            <a:ext cx="1716832" cy="400110"/>
           </a:xfrm>
           <a:prstGeom prst="rect">
             <a:avLst/>
@@ -12728,17 +13298,17 @@
                   <a:schemeClr val="bg1"/>
                 </a:solidFill>
               </a:rPr>
-              <a:t>Formulaires Types</a:t>
-            </a:r>
-          </a:p>
-        </p:txBody>
-      </p:sp>
-      <p:sp>
-        <p:nvSpPr>
-          <p:cNvPr id="7" name="ZoneTexte 6">
-            <a:extLst>
-              <a:ext uri="{FF2B5EF4-FFF2-40B4-BE49-F238E27FC236}">
-                <a16:creationId xmlns:a16="http://schemas.microsoft.com/office/drawing/2014/main" id="{EA9CC114-2B79-E6AF-2192-375204FBD375}"/>
+              <a:t>Control-Flow</a:t>
+            </a:r>
+          </a:p>
+        </p:txBody>
+      </p:sp>
+      <p:sp>
+        <p:nvSpPr>
+          <p:cNvPr id="6" name="ZoneTexte 5">
+            <a:extLst>
+              <a:ext uri="{FF2B5EF4-FFF2-40B4-BE49-F238E27FC236}">
+                <a16:creationId xmlns:a16="http://schemas.microsoft.com/office/drawing/2014/main" id="{515448ED-22A9-FCEE-4DA6-EF1B64570B58}"/>
               </a:ext>
             </a:extLst>
           </p:cNvPr>
@@ -12747,8 +13317,8 @@
         </p:nvSpPr>
         <p:spPr>
           <a:xfrm>
-            <a:off x="282573" y="2017893"/>
-            <a:ext cx="1716832" cy="338554"/>
+            <a:off x="282573" y="1971533"/>
+            <a:ext cx="1716832" cy="276999"/>
           </a:xfrm>
           <a:prstGeom prst="rect">
             <a:avLst/>
@@ -12762,22 +13332,22 @@
           <a:lstStyle/>
           <a:p>
             <a:r>
-              <a:rPr lang="fr-FR" sz="1600" dirty="0">
+              <a:rPr lang="fr-FR" sz="1200" dirty="0">
                 <a:solidFill>
                   <a:schemeClr val="bg1"/>
                 </a:solidFill>
               </a:rPr>
-              <a:t>Un peu d’aide</a:t>
-            </a:r>
-          </a:p>
-        </p:txBody>
-      </p:sp>
-      <p:sp>
-        <p:nvSpPr>
-          <p:cNvPr id="10" name="ZoneTexte 9">
-            <a:extLst>
-              <a:ext uri="{FF2B5EF4-FFF2-40B4-BE49-F238E27FC236}">
-                <a16:creationId xmlns:a16="http://schemas.microsoft.com/office/drawing/2014/main" id="{F1FB337F-4A3A-6A70-BCF7-255EA23D5F12}"/>
+              <a:t>Formulaires Typés</a:t>
+            </a:r>
+          </a:p>
+        </p:txBody>
+      </p:sp>
+      <p:sp>
+        <p:nvSpPr>
+          <p:cNvPr id="8" name="ZoneTexte 7">
+            <a:extLst>
+              <a:ext uri="{FF2B5EF4-FFF2-40B4-BE49-F238E27FC236}">
+                <a16:creationId xmlns:a16="http://schemas.microsoft.com/office/drawing/2014/main" id="{66B5E832-A7AD-59DA-A7F7-F2964E6E7E5D}"/>
               </a:ext>
             </a:extLst>
           </p:cNvPr>
@@ -12787,7 +13357,7 @@
         <p:spPr>
           <a:xfrm>
             <a:off x="2470775" y="34803"/>
-            <a:ext cx="4478665" cy="646331"/>
+            <a:ext cx="3344809" cy="646331"/>
           </a:xfrm>
           <a:prstGeom prst="rect">
             <a:avLst/>
@@ -12802,15 +13372,104 @@
           <a:p>
             <a:r>
               <a:rPr lang="fr-FR" sz="3600" dirty="0"/>
-              <a:t>Formulaires Types</a:t>
-            </a:r>
-          </a:p>
-        </p:txBody>
-      </p:sp>
+              <a:t>Control-Flow</a:t>
+            </a:r>
+          </a:p>
+        </p:txBody>
+      </p:sp>
+      <p:sp>
+        <p:nvSpPr>
+          <p:cNvPr id="13" name="ZoneTexte 12">
+            <a:extLst>
+              <a:ext uri="{FF2B5EF4-FFF2-40B4-BE49-F238E27FC236}">
+                <a16:creationId xmlns:a16="http://schemas.microsoft.com/office/drawing/2014/main" id="{7C64C7A1-BDE6-6EAE-AC55-FABBA54B31DC}"/>
+              </a:ext>
+            </a:extLst>
+          </p:cNvPr>
+          <p:cNvSpPr txBox="1"/>
+          <p:nvPr/>
+        </p:nvSpPr>
+        <p:spPr>
+          <a:xfrm>
+            <a:off x="5999303" y="1991878"/>
+            <a:ext cx="2959465" cy="369332"/>
+          </a:xfrm>
+          <a:prstGeom prst="rect">
+            <a:avLst/>
+          </a:prstGeom>
+          <a:noFill/>
+        </p:spPr>
+        <p:txBody>
+          <a:bodyPr wrap="none" rtlCol="0">
+            <a:spAutoFit/>
+          </a:bodyPr>
+          <a:lstStyle/>
+          <a:p>
+            <a:r>
+              <a:rPr lang="fr-FR" dirty="0"/>
+              <a:t>Le </a:t>
+            </a:r>
+            <a:r>
+              <a:rPr lang="fr-FR" b="0" i="0" dirty="0" err="1">
+                <a:solidFill>
+                  <a:srgbClr val="242424"/>
+                </a:solidFill>
+                <a:effectLst/>
+                <a:latin typeface="sohne"/>
+              </a:rPr>
+              <a:t>schematic</a:t>
+            </a:r>
+            <a:r>
+              <a:rPr lang="fr-FR" b="0" i="0" dirty="0">
+                <a:solidFill>
+                  <a:srgbClr val="242424"/>
+                </a:solidFill>
+                <a:effectLst/>
+                <a:latin typeface="sohne"/>
+              </a:rPr>
+              <a:t> le fait très bien</a:t>
+            </a:r>
+            <a:r>
+              <a:rPr lang="fr-FR" dirty="0"/>
+              <a:t> </a:t>
+            </a:r>
+          </a:p>
+        </p:txBody>
+      </p:sp>
+      <p:pic>
+        <p:nvPicPr>
+          <p:cNvPr id="4" name="Image 3">
+            <a:extLst>
+              <a:ext uri="{FF2B5EF4-FFF2-40B4-BE49-F238E27FC236}">
+                <a16:creationId xmlns:a16="http://schemas.microsoft.com/office/drawing/2014/main" id="{B51F1EC8-F0F4-E385-3674-690330E72589}"/>
+              </a:ext>
+            </a:extLst>
+          </p:cNvPr>
+          <p:cNvPicPr>
+            <a:picLocks noChangeAspect="1"/>
+          </p:cNvPicPr>
+          <p:nvPr/>
+        </p:nvPicPr>
+        <p:blipFill>
+          <a:blip r:embed="rId4"/>
+          <a:stretch>
+            <a:fillRect/>
+          </a:stretch>
+        </p:blipFill>
+        <p:spPr>
+          <a:xfrm>
+            <a:off x="4988683" y="4353088"/>
+            <a:ext cx="4980706" cy="513034"/>
+          </a:xfrm>
+          <a:prstGeom prst="rect">
+            <a:avLst/>
+          </a:prstGeom>
+        </p:spPr>
+      </p:pic>
     </p:spTree>
     <p:extLst>
       <p:ext uri="{BB962C8B-B14F-4D97-AF65-F5344CB8AC3E}">
-        <p14:creationId xmlns:p14="http://schemas.microsoft.com/office/powerpoint/2010/main" val="3417689624"/>
+        <p14:creationId xmlns:p14="http://schemas.microsoft.com/office/powerpoint/2010/main" val="1505289827"/>
       </p:ext>
     </p:extLst>
   </p:cSld>
@@ -13383,7 +14042,7 @@
           <p:nvPr/>
         </p:nvPicPr>
         <p:blipFill rotWithShape="1">
-          <a:blip r:embed="rId2"/>
+          <a:blip r:embed="rId3"/>
           <a:srcRect r="72930"/>
           <a:stretch/>
         </p:blipFill>
@@ -13412,7 +14071,7 @@
           <p:nvPr/>
         </p:nvPicPr>
         <p:blipFill>
-          <a:blip r:embed="rId3"/>
+          <a:blip r:embed="rId4"/>
           <a:stretch>
             <a:fillRect/>
           </a:stretch>
@@ -13955,7 +14614,7 @@
           <p:nvPr/>
         </p:nvPicPr>
         <p:blipFill>
-          <a:blip r:embed="rId4">
+          <a:blip r:embed="rId5">
             <a:extLst>
               <a:ext uri="{28A0092B-C50C-407E-A947-70E740481C1C}">
                 <a14:useLocalDpi xmlns:a14="http://schemas.microsoft.com/office/drawing/2010/main" val="0"/>
@@ -14064,7 +14723,7 @@
           <p:nvPr/>
         </p:nvPicPr>
         <p:blipFill>
-          <a:blip r:embed="rId5"/>
+          <a:blip r:embed="rId6"/>
           <a:stretch>
             <a:fillRect/>
           </a:stretch>
@@ -14118,7 +14777,7 @@
           <p:nvPr/>
         </p:nvPicPr>
         <p:blipFill>
-          <a:blip r:embed="rId6"/>
+          <a:blip r:embed="rId7"/>
           <a:stretch>
             <a:fillRect/>
           </a:stretch>
@@ -14190,7 +14849,7 @@
         <p:cNvPr id="1" name="">
           <a:extLst>
             <a:ext uri="{FF2B5EF4-FFF2-40B4-BE49-F238E27FC236}">
-              <a16:creationId xmlns:a16="http://schemas.microsoft.com/office/drawing/2014/main" id="{21CFFE71-9B98-9B1F-4B52-78C62C0453F2}"/>
+              <a16:creationId xmlns:a16="http://schemas.microsoft.com/office/drawing/2014/main" id="{88CFDF27-9BCC-627D-2589-7A5096F04793}"/>
             </a:ext>
           </a:extLst>
         </p:cNvPr>
@@ -14207,10 +14866,45 @@
       </p:grpSpPr>
       <p:sp>
         <p:nvSpPr>
+          <p:cNvPr id="37" name="ZoneTexte 36">
+            <a:extLst>
+              <a:ext uri="{FF2B5EF4-FFF2-40B4-BE49-F238E27FC236}">
+                <a16:creationId xmlns:a16="http://schemas.microsoft.com/office/drawing/2014/main" id="{27F308A6-3A86-976F-0558-10B03DFCE6EA}"/>
+              </a:ext>
+            </a:extLst>
+          </p:cNvPr>
+          <p:cNvSpPr txBox="1"/>
+          <p:nvPr/>
+        </p:nvSpPr>
+        <p:spPr>
+          <a:xfrm>
+            <a:off x="8847191" y="34803"/>
+            <a:ext cx="3344809" cy="646331"/>
+          </a:xfrm>
+          <a:prstGeom prst="rect">
+            <a:avLst/>
+          </a:prstGeom>
+          <a:noFill/>
+        </p:spPr>
+        <p:txBody>
+          <a:bodyPr wrap="square" rtlCol="0">
+            <a:spAutoFit/>
+          </a:bodyPr>
+          <a:lstStyle/>
+          <a:p>
+            <a:r>
+              <a:rPr lang="fr-FR" sz="3600" dirty="0"/>
+              <a:t>Trucs et astuces</a:t>
+            </a:r>
+          </a:p>
+        </p:txBody>
+      </p:sp>
+      <p:sp>
+        <p:nvSpPr>
           <p:cNvPr id="53" name="Forme libre 52">
             <a:extLst>
               <a:ext uri="{FF2B5EF4-FFF2-40B4-BE49-F238E27FC236}">
-                <a16:creationId xmlns:a16="http://schemas.microsoft.com/office/drawing/2014/main" id="{9F1E427B-0882-9B77-624C-BE9021BFE934}"/>
+                <a16:creationId xmlns:a16="http://schemas.microsoft.com/office/drawing/2014/main" id="{5C058DD2-457F-8FCE-0362-DEC08981358A}"/>
               </a:ext>
             </a:extLst>
           </p:cNvPr>
@@ -14220,7 +14914,7 @@
         <p:spPr>
           <a:xfrm>
             <a:off x="0" y="0"/>
-            <a:ext cx="12192000" cy="6858000"/>
+            <a:ext cx="2376435" cy="6858000"/>
           </a:xfrm>
           <a:custGeom>
             <a:avLst/>
@@ -14344,6 +15038,393 @@
       </p:sp>
       <p:sp>
         <p:nvSpPr>
+          <p:cNvPr id="48" name="Forme libre 47">
+            <a:extLst>
+              <a:ext uri="{FF2B5EF4-FFF2-40B4-BE49-F238E27FC236}">
+                <a16:creationId xmlns:a16="http://schemas.microsoft.com/office/drawing/2014/main" id="{DC3E17ED-F21D-98DD-1DF0-B6A55936550D}"/>
+              </a:ext>
+            </a:extLst>
+          </p:cNvPr>
+          <p:cNvSpPr/>
+          <p:nvPr/>
+        </p:nvSpPr>
+        <p:spPr>
+          <a:xfrm>
+            <a:off x="0" y="1357569"/>
+            <a:ext cx="330200" cy="660400"/>
+          </a:xfrm>
+          <a:custGeom>
+            <a:avLst/>
+            <a:gdLst>
+              <a:gd name="connsiteX0" fmla="*/ 0 w 330200"/>
+              <a:gd name="connsiteY0" fmla="*/ 0 h 660400"/>
+              <a:gd name="connsiteX1" fmla="*/ 330200 w 330200"/>
+              <a:gd name="connsiteY1" fmla="*/ 330200 h 660400"/>
+              <a:gd name="connsiteX2" fmla="*/ 0 w 330200"/>
+              <a:gd name="connsiteY2" fmla="*/ 660400 h 660400"/>
+              <a:gd name="connsiteX3" fmla="*/ 0 w 330200"/>
+              <a:gd name="connsiteY3" fmla="*/ 0 h 660400"/>
+            </a:gdLst>
+            <a:ahLst/>
+            <a:cxnLst>
+              <a:cxn ang="0">
+                <a:pos x="connsiteX0" y="connsiteY0"/>
+              </a:cxn>
+              <a:cxn ang="0">
+                <a:pos x="connsiteX1" y="connsiteY1"/>
+              </a:cxn>
+              <a:cxn ang="0">
+                <a:pos x="connsiteX2" y="connsiteY2"/>
+              </a:cxn>
+              <a:cxn ang="0">
+                <a:pos x="connsiteX3" y="connsiteY3"/>
+              </a:cxn>
+            </a:cxnLst>
+            <a:rect l="l" t="t" r="r" b="b"/>
+            <a:pathLst>
+              <a:path w="330200" h="660400">
+                <a:moveTo>
+                  <a:pt x="0" y="0"/>
+                </a:moveTo>
+                <a:cubicBezTo>
+                  <a:pt x="182364" y="0"/>
+                  <a:pt x="330200" y="147836"/>
+                  <a:pt x="330200" y="330200"/>
+                </a:cubicBezTo>
+                <a:cubicBezTo>
+                  <a:pt x="330200" y="512564"/>
+                  <a:pt x="182364" y="660400"/>
+                  <a:pt x="0" y="660400"/>
+                </a:cubicBezTo>
+                <a:lnTo>
+                  <a:pt x="0" y="0"/>
+                </a:lnTo>
+                <a:close/>
+              </a:path>
+            </a:pathLst>
+          </a:custGeom>
+          <a:solidFill>
+            <a:srgbClr val="F3103A"/>
+          </a:solidFill>
+          <a:ln>
+            <a:noFill/>
+          </a:ln>
+        </p:spPr>
+        <p:style>
+          <a:lnRef idx="0">
+            <a:scrgbClr r="0" g="0" b="0"/>
+          </a:lnRef>
+          <a:fillRef idx="0">
+            <a:scrgbClr r="0" g="0" b="0"/>
+          </a:fillRef>
+          <a:effectRef idx="0">
+            <a:scrgbClr r="0" g="0" b="0"/>
+          </a:effectRef>
+          <a:fontRef idx="minor">
+            <a:schemeClr val="lt1"/>
+          </a:fontRef>
+        </p:style>
+        <p:txBody>
+          <a:bodyPr wrap="square" rtlCol="0" anchor="ctr">
+            <a:noAutofit/>
+          </a:bodyPr>
+          <a:lstStyle/>
+          <a:p>
+            <a:pPr algn="ctr"/>
+            <a:endParaRPr lang="fr-FR"/>
+          </a:p>
+        </p:txBody>
+      </p:sp>
+      <p:pic>
+        <p:nvPicPr>
+          <p:cNvPr id="16" name="Image 15">
+            <a:extLst>
+              <a:ext uri="{FF2B5EF4-FFF2-40B4-BE49-F238E27FC236}">
+                <a16:creationId xmlns:a16="http://schemas.microsoft.com/office/drawing/2014/main" id="{073F310E-848B-1726-E797-DC5113CEA523}"/>
+              </a:ext>
+            </a:extLst>
+          </p:cNvPr>
+          <p:cNvPicPr>
+            <a:picLocks noChangeAspect="1"/>
+          </p:cNvPicPr>
+          <p:nvPr/>
+        </p:nvPicPr>
+        <p:blipFill rotWithShape="1">
+          <a:blip r:embed="rId3"/>
+          <a:srcRect r="72930"/>
+          <a:stretch/>
+        </p:blipFill>
+        <p:spPr>
+          <a:xfrm>
+            <a:off x="637278" y="130629"/>
+            <a:ext cx="1101877" cy="1272695"/>
+          </a:xfrm>
+          <a:prstGeom prst="rect">
+            <a:avLst/>
+          </a:prstGeom>
+        </p:spPr>
+      </p:pic>
+      <p:sp>
+        <p:nvSpPr>
+          <p:cNvPr id="6" name="ZoneTexte 5">
+            <a:extLst>
+              <a:ext uri="{FF2B5EF4-FFF2-40B4-BE49-F238E27FC236}">
+                <a16:creationId xmlns:a16="http://schemas.microsoft.com/office/drawing/2014/main" id="{EFAB062C-6780-9748-49BE-3B224AB8F621}"/>
+              </a:ext>
+            </a:extLst>
+          </p:cNvPr>
+          <p:cNvSpPr txBox="1"/>
+          <p:nvPr/>
+        </p:nvSpPr>
+        <p:spPr>
+          <a:xfrm>
+            <a:off x="329800" y="1333826"/>
+            <a:ext cx="1716832" cy="707886"/>
+          </a:xfrm>
+          <a:prstGeom prst="rect">
+            <a:avLst/>
+          </a:prstGeom>
+          <a:noFill/>
+        </p:spPr>
+        <p:txBody>
+          <a:bodyPr wrap="square" rtlCol="0">
+            <a:spAutoFit/>
+          </a:bodyPr>
+          <a:lstStyle/>
+          <a:p>
+            <a:r>
+              <a:rPr lang="fr-FR" sz="2000" dirty="0">
+                <a:solidFill>
+                  <a:schemeClr val="bg1"/>
+                </a:solidFill>
+              </a:rPr>
+              <a:t>Formulaires Typés</a:t>
+            </a:r>
+          </a:p>
+        </p:txBody>
+      </p:sp>
+      <p:sp>
+        <p:nvSpPr>
+          <p:cNvPr id="8" name="ZoneTexte 7">
+            <a:extLst>
+              <a:ext uri="{FF2B5EF4-FFF2-40B4-BE49-F238E27FC236}">
+                <a16:creationId xmlns:a16="http://schemas.microsoft.com/office/drawing/2014/main" id="{780274AB-95AA-36AA-5B11-29890641E2AD}"/>
+              </a:ext>
+            </a:extLst>
+          </p:cNvPr>
+          <p:cNvSpPr txBox="1"/>
+          <p:nvPr/>
+        </p:nvSpPr>
+        <p:spPr>
+          <a:xfrm>
+            <a:off x="2470775" y="34803"/>
+            <a:ext cx="3711540" cy="646331"/>
+          </a:xfrm>
+          <a:prstGeom prst="rect">
+            <a:avLst/>
+          </a:prstGeom>
+          <a:noFill/>
+        </p:spPr>
+        <p:txBody>
+          <a:bodyPr wrap="square" rtlCol="0">
+            <a:spAutoFit/>
+          </a:bodyPr>
+          <a:lstStyle/>
+          <a:p>
+            <a:r>
+              <a:rPr lang="fr-FR" sz="3600" dirty="0"/>
+              <a:t>Formulaires typés</a:t>
+            </a:r>
+          </a:p>
+        </p:txBody>
+      </p:sp>
+    </p:spTree>
+    <p:extLst>
+      <p:ext uri="{BB962C8B-B14F-4D97-AF65-F5344CB8AC3E}">
+        <p14:creationId xmlns:p14="http://schemas.microsoft.com/office/powerpoint/2010/main" val="2196303666"/>
+      </p:ext>
+    </p:extLst>
+  </p:cSld>
+  <p:clrMapOvr>
+    <a:masterClrMapping/>
+  </p:clrMapOvr>
+  <mc:AlternateContent xmlns:mc="http://schemas.openxmlformats.org/markup-compatibility/2006" xmlns:p159="http://schemas.microsoft.com/office/powerpoint/2015/09/main">
+    <mc:Choice Requires="p159">
+      <p:transition spd="slow">
+        <p159:morph option="byObject"/>
+      </p:transition>
+    </mc:Choice>
+    <mc:Fallback xmlns="">
+      <p:transition spd="slow">
+        <p:fade/>
+      </p:transition>
+    </mc:Fallback>
+  </mc:AlternateContent>
+</p:sld>
+</file>
+
+<file path=ppt/slides/slide21.xml><?xml version="1.0" encoding="utf-8"?>
+<p:sld xmlns:a="http://schemas.openxmlformats.org/drawingml/2006/main" xmlns:r="http://schemas.openxmlformats.org/officeDocument/2006/relationships" xmlns:p="http://schemas.openxmlformats.org/presentationml/2006/main">
+  <p:cSld>
+    <p:spTree>
+      <p:nvGrpSpPr>
+        <p:cNvPr id="1" name="">
+          <a:extLst>
+            <a:ext uri="{FF2B5EF4-FFF2-40B4-BE49-F238E27FC236}">
+              <a16:creationId xmlns:a16="http://schemas.microsoft.com/office/drawing/2014/main" id="{21CFFE71-9B98-9B1F-4B52-78C62C0453F2}"/>
+            </a:ext>
+          </a:extLst>
+        </p:cNvPr>
+        <p:cNvGrpSpPr/>
+        <p:nvPr/>
+      </p:nvGrpSpPr>
+      <p:grpSpPr>
+        <a:xfrm>
+          <a:off x="0" y="0"/>
+          <a:ext cx="0" cy="0"/>
+          <a:chOff x="0" y="0"/>
+          <a:chExt cx="0" cy="0"/>
+        </a:xfrm>
+      </p:grpSpPr>
+      <p:sp>
+        <p:nvSpPr>
+          <p:cNvPr id="53" name="Forme libre 52">
+            <a:extLst>
+              <a:ext uri="{FF2B5EF4-FFF2-40B4-BE49-F238E27FC236}">
+                <a16:creationId xmlns:a16="http://schemas.microsoft.com/office/drawing/2014/main" id="{9F1E427B-0882-9B77-624C-BE9021BFE934}"/>
+              </a:ext>
+            </a:extLst>
+          </p:cNvPr>
+          <p:cNvSpPr/>
+          <p:nvPr/>
+        </p:nvSpPr>
+        <p:spPr>
+          <a:xfrm>
+            <a:off x="0" y="0"/>
+            <a:ext cx="12192000" cy="6858000"/>
+          </a:xfrm>
+          <a:custGeom>
+            <a:avLst/>
+            <a:gdLst>
+              <a:gd name="connsiteX0" fmla="*/ 0 w 2376435"/>
+              <a:gd name="connsiteY0" fmla="*/ 0 h 6858000"/>
+              <a:gd name="connsiteX1" fmla="*/ 2376435 w 2376435"/>
+              <a:gd name="connsiteY1" fmla="*/ 0 h 6858000"/>
+              <a:gd name="connsiteX2" fmla="*/ 2376435 w 2376435"/>
+              <a:gd name="connsiteY2" fmla="*/ 584200 h 6858000"/>
+              <a:gd name="connsiteX3" fmla="*/ 2376435 w 2376435"/>
+              <a:gd name="connsiteY3" fmla="*/ 1244600 h 6858000"/>
+              <a:gd name="connsiteX4" fmla="*/ 2376435 w 2376435"/>
+              <a:gd name="connsiteY4" fmla="*/ 1650138 h 6858000"/>
+              <a:gd name="connsiteX5" fmla="*/ 2376435 w 2376435"/>
+              <a:gd name="connsiteY5" fmla="*/ 2310538 h 6858000"/>
+              <a:gd name="connsiteX6" fmla="*/ 2376435 w 2376435"/>
+              <a:gd name="connsiteY6" fmla="*/ 2603145 h 6858000"/>
+              <a:gd name="connsiteX7" fmla="*/ 2376435 w 2376435"/>
+              <a:gd name="connsiteY7" fmla="*/ 3263545 h 6858000"/>
+              <a:gd name="connsiteX8" fmla="*/ 2376435 w 2376435"/>
+              <a:gd name="connsiteY8" fmla="*/ 6858000 h 6858000"/>
+              <a:gd name="connsiteX9" fmla="*/ 0 w 2376435"/>
+              <a:gd name="connsiteY9" fmla="*/ 6858000 h 6858000"/>
+            </a:gdLst>
+            <a:ahLst/>
+            <a:cxnLst>
+              <a:cxn ang="0">
+                <a:pos x="connsiteX0" y="connsiteY0"/>
+              </a:cxn>
+              <a:cxn ang="0">
+                <a:pos x="connsiteX1" y="connsiteY1"/>
+              </a:cxn>
+              <a:cxn ang="0">
+                <a:pos x="connsiteX2" y="connsiteY2"/>
+              </a:cxn>
+              <a:cxn ang="0">
+                <a:pos x="connsiteX3" y="connsiteY3"/>
+              </a:cxn>
+              <a:cxn ang="0">
+                <a:pos x="connsiteX4" y="connsiteY4"/>
+              </a:cxn>
+              <a:cxn ang="0">
+                <a:pos x="connsiteX5" y="connsiteY5"/>
+              </a:cxn>
+              <a:cxn ang="0">
+                <a:pos x="connsiteX6" y="connsiteY6"/>
+              </a:cxn>
+              <a:cxn ang="0">
+                <a:pos x="connsiteX7" y="connsiteY7"/>
+              </a:cxn>
+              <a:cxn ang="0">
+                <a:pos x="connsiteX8" y="connsiteY8"/>
+              </a:cxn>
+              <a:cxn ang="0">
+                <a:pos x="connsiteX9" y="connsiteY9"/>
+              </a:cxn>
+            </a:cxnLst>
+            <a:rect l="l" t="t" r="r" b="b"/>
+            <a:pathLst>
+              <a:path w="2376435" h="6858000">
+                <a:moveTo>
+                  <a:pt x="0" y="0"/>
+                </a:moveTo>
+                <a:lnTo>
+                  <a:pt x="2376435" y="0"/>
+                </a:lnTo>
+                <a:lnTo>
+                  <a:pt x="2376435" y="584200"/>
+                </a:lnTo>
+                <a:lnTo>
+                  <a:pt x="2376435" y="1244600"/>
+                </a:lnTo>
+                <a:lnTo>
+                  <a:pt x="2376435" y="1650138"/>
+                </a:lnTo>
+                <a:lnTo>
+                  <a:pt x="2376435" y="2310538"/>
+                </a:lnTo>
+                <a:lnTo>
+                  <a:pt x="2376435" y="2603145"/>
+                </a:lnTo>
+                <a:lnTo>
+                  <a:pt x="2376435" y="3263545"/>
+                </a:lnTo>
+                <a:lnTo>
+                  <a:pt x="2376435" y="6858000"/>
+                </a:lnTo>
+                <a:lnTo>
+                  <a:pt x="0" y="6858000"/>
+                </a:lnTo>
+                <a:close/>
+              </a:path>
+            </a:pathLst>
+          </a:custGeom>
+        </p:spPr>
+        <p:style>
+          <a:lnRef idx="1">
+            <a:schemeClr val="dk1"/>
+          </a:lnRef>
+          <a:fillRef idx="3">
+            <a:schemeClr val="dk1"/>
+          </a:fillRef>
+          <a:effectRef idx="2">
+            <a:schemeClr val="dk1"/>
+          </a:effectRef>
+          <a:fontRef idx="minor">
+            <a:schemeClr val="lt1"/>
+          </a:fontRef>
+        </p:style>
+        <p:txBody>
+          <a:bodyPr wrap="square" rtlCol="0" anchor="ctr">
+            <a:noAutofit/>
+          </a:bodyPr>
+          <a:lstStyle/>
+          <a:p>
+            <a:pPr algn="ctr"/>
+            <a:endParaRPr lang="fr-FR"/>
+          </a:p>
+        </p:txBody>
+      </p:sp>
+      <p:sp>
+        <p:nvSpPr>
           <p:cNvPr id="37" name="ZoneTexte 36">
             <a:extLst>
               <a:ext uri="{FF2B5EF4-FFF2-40B4-BE49-F238E27FC236}">
@@ -14437,7 +15518,7 @@
 </p:sld>
 </file>
 
-<file path=ppt/slides/slide21.xml><?xml version="1.0" encoding="utf-8"?>
+<file path=ppt/slides/slide22.xml><?xml version="1.0" encoding="utf-8"?>
 <p:sld xmlns:a="http://schemas.openxmlformats.org/drawingml/2006/main" xmlns:r="http://schemas.openxmlformats.org/officeDocument/2006/relationships" xmlns:p="http://schemas.openxmlformats.org/presentationml/2006/main">
   <p:cSld>
     <p:spTree>

--- a/Présentation.pptx
+++ b/Présentation.pptx
@@ -5,7 +5,7 @@
     <p:sldMasterId id="2147483648" r:id="rId1"/>
   </p:sldMasterIdLst>
   <p:notesMasterIdLst>
-    <p:notesMasterId r:id="rId24"/>
+    <p:notesMasterId r:id="rId20"/>
   </p:notesMasterIdLst>
   <p:sldIdLst>
     <p:sldId id="256" r:id="rId2"/>
@@ -24,12 +24,8 @@
     <p:sldId id="284" r:id="rId15"/>
     <p:sldId id="285" r:id="rId16"/>
     <p:sldId id="294" r:id="rId17"/>
-    <p:sldId id="286" r:id="rId18"/>
-    <p:sldId id="296" r:id="rId19"/>
-    <p:sldId id="290" r:id="rId20"/>
-    <p:sldId id="295" r:id="rId21"/>
-    <p:sldId id="288" r:id="rId22"/>
-    <p:sldId id="289" r:id="rId23"/>
+    <p:sldId id="288" r:id="rId18"/>
+    <p:sldId id="289" r:id="rId19"/>
   </p:sldIdLst>
   <p:sldSz cx="12192000" cy="6858000"/>
   <p:notesSz cx="6858000" cy="9144000"/>
@@ -218,7 +214,7 @@
           <a:p>
             <a:fld id="{033193B6-5E70-9947-90BB-6115D3AF2A14}" type="datetimeFigureOut">
               <a:rPr lang="fr-FR" smtClean="0"/>
-              <a:t>31/01/2024</a:t>
+              <a:t>01/02/2024</a:t>
             </a:fld>
             <a:endParaRPr lang="fr-FR"/>
           </a:p>
@@ -1539,7 +1535,7 @@
         <p:cNvPr id="1" name="">
           <a:extLst>
             <a:ext uri="{FF2B5EF4-FFF2-40B4-BE49-F238E27FC236}">
-              <a16:creationId xmlns:a16="http://schemas.microsoft.com/office/drawing/2014/main" id="{F36513F0-37D6-D747-1421-6E60B8C07C7E}"/>
+              <a16:creationId xmlns:a16="http://schemas.microsoft.com/office/drawing/2014/main" id="{010D5E84-2CE3-9548-EE69-BF923738A15C}"/>
             </a:ext>
           </a:extLst>
         </p:cNvPr>
@@ -1559,7 +1555,7 @@
           <p:cNvPr id="2" name="Espace réservé de l'image des diapositives 1">
             <a:extLst>
               <a:ext uri="{FF2B5EF4-FFF2-40B4-BE49-F238E27FC236}">
-                <a16:creationId xmlns:a16="http://schemas.microsoft.com/office/drawing/2014/main" id="{CCA557E2-1303-1B92-DE50-632EB09C87A4}"/>
+                <a16:creationId xmlns:a16="http://schemas.microsoft.com/office/drawing/2014/main" id="{817D894F-772D-5E4B-1243-8266B8DDA653}"/>
               </a:ext>
             </a:extLst>
           </p:cNvPr>
@@ -1577,7 +1573,7 @@
           <p:cNvPr id="3" name="Espace réservé des notes 2">
             <a:extLst>
               <a:ext uri="{FF2B5EF4-FFF2-40B4-BE49-F238E27FC236}">
-                <a16:creationId xmlns:a16="http://schemas.microsoft.com/office/drawing/2014/main" id="{57D81247-1186-5C36-1438-1C1DDC87D2AF}"/>
+                <a16:creationId xmlns:a16="http://schemas.microsoft.com/office/drawing/2014/main" id="{1BD83025-DB39-07F0-EA02-0EEDE356C911}"/>
               </a:ext>
             </a:extLst>
           </p:cNvPr>
@@ -1602,7 +1598,7 @@
           <p:cNvPr id="4" name="Espace réservé du numéro de diapositive 3">
             <a:extLst>
               <a:ext uri="{FF2B5EF4-FFF2-40B4-BE49-F238E27FC236}">
-                <a16:creationId xmlns:a16="http://schemas.microsoft.com/office/drawing/2014/main" id="{654513DC-AD84-18E9-2B94-9358F81DDCE2}"/>
+                <a16:creationId xmlns:a16="http://schemas.microsoft.com/office/drawing/2014/main" id="{8695B049-66C2-B44C-D3BA-30A6938FE4BC}"/>
               </a:ext>
             </a:extLst>
           </p:cNvPr>
@@ -1629,7 +1625,7 @@
     </p:spTree>
     <p:extLst>
       <p:ext uri="{BB962C8B-B14F-4D97-AF65-F5344CB8AC3E}">
-        <p14:creationId xmlns:p14="http://schemas.microsoft.com/office/powerpoint/2010/main" val="2216242843"/>
+        <p14:creationId xmlns:p14="http://schemas.microsoft.com/office/powerpoint/2010/main" val="3296688803"/>
       </p:ext>
     </p:extLst>
   </p:cSld>
@@ -1647,7 +1643,7 @@
         <p:cNvPr id="1" name="">
           <a:extLst>
             <a:ext uri="{FF2B5EF4-FFF2-40B4-BE49-F238E27FC236}">
-              <a16:creationId xmlns:a16="http://schemas.microsoft.com/office/drawing/2014/main" id="{1D0AA110-C694-038E-FE2C-CB79290D8AD2}"/>
+              <a16:creationId xmlns:a16="http://schemas.microsoft.com/office/drawing/2014/main" id="{93C11A7E-4646-B6FB-2B53-97F31F9A9C49}"/>
             </a:ext>
           </a:extLst>
         </p:cNvPr>
@@ -1667,7 +1663,7 @@
           <p:cNvPr id="2" name="Espace réservé de l'image des diapositives 1">
             <a:extLst>
               <a:ext uri="{FF2B5EF4-FFF2-40B4-BE49-F238E27FC236}">
-                <a16:creationId xmlns:a16="http://schemas.microsoft.com/office/drawing/2014/main" id="{EE96C880-036E-6F99-9222-750A987345B1}"/>
+                <a16:creationId xmlns:a16="http://schemas.microsoft.com/office/drawing/2014/main" id="{4A1AFE55-B6F8-2204-C2FB-4552E4A97831}"/>
               </a:ext>
             </a:extLst>
           </p:cNvPr>
@@ -1685,7 +1681,7 @@
           <p:cNvPr id="3" name="Espace réservé des notes 2">
             <a:extLst>
               <a:ext uri="{FF2B5EF4-FFF2-40B4-BE49-F238E27FC236}">
-                <a16:creationId xmlns:a16="http://schemas.microsoft.com/office/drawing/2014/main" id="{54D58964-6A0C-4D8E-2E03-4B99E25AB2A9}"/>
+                <a16:creationId xmlns:a16="http://schemas.microsoft.com/office/drawing/2014/main" id="{5789D098-6A73-1198-4406-45943C74189F}"/>
               </a:ext>
             </a:extLst>
           </p:cNvPr>
@@ -1710,7 +1706,7 @@
           <p:cNvPr id="4" name="Espace réservé du numéro de diapositive 3">
             <a:extLst>
               <a:ext uri="{FF2B5EF4-FFF2-40B4-BE49-F238E27FC236}">
-                <a16:creationId xmlns:a16="http://schemas.microsoft.com/office/drawing/2014/main" id="{4308DD36-8BED-02FE-60A8-C96CB32E4A4B}"/>
+                <a16:creationId xmlns:a16="http://schemas.microsoft.com/office/drawing/2014/main" id="{3A16D995-1F2F-F047-9953-519E94397D9D}"/>
               </a:ext>
             </a:extLst>
           </p:cNvPr>
@@ -1737,115 +1733,7 @@
     </p:spTree>
     <p:extLst>
       <p:ext uri="{BB962C8B-B14F-4D97-AF65-F5344CB8AC3E}">
-        <p14:creationId xmlns:p14="http://schemas.microsoft.com/office/powerpoint/2010/main" val="2875577167"/>
-      </p:ext>
-    </p:extLst>
-  </p:cSld>
-  <p:clrMapOvr>
-    <a:masterClrMapping/>
-  </p:clrMapOvr>
-</p:notes>
-</file>
-
-<file path=ppt/notesSlides/notesSlide19.xml><?xml version="1.0" encoding="utf-8"?>
-<p:notes xmlns:a="http://schemas.openxmlformats.org/drawingml/2006/main" xmlns:r="http://schemas.openxmlformats.org/officeDocument/2006/relationships" xmlns:p="http://schemas.openxmlformats.org/presentationml/2006/main">
-  <p:cSld>
-    <p:spTree>
-      <p:nvGrpSpPr>
-        <p:cNvPr id="1" name="">
-          <a:extLst>
-            <a:ext uri="{FF2B5EF4-FFF2-40B4-BE49-F238E27FC236}">
-              <a16:creationId xmlns:a16="http://schemas.microsoft.com/office/drawing/2014/main" id="{F36513F0-37D6-D747-1421-6E60B8C07C7E}"/>
-            </a:ext>
-          </a:extLst>
-        </p:cNvPr>
-        <p:cNvGrpSpPr/>
-        <p:nvPr/>
-      </p:nvGrpSpPr>
-      <p:grpSpPr>
-        <a:xfrm>
-          <a:off x="0" y="0"/>
-          <a:ext cx="0" cy="0"/>
-          <a:chOff x="0" y="0"/>
-          <a:chExt cx="0" cy="0"/>
-        </a:xfrm>
-      </p:grpSpPr>
-      <p:sp>
-        <p:nvSpPr>
-          <p:cNvPr id="2" name="Espace réservé de l'image des diapositives 1">
-            <a:extLst>
-              <a:ext uri="{FF2B5EF4-FFF2-40B4-BE49-F238E27FC236}">
-                <a16:creationId xmlns:a16="http://schemas.microsoft.com/office/drawing/2014/main" id="{CCA557E2-1303-1B92-DE50-632EB09C87A4}"/>
-              </a:ext>
-            </a:extLst>
-          </p:cNvPr>
-          <p:cNvSpPr>
-            <a:spLocks noGrp="1" noRot="1" noChangeAspect="1"/>
-          </p:cNvSpPr>
-          <p:nvPr>
-            <p:ph type="sldImg"/>
-          </p:nvPr>
-        </p:nvSpPr>
-        <p:spPr/>
-      </p:sp>
-      <p:sp>
-        <p:nvSpPr>
-          <p:cNvPr id="3" name="Espace réservé des notes 2">
-            <a:extLst>
-              <a:ext uri="{FF2B5EF4-FFF2-40B4-BE49-F238E27FC236}">
-                <a16:creationId xmlns:a16="http://schemas.microsoft.com/office/drawing/2014/main" id="{57D81247-1186-5C36-1438-1C1DDC87D2AF}"/>
-              </a:ext>
-            </a:extLst>
-          </p:cNvPr>
-          <p:cNvSpPr>
-            <a:spLocks noGrp="1"/>
-          </p:cNvSpPr>
-          <p:nvPr>
-            <p:ph type="body" idx="1"/>
-          </p:nvPr>
-        </p:nvSpPr>
-        <p:spPr/>
-        <p:txBody>
-          <a:bodyPr/>
-          <a:lstStyle/>
-          <a:p>
-            <a:endParaRPr lang="fr-FR" dirty="0"/>
-          </a:p>
-        </p:txBody>
-      </p:sp>
-      <p:sp>
-        <p:nvSpPr>
-          <p:cNvPr id="4" name="Espace réservé du numéro de diapositive 3">
-            <a:extLst>
-              <a:ext uri="{FF2B5EF4-FFF2-40B4-BE49-F238E27FC236}">
-                <a16:creationId xmlns:a16="http://schemas.microsoft.com/office/drawing/2014/main" id="{654513DC-AD84-18E9-2B94-9358F81DDCE2}"/>
-              </a:ext>
-            </a:extLst>
-          </p:cNvPr>
-          <p:cNvSpPr>
-            <a:spLocks noGrp="1"/>
-          </p:cNvSpPr>
-          <p:nvPr>
-            <p:ph type="sldNum" sz="quarter" idx="5"/>
-          </p:nvPr>
-        </p:nvSpPr>
-        <p:spPr/>
-        <p:txBody>
-          <a:bodyPr/>
-          <a:lstStyle/>
-          <a:p>
-            <a:fld id="{EB0C3375-AD00-2849-8B47-02ED823D7559}" type="slidenum">
-              <a:rPr lang="fr-FR" smtClean="0"/>
-              <a:t>19</a:t>
-            </a:fld>
-            <a:endParaRPr lang="fr-FR"/>
-          </a:p>
-        </p:txBody>
-      </p:sp>
-    </p:spTree>
-    <p:extLst>
-      <p:ext uri="{BB962C8B-B14F-4D97-AF65-F5344CB8AC3E}">
-        <p14:creationId xmlns:p14="http://schemas.microsoft.com/office/powerpoint/2010/main" val="187704489"/>
+        <p14:creationId xmlns:p14="http://schemas.microsoft.com/office/powerpoint/2010/main" val="2224721334"/>
       </p:ext>
     </p:extLst>
   </p:cSld>
@@ -1933,330 +1821,6 @@
     <p:extLst>
       <p:ext uri="{BB962C8B-B14F-4D97-AF65-F5344CB8AC3E}">
         <p14:creationId xmlns:p14="http://schemas.microsoft.com/office/powerpoint/2010/main" val="1380767728"/>
-      </p:ext>
-    </p:extLst>
-  </p:cSld>
-  <p:clrMapOvr>
-    <a:masterClrMapping/>
-  </p:clrMapOvr>
-</p:notes>
-</file>
-
-<file path=ppt/notesSlides/notesSlide20.xml><?xml version="1.0" encoding="utf-8"?>
-<p:notes xmlns:a="http://schemas.openxmlformats.org/drawingml/2006/main" xmlns:r="http://schemas.openxmlformats.org/officeDocument/2006/relationships" xmlns:p="http://schemas.openxmlformats.org/presentationml/2006/main">
-  <p:cSld>
-    <p:spTree>
-      <p:nvGrpSpPr>
-        <p:cNvPr id="1" name="">
-          <a:extLst>
-            <a:ext uri="{FF2B5EF4-FFF2-40B4-BE49-F238E27FC236}">
-              <a16:creationId xmlns:a16="http://schemas.microsoft.com/office/drawing/2014/main" id="{3B780864-11BA-9C29-ECF8-CD8A21BBDE4E}"/>
-            </a:ext>
-          </a:extLst>
-        </p:cNvPr>
-        <p:cNvGrpSpPr/>
-        <p:nvPr/>
-      </p:nvGrpSpPr>
-      <p:grpSpPr>
-        <a:xfrm>
-          <a:off x="0" y="0"/>
-          <a:ext cx="0" cy="0"/>
-          <a:chOff x="0" y="0"/>
-          <a:chExt cx="0" cy="0"/>
-        </a:xfrm>
-      </p:grpSpPr>
-      <p:sp>
-        <p:nvSpPr>
-          <p:cNvPr id="2" name="Espace réservé de l'image des diapositives 1">
-            <a:extLst>
-              <a:ext uri="{FF2B5EF4-FFF2-40B4-BE49-F238E27FC236}">
-                <a16:creationId xmlns:a16="http://schemas.microsoft.com/office/drawing/2014/main" id="{FB180D06-92E9-FC71-D74B-B472C90A58D3}"/>
-              </a:ext>
-            </a:extLst>
-          </p:cNvPr>
-          <p:cNvSpPr>
-            <a:spLocks noGrp="1" noRot="1" noChangeAspect="1"/>
-          </p:cNvSpPr>
-          <p:nvPr>
-            <p:ph type="sldImg"/>
-          </p:nvPr>
-        </p:nvSpPr>
-        <p:spPr/>
-      </p:sp>
-      <p:sp>
-        <p:nvSpPr>
-          <p:cNvPr id="3" name="Espace réservé des notes 2">
-            <a:extLst>
-              <a:ext uri="{FF2B5EF4-FFF2-40B4-BE49-F238E27FC236}">
-                <a16:creationId xmlns:a16="http://schemas.microsoft.com/office/drawing/2014/main" id="{91448EA3-4331-13DB-F626-F5E1F9AB6B0E}"/>
-              </a:ext>
-            </a:extLst>
-          </p:cNvPr>
-          <p:cNvSpPr>
-            <a:spLocks noGrp="1"/>
-          </p:cNvSpPr>
-          <p:nvPr>
-            <p:ph type="body" idx="1"/>
-          </p:nvPr>
-        </p:nvSpPr>
-        <p:spPr/>
-        <p:txBody>
-          <a:bodyPr/>
-          <a:lstStyle/>
-          <a:p>
-            <a:endParaRPr lang="fr-FR" dirty="0"/>
-          </a:p>
-        </p:txBody>
-      </p:sp>
-      <p:sp>
-        <p:nvSpPr>
-          <p:cNvPr id="4" name="Espace réservé du numéro de diapositive 3">
-            <a:extLst>
-              <a:ext uri="{FF2B5EF4-FFF2-40B4-BE49-F238E27FC236}">
-                <a16:creationId xmlns:a16="http://schemas.microsoft.com/office/drawing/2014/main" id="{EE6A5A19-6C5B-D7D0-4B4D-A661D20F24BF}"/>
-              </a:ext>
-            </a:extLst>
-          </p:cNvPr>
-          <p:cNvSpPr>
-            <a:spLocks noGrp="1"/>
-          </p:cNvSpPr>
-          <p:nvPr>
-            <p:ph type="sldNum" sz="quarter" idx="5"/>
-          </p:nvPr>
-        </p:nvSpPr>
-        <p:spPr/>
-        <p:txBody>
-          <a:bodyPr/>
-          <a:lstStyle/>
-          <a:p>
-            <a:fld id="{EB0C3375-AD00-2849-8B47-02ED823D7559}" type="slidenum">
-              <a:rPr lang="fr-FR" smtClean="0"/>
-              <a:t>20</a:t>
-            </a:fld>
-            <a:endParaRPr lang="fr-FR"/>
-          </a:p>
-        </p:txBody>
-      </p:sp>
-    </p:spTree>
-    <p:extLst>
-      <p:ext uri="{BB962C8B-B14F-4D97-AF65-F5344CB8AC3E}">
-        <p14:creationId xmlns:p14="http://schemas.microsoft.com/office/powerpoint/2010/main" val="3842465737"/>
-      </p:ext>
-    </p:extLst>
-  </p:cSld>
-  <p:clrMapOvr>
-    <a:masterClrMapping/>
-  </p:clrMapOvr>
-</p:notes>
-</file>
-
-<file path=ppt/notesSlides/notesSlide21.xml><?xml version="1.0" encoding="utf-8"?>
-<p:notes xmlns:a="http://schemas.openxmlformats.org/drawingml/2006/main" xmlns:r="http://schemas.openxmlformats.org/officeDocument/2006/relationships" xmlns:p="http://schemas.openxmlformats.org/presentationml/2006/main">
-  <p:cSld>
-    <p:spTree>
-      <p:nvGrpSpPr>
-        <p:cNvPr id="1" name="">
-          <a:extLst>
-            <a:ext uri="{FF2B5EF4-FFF2-40B4-BE49-F238E27FC236}">
-              <a16:creationId xmlns:a16="http://schemas.microsoft.com/office/drawing/2014/main" id="{010D5E84-2CE3-9548-EE69-BF923738A15C}"/>
-            </a:ext>
-          </a:extLst>
-        </p:cNvPr>
-        <p:cNvGrpSpPr/>
-        <p:nvPr/>
-      </p:nvGrpSpPr>
-      <p:grpSpPr>
-        <a:xfrm>
-          <a:off x="0" y="0"/>
-          <a:ext cx="0" cy="0"/>
-          <a:chOff x="0" y="0"/>
-          <a:chExt cx="0" cy="0"/>
-        </a:xfrm>
-      </p:grpSpPr>
-      <p:sp>
-        <p:nvSpPr>
-          <p:cNvPr id="2" name="Espace réservé de l'image des diapositives 1">
-            <a:extLst>
-              <a:ext uri="{FF2B5EF4-FFF2-40B4-BE49-F238E27FC236}">
-                <a16:creationId xmlns:a16="http://schemas.microsoft.com/office/drawing/2014/main" id="{817D894F-772D-5E4B-1243-8266B8DDA653}"/>
-              </a:ext>
-            </a:extLst>
-          </p:cNvPr>
-          <p:cNvSpPr>
-            <a:spLocks noGrp="1" noRot="1" noChangeAspect="1"/>
-          </p:cNvSpPr>
-          <p:nvPr>
-            <p:ph type="sldImg"/>
-          </p:nvPr>
-        </p:nvSpPr>
-        <p:spPr/>
-      </p:sp>
-      <p:sp>
-        <p:nvSpPr>
-          <p:cNvPr id="3" name="Espace réservé des notes 2">
-            <a:extLst>
-              <a:ext uri="{FF2B5EF4-FFF2-40B4-BE49-F238E27FC236}">
-                <a16:creationId xmlns:a16="http://schemas.microsoft.com/office/drawing/2014/main" id="{1BD83025-DB39-07F0-EA02-0EEDE356C911}"/>
-              </a:ext>
-            </a:extLst>
-          </p:cNvPr>
-          <p:cNvSpPr>
-            <a:spLocks noGrp="1"/>
-          </p:cNvSpPr>
-          <p:nvPr>
-            <p:ph type="body" idx="1"/>
-          </p:nvPr>
-        </p:nvSpPr>
-        <p:spPr/>
-        <p:txBody>
-          <a:bodyPr/>
-          <a:lstStyle/>
-          <a:p>
-            <a:endParaRPr lang="fr-FR" dirty="0"/>
-          </a:p>
-        </p:txBody>
-      </p:sp>
-      <p:sp>
-        <p:nvSpPr>
-          <p:cNvPr id="4" name="Espace réservé du numéro de diapositive 3">
-            <a:extLst>
-              <a:ext uri="{FF2B5EF4-FFF2-40B4-BE49-F238E27FC236}">
-                <a16:creationId xmlns:a16="http://schemas.microsoft.com/office/drawing/2014/main" id="{8695B049-66C2-B44C-D3BA-30A6938FE4BC}"/>
-              </a:ext>
-            </a:extLst>
-          </p:cNvPr>
-          <p:cNvSpPr>
-            <a:spLocks noGrp="1"/>
-          </p:cNvSpPr>
-          <p:nvPr>
-            <p:ph type="sldNum" sz="quarter" idx="5"/>
-          </p:nvPr>
-        </p:nvSpPr>
-        <p:spPr/>
-        <p:txBody>
-          <a:bodyPr/>
-          <a:lstStyle/>
-          <a:p>
-            <a:fld id="{EB0C3375-AD00-2849-8B47-02ED823D7559}" type="slidenum">
-              <a:rPr lang="fr-FR" smtClean="0"/>
-              <a:t>21</a:t>
-            </a:fld>
-            <a:endParaRPr lang="fr-FR"/>
-          </a:p>
-        </p:txBody>
-      </p:sp>
-    </p:spTree>
-    <p:extLst>
-      <p:ext uri="{BB962C8B-B14F-4D97-AF65-F5344CB8AC3E}">
-        <p14:creationId xmlns:p14="http://schemas.microsoft.com/office/powerpoint/2010/main" val="3296688803"/>
-      </p:ext>
-    </p:extLst>
-  </p:cSld>
-  <p:clrMapOvr>
-    <a:masterClrMapping/>
-  </p:clrMapOvr>
-</p:notes>
-</file>
-
-<file path=ppt/notesSlides/notesSlide22.xml><?xml version="1.0" encoding="utf-8"?>
-<p:notes xmlns:a="http://schemas.openxmlformats.org/drawingml/2006/main" xmlns:r="http://schemas.openxmlformats.org/officeDocument/2006/relationships" xmlns:p="http://schemas.openxmlformats.org/presentationml/2006/main">
-  <p:cSld>
-    <p:spTree>
-      <p:nvGrpSpPr>
-        <p:cNvPr id="1" name="">
-          <a:extLst>
-            <a:ext uri="{FF2B5EF4-FFF2-40B4-BE49-F238E27FC236}">
-              <a16:creationId xmlns:a16="http://schemas.microsoft.com/office/drawing/2014/main" id="{93C11A7E-4646-B6FB-2B53-97F31F9A9C49}"/>
-            </a:ext>
-          </a:extLst>
-        </p:cNvPr>
-        <p:cNvGrpSpPr/>
-        <p:nvPr/>
-      </p:nvGrpSpPr>
-      <p:grpSpPr>
-        <a:xfrm>
-          <a:off x="0" y="0"/>
-          <a:ext cx="0" cy="0"/>
-          <a:chOff x="0" y="0"/>
-          <a:chExt cx="0" cy="0"/>
-        </a:xfrm>
-      </p:grpSpPr>
-      <p:sp>
-        <p:nvSpPr>
-          <p:cNvPr id="2" name="Espace réservé de l'image des diapositives 1">
-            <a:extLst>
-              <a:ext uri="{FF2B5EF4-FFF2-40B4-BE49-F238E27FC236}">
-                <a16:creationId xmlns:a16="http://schemas.microsoft.com/office/drawing/2014/main" id="{4A1AFE55-B6F8-2204-C2FB-4552E4A97831}"/>
-              </a:ext>
-            </a:extLst>
-          </p:cNvPr>
-          <p:cNvSpPr>
-            <a:spLocks noGrp="1" noRot="1" noChangeAspect="1"/>
-          </p:cNvSpPr>
-          <p:nvPr>
-            <p:ph type="sldImg"/>
-          </p:nvPr>
-        </p:nvSpPr>
-        <p:spPr/>
-      </p:sp>
-      <p:sp>
-        <p:nvSpPr>
-          <p:cNvPr id="3" name="Espace réservé des notes 2">
-            <a:extLst>
-              <a:ext uri="{FF2B5EF4-FFF2-40B4-BE49-F238E27FC236}">
-                <a16:creationId xmlns:a16="http://schemas.microsoft.com/office/drawing/2014/main" id="{5789D098-6A73-1198-4406-45943C74189F}"/>
-              </a:ext>
-            </a:extLst>
-          </p:cNvPr>
-          <p:cNvSpPr>
-            <a:spLocks noGrp="1"/>
-          </p:cNvSpPr>
-          <p:nvPr>
-            <p:ph type="body" idx="1"/>
-          </p:nvPr>
-        </p:nvSpPr>
-        <p:spPr/>
-        <p:txBody>
-          <a:bodyPr/>
-          <a:lstStyle/>
-          <a:p>
-            <a:endParaRPr lang="fr-FR" dirty="0"/>
-          </a:p>
-        </p:txBody>
-      </p:sp>
-      <p:sp>
-        <p:nvSpPr>
-          <p:cNvPr id="4" name="Espace réservé du numéro de diapositive 3">
-            <a:extLst>
-              <a:ext uri="{FF2B5EF4-FFF2-40B4-BE49-F238E27FC236}">
-                <a16:creationId xmlns:a16="http://schemas.microsoft.com/office/drawing/2014/main" id="{3A16D995-1F2F-F047-9953-519E94397D9D}"/>
-              </a:ext>
-            </a:extLst>
-          </p:cNvPr>
-          <p:cNvSpPr>
-            <a:spLocks noGrp="1"/>
-          </p:cNvSpPr>
-          <p:nvPr>
-            <p:ph type="sldNum" sz="quarter" idx="5"/>
-          </p:nvPr>
-        </p:nvSpPr>
-        <p:spPr/>
-        <p:txBody>
-          <a:bodyPr/>
-          <a:lstStyle/>
-          <a:p>
-            <a:fld id="{EB0C3375-AD00-2849-8B47-02ED823D7559}" type="slidenum">
-              <a:rPr lang="fr-FR" smtClean="0"/>
-              <a:t>22</a:t>
-            </a:fld>
-            <a:endParaRPr lang="fr-FR"/>
-          </a:p>
-        </p:txBody>
-      </p:sp>
-    </p:spTree>
-    <p:extLst>
-      <p:ext uri="{BB962C8B-B14F-4D97-AF65-F5344CB8AC3E}">
-        <p14:creationId xmlns:p14="http://schemas.microsoft.com/office/powerpoint/2010/main" val="2224721334"/>
       </p:ext>
     </p:extLst>
   </p:cSld>
@@ -3273,7 +2837,7 @@
           <a:p>
             <a:fld id="{B31D952E-9AEA-B24E-B6B1-F2B5D1DED824}" type="datetimeFigureOut">
               <a:rPr lang="fr-FR" smtClean="0"/>
-              <a:t>31/01/2024</a:t>
+              <a:t>01/02/2024</a:t>
             </a:fld>
             <a:endParaRPr lang="fr-FR"/>
           </a:p>
@@ -3471,7 +3035,7 @@
           <a:p>
             <a:fld id="{B31D952E-9AEA-B24E-B6B1-F2B5D1DED824}" type="datetimeFigureOut">
               <a:rPr lang="fr-FR" smtClean="0"/>
-              <a:t>31/01/2024</a:t>
+              <a:t>01/02/2024</a:t>
             </a:fld>
             <a:endParaRPr lang="fr-FR"/>
           </a:p>
@@ -3679,7 +3243,7 @@
           <a:p>
             <a:fld id="{B31D952E-9AEA-B24E-B6B1-F2B5D1DED824}" type="datetimeFigureOut">
               <a:rPr lang="fr-FR" smtClean="0"/>
-              <a:t>31/01/2024</a:t>
+              <a:t>01/02/2024</a:t>
             </a:fld>
             <a:endParaRPr lang="fr-FR"/>
           </a:p>
@@ -3877,7 +3441,7 @@
           <a:p>
             <a:fld id="{B31D952E-9AEA-B24E-B6B1-F2B5D1DED824}" type="datetimeFigureOut">
               <a:rPr lang="fr-FR" smtClean="0"/>
-              <a:t>31/01/2024</a:t>
+              <a:t>01/02/2024</a:t>
             </a:fld>
             <a:endParaRPr lang="fr-FR"/>
           </a:p>
@@ -4152,7 +3716,7 @@
           <a:p>
             <a:fld id="{B31D952E-9AEA-B24E-B6B1-F2B5D1DED824}" type="datetimeFigureOut">
               <a:rPr lang="fr-FR" smtClean="0"/>
-              <a:t>31/01/2024</a:t>
+              <a:t>01/02/2024</a:t>
             </a:fld>
             <a:endParaRPr lang="fr-FR"/>
           </a:p>
@@ -4417,7 +3981,7 @@
           <a:p>
             <a:fld id="{B31D952E-9AEA-B24E-B6B1-F2B5D1DED824}" type="datetimeFigureOut">
               <a:rPr lang="fr-FR" smtClean="0"/>
-              <a:t>31/01/2024</a:t>
+              <a:t>01/02/2024</a:t>
             </a:fld>
             <a:endParaRPr lang="fr-FR"/>
           </a:p>
@@ -4829,7 +4393,7 @@
           <a:p>
             <a:fld id="{B31D952E-9AEA-B24E-B6B1-F2B5D1DED824}" type="datetimeFigureOut">
               <a:rPr lang="fr-FR" smtClean="0"/>
-              <a:t>31/01/2024</a:t>
+              <a:t>01/02/2024</a:t>
             </a:fld>
             <a:endParaRPr lang="fr-FR"/>
           </a:p>
@@ -4970,7 +4534,7 @@
           <a:p>
             <a:fld id="{B31D952E-9AEA-B24E-B6B1-F2B5D1DED824}" type="datetimeFigureOut">
               <a:rPr lang="fr-FR" smtClean="0"/>
-              <a:t>31/01/2024</a:t>
+              <a:t>01/02/2024</a:t>
             </a:fld>
             <a:endParaRPr lang="fr-FR"/>
           </a:p>
@@ -5083,7 +4647,7 @@
           <a:p>
             <a:fld id="{B31D952E-9AEA-B24E-B6B1-F2B5D1DED824}" type="datetimeFigureOut">
               <a:rPr lang="fr-FR" smtClean="0"/>
-              <a:t>31/01/2024</a:t>
+              <a:t>01/02/2024</a:t>
             </a:fld>
             <a:endParaRPr lang="fr-FR"/>
           </a:p>
@@ -5394,7 +4958,7 @@
           <a:p>
             <a:fld id="{B31D952E-9AEA-B24E-B6B1-F2B5D1DED824}" type="datetimeFigureOut">
               <a:rPr lang="fr-FR" smtClean="0"/>
-              <a:t>31/01/2024</a:t>
+              <a:t>01/02/2024</a:t>
             </a:fld>
             <a:endParaRPr lang="fr-FR"/>
           </a:p>
@@ -5682,7 +5246,7 @@
           <a:p>
             <a:fld id="{B31D952E-9AEA-B24E-B6B1-F2B5D1DED824}" type="datetimeFigureOut">
               <a:rPr lang="fr-FR" smtClean="0"/>
-              <a:t>31/01/2024</a:t>
+              <a:t>01/02/2024</a:t>
             </a:fld>
             <a:endParaRPr lang="fr-FR"/>
           </a:p>
@@ -5923,7 +5487,7 @@
           <a:p>
             <a:fld id="{B31D952E-9AEA-B24E-B6B1-F2B5D1DED824}" type="datetimeFigureOut">
               <a:rPr lang="fr-FR" smtClean="0"/>
-              <a:t>31/01/2024</a:t>
+              <a:t>01/02/2024</a:t>
             </a:fld>
             <a:endParaRPr lang="fr-FR"/>
           </a:p>
@@ -6803,105 +6367,6 @@
           </a:p>
         </p:txBody>
       </p:sp>
-      <p:sp>
-        <p:nvSpPr>
-          <p:cNvPr id="48" name="Forme libre 47">
-            <a:extLst>
-              <a:ext uri="{FF2B5EF4-FFF2-40B4-BE49-F238E27FC236}">
-                <a16:creationId xmlns:a16="http://schemas.microsoft.com/office/drawing/2014/main" id="{2E610A68-EC77-3C97-B81C-B9CD4E8A3C72}"/>
-              </a:ext>
-            </a:extLst>
-          </p:cNvPr>
-          <p:cNvSpPr/>
-          <p:nvPr/>
-        </p:nvSpPr>
-        <p:spPr>
-          <a:xfrm>
-            <a:off x="0" y="6346586"/>
-            <a:ext cx="330200" cy="660400"/>
-          </a:xfrm>
-          <a:custGeom>
-            <a:avLst/>
-            <a:gdLst>
-              <a:gd name="connsiteX0" fmla="*/ 0 w 330200"/>
-              <a:gd name="connsiteY0" fmla="*/ 0 h 660400"/>
-              <a:gd name="connsiteX1" fmla="*/ 330200 w 330200"/>
-              <a:gd name="connsiteY1" fmla="*/ 330200 h 660400"/>
-              <a:gd name="connsiteX2" fmla="*/ 0 w 330200"/>
-              <a:gd name="connsiteY2" fmla="*/ 660400 h 660400"/>
-              <a:gd name="connsiteX3" fmla="*/ 0 w 330200"/>
-              <a:gd name="connsiteY3" fmla="*/ 0 h 660400"/>
-            </a:gdLst>
-            <a:ahLst/>
-            <a:cxnLst>
-              <a:cxn ang="0">
-                <a:pos x="connsiteX0" y="connsiteY0"/>
-              </a:cxn>
-              <a:cxn ang="0">
-                <a:pos x="connsiteX1" y="connsiteY1"/>
-              </a:cxn>
-              <a:cxn ang="0">
-                <a:pos x="connsiteX2" y="connsiteY2"/>
-              </a:cxn>
-              <a:cxn ang="0">
-                <a:pos x="connsiteX3" y="connsiteY3"/>
-              </a:cxn>
-            </a:cxnLst>
-            <a:rect l="l" t="t" r="r" b="b"/>
-            <a:pathLst>
-              <a:path w="330200" h="660400">
-                <a:moveTo>
-                  <a:pt x="0" y="0"/>
-                </a:moveTo>
-                <a:cubicBezTo>
-                  <a:pt x="182364" y="0"/>
-                  <a:pt x="330200" y="147836"/>
-                  <a:pt x="330200" y="330200"/>
-                </a:cubicBezTo>
-                <a:cubicBezTo>
-                  <a:pt x="330200" y="512564"/>
-                  <a:pt x="182364" y="660400"/>
-                  <a:pt x="0" y="660400"/>
-                </a:cubicBezTo>
-                <a:lnTo>
-                  <a:pt x="0" y="0"/>
-                </a:lnTo>
-                <a:close/>
-              </a:path>
-            </a:pathLst>
-          </a:custGeom>
-          <a:solidFill>
-            <a:srgbClr val="F3103A"/>
-          </a:solidFill>
-          <a:ln>
-            <a:noFill/>
-          </a:ln>
-        </p:spPr>
-        <p:style>
-          <a:lnRef idx="0">
-            <a:scrgbClr r="0" g="0" b="0"/>
-          </a:lnRef>
-          <a:fillRef idx="0">
-            <a:scrgbClr r="0" g="0" b="0"/>
-          </a:fillRef>
-          <a:effectRef idx="0">
-            <a:scrgbClr r="0" g="0" b="0"/>
-          </a:effectRef>
-          <a:fontRef idx="minor">
-            <a:schemeClr val="lt1"/>
-          </a:fontRef>
-        </p:style>
-        <p:txBody>
-          <a:bodyPr wrap="square" rtlCol="0" anchor="ctr">
-            <a:noAutofit/>
-          </a:bodyPr>
-          <a:lstStyle/>
-          <a:p>
-            <a:pPr algn="ctr"/>
-            <a:endParaRPr lang="fr-FR"/>
-          </a:p>
-        </p:txBody>
-      </p:sp>
       <p:pic>
         <p:nvPicPr>
           <p:cNvPr id="16" name="Image 15">
@@ -7566,105 +7031,6 @@
           </a:p>
         </p:txBody>
       </p:sp>
-      <p:sp>
-        <p:nvSpPr>
-          <p:cNvPr id="48" name="Forme libre 47">
-            <a:extLst>
-              <a:ext uri="{FF2B5EF4-FFF2-40B4-BE49-F238E27FC236}">
-                <a16:creationId xmlns:a16="http://schemas.microsoft.com/office/drawing/2014/main" id="{A3182EBB-B116-002E-5B7D-E915281450EC}"/>
-              </a:ext>
-            </a:extLst>
-          </p:cNvPr>
-          <p:cNvSpPr/>
-          <p:nvPr/>
-        </p:nvSpPr>
-        <p:spPr>
-          <a:xfrm>
-            <a:off x="0" y="6346586"/>
-            <a:ext cx="330200" cy="660400"/>
-          </a:xfrm>
-          <a:custGeom>
-            <a:avLst/>
-            <a:gdLst>
-              <a:gd name="connsiteX0" fmla="*/ 0 w 330200"/>
-              <a:gd name="connsiteY0" fmla="*/ 0 h 660400"/>
-              <a:gd name="connsiteX1" fmla="*/ 330200 w 330200"/>
-              <a:gd name="connsiteY1" fmla="*/ 330200 h 660400"/>
-              <a:gd name="connsiteX2" fmla="*/ 0 w 330200"/>
-              <a:gd name="connsiteY2" fmla="*/ 660400 h 660400"/>
-              <a:gd name="connsiteX3" fmla="*/ 0 w 330200"/>
-              <a:gd name="connsiteY3" fmla="*/ 0 h 660400"/>
-            </a:gdLst>
-            <a:ahLst/>
-            <a:cxnLst>
-              <a:cxn ang="0">
-                <a:pos x="connsiteX0" y="connsiteY0"/>
-              </a:cxn>
-              <a:cxn ang="0">
-                <a:pos x="connsiteX1" y="connsiteY1"/>
-              </a:cxn>
-              <a:cxn ang="0">
-                <a:pos x="connsiteX2" y="connsiteY2"/>
-              </a:cxn>
-              <a:cxn ang="0">
-                <a:pos x="connsiteX3" y="connsiteY3"/>
-              </a:cxn>
-            </a:cxnLst>
-            <a:rect l="l" t="t" r="r" b="b"/>
-            <a:pathLst>
-              <a:path w="330200" h="660400">
-                <a:moveTo>
-                  <a:pt x="0" y="0"/>
-                </a:moveTo>
-                <a:cubicBezTo>
-                  <a:pt x="182364" y="0"/>
-                  <a:pt x="330200" y="147836"/>
-                  <a:pt x="330200" y="330200"/>
-                </a:cubicBezTo>
-                <a:cubicBezTo>
-                  <a:pt x="330200" y="512564"/>
-                  <a:pt x="182364" y="660400"/>
-                  <a:pt x="0" y="660400"/>
-                </a:cubicBezTo>
-                <a:lnTo>
-                  <a:pt x="0" y="0"/>
-                </a:lnTo>
-                <a:close/>
-              </a:path>
-            </a:pathLst>
-          </a:custGeom>
-          <a:solidFill>
-            <a:srgbClr val="F3103A"/>
-          </a:solidFill>
-          <a:ln>
-            <a:noFill/>
-          </a:ln>
-        </p:spPr>
-        <p:style>
-          <a:lnRef idx="0">
-            <a:scrgbClr r="0" g="0" b="0"/>
-          </a:lnRef>
-          <a:fillRef idx="0">
-            <a:scrgbClr r="0" g="0" b="0"/>
-          </a:fillRef>
-          <a:effectRef idx="0">
-            <a:scrgbClr r="0" g="0" b="0"/>
-          </a:effectRef>
-          <a:fontRef idx="minor">
-            <a:schemeClr val="lt1"/>
-          </a:fontRef>
-        </p:style>
-        <p:txBody>
-          <a:bodyPr wrap="square" rtlCol="0" anchor="ctr">
-            <a:noAutofit/>
-          </a:bodyPr>
-          <a:lstStyle/>
-          <a:p>
-            <a:pPr algn="ctr"/>
-            <a:endParaRPr lang="fr-FR"/>
-          </a:p>
-        </p:txBody>
-      </p:sp>
       <p:pic>
         <p:nvPicPr>
           <p:cNvPr id="16" name="Image 15">
@@ -8329,105 +7695,6 @@
           </a:p>
         </p:txBody>
       </p:sp>
-      <p:sp>
-        <p:nvSpPr>
-          <p:cNvPr id="48" name="Forme libre 47">
-            <a:extLst>
-              <a:ext uri="{FF2B5EF4-FFF2-40B4-BE49-F238E27FC236}">
-                <a16:creationId xmlns:a16="http://schemas.microsoft.com/office/drawing/2014/main" id="{8C874CBB-B5DF-47F1-B53B-A8BB6471CF25}"/>
-              </a:ext>
-            </a:extLst>
-          </p:cNvPr>
-          <p:cNvSpPr/>
-          <p:nvPr/>
-        </p:nvSpPr>
-        <p:spPr>
-          <a:xfrm>
-            <a:off x="0" y="6346586"/>
-            <a:ext cx="330200" cy="660400"/>
-          </a:xfrm>
-          <a:custGeom>
-            <a:avLst/>
-            <a:gdLst>
-              <a:gd name="connsiteX0" fmla="*/ 0 w 330200"/>
-              <a:gd name="connsiteY0" fmla="*/ 0 h 660400"/>
-              <a:gd name="connsiteX1" fmla="*/ 330200 w 330200"/>
-              <a:gd name="connsiteY1" fmla="*/ 330200 h 660400"/>
-              <a:gd name="connsiteX2" fmla="*/ 0 w 330200"/>
-              <a:gd name="connsiteY2" fmla="*/ 660400 h 660400"/>
-              <a:gd name="connsiteX3" fmla="*/ 0 w 330200"/>
-              <a:gd name="connsiteY3" fmla="*/ 0 h 660400"/>
-            </a:gdLst>
-            <a:ahLst/>
-            <a:cxnLst>
-              <a:cxn ang="0">
-                <a:pos x="connsiteX0" y="connsiteY0"/>
-              </a:cxn>
-              <a:cxn ang="0">
-                <a:pos x="connsiteX1" y="connsiteY1"/>
-              </a:cxn>
-              <a:cxn ang="0">
-                <a:pos x="connsiteX2" y="connsiteY2"/>
-              </a:cxn>
-              <a:cxn ang="0">
-                <a:pos x="connsiteX3" y="connsiteY3"/>
-              </a:cxn>
-            </a:cxnLst>
-            <a:rect l="l" t="t" r="r" b="b"/>
-            <a:pathLst>
-              <a:path w="330200" h="660400">
-                <a:moveTo>
-                  <a:pt x="0" y="0"/>
-                </a:moveTo>
-                <a:cubicBezTo>
-                  <a:pt x="182364" y="0"/>
-                  <a:pt x="330200" y="147836"/>
-                  <a:pt x="330200" y="330200"/>
-                </a:cubicBezTo>
-                <a:cubicBezTo>
-                  <a:pt x="330200" y="512564"/>
-                  <a:pt x="182364" y="660400"/>
-                  <a:pt x="0" y="660400"/>
-                </a:cubicBezTo>
-                <a:lnTo>
-                  <a:pt x="0" y="0"/>
-                </a:lnTo>
-                <a:close/>
-              </a:path>
-            </a:pathLst>
-          </a:custGeom>
-          <a:solidFill>
-            <a:srgbClr val="F3103A"/>
-          </a:solidFill>
-          <a:ln>
-            <a:noFill/>
-          </a:ln>
-        </p:spPr>
-        <p:style>
-          <a:lnRef idx="0">
-            <a:scrgbClr r="0" g="0" b="0"/>
-          </a:lnRef>
-          <a:fillRef idx="0">
-            <a:scrgbClr r="0" g="0" b="0"/>
-          </a:fillRef>
-          <a:effectRef idx="0">
-            <a:scrgbClr r="0" g="0" b="0"/>
-          </a:effectRef>
-          <a:fontRef idx="minor">
-            <a:schemeClr val="lt1"/>
-          </a:fontRef>
-        </p:style>
-        <p:txBody>
-          <a:bodyPr wrap="square" rtlCol="0" anchor="ctr">
-            <a:noAutofit/>
-          </a:bodyPr>
-          <a:lstStyle/>
-          <a:p>
-            <a:pPr algn="ctr"/>
-            <a:endParaRPr lang="fr-FR"/>
-          </a:p>
-        </p:txBody>
-      </p:sp>
       <p:pic>
         <p:nvPicPr>
           <p:cNvPr id="16" name="Image 15">
@@ -9063,105 +8330,6 @@
           </a:custGeom>
           <a:solidFill>
             <a:srgbClr val="FA3EE0"/>
-          </a:solidFill>
-          <a:ln>
-            <a:noFill/>
-          </a:ln>
-        </p:spPr>
-        <p:style>
-          <a:lnRef idx="0">
-            <a:scrgbClr r="0" g="0" b="0"/>
-          </a:lnRef>
-          <a:fillRef idx="0">
-            <a:scrgbClr r="0" g="0" b="0"/>
-          </a:fillRef>
-          <a:effectRef idx="0">
-            <a:scrgbClr r="0" g="0" b="0"/>
-          </a:effectRef>
-          <a:fontRef idx="minor">
-            <a:schemeClr val="lt1"/>
-          </a:fontRef>
-        </p:style>
-        <p:txBody>
-          <a:bodyPr wrap="square" rtlCol="0" anchor="ctr">
-            <a:noAutofit/>
-          </a:bodyPr>
-          <a:lstStyle/>
-          <a:p>
-            <a:pPr algn="ctr"/>
-            <a:endParaRPr lang="fr-FR"/>
-          </a:p>
-        </p:txBody>
-      </p:sp>
-      <p:sp>
-        <p:nvSpPr>
-          <p:cNvPr id="48" name="Forme libre 47">
-            <a:extLst>
-              <a:ext uri="{FF2B5EF4-FFF2-40B4-BE49-F238E27FC236}">
-                <a16:creationId xmlns:a16="http://schemas.microsoft.com/office/drawing/2014/main" id="{BD9CDFE8-640C-D12C-37A1-F2EF6FA47EEE}"/>
-              </a:ext>
-            </a:extLst>
-          </p:cNvPr>
-          <p:cNvSpPr/>
-          <p:nvPr/>
-        </p:nvSpPr>
-        <p:spPr>
-          <a:xfrm>
-            <a:off x="0" y="6346586"/>
-            <a:ext cx="330200" cy="660400"/>
-          </a:xfrm>
-          <a:custGeom>
-            <a:avLst/>
-            <a:gdLst>
-              <a:gd name="connsiteX0" fmla="*/ 0 w 330200"/>
-              <a:gd name="connsiteY0" fmla="*/ 0 h 660400"/>
-              <a:gd name="connsiteX1" fmla="*/ 330200 w 330200"/>
-              <a:gd name="connsiteY1" fmla="*/ 330200 h 660400"/>
-              <a:gd name="connsiteX2" fmla="*/ 0 w 330200"/>
-              <a:gd name="connsiteY2" fmla="*/ 660400 h 660400"/>
-              <a:gd name="connsiteX3" fmla="*/ 0 w 330200"/>
-              <a:gd name="connsiteY3" fmla="*/ 0 h 660400"/>
-            </a:gdLst>
-            <a:ahLst/>
-            <a:cxnLst>
-              <a:cxn ang="0">
-                <a:pos x="connsiteX0" y="connsiteY0"/>
-              </a:cxn>
-              <a:cxn ang="0">
-                <a:pos x="connsiteX1" y="connsiteY1"/>
-              </a:cxn>
-              <a:cxn ang="0">
-                <a:pos x="connsiteX2" y="connsiteY2"/>
-              </a:cxn>
-              <a:cxn ang="0">
-                <a:pos x="connsiteX3" y="connsiteY3"/>
-              </a:cxn>
-            </a:cxnLst>
-            <a:rect l="l" t="t" r="r" b="b"/>
-            <a:pathLst>
-              <a:path w="330200" h="660400">
-                <a:moveTo>
-                  <a:pt x="0" y="0"/>
-                </a:moveTo>
-                <a:cubicBezTo>
-                  <a:pt x="182364" y="0"/>
-                  <a:pt x="330200" y="147836"/>
-                  <a:pt x="330200" y="330200"/>
-                </a:cubicBezTo>
-                <a:cubicBezTo>
-                  <a:pt x="330200" y="512564"/>
-                  <a:pt x="182364" y="660400"/>
-                  <a:pt x="0" y="660400"/>
-                </a:cubicBezTo>
-                <a:lnTo>
-                  <a:pt x="0" y="0"/>
-                </a:lnTo>
-                <a:close/>
-              </a:path>
-            </a:pathLst>
-          </a:custGeom>
-          <a:solidFill>
-            <a:srgbClr val="F3103A"/>
           </a:solidFill>
           <a:ln>
             <a:noFill/>
@@ -9847,105 +9015,6 @@
           </a:p>
         </p:txBody>
       </p:sp>
-      <p:sp>
-        <p:nvSpPr>
-          <p:cNvPr id="48" name="Forme libre 47">
-            <a:extLst>
-              <a:ext uri="{FF2B5EF4-FFF2-40B4-BE49-F238E27FC236}">
-                <a16:creationId xmlns:a16="http://schemas.microsoft.com/office/drawing/2014/main" id="{094AA281-AD63-8295-6DCE-5E16E6B6D447}"/>
-              </a:ext>
-            </a:extLst>
-          </p:cNvPr>
-          <p:cNvSpPr/>
-          <p:nvPr/>
-        </p:nvSpPr>
-        <p:spPr>
-          <a:xfrm>
-            <a:off x="0" y="6346586"/>
-            <a:ext cx="330200" cy="660400"/>
-          </a:xfrm>
-          <a:custGeom>
-            <a:avLst/>
-            <a:gdLst>
-              <a:gd name="connsiteX0" fmla="*/ 0 w 330200"/>
-              <a:gd name="connsiteY0" fmla="*/ 0 h 660400"/>
-              <a:gd name="connsiteX1" fmla="*/ 330200 w 330200"/>
-              <a:gd name="connsiteY1" fmla="*/ 330200 h 660400"/>
-              <a:gd name="connsiteX2" fmla="*/ 0 w 330200"/>
-              <a:gd name="connsiteY2" fmla="*/ 660400 h 660400"/>
-              <a:gd name="connsiteX3" fmla="*/ 0 w 330200"/>
-              <a:gd name="connsiteY3" fmla="*/ 0 h 660400"/>
-            </a:gdLst>
-            <a:ahLst/>
-            <a:cxnLst>
-              <a:cxn ang="0">
-                <a:pos x="connsiteX0" y="connsiteY0"/>
-              </a:cxn>
-              <a:cxn ang="0">
-                <a:pos x="connsiteX1" y="connsiteY1"/>
-              </a:cxn>
-              <a:cxn ang="0">
-                <a:pos x="connsiteX2" y="connsiteY2"/>
-              </a:cxn>
-              <a:cxn ang="0">
-                <a:pos x="connsiteX3" y="connsiteY3"/>
-              </a:cxn>
-            </a:cxnLst>
-            <a:rect l="l" t="t" r="r" b="b"/>
-            <a:pathLst>
-              <a:path w="330200" h="660400">
-                <a:moveTo>
-                  <a:pt x="0" y="0"/>
-                </a:moveTo>
-                <a:cubicBezTo>
-                  <a:pt x="182364" y="0"/>
-                  <a:pt x="330200" y="147836"/>
-                  <a:pt x="330200" y="330200"/>
-                </a:cubicBezTo>
-                <a:cubicBezTo>
-                  <a:pt x="330200" y="512564"/>
-                  <a:pt x="182364" y="660400"/>
-                  <a:pt x="0" y="660400"/>
-                </a:cubicBezTo>
-                <a:lnTo>
-                  <a:pt x="0" y="0"/>
-                </a:lnTo>
-                <a:close/>
-              </a:path>
-            </a:pathLst>
-          </a:custGeom>
-          <a:solidFill>
-            <a:srgbClr val="F3103A"/>
-          </a:solidFill>
-          <a:ln>
-            <a:noFill/>
-          </a:ln>
-        </p:spPr>
-        <p:style>
-          <a:lnRef idx="0">
-            <a:scrgbClr r="0" g="0" b="0"/>
-          </a:lnRef>
-          <a:fillRef idx="0">
-            <a:scrgbClr r="0" g="0" b="0"/>
-          </a:fillRef>
-          <a:effectRef idx="0">
-            <a:scrgbClr r="0" g="0" b="0"/>
-          </a:effectRef>
-          <a:fontRef idx="minor">
-            <a:schemeClr val="lt1"/>
-          </a:fontRef>
-        </p:style>
-        <p:txBody>
-          <a:bodyPr wrap="square" rtlCol="0" anchor="ctr">
-            <a:noAutofit/>
-          </a:bodyPr>
-          <a:lstStyle/>
-          <a:p>
-            <a:pPr algn="ctr"/>
-            <a:endParaRPr lang="fr-FR"/>
-          </a:p>
-        </p:txBody>
-      </p:sp>
       <p:pic>
         <p:nvPicPr>
           <p:cNvPr id="16" name="Image 15">
@@ -10406,105 +9475,6 @@
           </a:p>
         </p:txBody>
       </p:sp>
-      <p:sp>
-        <p:nvSpPr>
-          <p:cNvPr id="48" name="Forme libre 47">
-            <a:extLst>
-              <a:ext uri="{FF2B5EF4-FFF2-40B4-BE49-F238E27FC236}">
-                <a16:creationId xmlns:a16="http://schemas.microsoft.com/office/drawing/2014/main" id="{2D038248-B620-59D6-88D4-99B972EDBCB2}"/>
-              </a:ext>
-            </a:extLst>
-          </p:cNvPr>
-          <p:cNvSpPr/>
-          <p:nvPr/>
-        </p:nvSpPr>
-        <p:spPr>
-          <a:xfrm>
-            <a:off x="0" y="5397020"/>
-            <a:ext cx="330200" cy="660400"/>
-          </a:xfrm>
-          <a:custGeom>
-            <a:avLst/>
-            <a:gdLst>
-              <a:gd name="connsiteX0" fmla="*/ 0 w 330200"/>
-              <a:gd name="connsiteY0" fmla="*/ 0 h 660400"/>
-              <a:gd name="connsiteX1" fmla="*/ 330200 w 330200"/>
-              <a:gd name="connsiteY1" fmla="*/ 330200 h 660400"/>
-              <a:gd name="connsiteX2" fmla="*/ 0 w 330200"/>
-              <a:gd name="connsiteY2" fmla="*/ 660400 h 660400"/>
-              <a:gd name="connsiteX3" fmla="*/ 0 w 330200"/>
-              <a:gd name="connsiteY3" fmla="*/ 0 h 660400"/>
-            </a:gdLst>
-            <a:ahLst/>
-            <a:cxnLst>
-              <a:cxn ang="0">
-                <a:pos x="connsiteX0" y="connsiteY0"/>
-              </a:cxn>
-              <a:cxn ang="0">
-                <a:pos x="connsiteX1" y="connsiteY1"/>
-              </a:cxn>
-              <a:cxn ang="0">
-                <a:pos x="connsiteX2" y="connsiteY2"/>
-              </a:cxn>
-              <a:cxn ang="0">
-                <a:pos x="connsiteX3" y="connsiteY3"/>
-              </a:cxn>
-            </a:cxnLst>
-            <a:rect l="l" t="t" r="r" b="b"/>
-            <a:pathLst>
-              <a:path w="330200" h="660400">
-                <a:moveTo>
-                  <a:pt x="0" y="0"/>
-                </a:moveTo>
-                <a:cubicBezTo>
-                  <a:pt x="182364" y="0"/>
-                  <a:pt x="330200" y="147836"/>
-                  <a:pt x="330200" y="330200"/>
-                </a:cubicBezTo>
-                <a:cubicBezTo>
-                  <a:pt x="330200" y="512564"/>
-                  <a:pt x="182364" y="660400"/>
-                  <a:pt x="0" y="660400"/>
-                </a:cubicBezTo>
-                <a:lnTo>
-                  <a:pt x="0" y="0"/>
-                </a:lnTo>
-                <a:close/>
-              </a:path>
-            </a:pathLst>
-          </a:custGeom>
-          <a:solidFill>
-            <a:srgbClr val="F3103A"/>
-          </a:solidFill>
-          <a:ln>
-            <a:noFill/>
-          </a:ln>
-        </p:spPr>
-        <p:style>
-          <a:lnRef idx="0">
-            <a:scrgbClr r="0" g="0" b="0"/>
-          </a:lnRef>
-          <a:fillRef idx="0">
-            <a:scrgbClr r="0" g="0" b="0"/>
-          </a:fillRef>
-          <a:effectRef idx="0">
-            <a:scrgbClr r="0" g="0" b="0"/>
-          </a:effectRef>
-          <a:fontRef idx="minor">
-            <a:schemeClr val="lt1"/>
-          </a:fontRef>
-        </p:style>
-        <p:txBody>
-          <a:bodyPr wrap="square" rtlCol="0" anchor="ctr">
-            <a:noAutofit/>
-          </a:bodyPr>
-          <a:lstStyle/>
-          <a:p>
-            <a:pPr algn="ctr"/>
-            <a:endParaRPr lang="fr-FR"/>
-          </a:p>
-        </p:txBody>
-      </p:sp>
       <p:pic>
         <p:nvPicPr>
           <p:cNvPr id="16" name="Image 15">
@@ -10975,105 +9945,6 @@
           </a:p>
         </p:txBody>
       </p:sp>
-      <p:sp>
-        <p:nvSpPr>
-          <p:cNvPr id="48" name="Forme libre 47">
-            <a:extLst>
-              <a:ext uri="{FF2B5EF4-FFF2-40B4-BE49-F238E27FC236}">
-                <a16:creationId xmlns:a16="http://schemas.microsoft.com/office/drawing/2014/main" id="{18DD82BA-C46C-9818-C0A3-0B85771C7005}"/>
-              </a:ext>
-            </a:extLst>
-          </p:cNvPr>
-          <p:cNvSpPr/>
-          <p:nvPr/>
-        </p:nvSpPr>
-        <p:spPr>
-          <a:xfrm>
-            <a:off x="0" y="5397020"/>
-            <a:ext cx="330200" cy="660400"/>
-          </a:xfrm>
-          <a:custGeom>
-            <a:avLst/>
-            <a:gdLst>
-              <a:gd name="connsiteX0" fmla="*/ 0 w 330200"/>
-              <a:gd name="connsiteY0" fmla="*/ 0 h 660400"/>
-              <a:gd name="connsiteX1" fmla="*/ 330200 w 330200"/>
-              <a:gd name="connsiteY1" fmla="*/ 330200 h 660400"/>
-              <a:gd name="connsiteX2" fmla="*/ 0 w 330200"/>
-              <a:gd name="connsiteY2" fmla="*/ 660400 h 660400"/>
-              <a:gd name="connsiteX3" fmla="*/ 0 w 330200"/>
-              <a:gd name="connsiteY3" fmla="*/ 0 h 660400"/>
-            </a:gdLst>
-            <a:ahLst/>
-            <a:cxnLst>
-              <a:cxn ang="0">
-                <a:pos x="connsiteX0" y="connsiteY0"/>
-              </a:cxn>
-              <a:cxn ang="0">
-                <a:pos x="connsiteX1" y="connsiteY1"/>
-              </a:cxn>
-              <a:cxn ang="0">
-                <a:pos x="connsiteX2" y="connsiteY2"/>
-              </a:cxn>
-              <a:cxn ang="0">
-                <a:pos x="connsiteX3" y="connsiteY3"/>
-              </a:cxn>
-            </a:cxnLst>
-            <a:rect l="l" t="t" r="r" b="b"/>
-            <a:pathLst>
-              <a:path w="330200" h="660400">
-                <a:moveTo>
-                  <a:pt x="0" y="0"/>
-                </a:moveTo>
-                <a:cubicBezTo>
-                  <a:pt x="182364" y="0"/>
-                  <a:pt x="330200" y="147836"/>
-                  <a:pt x="330200" y="330200"/>
-                </a:cubicBezTo>
-                <a:cubicBezTo>
-                  <a:pt x="330200" y="512564"/>
-                  <a:pt x="182364" y="660400"/>
-                  <a:pt x="0" y="660400"/>
-                </a:cubicBezTo>
-                <a:lnTo>
-                  <a:pt x="0" y="0"/>
-                </a:lnTo>
-                <a:close/>
-              </a:path>
-            </a:pathLst>
-          </a:custGeom>
-          <a:solidFill>
-            <a:srgbClr val="F3103A"/>
-          </a:solidFill>
-          <a:ln>
-            <a:noFill/>
-          </a:ln>
-        </p:spPr>
-        <p:style>
-          <a:lnRef idx="0">
-            <a:scrgbClr r="0" g="0" b="0"/>
-          </a:lnRef>
-          <a:fillRef idx="0">
-            <a:scrgbClr r="0" g="0" b="0"/>
-          </a:fillRef>
-          <a:effectRef idx="0">
-            <a:scrgbClr r="0" g="0" b="0"/>
-          </a:effectRef>
-          <a:fontRef idx="minor">
-            <a:schemeClr val="lt1"/>
-          </a:fontRef>
-        </p:style>
-        <p:txBody>
-          <a:bodyPr wrap="square" rtlCol="0" anchor="ctr">
-            <a:noAutofit/>
-          </a:bodyPr>
-          <a:lstStyle/>
-          <a:p>
-            <a:pPr algn="ctr"/>
-            <a:endParaRPr lang="fr-FR"/>
-          </a:p>
-        </p:txBody>
-      </p:sp>
       <p:pic>
         <p:nvPicPr>
           <p:cNvPr id="16" name="Image 15">
@@ -11439,7 +10310,7 @@
         <p:cNvPr id="1" name="">
           <a:extLst>
             <a:ext uri="{FF2B5EF4-FFF2-40B4-BE49-F238E27FC236}">
-              <a16:creationId xmlns:a16="http://schemas.microsoft.com/office/drawing/2014/main" id="{6FD2F1F4-A1B4-3318-FEAD-3C73021AB5DF}"/>
+              <a16:creationId xmlns:a16="http://schemas.microsoft.com/office/drawing/2014/main" id="{21CFFE71-9B98-9B1F-4B52-78C62C0453F2}"/>
             </a:ext>
           </a:extLst>
         </p:cNvPr>
@@ -11456,45 +10327,10 @@
       </p:grpSpPr>
       <p:sp>
         <p:nvSpPr>
-          <p:cNvPr id="37" name="ZoneTexte 36">
-            <a:extLst>
-              <a:ext uri="{FF2B5EF4-FFF2-40B4-BE49-F238E27FC236}">
-                <a16:creationId xmlns:a16="http://schemas.microsoft.com/office/drawing/2014/main" id="{3B69AE5A-AFEF-2140-F430-5FFBB92302AD}"/>
-              </a:ext>
-            </a:extLst>
-          </p:cNvPr>
-          <p:cNvSpPr txBox="1"/>
-          <p:nvPr/>
-        </p:nvSpPr>
-        <p:spPr>
-          <a:xfrm>
-            <a:off x="8847191" y="34803"/>
-            <a:ext cx="3344809" cy="646331"/>
-          </a:xfrm>
-          <a:prstGeom prst="rect">
-            <a:avLst/>
-          </a:prstGeom>
-          <a:noFill/>
-        </p:spPr>
-        <p:txBody>
-          <a:bodyPr wrap="square" rtlCol="0">
-            <a:spAutoFit/>
-          </a:bodyPr>
-          <a:lstStyle/>
-          <a:p>
-            <a:r>
-              <a:rPr lang="fr-FR" sz="3600" dirty="0"/>
-              <a:t>Trucs et astuces</a:t>
-            </a:r>
-          </a:p>
-        </p:txBody>
-      </p:sp>
-      <p:sp>
-        <p:nvSpPr>
           <p:cNvPr id="53" name="Forme libre 52">
             <a:extLst>
               <a:ext uri="{FF2B5EF4-FFF2-40B4-BE49-F238E27FC236}">
-                <a16:creationId xmlns:a16="http://schemas.microsoft.com/office/drawing/2014/main" id="{D2C42CC4-DA42-F6BC-D613-06771F374F3C}"/>
+                <a16:creationId xmlns:a16="http://schemas.microsoft.com/office/drawing/2014/main" id="{9F1E427B-0882-9B77-624C-BE9021BFE934}"/>
               </a:ext>
             </a:extLst>
           </p:cNvPr>
@@ -11504,7 +10340,7 @@
         <p:spPr>
           <a:xfrm>
             <a:off x="0" y="0"/>
-            <a:ext cx="2376435" cy="6858000"/>
+            <a:ext cx="12192000" cy="6858000"/>
           </a:xfrm>
           <a:custGeom>
             <a:avLst/>
@@ -11628,138 +10464,10 @@
       </p:sp>
       <p:sp>
         <p:nvSpPr>
-          <p:cNvPr id="48" name="Forme libre 47">
-            <a:extLst>
-              <a:ext uri="{FF2B5EF4-FFF2-40B4-BE49-F238E27FC236}">
-                <a16:creationId xmlns:a16="http://schemas.microsoft.com/office/drawing/2014/main" id="{8EA09BDC-9B42-B202-71D8-2D91E510F02B}"/>
-              </a:ext>
-            </a:extLst>
-          </p:cNvPr>
-          <p:cNvSpPr/>
-          <p:nvPr/>
-        </p:nvSpPr>
-        <p:spPr>
-          <a:xfrm>
-            <a:off x="0" y="1357569"/>
-            <a:ext cx="330200" cy="660400"/>
-          </a:xfrm>
-          <a:custGeom>
-            <a:avLst/>
-            <a:gdLst>
-              <a:gd name="connsiteX0" fmla="*/ 0 w 330200"/>
-              <a:gd name="connsiteY0" fmla="*/ 0 h 660400"/>
-              <a:gd name="connsiteX1" fmla="*/ 330200 w 330200"/>
-              <a:gd name="connsiteY1" fmla="*/ 330200 h 660400"/>
-              <a:gd name="connsiteX2" fmla="*/ 0 w 330200"/>
-              <a:gd name="connsiteY2" fmla="*/ 660400 h 660400"/>
-              <a:gd name="connsiteX3" fmla="*/ 0 w 330200"/>
-              <a:gd name="connsiteY3" fmla="*/ 0 h 660400"/>
-            </a:gdLst>
-            <a:ahLst/>
-            <a:cxnLst>
-              <a:cxn ang="0">
-                <a:pos x="connsiteX0" y="connsiteY0"/>
-              </a:cxn>
-              <a:cxn ang="0">
-                <a:pos x="connsiteX1" y="connsiteY1"/>
-              </a:cxn>
-              <a:cxn ang="0">
-                <a:pos x="connsiteX2" y="connsiteY2"/>
-              </a:cxn>
-              <a:cxn ang="0">
-                <a:pos x="connsiteX3" y="connsiteY3"/>
-              </a:cxn>
-            </a:cxnLst>
-            <a:rect l="l" t="t" r="r" b="b"/>
-            <a:pathLst>
-              <a:path w="330200" h="660400">
-                <a:moveTo>
-                  <a:pt x="0" y="0"/>
-                </a:moveTo>
-                <a:cubicBezTo>
-                  <a:pt x="182364" y="0"/>
-                  <a:pt x="330200" y="147836"/>
-                  <a:pt x="330200" y="330200"/>
-                </a:cubicBezTo>
-                <a:cubicBezTo>
-                  <a:pt x="330200" y="512564"/>
-                  <a:pt x="182364" y="660400"/>
-                  <a:pt x="0" y="660400"/>
-                </a:cubicBezTo>
-                <a:lnTo>
-                  <a:pt x="0" y="0"/>
-                </a:lnTo>
-                <a:close/>
-              </a:path>
-            </a:pathLst>
-          </a:custGeom>
-          <a:solidFill>
-            <a:srgbClr val="F3103A"/>
-          </a:solidFill>
-          <a:ln>
-            <a:noFill/>
-          </a:ln>
-        </p:spPr>
-        <p:style>
-          <a:lnRef idx="0">
-            <a:scrgbClr r="0" g="0" b="0"/>
-          </a:lnRef>
-          <a:fillRef idx="0">
-            <a:scrgbClr r="0" g="0" b="0"/>
-          </a:fillRef>
-          <a:effectRef idx="0">
-            <a:scrgbClr r="0" g="0" b="0"/>
-          </a:effectRef>
-          <a:fontRef idx="minor">
-            <a:schemeClr val="lt1"/>
-          </a:fontRef>
-        </p:style>
-        <p:txBody>
-          <a:bodyPr wrap="square" rtlCol="0" anchor="ctr">
-            <a:noAutofit/>
-          </a:bodyPr>
-          <a:lstStyle/>
-          <a:p>
-            <a:pPr algn="ctr"/>
-            <a:endParaRPr lang="fr-FR"/>
-          </a:p>
-        </p:txBody>
-      </p:sp>
-      <p:pic>
-        <p:nvPicPr>
-          <p:cNvPr id="16" name="Image 15">
-            <a:extLst>
-              <a:ext uri="{FF2B5EF4-FFF2-40B4-BE49-F238E27FC236}">
-                <a16:creationId xmlns:a16="http://schemas.microsoft.com/office/drawing/2014/main" id="{4D601168-B79C-4599-57E6-78ED578B5093}"/>
-              </a:ext>
-            </a:extLst>
-          </p:cNvPr>
-          <p:cNvPicPr>
-            <a:picLocks noChangeAspect="1"/>
-          </p:cNvPicPr>
-          <p:nvPr/>
-        </p:nvPicPr>
-        <p:blipFill rotWithShape="1">
-          <a:blip r:embed="rId3"/>
-          <a:srcRect r="72930"/>
-          <a:stretch/>
-        </p:blipFill>
-        <p:spPr>
-          <a:xfrm>
-            <a:off x="637278" y="130629"/>
-            <a:ext cx="1101877" cy="1272695"/>
-          </a:xfrm>
-          <a:prstGeom prst="rect">
-            <a:avLst/>
-          </a:prstGeom>
-        </p:spPr>
-      </p:pic>
-      <p:sp>
-        <p:nvSpPr>
-          <p:cNvPr id="3" name="ZoneTexte 2">
-            <a:extLst>
-              <a:ext uri="{FF2B5EF4-FFF2-40B4-BE49-F238E27FC236}">
-                <a16:creationId xmlns:a16="http://schemas.microsoft.com/office/drawing/2014/main" id="{95F96CC4-88D0-2C3A-4F1C-A8BCB7644811}"/>
+          <p:cNvPr id="37" name="ZoneTexte 36">
+            <a:extLst>
+              <a:ext uri="{FF2B5EF4-FFF2-40B4-BE49-F238E27FC236}">
+                <a16:creationId xmlns:a16="http://schemas.microsoft.com/office/drawing/2014/main" id="{1A940947-5AD3-B5FF-4609-0AACFBF39AEE}"/>
               </a:ext>
             </a:extLst>
           </p:cNvPr>
@@ -11768,8 +10476,8 @@
         </p:nvSpPr>
         <p:spPr>
           <a:xfrm>
-            <a:off x="282573" y="1487676"/>
-            <a:ext cx="1716832" cy="400110"/>
+            <a:off x="2629367" y="4130767"/>
+            <a:ext cx="6933267" cy="769441"/>
           </a:xfrm>
           <a:prstGeom prst="rect">
             <a:avLst/>
@@ -11782,136 +10490,24 @@
           </a:bodyPr>
           <a:lstStyle/>
           <a:p>
-            <a:r>
-              <a:rPr lang="fr-FR" sz="2000" dirty="0">
+            <a:pPr algn="ctr"/>
+            <a:r>
+              <a:rPr lang="fr-FR" sz="4400" dirty="0">
                 <a:solidFill>
                   <a:schemeClr val="bg1"/>
                 </a:solidFill>
               </a:rPr>
-              <a:t>Standalone</a:t>
-            </a:r>
-          </a:p>
-        </p:txBody>
-      </p:sp>
-      <p:sp>
-        <p:nvSpPr>
-          <p:cNvPr id="5" name="ZoneTexte 4">
-            <a:extLst>
-              <a:ext uri="{FF2B5EF4-FFF2-40B4-BE49-F238E27FC236}">
-                <a16:creationId xmlns:a16="http://schemas.microsoft.com/office/drawing/2014/main" id="{EEBB01C4-BB68-CC4E-AC08-79B4D5C385CD}"/>
-              </a:ext>
-            </a:extLst>
-          </p:cNvPr>
-          <p:cNvSpPr txBox="1"/>
-          <p:nvPr/>
-        </p:nvSpPr>
-        <p:spPr>
-          <a:xfrm>
-            <a:off x="282573" y="1887786"/>
-            <a:ext cx="1716832" cy="276999"/>
-          </a:xfrm>
-          <a:prstGeom prst="rect">
-            <a:avLst/>
-          </a:prstGeom>
-          <a:noFill/>
-        </p:spPr>
-        <p:txBody>
-          <a:bodyPr wrap="square" rtlCol="0">
-            <a:spAutoFit/>
-          </a:bodyPr>
-          <a:lstStyle/>
-          <a:p>
-            <a:r>
-              <a:rPr lang="fr-FR" sz="1200" dirty="0">
-                <a:solidFill>
-                  <a:schemeClr val="bg1"/>
-                </a:solidFill>
-              </a:rPr>
-              <a:t>Contrôle-Flow</a:t>
-            </a:r>
-          </a:p>
-        </p:txBody>
-      </p:sp>
-      <p:sp>
-        <p:nvSpPr>
-          <p:cNvPr id="6" name="ZoneTexte 5">
-            <a:extLst>
-              <a:ext uri="{FF2B5EF4-FFF2-40B4-BE49-F238E27FC236}">
-                <a16:creationId xmlns:a16="http://schemas.microsoft.com/office/drawing/2014/main" id="{515448ED-22A9-FCEE-4DA6-EF1B64570B58}"/>
-              </a:ext>
-            </a:extLst>
-          </p:cNvPr>
-          <p:cNvSpPr txBox="1"/>
-          <p:nvPr/>
-        </p:nvSpPr>
-        <p:spPr>
-          <a:xfrm>
-            <a:off x="282573" y="2225735"/>
-            <a:ext cx="1716832" cy="276999"/>
-          </a:xfrm>
-          <a:prstGeom prst="rect">
-            <a:avLst/>
-          </a:prstGeom>
-          <a:noFill/>
-        </p:spPr>
-        <p:txBody>
-          <a:bodyPr wrap="square" rtlCol="0">
-            <a:spAutoFit/>
-          </a:bodyPr>
-          <a:lstStyle/>
-          <a:p>
-            <a:r>
-              <a:rPr lang="fr-FR" sz="1200" dirty="0">
-                <a:solidFill>
-                  <a:schemeClr val="bg1"/>
-                </a:solidFill>
-              </a:rPr>
-              <a:t>Formulaires Typés</a:t>
-            </a:r>
-          </a:p>
-        </p:txBody>
-      </p:sp>
-      <p:sp>
-        <p:nvSpPr>
-          <p:cNvPr id="9" name="ZoneTexte 8">
-            <a:extLst>
-              <a:ext uri="{FF2B5EF4-FFF2-40B4-BE49-F238E27FC236}">
-                <a16:creationId xmlns:a16="http://schemas.microsoft.com/office/drawing/2014/main" id="{339A8152-39A9-1BA4-27D4-A29A11695A8F}"/>
-              </a:ext>
-            </a:extLst>
-          </p:cNvPr>
-          <p:cNvSpPr txBox="1"/>
-          <p:nvPr/>
-        </p:nvSpPr>
-        <p:spPr>
-          <a:xfrm>
-            <a:off x="2470775" y="34803"/>
-            <a:ext cx="3344809" cy="646331"/>
-          </a:xfrm>
-          <a:prstGeom prst="rect">
-            <a:avLst/>
-          </a:prstGeom>
-          <a:noFill/>
-        </p:spPr>
-        <p:txBody>
-          <a:bodyPr wrap="square" rtlCol="0">
-            <a:spAutoFit/>
-          </a:bodyPr>
-          <a:lstStyle/>
-          <a:p>
-            <a:r>
-              <a:rPr lang="fr-FR" sz="3600" dirty="0"/>
-              <a:t>Standalone</a:t>
+              <a:t>Conclusion</a:t>
             </a:r>
           </a:p>
         </p:txBody>
       </p:sp>
       <p:pic>
         <p:nvPicPr>
-          <p:cNvPr id="11" name="Image 10">
-            <a:extLst>
-              <a:ext uri="{FF2B5EF4-FFF2-40B4-BE49-F238E27FC236}">
-                <a16:creationId xmlns:a16="http://schemas.microsoft.com/office/drawing/2014/main" id="{562B0F2D-7F2C-827C-564B-22955B16EEAB}"/>
+          <p:cNvPr id="6" name="Image 5">
+            <a:extLst>
+              <a:ext uri="{FF2B5EF4-FFF2-40B4-BE49-F238E27FC236}">
+                <a16:creationId xmlns:a16="http://schemas.microsoft.com/office/drawing/2014/main" id="{7BA6CB53-9ECB-C913-117C-7B7301939BF7}"/>
               </a:ext>
             </a:extLst>
           </p:cNvPr>
@@ -11921,416 +10517,25 @@
           <p:nvPr/>
         </p:nvPicPr>
         <p:blipFill>
-          <a:blip r:embed="rId4"/>
+          <a:blip r:embed="rId3"/>
           <a:stretch>
             <a:fillRect/>
           </a:stretch>
         </p:blipFill>
         <p:spPr>
           <a:xfrm>
-            <a:off x="3638432" y="2080363"/>
-            <a:ext cx="8267700" cy="1756907"/>
+            <a:off x="2209800" y="489098"/>
+            <a:ext cx="7772400" cy="2430195"/>
           </a:xfrm>
           <a:prstGeom prst="rect">
             <a:avLst/>
           </a:prstGeom>
         </p:spPr>
       </p:pic>
-      <p:pic>
-        <p:nvPicPr>
-          <p:cNvPr id="13" name="Image 12">
-            <a:extLst>
-              <a:ext uri="{FF2B5EF4-FFF2-40B4-BE49-F238E27FC236}">
-                <a16:creationId xmlns:a16="http://schemas.microsoft.com/office/drawing/2014/main" id="{770EF678-CDEF-07BF-855A-B415758A9BE8}"/>
-              </a:ext>
-            </a:extLst>
-          </p:cNvPr>
-          <p:cNvPicPr>
-            <a:picLocks noChangeAspect="1"/>
-          </p:cNvPicPr>
-          <p:nvPr/>
-        </p:nvPicPr>
-        <p:blipFill>
-          <a:blip r:embed="rId5"/>
-          <a:stretch>
-            <a:fillRect/>
-          </a:stretch>
-        </p:blipFill>
-        <p:spPr>
-          <a:xfrm>
-            <a:off x="4417921" y="603994"/>
-            <a:ext cx="7488211" cy="1206653"/>
-          </a:xfrm>
-          <a:prstGeom prst="rect">
-            <a:avLst/>
-          </a:prstGeom>
-        </p:spPr>
-      </p:pic>
-      <p:sp>
-        <p:nvSpPr>
-          <p:cNvPr id="2" name="ZoneTexte 1">
-            <a:extLst>
-              <a:ext uri="{FF2B5EF4-FFF2-40B4-BE49-F238E27FC236}">
-                <a16:creationId xmlns:a16="http://schemas.microsoft.com/office/drawing/2014/main" id="{8E3685C9-F2FA-BE7C-5F57-491ADFCDC65C}"/>
-              </a:ext>
-            </a:extLst>
-          </p:cNvPr>
-          <p:cNvSpPr txBox="1"/>
-          <p:nvPr/>
-        </p:nvSpPr>
-        <p:spPr>
-          <a:xfrm>
-            <a:off x="2495030" y="687544"/>
-            <a:ext cx="1804296" cy="923330"/>
-          </a:xfrm>
-          <a:prstGeom prst="rect">
-            <a:avLst/>
-          </a:prstGeom>
-          <a:noFill/>
-        </p:spPr>
-        <p:txBody>
-          <a:bodyPr wrap="square" rtlCol="0">
-            <a:spAutoFit/>
-          </a:bodyPr>
-          <a:lstStyle/>
-          <a:p>
-            <a:r>
-              <a:rPr lang="fr-FR" dirty="0"/>
-              <a:t>Les composants:</a:t>
-            </a:r>
-            <a:br>
-              <a:rPr lang="fr-FR" dirty="0"/>
-            </a:br>
-            <a:r>
-              <a:rPr lang="fr-FR" dirty="0"/>
-              <a:t>Importer tout ce qu’on utilise</a:t>
-            </a:r>
-          </a:p>
-        </p:txBody>
-      </p:sp>
-      <p:sp>
-        <p:nvSpPr>
-          <p:cNvPr id="4" name="ZoneTexte 3">
-            <a:extLst>
-              <a:ext uri="{FF2B5EF4-FFF2-40B4-BE49-F238E27FC236}">
-                <a16:creationId xmlns:a16="http://schemas.microsoft.com/office/drawing/2014/main" id="{724F7D9E-28D4-37FA-D026-5087A3C2D32D}"/>
-              </a:ext>
-            </a:extLst>
-          </p:cNvPr>
-          <p:cNvSpPr txBox="1"/>
-          <p:nvPr/>
-        </p:nvSpPr>
-        <p:spPr>
-          <a:xfrm>
-            <a:off x="2376435" y="2204471"/>
-            <a:ext cx="1804296" cy="923330"/>
-          </a:xfrm>
-          <a:prstGeom prst="rect">
-            <a:avLst/>
-          </a:prstGeom>
-          <a:noFill/>
-        </p:spPr>
-        <p:txBody>
-          <a:bodyPr wrap="square" rtlCol="0">
-            <a:spAutoFit/>
-          </a:bodyPr>
-          <a:lstStyle/>
-          <a:p>
-            <a:r>
-              <a:rPr lang="fr-FR" dirty="0"/>
-              <a:t>Les </a:t>
-            </a:r>
-            <a:r>
-              <a:rPr lang="fr-FR" dirty="0" err="1"/>
-              <a:t>routers</a:t>
-            </a:r>
-            <a:r>
-              <a:rPr lang="fr-FR" dirty="0"/>
-              <a:t>:</a:t>
-            </a:r>
-            <a:br>
-              <a:rPr lang="fr-FR" dirty="0"/>
-            </a:br>
-            <a:r>
-              <a:rPr lang="fr-FR" dirty="0"/>
-              <a:t>changer l’écriture</a:t>
-            </a:r>
-          </a:p>
-        </p:txBody>
-      </p:sp>
-      <p:sp>
-        <p:nvSpPr>
-          <p:cNvPr id="8" name="ZoneTexte 7">
-            <a:extLst>
-              <a:ext uri="{FF2B5EF4-FFF2-40B4-BE49-F238E27FC236}">
-                <a16:creationId xmlns:a16="http://schemas.microsoft.com/office/drawing/2014/main" id="{D11511D4-6145-2AF7-B5F2-97786D8EA9A6}"/>
-              </a:ext>
-            </a:extLst>
-          </p:cNvPr>
-          <p:cNvSpPr txBox="1"/>
-          <p:nvPr/>
-        </p:nvSpPr>
-        <p:spPr>
-          <a:xfrm>
-            <a:off x="2495030" y="4822590"/>
-            <a:ext cx="1804296" cy="369332"/>
-          </a:xfrm>
-          <a:prstGeom prst="rect">
-            <a:avLst/>
-          </a:prstGeom>
-          <a:noFill/>
-        </p:spPr>
-        <p:txBody>
-          <a:bodyPr wrap="square" rtlCol="0">
-            <a:spAutoFit/>
-          </a:bodyPr>
-          <a:lstStyle/>
-          <a:p>
-            <a:r>
-              <a:rPr lang="fr-FR" dirty="0"/>
-              <a:t>Le </a:t>
-            </a:r>
-            <a:r>
-              <a:rPr lang="fr-FR" dirty="0" err="1"/>
-              <a:t>main.ts</a:t>
-            </a:r>
-            <a:endParaRPr lang="fr-FR" dirty="0"/>
-          </a:p>
-        </p:txBody>
-      </p:sp>
-      <p:sp>
-        <p:nvSpPr>
-          <p:cNvPr id="12" name="ZoneTexte 11">
-            <a:extLst>
-              <a:ext uri="{FF2B5EF4-FFF2-40B4-BE49-F238E27FC236}">
-                <a16:creationId xmlns:a16="http://schemas.microsoft.com/office/drawing/2014/main" id="{9CFC8609-870C-DF69-30FE-C84A0EADA26E}"/>
-              </a:ext>
-            </a:extLst>
-          </p:cNvPr>
-          <p:cNvSpPr txBox="1"/>
-          <p:nvPr/>
-        </p:nvSpPr>
-        <p:spPr>
-          <a:xfrm>
-            <a:off x="3768330" y="1823913"/>
-            <a:ext cx="8267700" cy="261610"/>
-          </a:xfrm>
-          <a:prstGeom prst="rect">
-            <a:avLst/>
-          </a:prstGeom>
-          <a:noFill/>
-        </p:spPr>
-        <p:txBody>
-          <a:bodyPr wrap="square" rtlCol="0">
-            <a:spAutoFit/>
-          </a:bodyPr>
-          <a:lstStyle/>
-          <a:p>
-            <a:r>
-              <a:rPr lang="fr-FR" sz="1100" dirty="0"/>
-              <a:t>Autres </a:t>
-            </a:r>
-            <a:r>
-              <a:rPr lang="fr-FR" sz="1100" u="sng" dirty="0"/>
-              <a:t>exemples</a:t>
-            </a:r>
-            <a:r>
-              <a:rPr lang="fr-FR" sz="1100" dirty="0"/>
-              <a:t> d’imports: </a:t>
-            </a:r>
-            <a:r>
-              <a:rPr lang="fr-FR" sz="1100" dirty="0" err="1"/>
-              <a:t>MatIcon</a:t>
-            </a:r>
-            <a:r>
-              <a:rPr lang="fr-FR" sz="1100" dirty="0"/>
-              <a:t>, V1Component, </a:t>
-            </a:r>
-            <a:r>
-              <a:rPr lang="fr-FR" sz="1100" dirty="0" err="1"/>
-              <a:t>ReactiveFormsModule</a:t>
-            </a:r>
-            <a:r>
-              <a:rPr lang="fr-FR" sz="1100" dirty="0"/>
-              <a:t>, </a:t>
-            </a:r>
-            <a:r>
-              <a:rPr lang="fr-FR" sz="1100" dirty="0" err="1"/>
-              <a:t>AsyncPipe</a:t>
-            </a:r>
-            <a:r>
-              <a:rPr lang="fr-FR" sz="1100" dirty="0"/>
-              <a:t>, </a:t>
-            </a:r>
-            <a:r>
-              <a:rPr lang="fr-FR" sz="1100" dirty="0" err="1"/>
-              <a:t>NgSwitchCase</a:t>
-            </a:r>
-            <a:r>
-              <a:rPr lang="fr-FR" sz="1100" dirty="0"/>
-              <a:t>, </a:t>
-            </a:r>
-            <a:r>
-              <a:rPr lang="fr-FR" sz="1100" dirty="0" err="1"/>
-              <a:t>MatButton</a:t>
-            </a:r>
-            <a:r>
-              <a:rPr lang="fr-FR" sz="1100" dirty="0"/>
-              <a:t>, </a:t>
-            </a:r>
-            <a:r>
-              <a:rPr lang="fr-FR" sz="1100" dirty="0" err="1"/>
-              <a:t>MatSelect</a:t>
-            </a:r>
-            <a:r>
-              <a:rPr lang="fr-FR" sz="1100" dirty="0"/>
-              <a:t>, </a:t>
-            </a:r>
-            <a:r>
-              <a:rPr lang="fr-FR" sz="1100" dirty="0" err="1"/>
-              <a:t>MatLabel</a:t>
-            </a:r>
-            <a:r>
-              <a:rPr lang="fr-FR" sz="1100" dirty="0"/>
-              <a:t> … </a:t>
-            </a:r>
-          </a:p>
-        </p:txBody>
-      </p:sp>
-      <p:pic>
-        <p:nvPicPr>
-          <p:cNvPr id="17" name="Image 16">
-            <a:extLst>
-              <a:ext uri="{FF2B5EF4-FFF2-40B4-BE49-F238E27FC236}">
-                <a16:creationId xmlns:a16="http://schemas.microsoft.com/office/drawing/2014/main" id="{38A775BC-DA33-2DFE-BC62-089CC9CDFDD4}"/>
-              </a:ext>
-            </a:extLst>
-          </p:cNvPr>
-          <p:cNvPicPr>
-            <a:picLocks noChangeAspect="1"/>
-          </p:cNvPicPr>
-          <p:nvPr/>
-        </p:nvPicPr>
-        <p:blipFill>
-          <a:blip r:embed="rId6"/>
-          <a:stretch>
-            <a:fillRect/>
-          </a:stretch>
-        </p:blipFill>
-        <p:spPr>
-          <a:xfrm>
-            <a:off x="2587456" y="3916585"/>
-            <a:ext cx="9477375" cy="561975"/>
-          </a:xfrm>
-          <a:prstGeom prst="rect">
-            <a:avLst/>
-          </a:prstGeom>
-        </p:spPr>
-      </p:pic>
-      <p:pic>
-        <p:nvPicPr>
-          <p:cNvPr id="19" name="Image 18">
-            <a:extLst>
-              <a:ext uri="{FF2B5EF4-FFF2-40B4-BE49-F238E27FC236}">
-                <a16:creationId xmlns:a16="http://schemas.microsoft.com/office/drawing/2014/main" id="{4FBDC1D5-3E58-4E88-1AEF-36DAC828D0A1}"/>
-              </a:ext>
-            </a:extLst>
-          </p:cNvPr>
-          <p:cNvPicPr>
-            <a:picLocks noChangeAspect="1"/>
-          </p:cNvPicPr>
-          <p:nvPr/>
-        </p:nvPicPr>
-        <p:blipFill>
-          <a:blip r:embed="rId7"/>
-          <a:stretch>
-            <a:fillRect/>
-          </a:stretch>
-        </p:blipFill>
-        <p:spPr>
-          <a:xfrm>
-            <a:off x="3292625" y="5315636"/>
-            <a:ext cx="4479657" cy="257822"/>
-          </a:xfrm>
-          <a:prstGeom prst="rect">
-            <a:avLst/>
-          </a:prstGeom>
-        </p:spPr>
-      </p:pic>
-      <p:pic>
-        <p:nvPicPr>
-          <p:cNvPr id="21" name="Image 20">
-            <a:extLst>
-              <a:ext uri="{FF2B5EF4-FFF2-40B4-BE49-F238E27FC236}">
-                <a16:creationId xmlns:a16="http://schemas.microsoft.com/office/drawing/2014/main" id="{87B6E234-E63F-1D10-41D9-43E2ED19F21C}"/>
-              </a:ext>
-            </a:extLst>
-          </p:cNvPr>
-          <p:cNvPicPr>
-            <a:picLocks noChangeAspect="1"/>
-          </p:cNvPicPr>
-          <p:nvPr/>
-        </p:nvPicPr>
-        <p:blipFill>
-          <a:blip r:embed="rId8"/>
-          <a:stretch>
-            <a:fillRect/>
-          </a:stretch>
-        </p:blipFill>
-        <p:spPr>
-          <a:xfrm>
-            <a:off x="7964424" y="4822590"/>
-            <a:ext cx="3446002" cy="1278356"/>
-          </a:xfrm>
-          <a:prstGeom prst="rect">
-            <a:avLst/>
-          </a:prstGeom>
-        </p:spPr>
-      </p:pic>
-      <p:sp>
-        <p:nvSpPr>
-          <p:cNvPr id="22" name="ZoneTexte 21">
-            <a:extLst>
-              <a:ext uri="{FF2B5EF4-FFF2-40B4-BE49-F238E27FC236}">
-                <a16:creationId xmlns:a16="http://schemas.microsoft.com/office/drawing/2014/main" id="{81B69840-82A2-3097-6574-47FC5EDFBC67}"/>
-              </a:ext>
-            </a:extLst>
-          </p:cNvPr>
-          <p:cNvSpPr txBox="1"/>
-          <p:nvPr/>
-        </p:nvSpPr>
-        <p:spPr>
-          <a:xfrm>
-            <a:off x="2679192" y="6254496"/>
-            <a:ext cx="8196475" cy="369332"/>
-          </a:xfrm>
-          <a:prstGeom prst="rect">
-            <a:avLst/>
-          </a:prstGeom>
-          <a:noFill/>
-        </p:spPr>
-        <p:txBody>
-          <a:bodyPr wrap="none" rtlCol="0">
-            <a:spAutoFit/>
-          </a:bodyPr>
-          <a:lstStyle/>
-          <a:p>
-            <a:r>
-              <a:rPr lang="fr-FR" dirty="0"/>
-              <a:t>Et normalement, vous ne devriez plus avoir grand-chose dans vos fichiers *.</a:t>
-            </a:r>
-            <a:r>
-              <a:rPr lang="fr-FR" dirty="0" err="1"/>
-              <a:t>module.ts</a:t>
-            </a:r>
-            <a:endParaRPr lang="fr-FR" dirty="0"/>
-          </a:p>
-        </p:txBody>
-      </p:sp>
     </p:spTree>
     <p:extLst>
       <p:ext uri="{BB962C8B-B14F-4D97-AF65-F5344CB8AC3E}">
-        <p14:creationId xmlns:p14="http://schemas.microsoft.com/office/powerpoint/2010/main" val="3022721655"/>
+        <p14:creationId xmlns:p14="http://schemas.microsoft.com/office/powerpoint/2010/main" val="3253818937"/>
       </p:ext>
     </p:extLst>
   </p:cSld>
@@ -12360,7 +10565,7 @@
         <p:cNvPr id="1" name="">
           <a:extLst>
             <a:ext uri="{FF2B5EF4-FFF2-40B4-BE49-F238E27FC236}">
-              <a16:creationId xmlns:a16="http://schemas.microsoft.com/office/drawing/2014/main" id="{5DB274A6-3E95-EFAC-5DAE-85B11C3D9326}"/>
+              <a16:creationId xmlns:a16="http://schemas.microsoft.com/office/drawing/2014/main" id="{C71D6E6C-E82E-5903-5BFA-47B455C7DCA3}"/>
             </a:ext>
           </a:extLst>
         </p:cNvPr>
@@ -12377,45 +10582,10 @@
       </p:grpSpPr>
       <p:sp>
         <p:nvSpPr>
-          <p:cNvPr id="37" name="ZoneTexte 36">
-            <a:extLst>
-              <a:ext uri="{FF2B5EF4-FFF2-40B4-BE49-F238E27FC236}">
-                <a16:creationId xmlns:a16="http://schemas.microsoft.com/office/drawing/2014/main" id="{569106AD-D5B4-9594-CEBE-AC57797A5D1A}"/>
-              </a:ext>
-            </a:extLst>
-          </p:cNvPr>
-          <p:cNvSpPr txBox="1"/>
-          <p:nvPr/>
-        </p:nvSpPr>
-        <p:spPr>
-          <a:xfrm>
-            <a:off x="8847191" y="34803"/>
-            <a:ext cx="3344809" cy="646331"/>
-          </a:xfrm>
-          <a:prstGeom prst="rect">
-            <a:avLst/>
-          </a:prstGeom>
-          <a:noFill/>
-        </p:spPr>
-        <p:txBody>
-          <a:bodyPr wrap="square" rtlCol="0">
-            <a:spAutoFit/>
-          </a:bodyPr>
-          <a:lstStyle/>
-          <a:p>
-            <a:r>
-              <a:rPr lang="fr-FR" sz="3600" dirty="0"/>
-              <a:t>Trucs et astuces</a:t>
-            </a:r>
-          </a:p>
-        </p:txBody>
-      </p:sp>
-      <p:sp>
-        <p:nvSpPr>
           <p:cNvPr id="53" name="Forme libre 52">
             <a:extLst>
               <a:ext uri="{FF2B5EF4-FFF2-40B4-BE49-F238E27FC236}">
-                <a16:creationId xmlns:a16="http://schemas.microsoft.com/office/drawing/2014/main" id="{9ABE298F-8A73-D8AF-A7AE-80A0FBFA4B0F}"/>
+                <a16:creationId xmlns:a16="http://schemas.microsoft.com/office/drawing/2014/main" id="{D8B2147D-1787-A166-FC41-CBB71DFBC6DA}"/>
               </a:ext>
             </a:extLst>
           </p:cNvPr>
@@ -12425,7 +10595,7 @@
         <p:spPr>
           <a:xfrm>
             <a:off x="0" y="0"/>
-            <a:ext cx="2376435" cy="6858000"/>
+            <a:ext cx="12192000" cy="6858000"/>
           </a:xfrm>
           <a:custGeom>
             <a:avLst/>
@@ -12549,138 +10719,10 @@
       </p:sp>
       <p:sp>
         <p:nvSpPr>
-          <p:cNvPr id="48" name="Forme libre 47">
-            <a:extLst>
-              <a:ext uri="{FF2B5EF4-FFF2-40B4-BE49-F238E27FC236}">
-                <a16:creationId xmlns:a16="http://schemas.microsoft.com/office/drawing/2014/main" id="{04123F1C-9F0E-CBF4-4A63-7A181DFC50D6}"/>
-              </a:ext>
-            </a:extLst>
-          </p:cNvPr>
-          <p:cNvSpPr/>
-          <p:nvPr/>
-        </p:nvSpPr>
-        <p:spPr>
-          <a:xfrm>
-            <a:off x="0" y="1357569"/>
-            <a:ext cx="330200" cy="660400"/>
-          </a:xfrm>
-          <a:custGeom>
-            <a:avLst/>
-            <a:gdLst>
-              <a:gd name="connsiteX0" fmla="*/ 0 w 330200"/>
-              <a:gd name="connsiteY0" fmla="*/ 0 h 660400"/>
-              <a:gd name="connsiteX1" fmla="*/ 330200 w 330200"/>
-              <a:gd name="connsiteY1" fmla="*/ 330200 h 660400"/>
-              <a:gd name="connsiteX2" fmla="*/ 0 w 330200"/>
-              <a:gd name="connsiteY2" fmla="*/ 660400 h 660400"/>
-              <a:gd name="connsiteX3" fmla="*/ 0 w 330200"/>
-              <a:gd name="connsiteY3" fmla="*/ 0 h 660400"/>
-            </a:gdLst>
-            <a:ahLst/>
-            <a:cxnLst>
-              <a:cxn ang="0">
-                <a:pos x="connsiteX0" y="connsiteY0"/>
-              </a:cxn>
-              <a:cxn ang="0">
-                <a:pos x="connsiteX1" y="connsiteY1"/>
-              </a:cxn>
-              <a:cxn ang="0">
-                <a:pos x="connsiteX2" y="connsiteY2"/>
-              </a:cxn>
-              <a:cxn ang="0">
-                <a:pos x="connsiteX3" y="connsiteY3"/>
-              </a:cxn>
-            </a:cxnLst>
-            <a:rect l="l" t="t" r="r" b="b"/>
-            <a:pathLst>
-              <a:path w="330200" h="660400">
-                <a:moveTo>
-                  <a:pt x="0" y="0"/>
-                </a:moveTo>
-                <a:cubicBezTo>
-                  <a:pt x="182364" y="0"/>
-                  <a:pt x="330200" y="147836"/>
-                  <a:pt x="330200" y="330200"/>
-                </a:cubicBezTo>
-                <a:cubicBezTo>
-                  <a:pt x="330200" y="512564"/>
-                  <a:pt x="182364" y="660400"/>
-                  <a:pt x="0" y="660400"/>
-                </a:cubicBezTo>
-                <a:lnTo>
-                  <a:pt x="0" y="0"/>
-                </a:lnTo>
-                <a:close/>
-              </a:path>
-            </a:pathLst>
-          </a:custGeom>
-          <a:solidFill>
-            <a:srgbClr val="F3103A"/>
-          </a:solidFill>
-          <a:ln>
-            <a:noFill/>
-          </a:ln>
-        </p:spPr>
-        <p:style>
-          <a:lnRef idx="0">
-            <a:scrgbClr r="0" g="0" b="0"/>
-          </a:lnRef>
-          <a:fillRef idx="0">
-            <a:scrgbClr r="0" g="0" b="0"/>
-          </a:fillRef>
-          <a:effectRef idx="0">
-            <a:scrgbClr r="0" g="0" b="0"/>
-          </a:effectRef>
-          <a:fontRef idx="minor">
-            <a:schemeClr val="lt1"/>
-          </a:fontRef>
-        </p:style>
-        <p:txBody>
-          <a:bodyPr wrap="square" rtlCol="0" anchor="ctr">
-            <a:noAutofit/>
-          </a:bodyPr>
-          <a:lstStyle/>
-          <a:p>
-            <a:pPr algn="ctr"/>
-            <a:endParaRPr lang="fr-FR"/>
-          </a:p>
-        </p:txBody>
-      </p:sp>
-      <p:pic>
-        <p:nvPicPr>
-          <p:cNvPr id="16" name="Image 15">
-            <a:extLst>
-              <a:ext uri="{FF2B5EF4-FFF2-40B4-BE49-F238E27FC236}">
-                <a16:creationId xmlns:a16="http://schemas.microsoft.com/office/drawing/2014/main" id="{4FABDB84-8B29-DABB-5D64-4F4597C89DCF}"/>
-              </a:ext>
-            </a:extLst>
-          </p:cNvPr>
-          <p:cNvPicPr>
-            <a:picLocks noChangeAspect="1"/>
-          </p:cNvPicPr>
-          <p:nvPr/>
-        </p:nvPicPr>
-        <p:blipFill rotWithShape="1">
-          <a:blip r:embed="rId3"/>
-          <a:srcRect r="72930"/>
-          <a:stretch/>
-        </p:blipFill>
-        <p:spPr>
-          <a:xfrm>
-            <a:off x="637278" y="130629"/>
-            <a:ext cx="1101877" cy="1272695"/>
-          </a:xfrm>
-          <a:prstGeom prst="rect">
-            <a:avLst/>
-          </a:prstGeom>
-        </p:spPr>
-      </p:pic>
-      <p:sp>
-        <p:nvSpPr>
-          <p:cNvPr id="3" name="ZoneTexte 2">
-            <a:extLst>
-              <a:ext uri="{FF2B5EF4-FFF2-40B4-BE49-F238E27FC236}">
-                <a16:creationId xmlns:a16="http://schemas.microsoft.com/office/drawing/2014/main" id="{504EE855-C499-E5A1-1EF9-11F69982DFBE}"/>
+          <p:cNvPr id="37" name="ZoneTexte 36">
+            <a:extLst>
+              <a:ext uri="{FF2B5EF4-FFF2-40B4-BE49-F238E27FC236}">
+                <a16:creationId xmlns:a16="http://schemas.microsoft.com/office/drawing/2014/main" id="{724392C2-A484-587A-8ABC-2345136F15D6}"/>
               </a:ext>
             </a:extLst>
           </p:cNvPr>
@@ -12689,8 +10731,8 @@
         </p:nvSpPr>
         <p:spPr>
           <a:xfrm>
-            <a:off x="282573" y="1487676"/>
-            <a:ext cx="1716832" cy="400110"/>
+            <a:off x="2629367" y="4130767"/>
+            <a:ext cx="6933267" cy="769441"/>
           </a:xfrm>
           <a:prstGeom prst="rect">
             <a:avLst/>
@@ -12703,195 +10745,24 @@
           </a:bodyPr>
           <a:lstStyle/>
           <a:p>
-            <a:r>
-              <a:rPr lang="fr-FR" sz="2000" dirty="0">
+            <a:pPr algn="ctr"/>
+            <a:r>
+              <a:rPr lang="fr-FR" sz="4400" dirty="0">
                 <a:solidFill>
                   <a:schemeClr val="bg1"/>
                 </a:solidFill>
               </a:rPr>
-              <a:t>Standalone</a:t>
-            </a:r>
-          </a:p>
-        </p:txBody>
-      </p:sp>
-      <p:sp>
-        <p:nvSpPr>
-          <p:cNvPr id="5" name="ZoneTexte 4">
-            <a:extLst>
-              <a:ext uri="{FF2B5EF4-FFF2-40B4-BE49-F238E27FC236}">
-                <a16:creationId xmlns:a16="http://schemas.microsoft.com/office/drawing/2014/main" id="{33693DFE-C66E-5D89-C6AF-076E526B8FD7}"/>
-              </a:ext>
-            </a:extLst>
-          </p:cNvPr>
-          <p:cNvSpPr txBox="1"/>
-          <p:nvPr/>
-        </p:nvSpPr>
-        <p:spPr>
-          <a:xfrm>
-            <a:off x="282573" y="1887786"/>
-            <a:ext cx="1716832" cy="276999"/>
-          </a:xfrm>
-          <a:prstGeom prst="rect">
-            <a:avLst/>
-          </a:prstGeom>
-          <a:noFill/>
-        </p:spPr>
-        <p:txBody>
-          <a:bodyPr wrap="square" rtlCol="0">
-            <a:spAutoFit/>
-          </a:bodyPr>
-          <a:lstStyle/>
-          <a:p>
-            <a:r>
-              <a:rPr lang="fr-FR" sz="1200" dirty="0">
-                <a:solidFill>
-                  <a:schemeClr val="bg1"/>
-                </a:solidFill>
-              </a:rPr>
-              <a:t>Control-Flow</a:t>
-            </a:r>
-          </a:p>
-        </p:txBody>
-      </p:sp>
-      <p:sp>
-        <p:nvSpPr>
-          <p:cNvPr id="6" name="ZoneTexte 5">
-            <a:extLst>
-              <a:ext uri="{FF2B5EF4-FFF2-40B4-BE49-F238E27FC236}">
-                <a16:creationId xmlns:a16="http://schemas.microsoft.com/office/drawing/2014/main" id="{29046383-A122-D9AE-3111-46A228784BBA}"/>
-              </a:ext>
-            </a:extLst>
-          </p:cNvPr>
-          <p:cNvSpPr txBox="1"/>
-          <p:nvPr/>
-        </p:nvSpPr>
-        <p:spPr>
-          <a:xfrm>
-            <a:off x="282573" y="2225735"/>
-            <a:ext cx="1716832" cy="276999"/>
-          </a:xfrm>
-          <a:prstGeom prst="rect">
-            <a:avLst/>
-          </a:prstGeom>
-          <a:noFill/>
-        </p:spPr>
-        <p:txBody>
-          <a:bodyPr wrap="square" rtlCol="0">
-            <a:spAutoFit/>
-          </a:bodyPr>
-          <a:lstStyle/>
-          <a:p>
-            <a:r>
-              <a:rPr lang="fr-FR" sz="1200" dirty="0">
-                <a:solidFill>
-                  <a:schemeClr val="bg1"/>
-                </a:solidFill>
-              </a:rPr>
-              <a:t>Formulaires Typés</a:t>
-            </a:r>
-          </a:p>
-        </p:txBody>
-      </p:sp>
-      <p:sp>
-        <p:nvSpPr>
-          <p:cNvPr id="9" name="ZoneTexte 8">
-            <a:extLst>
-              <a:ext uri="{FF2B5EF4-FFF2-40B4-BE49-F238E27FC236}">
-                <a16:creationId xmlns:a16="http://schemas.microsoft.com/office/drawing/2014/main" id="{B2CC36DC-56B2-73BB-8847-28469252C0EC}"/>
-              </a:ext>
-            </a:extLst>
-          </p:cNvPr>
-          <p:cNvSpPr txBox="1"/>
-          <p:nvPr/>
-        </p:nvSpPr>
-        <p:spPr>
-          <a:xfrm>
-            <a:off x="2470775" y="34803"/>
-            <a:ext cx="3344809" cy="646331"/>
-          </a:xfrm>
-          <a:prstGeom prst="rect">
-            <a:avLst/>
-          </a:prstGeom>
-          <a:noFill/>
-        </p:spPr>
-        <p:txBody>
-          <a:bodyPr wrap="square" rtlCol="0">
-            <a:spAutoFit/>
-          </a:bodyPr>
-          <a:lstStyle/>
-          <a:p>
-            <a:r>
-              <a:rPr lang="fr-FR" sz="3600" dirty="0"/>
-              <a:t>Standalone</a:t>
-            </a:r>
-          </a:p>
-        </p:txBody>
-      </p:sp>
-      <p:sp>
-        <p:nvSpPr>
-          <p:cNvPr id="10" name="ZoneTexte 9">
-            <a:extLst>
-              <a:ext uri="{FF2B5EF4-FFF2-40B4-BE49-F238E27FC236}">
-                <a16:creationId xmlns:a16="http://schemas.microsoft.com/office/drawing/2014/main" id="{1A15B63E-C625-AF9D-F213-6EE6F9527E1D}"/>
-              </a:ext>
-            </a:extLst>
-          </p:cNvPr>
-          <p:cNvSpPr txBox="1"/>
-          <p:nvPr/>
-        </p:nvSpPr>
-        <p:spPr>
-          <a:xfrm>
-            <a:off x="5815584" y="1989408"/>
-            <a:ext cx="3187794" cy="369332"/>
-          </a:xfrm>
-          <a:prstGeom prst="rect">
-            <a:avLst/>
-          </a:prstGeom>
-          <a:noFill/>
-        </p:spPr>
-        <p:txBody>
-          <a:bodyPr wrap="square" rtlCol="0">
-            <a:spAutoFit/>
-          </a:bodyPr>
-          <a:lstStyle/>
-          <a:p>
-            <a:r>
-              <a:rPr lang="fr-FR" dirty="0"/>
-              <a:t>Le </a:t>
-            </a:r>
-            <a:r>
-              <a:rPr lang="fr-FR" b="0" i="0" dirty="0" err="1">
-                <a:solidFill>
-                  <a:srgbClr val="242424"/>
-                </a:solidFill>
-                <a:effectLst/>
-                <a:latin typeface="sohne"/>
-              </a:rPr>
-              <a:t>schematic</a:t>
-            </a:r>
-            <a:r>
-              <a:rPr lang="fr-FR" b="0" i="0" dirty="0">
-                <a:solidFill>
-                  <a:srgbClr val="242424"/>
-                </a:solidFill>
-                <a:effectLst/>
-                <a:latin typeface="sohne"/>
-              </a:rPr>
-              <a:t> le fait très bien</a:t>
-            </a:r>
-            <a:r>
-              <a:rPr lang="fr-FR" dirty="0"/>
-              <a:t> </a:t>
+              <a:t>Merci !</a:t>
             </a:r>
           </a:p>
         </p:txBody>
       </p:sp>
       <p:pic>
         <p:nvPicPr>
-          <p:cNvPr id="15" name="Image 14">
-            <a:extLst>
-              <a:ext uri="{FF2B5EF4-FFF2-40B4-BE49-F238E27FC236}">
-                <a16:creationId xmlns:a16="http://schemas.microsoft.com/office/drawing/2014/main" id="{E0B8CD84-F858-DFF3-03D8-CDAA1FFFE27C}"/>
+          <p:cNvPr id="6" name="Image 5">
+            <a:extLst>
+              <a:ext uri="{FF2B5EF4-FFF2-40B4-BE49-F238E27FC236}">
+                <a16:creationId xmlns:a16="http://schemas.microsoft.com/office/drawing/2014/main" id="{01ECC903-B862-A4B2-F8A4-5D8FC7605713}"/>
               </a:ext>
             </a:extLst>
           </p:cNvPr>
@@ -12901,15 +10772,15 @@
           <p:nvPr/>
         </p:nvPicPr>
         <p:blipFill>
-          <a:blip r:embed="rId4"/>
+          <a:blip r:embed="rId3"/>
           <a:stretch>
             <a:fillRect/>
           </a:stretch>
         </p:blipFill>
         <p:spPr>
           <a:xfrm>
-            <a:off x="5030835" y="4348148"/>
-            <a:ext cx="4443791" cy="520444"/>
+            <a:off x="2209800" y="489098"/>
+            <a:ext cx="7772400" cy="2430195"/>
           </a:xfrm>
           <a:prstGeom prst="rect">
             <a:avLst/>
@@ -12919,557 +10790,7 @@
     </p:spTree>
     <p:extLst>
       <p:ext uri="{BB962C8B-B14F-4D97-AF65-F5344CB8AC3E}">
-        <p14:creationId xmlns:p14="http://schemas.microsoft.com/office/powerpoint/2010/main" val="2150457709"/>
-      </p:ext>
-    </p:extLst>
-  </p:cSld>
-  <p:clrMapOvr>
-    <a:masterClrMapping/>
-  </p:clrMapOvr>
-  <mc:AlternateContent xmlns:mc="http://schemas.openxmlformats.org/markup-compatibility/2006" xmlns:p159="http://schemas.microsoft.com/office/powerpoint/2015/09/main">
-    <mc:Choice Requires="p159">
-      <p:transition spd="slow">
-        <p159:morph option="byObject"/>
-      </p:transition>
-    </mc:Choice>
-    <mc:Fallback xmlns="">
-      <p:transition spd="slow">
-        <p:fade/>
-      </p:transition>
-    </mc:Fallback>
-  </mc:AlternateContent>
-</p:sld>
-</file>
-
-<file path=ppt/slides/slide19.xml><?xml version="1.0" encoding="utf-8"?>
-<p:sld xmlns:a="http://schemas.openxmlformats.org/drawingml/2006/main" xmlns:r="http://schemas.openxmlformats.org/officeDocument/2006/relationships" xmlns:p="http://schemas.openxmlformats.org/presentationml/2006/main">
-  <p:cSld>
-    <p:spTree>
-      <p:nvGrpSpPr>
-        <p:cNvPr id="1" name="">
-          <a:extLst>
-            <a:ext uri="{FF2B5EF4-FFF2-40B4-BE49-F238E27FC236}">
-              <a16:creationId xmlns:a16="http://schemas.microsoft.com/office/drawing/2014/main" id="{6FD2F1F4-A1B4-3318-FEAD-3C73021AB5DF}"/>
-            </a:ext>
-          </a:extLst>
-        </p:cNvPr>
-        <p:cNvGrpSpPr/>
-        <p:nvPr/>
-      </p:nvGrpSpPr>
-      <p:grpSpPr>
-        <a:xfrm>
-          <a:off x="0" y="0"/>
-          <a:ext cx="0" cy="0"/>
-          <a:chOff x="0" y="0"/>
-          <a:chExt cx="0" cy="0"/>
-        </a:xfrm>
-      </p:grpSpPr>
-      <p:sp>
-        <p:nvSpPr>
-          <p:cNvPr id="37" name="ZoneTexte 36">
-            <a:extLst>
-              <a:ext uri="{FF2B5EF4-FFF2-40B4-BE49-F238E27FC236}">
-                <a16:creationId xmlns:a16="http://schemas.microsoft.com/office/drawing/2014/main" id="{3B69AE5A-AFEF-2140-F430-5FFBB92302AD}"/>
-              </a:ext>
-            </a:extLst>
-          </p:cNvPr>
-          <p:cNvSpPr txBox="1"/>
-          <p:nvPr/>
-        </p:nvSpPr>
-        <p:spPr>
-          <a:xfrm>
-            <a:off x="8847191" y="34803"/>
-            <a:ext cx="3344809" cy="646331"/>
-          </a:xfrm>
-          <a:prstGeom prst="rect">
-            <a:avLst/>
-          </a:prstGeom>
-          <a:noFill/>
-        </p:spPr>
-        <p:txBody>
-          <a:bodyPr wrap="square" rtlCol="0">
-            <a:spAutoFit/>
-          </a:bodyPr>
-          <a:lstStyle/>
-          <a:p>
-            <a:r>
-              <a:rPr lang="fr-FR" sz="3600" dirty="0"/>
-              <a:t>Trucs et astuces</a:t>
-            </a:r>
-          </a:p>
-        </p:txBody>
-      </p:sp>
-      <p:sp>
-        <p:nvSpPr>
-          <p:cNvPr id="53" name="Forme libre 52">
-            <a:extLst>
-              <a:ext uri="{FF2B5EF4-FFF2-40B4-BE49-F238E27FC236}">
-                <a16:creationId xmlns:a16="http://schemas.microsoft.com/office/drawing/2014/main" id="{D2C42CC4-DA42-F6BC-D613-06771F374F3C}"/>
-              </a:ext>
-            </a:extLst>
-          </p:cNvPr>
-          <p:cNvSpPr/>
-          <p:nvPr/>
-        </p:nvSpPr>
-        <p:spPr>
-          <a:xfrm>
-            <a:off x="0" y="0"/>
-            <a:ext cx="2376435" cy="6858000"/>
-          </a:xfrm>
-          <a:custGeom>
-            <a:avLst/>
-            <a:gdLst>
-              <a:gd name="connsiteX0" fmla="*/ 0 w 2376435"/>
-              <a:gd name="connsiteY0" fmla="*/ 0 h 6858000"/>
-              <a:gd name="connsiteX1" fmla="*/ 2376435 w 2376435"/>
-              <a:gd name="connsiteY1" fmla="*/ 0 h 6858000"/>
-              <a:gd name="connsiteX2" fmla="*/ 2376435 w 2376435"/>
-              <a:gd name="connsiteY2" fmla="*/ 584200 h 6858000"/>
-              <a:gd name="connsiteX3" fmla="*/ 2376435 w 2376435"/>
-              <a:gd name="connsiteY3" fmla="*/ 1244600 h 6858000"/>
-              <a:gd name="connsiteX4" fmla="*/ 2376435 w 2376435"/>
-              <a:gd name="connsiteY4" fmla="*/ 1650138 h 6858000"/>
-              <a:gd name="connsiteX5" fmla="*/ 2376435 w 2376435"/>
-              <a:gd name="connsiteY5" fmla="*/ 2310538 h 6858000"/>
-              <a:gd name="connsiteX6" fmla="*/ 2376435 w 2376435"/>
-              <a:gd name="connsiteY6" fmla="*/ 2603145 h 6858000"/>
-              <a:gd name="connsiteX7" fmla="*/ 2376435 w 2376435"/>
-              <a:gd name="connsiteY7" fmla="*/ 3263545 h 6858000"/>
-              <a:gd name="connsiteX8" fmla="*/ 2376435 w 2376435"/>
-              <a:gd name="connsiteY8" fmla="*/ 6858000 h 6858000"/>
-              <a:gd name="connsiteX9" fmla="*/ 0 w 2376435"/>
-              <a:gd name="connsiteY9" fmla="*/ 6858000 h 6858000"/>
-            </a:gdLst>
-            <a:ahLst/>
-            <a:cxnLst>
-              <a:cxn ang="0">
-                <a:pos x="connsiteX0" y="connsiteY0"/>
-              </a:cxn>
-              <a:cxn ang="0">
-                <a:pos x="connsiteX1" y="connsiteY1"/>
-              </a:cxn>
-              <a:cxn ang="0">
-                <a:pos x="connsiteX2" y="connsiteY2"/>
-              </a:cxn>
-              <a:cxn ang="0">
-                <a:pos x="connsiteX3" y="connsiteY3"/>
-              </a:cxn>
-              <a:cxn ang="0">
-                <a:pos x="connsiteX4" y="connsiteY4"/>
-              </a:cxn>
-              <a:cxn ang="0">
-                <a:pos x="connsiteX5" y="connsiteY5"/>
-              </a:cxn>
-              <a:cxn ang="0">
-                <a:pos x="connsiteX6" y="connsiteY6"/>
-              </a:cxn>
-              <a:cxn ang="0">
-                <a:pos x="connsiteX7" y="connsiteY7"/>
-              </a:cxn>
-              <a:cxn ang="0">
-                <a:pos x="connsiteX8" y="connsiteY8"/>
-              </a:cxn>
-              <a:cxn ang="0">
-                <a:pos x="connsiteX9" y="connsiteY9"/>
-              </a:cxn>
-            </a:cxnLst>
-            <a:rect l="l" t="t" r="r" b="b"/>
-            <a:pathLst>
-              <a:path w="2376435" h="6858000">
-                <a:moveTo>
-                  <a:pt x="0" y="0"/>
-                </a:moveTo>
-                <a:lnTo>
-                  <a:pt x="2376435" y="0"/>
-                </a:lnTo>
-                <a:lnTo>
-                  <a:pt x="2376435" y="584200"/>
-                </a:lnTo>
-                <a:lnTo>
-                  <a:pt x="2376435" y="1244600"/>
-                </a:lnTo>
-                <a:lnTo>
-                  <a:pt x="2376435" y="1650138"/>
-                </a:lnTo>
-                <a:lnTo>
-                  <a:pt x="2376435" y="2310538"/>
-                </a:lnTo>
-                <a:lnTo>
-                  <a:pt x="2376435" y="2603145"/>
-                </a:lnTo>
-                <a:lnTo>
-                  <a:pt x="2376435" y="3263545"/>
-                </a:lnTo>
-                <a:lnTo>
-                  <a:pt x="2376435" y="6858000"/>
-                </a:lnTo>
-                <a:lnTo>
-                  <a:pt x="0" y="6858000"/>
-                </a:lnTo>
-                <a:close/>
-              </a:path>
-            </a:pathLst>
-          </a:custGeom>
-        </p:spPr>
-        <p:style>
-          <a:lnRef idx="1">
-            <a:schemeClr val="dk1"/>
-          </a:lnRef>
-          <a:fillRef idx="3">
-            <a:schemeClr val="dk1"/>
-          </a:fillRef>
-          <a:effectRef idx="2">
-            <a:schemeClr val="dk1"/>
-          </a:effectRef>
-          <a:fontRef idx="minor">
-            <a:schemeClr val="lt1"/>
-          </a:fontRef>
-        </p:style>
-        <p:txBody>
-          <a:bodyPr wrap="square" rtlCol="0" anchor="ctr">
-            <a:noAutofit/>
-          </a:bodyPr>
-          <a:lstStyle/>
-          <a:p>
-            <a:pPr algn="ctr"/>
-            <a:endParaRPr lang="fr-FR"/>
-          </a:p>
-        </p:txBody>
-      </p:sp>
-      <p:sp>
-        <p:nvSpPr>
-          <p:cNvPr id="48" name="Forme libre 47">
-            <a:extLst>
-              <a:ext uri="{FF2B5EF4-FFF2-40B4-BE49-F238E27FC236}">
-                <a16:creationId xmlns:a16="http://schemas.microsoft.com/office/drawing/2014/main" id="{8EA09BDC-9B42-B202-71D8-2D91E510F02B}"/>
-              </a:ext>
-            </a:extLst>
-          </p:cNvPr>
-          <p:cNvSpPr/>
-          <p:nvPr/>
-        </p:nvSpPr>
-        <p:spPr>
-          <a:xfrm>
-            <a:off x="0" y="1357569"/>
-            <a:ext cx="330200" cy="660400"/>
-          </a:xfrm>
-          <a:custGeom>
-            <a:avLst/>
-            <a:gdLst>
-              <a:gd name="connsiteX0" fmla="*/ 0 w 330200"/>
-              <a:gd name="connsiteY0" fmla="*/ 0 h 660400"/>
-              <a:gd name="connsiteX1" fmla="*/ 330200 w 330200"/>
-              <a:gd name="connsiteY1" fmla="*/ 330200 h 660400"/>
-              <a:gd name="connsiteX2" fmla="*/ 0 w 330200"/>
-              <a:gd name="connsiteY2" fmla="*/ 660400 h 660400"/>
-              <a:gd name="connsiteX3" fmla="*/ 0 w 330200"/>
-              <a:gd name="connsiteY3" fmla="*/ 0 h 660400"/>
-            </a:gdLst>
-            <a:ahLst/>
-            <a:cxnLst>
-              <a:cxn ang="0">
-                <a:pos x="connsiteX0" y="connsiteY0"/>
-              </a:cxn>
-              <a:cxn ang="0">
-                <a:pos x="connsiteX1" y="connsiteY1"/>
-              </a:cxn>
-              <a:cxn ang="0">
-                <a:pos x="connsiteX2" y="connsiteY2"/>
-              </a:cxn>
-              <a:cxn ang="0">
-                <a:pos x="connsiteX3" y="connsiteY3"/>
-              </a:cxn>
-            </a:cxnLst>
-            <a:rect l="l" t="t" r="r" b="b"/>
-            <a:pathLst>
-              <a:path w="330200" h="660400">
-                <a:moveTo>
-                  <a:pt x="0" y="0"/>
-                </a:moveTo>
-                <a:cubicBezTo>
-                  <a:pt x="182364" y="0"/>
-                  <a:pt x="330200" y="147836"/>
-                  <a:pt x="330200" y="330200"/>
-                </a:cubicBezTo>
-                <a:cubicBezTo>
-                  <a:pt x="330200" y="512564"/>
-                  <a:pt x="182364" y="660400"/>
-                  <a:pt x="0" y="660400"/>
-                </a:cubicBezTo>
-                <a:lnTo>
-                  <a:pt x="0" y="0"/>
-                </a:lnTo>
-                <a:close/>
-              </a:path>
-            </a:pathLst>
-          </a:custGeom>
-          <a:solidFill>
-            <a:srgbClr val="F3103A"/>
-          </a:solidFill>
-          <a:ln>
-            <a:noFill/>
-          </a:ln>
-        </p:spPr>
-        <p:style>
-          <a:lnRef idx="0">
-            <a:scrgbClr r="0" g="0" b="0"/>
-          </a:lnRef>
-          <a:fillRef idx="0">
-            <a:scrgbClr r="0" g="0" b="0"/>
-          </a:fillRef>
-          <a:effectRef idx="0">
-            <a:scrgbClr r="0" g="0" b="0"/>
-          </a:effectRef>
-          <a:fontRef idx="minor">
-            <a:schemeClr val="lt1"/>
-          </a:fontRef>
-        </p:style>
-        <p:txBody>
-          <a:bodyPr wrap="square" rtlCol="0" anchor="ctr">
-            <a:noAutofit/>
-          </a:bodyPr>
-          <a:lstStyle/>
-          <a:p>
-            <a:pPr algn="ctr"/>
-            <a:endParaRPr lang="fr-FR"/>
-          </a:p>
-        </p:txBody>
-      </p:sp>
-      <p:pic>
-        <p:nvPicPr>
-          <p:cNvPr id="16" name="Image 15">
-            <a:extLst>
-              <a:ext uri="{FF2B5EF4-FFF2-40B4-BE49-F238E27FC236}">
-                <a16:creationId xmlns:a16="http://schemas.microsoft.com/office/drawing/2014/main" id="{4D601168-B79C-4599-57E6-78ED578B5093}"/>
-              </a:ext>
-            </a:extLst>
-          </p:cNvPr>
-          <p:cNvPicPr>
-            <a:picLocks noChangeAspect="1"/>
-          </p:cNvPicPr>
-          <p:nvPr/>
-        </p:nvPicPr>
-        <p:blipFill rotWithShape="1">
-          <a:blip r:embed="rId3"/>
-          <a:srcRect r="72930"/>
-          <a:stretch/>
-        </p:blipFill>
-        <p:spPr>
-          <a:xfrm>
-            <a:off x="637278" y="130629"/>
-            <a:ext cx="1101877" cy="1272695"/>
-          </a:xfrm>
-          <a:prstGeom prst="rect">
-            <a:avLst/>
-          </a:prstGeom>
-        </p:spPr>
-      </p:pic>
-      <p:sp>
-        <p:nvSpPr>
-          <p:cNvPr id="3" name="ZoneTexte 2">
-            <a:extLst>
-              <a:ext uri="{FF2B5EF4-FFF2-40B4-BE49-F238E27FC236}">
-                <a16:creationId xmlns:a16="http://schemas.microsoft.com/office/drawing/2014/main" id="{95F96CC4-88D0-2C3A-4F1C-A8BCB7644811}"/>
-              </a:ext>
-            </a:extLst>
-          </p:cNvPr>
-          <p:cNvSpPr txBox="1"/>
-          <p:nvPr/>
-        </p:nvSpPr>
-        <p:spPr>
-          <a:xfrm>
-            <a:off x="282573" y="1487676"/>
-            <a:ext cx="1716832" cy="400110"/>
-          </a:xfrm>
-          <a:prstGeom prst="rect">
-            <a:avLst/>
-          </a:prstGeom>
-          <a:noFill/>
-        </p:spPr>
-        <p:txBody>
-          <a:bodyPr wrap="square" rtlCol="0">
-            <a:spAutoFit/>
-          </a:bodyPr>
-          <a:lstStyle/>
-          <a:p>
-            <a:r>
-              <a:rPr lang="fr-FR" sz="2000" dirty="0">
-                <a:solidFill>
-                  <a:schemeClr val="bg1"/>
-                </a:solidFill>
-              </a:rPr>
-              <a:t>Control-Flow</a:t>
-            </a:r>
-          </a:p>
-        </p:txBody>
-      </p:sp>
-      <p:sp>
-        <p:nvSpPr>
-          <p:cNvPr id="6" name="ZoneTexte 5">
-            <a:extLst>
-              <a:ext uri="{FF2B5EF4-FFF2-40B4-BE49-F238E27FC236}">
-                <a16:creationId xmlns:a16="http://schemas.microsoft.com/office/drawing/2014/main" id="{515448ED-22A9-FCEE-4DA6-EF1B64570B58}"/>
-              </a:ext>
-            </a:extLst>
-          </p:cNvPr>
-          <p:cNvSpPr txBox="1"/>
-          <p:nvPr/>
-        </p:nvSpPr>
-        <p:spPr>
-          <a:xfrm>
-            <a:off x="282573" y="1971533"/>
-            <a:ext cx="1716832" cy="276999"/>
-          </a:xfrm>
-          <a:prstGeom prst="rect">
-            <a:avLst/>
-          </a:prstGeom>
-          <a:noFill/>
-        </p:spPr>
-        <p:txBody>
-          <a:bodyPr wrap="square" rtlCol="0">
-            <a:spAutoFit/>
-          </a:bodyPr>
-          <a:lstStyle/>
-          <a:p>
-            <a:r>
-              <a:rPr lang="fr-FR" sz="1200" dirty="0">
-                <a:solidFill>
-                  <a:schemeClr val="bg1"/>
-                </a:solidFill>
-              </a:rPr>
-              <a:t>Formulaires Typés</a:t>
-            </a:r>
-          </a:p>
-        </p:txBody>
-      </p:sp>
-      <p:sp>
-        <p:nvSpPr>
-          <p:cNvPr id="8" name="ZoneTexte 7">
-            <a:extLst>
-              <a:ext uri="{FF2B5EF4-FFF2-40B4-BE49-F238E27FC236}">
-                <a16:creationId xmlns:a16="http://schemas.microsoft.com/office/drawing/2014/main" id="{66B5E832-A7AD-59DA-A7F7-F2964E6E7E5D}"/>
-              </a:ext>
-            </a:extLst>
-          </p:cNvPr>
-          <p:cNvSpPr txBox="1"/>
-          <p:nvPr/>
-        </p:nvSpPr>
-        <p:spPr>
-          <a:xfrm>
-            <a:off x="2470775" y="34803"/>
-            <a:ext cx="3344809" cy="646331"/>
-          </a:xfrm>
-          <a:prstGeom prst="rect">
-            <a:avLst/>
-          </a:prstGeom>
-          <a:noFill/>
-        </p:spPr>
-        <p:txBody>
-          <a:bodyPr wrap="square" rtlCol="0">
-            <a:spAutoFit/>
-          </a:bodyPr>
-          <a:lstStyle/>
-          <a:p>
-            <a:r>
-              <a:rPr lang="fr-FR" sz="3600" dirty="0"/>
-              <a:t>Control-Flow</a:t>
-            </a:r>
-          </a:p>
-        </p:txBody>
-      </p:sp>
-      <p:sp>
-        <p:nvSpPr>
-          <p:cNvPr id="13" name="ZoneTexte 12">
-            <a:extLst>
-              <a:ext uri="{FF2B5EF4-FFF2-40B4-BE49-F238E27FC236}">
-                <a16:creationId xmlns:a16="http://schemas.microsoft.com/office/drawing/2014/main" id="{7C64C7A1-BDE6-6EAE-AC55-FABBA54B31DC}"/>
-              </a:ext>
-            </a:extLst>
-          </p:cNvPr>
-          <p:cNvSpPr txBox="1"/>
-          <p:nvPr/>
-        </p:nvSpPr>
-        <p:spPr>
-          <a:xfrm>
-            <a:off x="5999303" y="1991878"/>
-            <a:ext cx="2959465" cy="369332"/>
-          </a:xfrm>
-          <a:prstGeom prst="rect">
-            <a:avLst/>
-          </a:prstGeom>
-          <a:noFill/>
-        </p:spPr>
-        <p:txBody>
-          <a:bodyPr wrap="none" rtlCol="0">
-            <a:spAutoFit/>
-          </a:bodyPr>
-          <a:lstStyle/>
-          <a:p>
-            <a:r>
-              <a:rPr lang="fr-FR" dirty="0"/>
-              <a:t>Le </a:t>
-            </a:r>
-            <a:r>
-              <a:rPr lang="fr-FR" b="0" i="0" dirty="0" err="1">
-                <a:solidFill>
-                  <a:srgbClr val="242424"/>
-                </a:solidFill>
-                <a:effectLst/>
-                <a:latin typeface="sohne"/>
-              </a:rPr>
-              <a:t>schematic</a:t>
-            </a:r>
-            <a:r>
-              <a:rPr lang="fr-FR" b="0" i="0" dirty="0">
-                <a:solidFill>
-                  <a:srgbClr val="242424"/>
-                </a:solidFill>
-                <a:effectLst/>
-                <a:latin typeface="sohne"/>
-              </a:rPr>
-              <a:t> le fait très bien</a:t>
-            </a:r>
-            <a:r>
-              <a:rPr lang="fr-FR" dirty="0"/>
-              <a:t> </a:t>
-            </a:r>
-          </a:p>
-        </p:txBody>
-      </p:sp>
-      <p:pic>
-        <p:nvPicPr>
-          <p:cNvPr id="4" name="Image 3">
-            <a:extLst>
-              <a:ext uri="{FF2B5EF4-FFF2-40B4-BE49-F238E27FC236}">
-                <a16:creationId xmlns:a16="http://schemas.microsoft.com/office/drawing/2014/main" id="{B51F1EC8-F0F4-E385-3674-690330E72589}"/>
-              </a:ext>
-            </a:extLst>
-          </p:cNvPr>
-          <p:cNvPicPr>
-            <a:picLocks noChangeAspect="1"/>
-          </p:cNvPicPr>
-          <p:nvPr/>
-        </p:nvPicPr>
-        <p:blipFill>
-          <a:blip r:embed="rId4"/>
-          <a:stretch>
-            <a:fillRect/>
-          </a:stretch>
-        </p:blipFill>
-        <p:spPr>
-          <a:xfrm>
-            <a:off x="4988683" y="4353088"/>
-            <a:ext cx="4980706" cy="513034"/>
-          </a:xfrm>
-          <a:prstGeom prst="rect">
-            <a:avLst/>
-          </a:prstGeom>
-        </p:spPr>
-      </p:pic>
-    </p:spTree>
-    <p:extLst>
-      <p:ext uri="{BB962C8B-B14F-4D97-AF65-F5344CB8AC3E}">
-        <p14:creationId xmlns:p14="http://schemas.microsoft.com/office/powerpoint/2010/main" val="1505289827"/>
+        <p14:creationId xmlns:p14="http://schemas.microsoft.com/office/powerpoint/2010/main" val="1437912832"/>
       </p:ext>
     </p:extLst>
   </p:cSld>
@@ -14820,938 +12141,6 @@
     <p:extLst>
       <p:ext uri="{BB962C8B-B14F-4D97-AF65-F5344CB8AC3E}">
         <p14:creationId xmlns:p14="http://schemas.microsoft.com/office/powerpoint/2010/main" val="4242613186"/>
-      </p:ext>
-    </p:extLst>
-  </p:cSld>
-  <p:clrMapOvr>
-    <a:masterClrMapping/>
-  </p:clrMapOvr>
-  <mc:AlternateContent xmlns:mc="http://schemas.openxmlformats.org/markup-compatibility/2006" xmlns:p159="http://schemas.microsoft.com/office/powerpoint/2015/09/main">
-    <mc:Choice Requires="p159">
-      <p:transition spd="slow">
-        <p159:morph option="byObject"/>
-      </p:transition>
-    </mc:Choice>
-    <mc:Fallback xmlns="">
-      <p:transition spd="slow">
-        <p:fade/>
-      </p:transition>
-    </mc:Fallback>
-  </mc:AlternateContent>
-</p:sld>
-</file>
-
-<file path=ppt/slides/slide20.xml><?xml version="1.0" encoding="utf-8"?>
-<p:sld xmlns:a="http://schemas.openxmlformats.org/drawingml/2006/main" xmlns:r="http://schemas.openxmlformats.org/officeDocument/2006/relationships" xmlns:p="http://schemas.openxmlformats.org/presentationml/2006/main">
-  <p:cSld>
-    <p:spTree>
-      <p:nvGrpSpPr>
-        <p:cNvPr id="1" name="">
-          <a:extLst>
-            <a:ext uri="{FF2B5EF4-FFF2-40B4-BE49-F238E27FC236}">
-              <a16:creationId xmlns:a16="http://schemas.microsoft.com/office/drawing/2014/main" id="{88CFDF27-9BCC-627D-2589-7A5096F04793}"/>
-            </a:ext>
-          </a:extLst>
-        </p:cNvPr>
-        <p:cNvGrpSpPr/>
-        <p:nvPr/>
-      </p:nvGrpSpPr>
-      <p:grpSpPr>
-        <a:xfrm>
-          <a:off x="0" y="0"/>
-          <a:ext cx="0" cy="0"/>
-          <a:chOff x="0" y="0"/>
-          <a:chExt cx="0" cy="0"/>
-        </a:xfrm>
-      </p:grpSpPr>
-      <p:sp>
-        <p:nvSpPr>
-          <p:cNvPr id="37" name="ZoneTexte 36">
-            <a:extLst>
-              <a:ext uri="{FF2B5EF4-FFF2-40B4-BE49-F238E27FC236}">
-                <a16:creationId xmlns:a16="http://schemas.microsoft.com/office/drawing/2014/main" id="{27F308A6-3A86-976F-0558-10B03DFCE6EA}"/>
-              </a:ext>
-            </a:extLst>
-          </p:cNvPr>
-          <p:cNvSpPr txBox="1"/>
-          <p:nvPr/>
-        </p:nvSpPr>
-        <p:spPr>
-          <a:xfrm>
-            <a:off x="8847191" y="34803"/>
-            <a:ext cx="3344809" cy="646331"/>
-          </a:xfrm>
-          <a:prstGeom prst="rect">
-            <a:avLst/>
-          </a:prstGeom>
-          <a:noFill/>
-        </p:spPr>
-        <p:txBody>
-          <a:bodyPr wrap="square" rtlCol="0">
-            <a:spAutoFit/>
-          </a:bodyPr>
-          <a:lstStyle/>
-          <a:p>
-            <a:r>
-              <a:rPr lang="fr-FR" sz="3600" dirty="0"/>
-              <a:t>Trucs et astuces</a:t>
-            </a:r>
-          </a:p>
-        </p:txBody>
-      </p:sp>
-      <p:sp>
-        <p:nvSpPr>
-          <p:cNvPr id="53" name="Forme libre 52">
-            <a:extLst>
-              <a:ext uri="{FF2B5EF4-FFF2-40B4-BE49-F238E27FC236}">
-                <a16:creationId xmlns:a16="http://schemas.microsoft.com/office/drawing/2014/main" id="{5C058DD2-457F-8FCE-0362-DEC08981358A}"/>
-              </a:ext>
-            </a:extLst>
-          </p:cNvPr>
-          <p:cNvSpPr/>
-          <p:nvPr/>
-        </p:nvSpPr>
-        <p:spPr>
-          <a:xfrm>
-            <a:off x="0" y="0"/>
-            <a:ext cx="2376435" cy="6858000"/>
-          </a:xfrm>
-          <a:custGeom>
-            <a:avLst/>
-            <a:gdLst>
-              <a:gd name="connsiteX0" fmla="*/ 0 w 2376435"/>
-              <a:gd name="connsiteY0" fmla="*/ 0 h 6858000"/>
-              <a:gd name="connsiteX1" fmla="*/ 2376435 w 2376435"/>
-              <a:gd name="connsiteY1" fmla="*/ 0 h 6858000"/>
-              <a:gd name="connsiteX2" fmla="*/ 2376435 w 2376435"/>
-              <a:gd name="connsiteY2" fmla="*/ 584200 h 6858000"/>
-              <a:gd name="connsiteX3" fmla="*/ 2376435 w 2376435"/>
-              <a:gd name="connsiteY3" fmla="*/ 1244600 h 6858000"/>
-              <a:gd name="connsiteX4" fmla="*/ 2376435 w 2376435"/>
-              <a:gd name="connsiteY4" fmla="*/ 1650138 h 6858000"/>
-              <a:gd name="connsiteX5" fmla="*/ 2376435 w 2376435"/>
-              <a:gd name="connsiteY5" fmla="*/ 2310538 h 6858000"/>
-              <a:gd name="connsiteX6" fmla="*/ 2376435 w 2376435"/>
-              <a:gd name="connsiteY6" fmla="*/ 2603145 h 6858000"/>
-              <a:gd name="connsiteX7" fmla="*/ 2376435 w 2376435"/>
-              <a:gd name="connsiteY7" fmla="*/ 3263545 h 6858000"/>
-              <a:gd name="connsiteX8" fmla="*/ 2376435 w 2376435"/>
-              <a:gd name="connsiteY8" fmla="*/ 6858000 h 6858000"/>
-              <a:gd name="connsiteX9" fmla="*/ 0 w 2376435"/>
-              <a:gd name="connsiteY9" fmla="*/ 6858000 h 6858000"/>
-            </a:gdLst>
-            <a:ahLst/>
-            <a:cxnLst>
-              <a:cxn ang="0">
-                <a:pos x="connsiteX0" y="connsiteY0"/>
-              </a:cxn>
-              <a:cxn ang="0">
-                <a:pos x="connsiteX1" y="connsiteY1"/>
-              </a:cxn>
-              <a:cxn ang="0">
-                <a:pos x="connsiteX2" y="connsiteY2"/>
-              </a:cxn>
-              <a:cxn ang="0">
-                <a:pos x="connsiteX3" y="connsiteY3"/>
-              </a:cxn>
-              <a:cxn ang="0">
-                <a:pos x="connsiteX4" y="connsiteY4"/>
-              </a:cxn>
-              <a:cxn ang="0">
-                <a:pos x="connsiteX5" y="connsiteY5"/>
-              </a:cxn>
-              <a:cxn ang="0">
-                <a:pos x="connsiteX6" y="connsiteY6"/>
-              </a:cxn>
-              <a:cxn ang="0">
-                <a:pos x="connsiteX7" y="connsiteY7"/>
-              </a:cxn>
-              <a:cxn ang="0">
-                <a:pos x="connsiteX8" y="connsiteY8"/>
-              </a:cxn>
-              <a:cxn ang="0">
-                <a:pos x="connsiteX9" y="connsiteY9"/>
-              </a:cxn>
-            </a:cxnLst>
-            <a:rect l="l" t="t" r="r" b="b"/>
-            <a:pathLst>
-              <a:path w="2376435" h="6858000">
-                <a:moveTo>
-                  <a:pt x="0" y="0"/>
-                </a:moveTo>
-                <a:lnTo>
-                  <a:pt x="2376435" y="0"/>
-                </a:lnTo>
-                <a:lnTo>
-                  <a:pt x="2376435" y="584200"/>
-                </a:lnTo>
-                <a:lnTo>
-                  <a:pt x="2376435" y="1244600"/>
-                </a:lnTo>
-                <a:lnTo>
-                  <a:pt x="2376435" y="1650138"/>
-                </a:lnTo>
-                <a:lnTo>
-                  <a:pt x="2376435" y="2310538"/>
-                </a:lnTo>
-                <a:lnTo>
-                  <a:pt x="2376435" y="2603145"/>
-                </a:lnTo>
-                <a:lnTo>
-                  <a:pt x="2376435" y="3263545"/>
-                </a:lnTo>
-                <a:lnTo>
-                  <a:pt x="2376435" y="6858000"/>
-                </a:lnTo>
-                <a:lnTo>
-                  <a:pt x="0" y="6858000"/>
-                </a:lnTo>
-                <a:close/>
-              </a:path>
-            </a:pathLst>
-          </a:custGeom>
-        </p:spPr>
-        <p:style>
-          <a:lnRef idx="1">
-            <a:schemeClr val="dk1"/>
-          </a:lnRef>
-          <a:fillRef idx="3">
-            <a:schemeClr val="dk1"/>
-          </a:fillRef>
-          <a:effectRef idx="2">
-            <a:schemeClr val="dk1"/>
-          </a:effectRef>
-          <a:fontRef idx="minor">
-            <a:schemeClr val="lt1"/>
-          </a:fontRef>
-        </p:style>
-        <p:txBody>
-          <a:bodyPr wrap="square" rtlCol="0" anchor="ctr">
-            <a:noAutofit/>
-          </a:bodyPr>
-          <a:lstStyle/>
-          <a:p>
-            <a:pPr algn="ctr"/>
-            <a:endParaRPr lang="fr-FR"/>
-          </a:p>
-        </p:txBody>
-      </p:sp>
-      <p:sp>
-        <p:nvSpPr>
-          <p:cNvPr id="48" name="Forme libre 47">
-            <a:extLst>
-              <a:ext uri="{FF2B5EF4-FFF2-40B4-BE49-F238E27FC236}">
-                <a16:creationId xmlns:a16="http://schemas.microsoft.com/office/drawing/2014/main" id="{DC3E17ED-F21D-98DD-1DF0-B6A55936550D}"/>
-              </a:ext>
-            </a:extLst>
-          </p:cNvPr>
-          <p:cNvSpPr/>
-          <p:nvPr/>
-        </p:nvSpPr>
-        <p:spPr>
-          <a:xfrm>
-            <a:off x="0" y="1357569"/>
-            <a:ext cx="330200" cy="660400"/>
-          </a:xfrm>
-          <a:custGeom>
-            <a:avLst/>
-            <a:gdLst>
-              <a:gd name="connsiteX0" fmla="*/ 0 w 330200"/>
-              <a:gd name="connsiteY0" fmla="*/ 0 h 660400"/>
-              <a:gd name="connsiteX1" fmla="*/ 330200 w 330200"/>
-              <a:gd name="connsiteY1" fmla="*/ 330200 h 660400"/>
-              <a:gd name="connsiteX2" fmla="*/ 0 w 330200"/>
-              <a:gd name="connsiteY2" fmla="*/ 660400 h 660400"/>
-              <a:gd name="connsiteX3" fmla="*/ 0 w 330200"/>
-              <a:gd name="connsiteY3" fmla="*/ 0 h 660400"/>
-            </a:gdLst>
-            <a:ahLst/>
-            <a:cxnLst>
-              <a:cxn ang="0">
-                <a:pos x="connsiteX0" y="connsiteY0"/>
-              </a:cxn>
-              <a:cxn ang="0">
-                <a:pos x="connsiteX1" y="connsiteY1"/>
-              </a:cxn>
-              <a:cxn ang="0">
-                <a:pos x="connsiteX2" y="connsiteY2"/>
-              </a:cxn>
-              <a:cxn ang="0">
-                <a:pos x="connsiteX3" y="connsiteY3"/>
-              </a:cxn>
-            </a:cxnLst>
-            <a:rect l="l" t="t" r="r" b="b"/>
-            <a:pathLst>
-              <a:path w="330200" h="660400">
-                <a:moveTo>
-                  <a:pt x="0" y="0"/>
-                </a:moveTo>
-                <a:cubicBezTo>
-                  <a:pt x="182364" y="0"/>
-                  <a:pt x="330200" y="147836"/>
-                  <a:pt x="330200" y="330200"/>
-                </a:cubicBezTo>
-                <a:cubicBezTo>
-                  <a:pt x="330200" y="512564"/>
-                  <a:pt x="182364" y="660400"/>
-                  <a:pt x="0" y="660400"/>
-                </a:cubicBezTo>
-                <a:lnTo>
-                  <a:pt x="0" y="0"/>
-                </a:lnTo>
-                <a:close/>
-              </a:path>
-            </a:pathLst>
-          </a:custGeom>
-          <a:solidFill>
-            <a:srgbClr val="F3103A"/>
-          </a:solidFill>
-          <a:ln>
-            <a:noFill/>
-          </a:ln>
-        </p:spPr>
-        <p:style>
-          <a:lnRef idx="0">
-            <a:scrgbClr r="0" g="0" b="0"/>
-          </a:lnRef>
-          <a:fillRef idx="0">
-            <a:scrgbClr r="0" g="0" b="0"/>
-          </a:fillRef>
-          <a:effectRef idx="0">
-            <a:scrgbClr r="0" g="0" b="0"/>
-          </a:effectRef>
-          <a:fontRef idx="minor">
-            <a:schemeClr val="lt1"/>
-          </a:fontRef>
-        </p:style>
-        <p:txBody>
-          <a:bodyPr wrap="square" rtlCol="0" anchor="ctr">
-            <a:noAutofit/>
-          </a:bodyPr>
-          <a:lstStyle/>
-          <a:p>
-            <a:pPr algn="ctr"/>
-            <a:endParaRPr lang="fr-FR"/>
-          </a:p>
-        </p:txBody>
-      </p:sp>
-      <p:pic>
-        <p:nvPicPr>
-          <p:cNvPr id="16" name="Image 15">
-            <a:extLst>
-              <a:ext uri="{FF2B5EF4-FFF2-40B4-BE49-F238E27FC236}">
-                <a16:creationId xmlns:a16="http://schemas.microsoft.com/office/drawing/2014/main" id="{073F310E-848B-1726-E797-DC5113CEA523}"/>
-              </a:ext>
-            </a:extLst>
-          </p:cNvPr>
-          <p:cNvPicPr>
-            <a:picLocks noChangeAspect="1"/>
-          </p:cNvPicPr>
-          <p:nvPr/>
-        </p:nvPicPr>
-        <p:blipFill rotWithShape="1">
-          <a:blip r:embed="rId3"/>
-          <a:srcRect r="72930"/>
-          <a:stretch/>
-        </p:blipFill>
-        <p:spPr>
-          <a:xfrm>
-            <a:off x="637278" y="130629"/>
-            <a:ext cx="1101877" cy="1272695"/>
-          </a:xfrm>
-          <a:prstGeom prst="rect">
-            <a:avLst/>
-          </a:prstGeom>
-        </p:spPr>
-      </p:pic>
-      <p:sp>
-        <p:nvSpPr>
-          <p:cNvPr id="6" name="ZoneTexte 5">
-            <a:extLst>
-              <a:ext uri="{FF2B5EF4-FFF2-40B4-BE49-F238E27FC236}">
-                <a16:creationId xmlns:a16="http://schemas.microsoft.com/office/drawing/2014/main" id="{EFAB062C-6780-9748-49BE-3B224AB8F621}"/>
-              </a:ext>
-            </a:extLst>
-          </p:cNvPr>
-          <p:cNvSpPr txBox="1"/>
-          <p:nvPr/>
-        </p:nvSpPr>
-        <p:spPr>
-          <a:xfrm>
-            <a:off x="329800" y="1333826"/>
-            <a:ext cx="1716832" cy="707886"/>
-          </a:xfrm>
-          <a:prstGeom prst="rect">
-            <a:avLst/>
-          </a:prstGeom>
-          <a:noFill/>
-        </p:spPr>
-        <p:txBody>
-          <a:bodyPr wrap="square" rtlCol="0">
-            <a:spAutoFit/>
-          </a:bodyPr>
-          <a:lstStyle/>
-          <a:p>
-            <a:r>
-              <a:rPr lang="fr-FR" sz="2000" dirty="0">
-                <a:solidFill>
-                  <a:schemeClr val="bg1"/>
-                </a:solidFill>
-              </a:rPr>
-              <a:t>Formulaires Typés</a:t>
-            </a:r>
-          </a:p>
-        </p:txBody>
-      </p:sp>
-      <p:sp>
-        <p:nvSpPr>
-          <p:cNvPr id="8" name="ZoneTexte 7">
-            <a:extLst>
-              <a:ext uri="{FF2B5EF4-FFF2-40B4-BE49-F238E27FC236}">
-                <a16:creationId xmlns:a16="http://schemas.microsoft.com/office/drawing/2014/main" id="{780274AB-95AA-36AA-5B11-29890641E2AD}"/>
-              </a:ext>
-            </a:extLst>
-          </p:cNvPr>
-          <p:cNvSpPr txBox="1"/>
-          <p:nvPr/>
-        </p:nvSpPr>
-        <p:spPr>
-          <a:xfrm>
-            <a:off x="2470775" y="34803"/>
-            <a:ext cx="3711540" cy="646331"/>
-          </a:xfrm>
-          <a:prstGeom prst="rect">
-            <a:avLst/>
-          </a:prstGeom>
-          <a:noFill/>
-        </p:spPr>
-        <p:txBody>
-          <a:bodyPr wrap="square" rtlCol="0">
-            <a:spAutoFit/>
-          </a:bodyPr>
-          <a:lstStyle/>
-          <a:p>
-            <a:r>
-              <a:rPr lang="fr-FR" sz="3600" dirty="0"/>
-              <a:t>Formulaires typés</a:t>
-            </a:r>
-          </a:p>
-        </p:txBody>
-      </p:sp>
-    </p:spTree>
-    <p:extLst>
-      <p:ext uri="{BB962C8B-B14F-4D97-AF65-F5344CB8AC3E}">
-        <p14:creationId xmlns:p14="http://schemas.microsoft.com/office/powerpoint/2010/main" val="2196303666"/>
-      </p:ext>
-    </p:extLst>
-  </p:cSld>
-  <p:clrMapOvr>
-    <a:masterClrMapping/>
-  </p:clrMapOvr>
-  <mc:AlternateContent xmlns:mc="http://schemas.openxmlformats.org/markup-compatibility/2006" xmlns:p159="http://schemas.microsoft.com/office/powerpoint/2015/09/main">
-    <mc:Choice Requires="p159">
-      <p:transition spd="slow">
-        <p159:morph option="byObject"/>
-      </p:transition>
-    </mc:Choice>
-    <mc:Fallback xmlns="">
-      <p:transition spd="slow">
-        <p:fade/>
-      </p:transition>
-    </mc:Fallback>
-  </mc:AlternateContent>
-</p:sld>
-</file>
-
-<file path=ppt/slides/slide21.xml><?xml version="1.0" encoding="utf-8"?>
-<p:sld xmlns:a="http://schemas.openxmlformats.org/drawingml/2006/main" xmlns:r="http://schemas.openxmlformats.org/officeDocument/2006/relationships" xmlns:p="http://schemas.openxmlformats.org/presentationml/2006/main">
-  <p:cSld>
-    <p:spTree>
-      <p:nvGrpSpPr>
-        <p:cNvPr id="1" name="">
-          <a:extLst>
-            <a:ext uri="{FF2B5EF4-FFF2-40B4-BE49-F238E27FC236}">
-              <a16:creationId xmlns:a16="http://schemas.microsoft.com/office/drawing/2014/main" id="{21CFFE71-9B98-9B1F-4B52-78C62C0453F2}"/>
-            </a:ext>
-          </a:extLst>
-        </p:cNvPr>
-        <p:cNvGrpSpPr/>
-        <p:nvPr/>
-      </p:nvGrpSpPr>
-      <p:grpSpPr>
-        <a:xfrm>
-          <a:off x="0" y="0"/>
-          <a:ext cx="0" cy="0"/>
-          <a:chOff x="0" y="0"/>
-          <a:chExt cx="0" cy="0"/>
-        </a:xfrm>
-      </p:grpSpPr>
-      <p:sp>
-        <p:nvSpPr>
-          <p:cNvPr id="53" name="Forme libre 52">
-            <a:extLst>
-              <a:ext uri="{FF2B5EF4-FFF2-40B4-BE49-F238E27FC236}">
-                <a16:creationId xmlns:a16="http://schemas.microsoft.com/office/drawing/2014/main" id="{9F1E427B-0882-9B77-624C-BE9021BFE934}"/>
-              </a:ext>
-            </a:extLst>
-          </p:cNvPr>
-          <p:cNvSpPr/>
-          <p:nvPr/>
-        </p:nvSpPr>
-        <p:spPr>
-          <a:xfrm>
-            <a:off x="0" y="0"/>
-            <a:ext cx="12192000" cy="6858000"/>
-          </a:xfrm>
-          <a:custGeom>
-            <a:avLst/>
-            <a:gdLst>
-              <a:gd name="connsiteX0" fmla="*/ 0 w 2376435"/>
-              <a:gd name="connsiteY0" fmla="*/ 0 h 6858000"/>
-              <a:gd name="connsiteX1" fmla="*/ 2376435 w 2376435"/>
-              <a:gd name="connsiteY1" fmla="*/ 0 h 6858000"/>
-              <a:gd name="connsiteX2" fmla="*/ 2376435 w 2376435"/>
-              <a:gd name="connsiteY2" fmla="*/ 584200 h 6858000"/>
-              <a:gd name="connsiteX3" fmla="*/ 2376435 w 2376435"/>
-              <a:gd name="connsiteY3" fmla="*/ 1244600 h 6858000"/>
-              <a:gd name="connsiteX4" fmla="*/ 2376435 w 2376435"/>
-              <a:gd name="connsiteY4" fmla="*/ 1650138 h 6858000"/>
-              <a:gd name="connsiteX5" fmla="*/ 2376435 w 2376435"/>
-              <a:gd name="connsiteY5" fmla="*/ 2310538 h 6858000"/>
-              <a:gd name="connsiteX6" fmla="*/ 2376435 w 2376435"/>
-              <a:gd name="connsiteY6" fmla="*/ 2603145 h 6858000"/>
-              <a:gd name="connsiteX7" fmla="*/ 2376435 w 2376435"/>
-              <a:gd name="connsiteY7" fmla="*/ 3263545 h 6858000"/>
-              <a:gd name="connsiteX8" fmla="*/ 2376435 w 2376435"/>
-              <a:gd name="connsiteY8" fmla="*/ 6858000 h 6858000"/>
-              <a:gd name="connsiteX9" fmla="*/ 0 w 2376435"/>
-              <a:gd name="connsiteY9" fmla="*/ 6858000 h 6858000"/>
-            </a:gdLst>
-            <a:ahLst/>
-            <a:cxnLst>
-              <a:cxn ang="0">
-                <a:pos x="connsiteX0" y="connsiteY0"/>
-              </a:cxn>
-              <a:cxn ang="0">
-                <a:pos x="connsiteX1" y="connsiteY1"/>
-              </a:cxn>
-              <a:cxn ang="0">
-                <a:pos x="connsiteX2" y="connsiteY2"/>
-              </a:cxn>
-              <a:cxn ang="0">
-                <a:pos x="connsiteX3" y="connsiteY3"/>
-              </a:cxn>
-              <a:cxn ang="0">
-                <a:pos x="connsiteX4" y="connsiteY4"/>
-              </a:cxn>
-              <a:cxn ang="0">
-                <a:pos x="connsiteX5" y="connsiteY5"/>
-              </a:cxn>
-              <a:cxn ang="0">
-                <a:pos x="connsiteX6" y="connsiteY6"/>
-              </a:cxn>
-              <a:cxn ang="0">
-                <a:pos x="connsiteX7" y="connsiteY7"/>
-              </a:cxn>
-              <a:cxn ang="0">
-                <a:pos x="connsiteX8" y="connsiteY8"/>
-              </a:cxn>
-              <a:cxn ang="0">
-                <a:pos x="connsiteX9" y="connsiteY9"/>
-              </a:cxn>
-            </a:cxnLst>
-            <a:rect l="l" t="t" r="r" b="b"/>
-            <a:pathLst>
-              <a:path w="2376435" h="6858000">
-                <a:moveTo>
-                  <a:pt x="0" y="0"/>
-                </a:moveTo>
-                <a:lnTo>
-                  <a:pt x="2376435" y="0"/>
-                </a:lnTo>
-                <a:lnTo>
-                  <a:pt x="2376435" y="584200"/>
-                </a:lnTo>
-                <a:lnTo>
-                  <a:pt x="2376435" y="1244600"/>
-                </a:lnTo>
-                <a:lnTo>
-                  <a:pt x="2376435" y="1650138"/>
-                </a:lnTo>
-                <a:lnTo>
-                  <a:pt x="2376435" y="2310538"/>
-                </a:lnTo>
-                <a:lnTo>
-                  <a:pt x="2376435" y="2603145"/>
-                </a:lnTo>
-                <a:lnTo>
-                  <a:pt x="2376435" y="3263545"/>
-                </a:lnTo>
-                <a:lnTo>
-                  <a:pt x="2376435" y="6858000"/>
-                </a:lnTo>
-                <a:lnTo>
-                  <a:pt x="0" y="6858000"/>
-                </a:lnTo>
-                <a:close/>
-              </a:path>
-            </a:pathLst>
-          </a:custGeom>
-        </p:spPr>
-        <p:style>
-          <a:lnRef idx="1">
-            <a:schemeClr val="dk1"/>
-          </a:lnRef>
-          <a:fillRef idx="3">
-            <a:schemeClr val="dk1"/>
-          </a:fillRef>
-          <a:effectRef idx="2">
-            <a:schemeClr val="dk1"/>
-          </a:effectRef>
-          <a:fontRef idx="minor">
-            <a:schemeClr val="lt1"/>
-          </a:fontRef>
-        </p:style>
-        <p:txBody>
-          <a:bodyPr wrap="square" rtlCol="0" anchor="ctr">
-            <a:noAutofit/>
-          </a:bodyPr>
-          <a:lstStyle/>
-          <a:p>
-            <a:pPr algn="ctr"/>
-            <a:endParaRPr lang="fr-FR"/>
-          </a:p>
-        </p:txBody>
-      </p:sp>
-      <p:sp>
-        <p:nvSpPr>
-          <p:cNvPr id="37" name="ZoneTexte 36">
-            <a:extLst>
-              <a:ext uri="{FF2B5EF4-FFF2-40B4-BE49-F238E27FC236}">
-                <a16:creationId xmlns:a16="http://schemas.microsoft.com/office/drawing/2014/main" id="{1A940947-5AD3-B5FF-4609-0AACFBF39AEE}"/>
-              </a:ext>
-            </a:extLst>
-          </p:cNvPr>
-          <p:cNvSpPr txBox="1"/>
-          <p:nvPr/>
-        </p:nvSpPr>
-        <p:spPr>
-          <a:xfrm>
-            <a:off x="2629367" y="4130767"/>
-            <a:ext cx="6933267" cy="769441"/>
-          </a:xfrm>
-          <a:prstGeom prst="rect">
-            <a:avLst/>
-          </a:prstGeom>
-          <a:noFill/>
-        </p:spPr>
-        <p:txBody>
-          <a:bodyPr wrap="square" rtlCol="0">
-            <a:spAutoFit/>
-          </a:bodyPr>
-          <a:lstStyle/>
-          <a:p>
-            <a:pPr algn="ctr"/>
-            <a:r>
-              <a:rPr lang="fr-FR" sz="4400" dirty="0">
-                <a:solidFill>
-                  <a:schemeClr val="bg1"/>
-                </a:solidFill>
-              </a:rPr>
-              <a:t>Conclusion</a:t>
-            </a:r>
-          </a:p>
-        </p:txBody>
-      </p:sp>
-      <p:pic>
-        <p:nvPicPr>
-          <p:cNvPr id="6" name="Image 5">
-            <a:extLst>
-              <a:ext uri="{FF2B5EF4-FFF2-40B4-BE49-F238E27FC236}">
-                <a16:creationId xmlns:a16="http://schemas.microsoft.com/office/drawing/2014/main" id="{7BA6CB53-9ECB-C913-117C-7B7301939BF7}"/>
-              </a:ext>
-            </a:extLst>
-          </p:cNvPr>
-          <p:cNvPicPr>
-            <a:picLocks noChangeAspect="1"/>
-          </p:cNvPicPr>
-          <p:nvPr/>
-        </p:nvPicPr>
-        <p:blipFill>
-          <a:blip r:embed="rId3"/>
-          <a:stretch>
-            <a:fillRect/>
-          </a:stretch>
-        </p:blipFill>
-        <p:spPr>
-          <a:xfrm>
-            <a:off x="2209800" y="489098"/>
-            <a:ext cx="7772400" cy="2430195"/>
-          </a:xfrm>
-          <a:prstGeom prst="rect">
-            <a:avLst/>
-          </a:prstGeom>
-        </p:spPr>
-      </p:pic>
-    </p:spTree>
-    <p:extLst>
-      <p:ext uri="{BB962C8B-B14F-4D97-AF65-F5344CB8AC3E}">
-        <p14:creationId xmlns:p14="http://schemas.microsoft.com/office/powerpoint/2010/main" val="3253818937"/>
-      </p:ext>
-    </p:extLst>
-  </p:cSld>
-  <p:clrMapOvr>
-    <a:masterClrMapping/>
-  </p:clrMapOvr>
-  <mc:AlternateContent xmlns:mc="http://schemas.openxmlformats.org/markup-compatibility/2006" xmlns:p159="http://schemas.microsoft.com/office/powerpoint/2015/09/main">
-    <mc:Choice Requires="p159">
-      <p:transition spd="slow">
-        <p159:morph option="byObject"/>
-      </p:transition>
-    </mc:Choice>
-    <mc:Fallback xmlns="">
-      <p:transition spd="slow">
-        <p:fade/>
-      </p:transition>
-    </mc:Fallback>
-  </mc:AlternateContent>
-</p:sld>
-</file>
-
-<file path=ppt/slides/slide22.xml><?xml version="1.0" encoding="utf-8"?>
-<p:sld xmlns:a="http://schemas.openxmlformats.org/drawingml/2006/main" xmlns:r="http://schemas.openxmlformats.org/officeDocument/2006/relationships" xmlns:p="http://schemas.openxmlformats.org/presentationml/2006/main">
-  <p:cSld>
-    <p:spTree>
-      <p:nvGrpSpPr>
-        <p:cNvPr id="1" name="">
-          <a:extLst>
-            <a:ext uri="{FF2B5EF4-FFF2-40B4-BE49-F238E27FC236}">
-              <a16:creationId xmlns:a16="http://schemas.microsoft.com/office/drawing/2014/main" id="{C71D6E6C-E82E-5903-5BFA-47B455C7DCA3}"/>
-            </a:ext>
-          </a:extLst>
-        </p:cNvPr>
-        <p:cNvGrpSpPr/>
-        <p:nvPr/>
-      </p:nvGrpSpPr>
-      <p:grpSpPr>
-        <a:xfrm>
-          <a:off x="0" y="0"/>
-          <a:ext cx="0" cy="0"/>
-          <a:chOff x="0" y="0"/>
-          <a:chExt cx="0" cy="0"/>
-        </a:xfrm>
-      </p:grpSpPr>
-      <p:sp>
-        <p:nvSpPr>
-          <p:cNvPr id="53" name="Forme libre 52">
-            <a:extLst>
-              <a:ext uri="{FF2B5EF4-FFF2-40B4-BE49-F238E27FC236}">
-                <a16:creationId xmlns:a16="http://schemas.microsoft.com/office/drawing/2014/main" id="{D8B2147D-1787-A166-FC41-CBB71DFBC6DA}"/>
-              </a:ext>
-            </a:extLst>
-          </p:cNvPr>
-          <p:cNvSpPr/>
-          <p:nvPr/>
-        </p:nvSpPr>
-        <p:spPr>
-          <a:xfrm>
-            <a:off x="0" y="0"/>
-            <a:ext cx="12192000" cy="6858000"/>
-          </a:xfrm>
-          <a:custGeom>
-            <a:avLst/>
-            <a:gdLst>
-              <a:gd name="connsiteX0" fmla="*/ 0 w 2376435"/>
-              <a:gd name="connsiteY0" fmla="*/ 0 h 6858000"/>
-              <a:gd name="connsiteX1" fmla="*/ 2376435 w 2376435"/>
-              <a:gd name="connsiteY1" fmla="*/ 0 h 6858000"/>
-              <a:gd name="connsiteX2" fmla="*/ 2376435 w 2376435"/>
-              <a:gd name="connsiteY2" fmla="*/ 584200 h 6858000"/>
-              <a:gd name="connsiteX3" fmla="*/ 2376435 w 2376435"/>
-              <a:gd name="connsiteY3" fmla="*/ 1244600 h 6858000"/>
-              <a:gd name="connsiteX4" fmla="*/ 2376435 w 2376435"/>
-              <a:gd name="connsiteY4" fmla="*/ 1650138 h 6858000"/>
-              <a:gd name="connsiteX5" fmla="*/ 2376435 w 2376435"/>
-              <a:gd name="connsiteY5" fmla="*/ 2310538 h 6858000"/>
-              <a:gd name="connsiteX6" fmla="*/ 2376435 w 2376435"/>
-              <a:gd name="connsiteY6" fmla="*/ 2603145 h 6858000"/>
-              <a:gd name="connsiteX7" fmla="*/ 2376435 w 2376435"/>
-              <a:gd name="connsiteY7" fmla="*/ 3263545 h 6858000"/>
-              <a:gd name="connsiteX8" fmla="*/ 2376435 w 2376435"/>
-              <a:gd name="connsiteY8" fmla="*/ 6858000 h 6858000"/>
-              <a:gd name="connsiteX9" fmla="*/ 0 w 2376435"/>
-              <a:gd name="connsiteY9" fmla="*/ 6858000 h 6858000"/>
-            </a:gdLst>
-            <a:ahLst/>
-            <a:cxnLst>
-              <a:cxn ang="0">
-                <a:pos x="connsiteX0" y="connsiteY0"/>
-              </a:cxn>
-              <a:cxn ang="0">
-                <a:pos x="connsiteX1" y="connsiteY1"/>
-              </a:cxn>
-              <a:cxn ang="0">
-                <a:pos x="connsiteX2" y="connsiteY2"/>
-              </a:cxn>
-              <a:cxn ang="0">
-                <a:pos x="connsiteX3" y="connsiteY3"/>
-              </a:cxn>
-              <a:cxn ang="0">
-                <a:pos x="connsiteX4" y="connsiteY4"/>
-              </a:cxn>
-              <a:cxn ang="0">
-                <a:pos x="connsiteX5" y="connsiteY5"/>
-              </a:cxn>
-              <a:cxn ang="0">
-                <a:pos x="connsiteX6" y="connsiteY6"/>
-              </a:cxn>
-              <a:cxn ang="0">
-                <a:pos x="connsiteX7" y="connsiteY7"/>
-              </a:cxn>
-              <a:cxn ang="0">
-                <a:pos x="connsiteX8" y="connsiteY8"/>
-              </a:cxn>
-              <a:cxn ang="0">
-                <a:pos x="connsiteX9" y="connsiteY9"/>
-              </a:cxn>
-            </a:cxnLst>
-            <a:rect l="l" t="t" r="r" b="b"/>
-            <a:pathLst>
-              <a:path w="2376435" h="6858000">
-                <a:moveTo>
-                  <a:pt x="0" y="0"/>
-                </a:moveTo>
-                <a:lnTo>
-                  <a:pt x="2376435" y="0"/>
-                </a:lnTo>
-                <a:lnTo>
-                  <a:pt x="2376435" y="584200"/>
-                </a:lnTo>
-                <a:lnTo>
-                  <a:pt x="2376435" y="1244600"/>
-                </a:lnTo>
-                <a:lnTo>
-                  <a:pt x="2376435" y="1650138"/>
-                </a:lnTo>
-                <a:lnTo>
-                  <a:pt x="2376435" y="2310538"/>
-                </a:lnTo>
-                <a:lnTo>
-                  <a:pt x="2376435" y="2603145"/>
-                </a:lnTo>
-                <a:lnTo>
-                  <a:pt x="2376435" y="3263545"/>
-                </a:lnTo>
-                <a:lnTo>
-                  <a:pt x="2376435" y="6858000"/>
-                </a:lnTo>
-                <a:lnTo>
-                  <a:pt x="0" y="6858000"/>
-                </a:lnTo>
-                <a:close/>
-              </a:path>
-            </a:pathLst>
-          </a:custGeom>
-        </p:spPr>
-        <p:style>
-          <a:lnRef idx="1">
-            <a:schemeClr val="dk1"/>
-          </a:lnRef>
-          <a:fillRef idx="3">
-            <a:schemeClr val="dk1"/>
-          </a:fillRef>
-          <a:effectRef idx="2">
-            <a:schemeClr val="dk1"/>
-          </a:effectRef>
-          <a:fontRef idx="minor">
-            <a:schemeClr val="lt1"/>
-          </a:fontRef>
-        </p:style>
-        <p:txBody>
-          <a:bodyPr wrap="square" rtlCol="0" anchor="ctr">
-            <a:noAutofit/>
-          </a:bodyPr>
-          <a:lstStyle/>
-          <a:p>
-            <a:pPr algn="ctr"/>
-            <a:endParaRPr lang="fr-FR"/>
-          </a:p>
-        </p:txBody>
-      </p:sp>
-      <p:sp>
-        <p:nvSpPr>
-          <p:cNvPr id="37" name="ZoneTexte 36">
-            <a:extLst>
-              <a:ext uri="{FF2B5EF4-FFF2-40B4-BE49-F238E27FC236}">
-                <a16:creationId xmlns:a16="http://schemas.microsoft.com/office/drawing/2014/main" id="{724392C2-A484-587A-8ABC-2345136F15D6}"/>
-              </a:ext>
-            </a:extLst>
-          </p:cNvPr>
-          <p:cNvSpPr txBox="1"/>
-          <p:nvPr/>
-        </p:nvSpPr>
-        <p:spPr>
-          <a:xfrm>
-            <a:off x="2629367" y="4130767"/>
-            <a:ext cx="6933267" cy="769441"/>
-          </a:xfrm>
-          <a:prstGeom prst="rect">
-            <a:avLst/>
-          </a:prstGeom>
-          <a:noFill/>
-        </p:spPr>
-        <p:txBody>
-          <a:bodyPr wrap="square" rtlCol="0">
-            <a:spAutoFit/>
-          </a:bodyPr>
-          <a:lstStyle/>
-          <a:p>
-            <a:pPr algn="ctr"/>
-            <a:r>
-              <a:rPr lang="fr-FR" sz="4400" dirty="0">
-                <a:solidFill>
-                  <a:schemeClr val="bg1"/>
-                </a:solidFill>
-              </a:rPr>
-              <a:t>Merci !</a:t>
-            </a:r>
-          </a:p>
-        </p:txBody>
-      </p:sp>
-      <p:pic>
-        <p:nvPicPr>
-          <p:cNvPr id="6" name="Image 5">
-            <a:extLst>
-              <a:ext uri="{FF2B5EF4-FFF2-40B4-BE49-F238E27FC236}">
-                <a16:creationId xmlns:a16="http://schemas.microsoft.com/office/drawing/2014/main" id="{01ECC903-B862-A4B2-F8A4-5D8FC7605713}"/>
-              </a:ext>
-            </a:extLst>
-          </p:cNvPr>
-          <p:cNvPicPr>
-            <a:picLocks noChangeAspect="1"/>
-          </p:cNvPicPr>
-          <p:nvPr/>
-        </p:nvPicPr>
-        <p:blipFill>
-          <a:blip r:embed="rId3"/>
-          <a:stretch>
-            <a:fillRect/>
-          </a:stretch>
-        </p:blipFill>
-        <p:spPr>
-          <a:xfrm>
-            <a:off x="2209800" y="489098"/>
-            <a:ext cx="7772400" cy="2430195"/>
-          </a:xfrm>
-          <a:prstGeom prst="rect">
-            <a:avLst/>
-          </a:prstGeom>
-        </p:spPr>
-      </p:pic>
-    </p:spTree>
-    <p:extLst>
-      <p:ext uri="{BB962C8B-B14F-4D97-AF65-F5344CB8AC3E}">
-        <p14:creationId xmlns:p14="http://schemas.microsoft.com/office/powerpoint/2010/main" val="1437912832"/>
       </p:ext>
     </p:extLst>
   </p:cSld>
@@ -17267,105 +13656,6 @@
           </a:p>
         </p:txBody>
       </p:sp>
-      <p:sp>
-        <p:nvSpPr>
-          <p:cNvPr id="48" name="Forme libre 47">
-            <a:extLst>
-              <a:ext uri="{FF2B5EF4-FFF2-40B4-BE49-F238E27FC236}">
-                <a16:creationId xmlns:a16="http://schemas.microsoft.com/office/drawing/2014/main" id="{AC72E03C-7884-50E1-8DF9-6AA67714D92B}"/>
-              </a:ext>
-            </a:extLst>
-          </p:cNvPr>
-          <p:cNvSpPr/>
-          <p:nvPr/>
-        </p:nvSpPr>
-        <p:spPr>
-          <a:xfrm>
-            <a:off x="0" y="6346586"/>
-            <a:ext cx="330200" cy="660400"/>
-          </a:xfrm>
-          <a:custGeom>
-            <a:avLst/>
-            <a:gdLst>
-              <a:gd name="connsiteX0" fmla="*/ 0 w 330200"/>
-              <a:gd name="connsiteY0" fmla="*/ 0 h 660400"/>
-              <a:gd name="connsiteX1" fmla="*/ 330200 w 330200"/>
-              <a:gd name="connsiteY1" fmla="*/ 330200 h 660400"/>
-              <a:gd name="connsiteX2" fmla="*/ 0 w 330200"/>
-              <a:gd name="connsiteY2" fmla="*/ 660400 h 660400"/>
-              <a:gd name="connsiteX3" fmla="*/ 0 w 330200"/>
-              <a:gd name="connsiteY3" fmla="*/ 0 h 660400"/>
-            </a:gdLst>
-            <a:ahLst/>
-            <a:cxnLst>
-              <a:cxn ang="0">
-                <a:pos x="connsiteX0" y="connsiteY0"/>
-              </a:cxn>
-              <a:cxn ang="0">
-                <a:pos x="connsiteX1" y="connsiteY1"/>
-              </a:cxn>
-              <a:cxn ang="0">
-                <a:pos x="connsiteX2" y="connsiteY2"/>
-              </a:cxn>
-              <a:cxn ang="0">
-                <a:pos x="connsiteX3" y="connsiteY3"/>
-              </a:cxn>
-            </a:cxnLst>
-            <a:rect l="l" t="t" r="r" b="b"/>
-            <a:pathLst>
-              <a:path w="330200" h="660400">
-                <a:moveTo>
-                  <a:pt x="0" y="0"/>
-                </a:moveTo>
-                <a:cubicBezTo>
-                  <a:pt x="182364" y="0"/>
-                  <a:pt x="330200" y="147836"/>
-                  <a:pt x="330200" y="330200"/>
-                </a:cubicBezTo>
-                <a:cubicBezTo>
-                  <a:pt x="330200" y="512564"/>
-                  <a:pt x="182364" y="660400"/>
-                  <a:pt x="0" y="660400"/>
-                </a:cubicBezTo>
-                <a:lnTo>
-                  <a:pt x="0" y="0"/>
-                </a:lnTo>
-                <a:close/>
-              </a:path>
-            </a:pathLst>
-          </a:custGeom>
-          <a:solidFill>
-            <a:srgbClr val="F3103A"/>
-          </a:solidFill>
-          <a:ln>
-            <a:noFill/>
-          </a:ln>
-        </p:spPr>
-        <p:style>
-          <a:lnRef idx="0">
-            <a:scrgbClr r="0" g="0" b="0"/>
-          </a:lnRef>
-          <a:fillRef idx="0">
-            <a:scrgbClr r="0" g="0" b="0"/>
-          </a:fillRef>
-          <a:effectRef idx="0">
-            <a:scrgbClr r="0" g="0" b="0"/>
-          </a:effectRef>
-          <a:fontRef idx="minor">
-            <a:schemeClr val="lt1"/>
-          </a:fontRef>
-        </p:style>
-        <p:txBody>
-          <a:bodyPr wrap="square" rtlCol="0" anchor="ctr">
-            <a:noAutofit/>
-          </a:bodyPr>
-          <a:lstStyle/>
-          <a:p>
-            <a:pPr algn="ctr"/>
-            <a:endParaRPr lang="fr-FR"/>
-          </a:p>
-        </p:txBody>
-      </p:sp>
       <p:pic>
         <p:nvPicPr>
           <p:cNvPr id="16" name="Image 15">
@@ -18322,105 +14612,6 @@
           </a:p>
         </p:txBody>
       </p:sp>
-      <p:sp>
-        <p:nvSpPr>
-          <p:cNvPr id="48" name="Forme libre 47">
-            <a:extLst>
-              <a:ext uri="{FF2B5EF4-FFF2-40B4-BE49-F238E27FC236}">
-                <a16:creationId xmlns:a16="http://schemas.microsoft.com/office/drawing/2014/main" id="{D39438DD-CE29-BB3A-170E-D35119BB24DF}"/>
-              </a:ext>
-            </a:extLst>
-          </p:cNvPr>
-          <p:cNvSpPr/>
-          <p:nvPr/>
-        </p:nvSpPr>
-        <p:spPr>
-          <a:xfrm>
-            <a:off x="0" y="6346586"/>
-            <a:ext cx="330200" cy="660400"/>
-          </a:xfrm>
-          <a:custGeom>
-            <a:avLst/>
-            <a:gdLst>
-              <a:gd name="connsiteX0" fmla="*/ 0 w 330200"/>
-              <a:gd name="connsiteY0" fmla="*/ 0 h 660400"/>
-              <a:gd name="connsiteX1" fmla="*/ 330200 w 330200"/>
-              <a:gd name="connsiteY1" fmla="*/ 330200 h 660400"/>
-              <a:gd name="connsiteX2" fmla="*/ 0 w 330200"/>
-              <a:gd name="connsiteY2" fmla="*/ 660400 h 660400"/>
-              <a:gd name="connsiteX3" fmla="*/ 0 w 330200"/>
-              <a:gd name="connsiteY3" fmla="*/ 0 h 660400"/>
-            </a:gdLst>
-            <a:ahLst/>
-            <a:cxnLst>
-              <a:cxn ang="0">
-                <a:pos x="connsiteX0" y="connsiteY0"/>
-              </a:cxn>
-              <a:cxn ang="0">
-                <a:pos x="connsiteX1" y="connsiteY1"/>
-              </a:cxn>
-              <a:cxn ang="0">
-                <a:pos x="connsiteX2" y="connsiteY2"/>
-              </a:cxn>
-              <a:cxn ang="0">
-                <a:pos x="connsiteX3" y="connsiteY3"/>
-              </a:cxn>
-            </a:cxnLst>
-            <a:rect l="l" t="t" r="r" b="b"/>
-            <a:pathLst>
-              <a:path w="330200" h="660400">
-                <a:moveTo>
-                  <a:pt x="0" y="0"/>
-                </a:moveTo>
-                <a:cubicBezTo>
-                  <a:pt x="182364" y="0"/>
-                  <a:pt x="330200" y="147836"/>
-                  <a:pt x="330200" y="330200"/>
-                </a:cubicBezTo>
-                <a:cubicBezTo>
-                  <a:pt x="330200" y="512564"/>
-                  <a:pt x="182364" y="660400"/>
-                  <a:pt x="0" y="660400"/>
-                </a:cubicBezTo>
-                <a:lnTo>
-                  <a:pt x="0" y="0"/>
-                </a:lnTo>
-                <a:close/>
-              </a:path>
-            </a:pathLst>
-          </a:custGeom>
-          <a:solidFill>
-            <a:srgbClr val="F3103A"/>
-          </a:solidFill>
-          <a:ln>
-            <a:noFill/>
-          </a:ln>
-        </p:spPr>
-        <p:style>
-          <a:lnRef idx="0">
-            <a:scrgbClr r="0" g="0" b="0"/>
-          </a:lnRef>
-          <a:fillRef idx="0">
-            <a:scrgbClr r="0" g="0" b="0"/>
-          </a:fillRef>
-          <a:effectRef idx="0">
-            <a:scrgbClr r="0" g="0" b="0"/>
-          </a:effectRef>
-          <a:fontRef idx="minor">
-            <a:schemeClr val="lt1"/>
-          </a:fontRef>
-        </p:style>
-        <p:txBody>
-          <a:bodyPr wrap="square" rtlCol="0" anchor="ctr">
-            <a:noAutofit/>
-          </a:bodyPr>
-          <a:lstStyle/>
-          <a:p>
-            <a:pPr algn="ctr"/>
-            <a:endParaRPr lang="fr-FR"/>
-          </a:p>
-        </p:txBody>
-      </p:sp>
       <p:pic>
         <p:nvPicPr>
           <p:cNvPr id="16" name="Image 15">
@@ -19404,105 +15595,6 @@
           </a:p>
         </p:txBody>
       </p:sp>
-      <p:sp>
-        <p:nvSpPr>
-          <p:cNvPr id="48" name="Forme libre 47">
-            <a:extLst>
-              <a:ext uri="{FF2B5EF4-FFF2-40B4-BE49-F238E27FC236}">
-                <a16:creationId xmlns:a16="http://schemas.microsoft.com/office/drawing/2014/main" id="{BFE91202-F831-B711-2979-3BEDBBFB59C4}"/>
-              </a:ext>
-            </a:extLst>
-          </p:cNvPr>
-          <p:cNvSpPr/>
-          <p:nvPr/>
-        </p:nvSpPr>
-        <p:spPr>
-          <a:xfrm>
-            <a:off x="0" y="6346586"/>
-            <a:ext cx="330200" cy="660400"/>
-          </a:xfrm>
-          <a:custGeom>
-            <a:avLst/>
-            <a:gdLst>
-              <a:gd name="connsiteX0" fmla="*/ 0 w 330200"/>
-              <a:gd name="connsiteY0" fmla="*/ 0 h 660400"/>
-              <a:gd name="connsiteX1" fmla="*/ 330200 w 330200"/>
-              <a:gd name="connsiteY1" fmla="*/ 330200 h 660400"/>
-              <a:gd name="connsiteX2" fmla="*/ 0 w 330200"/>
-              <a:gd name="connsiteY2" fmla="*/ 660400 h 660400"/>
-              <a:gd name="connsiteX3" fmla="*/ 0 w 330200"/>
-              <a:gd name="connsiteY3" fmla="*/ 0 h 660400"/>
-            </a:gdLst>
-            <a:ahLst/>
-            <a:cxnLst>
-              <a:cxn ang="0">
-                <a:pos x="connsiteX0" y="connsiteY0"/>
-              </a:cxn>
-              <a:cxn ang="0">
-                <a:pos x="connsiteX1" y="connsiteY1"/>
-              </a:cxn>
-              <a:cxn ang="0">
-                <a:pos x="connsiteX2" y="connsiteY2"/>
-              </a:cxn>
-              <a:cxn ang="0">
-                <a:pos x="connsiteX3" y="connsiteY3"/>
-              </a:cxn>
-            </a:cxnLst>
-            <a:rect l="l" t="t" r="r" b="b"/>
-            <a:pathLst>
-              <a:path w="330200" h="660400">
-                <a:moveTo>
-                  <a:pt x="0" y="0"/>
-                </a:moveTo>
-                <a:cubicBezTo>
-                  <a:pt x="182364" y="0"/>
-                  <a:pt x="330200" y="147836"/>
-                  <a:pt x="330200" y="330200"/>
-                </a:cubicBezTo>
-                <a:cubicBezTo>
-                  <a:pt x="330200" y="512564"/>
-                  <a:pt x="182364" y="660400"/>
-                  <a:pt x="0" y="660400"/>
-                </a:cubicBezTo>
-                <a:lnTo>
-                  <a:pt x="0" y="0"/>
-                </a:lnTo>
-                <a:close/>
-              </a:path>
-            </a:pathLst>
-          </a:custGeom>
-          <a:solidFill>
-            <a:srgbClr val="F3103A"/>
-          </a:solidFill>
-          <a:ln>
-            <a:noFill/>
-          </a:ln>
-        </p:spPr>
-        <p:style>
-          <a:lnRef idx="0">
-            <a:scrgbClr r="0" g="0" b="0"/>
-          </a:lnRef>
-          <a:fillRef idx="0">
-            <a:scrgbClr r="0" g="0" b="0"/>
-          </a:fillRef>
-          <a:effectRef idx="0">
-            <a:scrgbClr r="0" g="0" b="0"/>
-          </a:effectRef>
-          <a:fontRef idx="minor">
-            <a:schemeClr val="lt1"/>
-          </a:fontRef>
-        </p:style>
-        <p:txBody>
-          <a:bodyPr wrap="square" rtlCol="0" anchor="ctr">
-            <a:noAutofit/>
-          </a:bodyPr>
-          <a:lstStyle/>
-          <a:p>
-            <a:pPr algn="ctr"/>
-            <a:endParaRPr lang="fr-FR"/>
-          </a:p>
-        </p:txBody>
-      </p:sp>
       <p:pic>
         <p:nvPicPr>
           <p:cNvPr id="16" name="Image 15">
@@ -20335,105 +16427,6 @@
           </a:p>
         </p:txBody>
       </p:sp>
-      <p:sp>
-        <p:nvSpPr>
-          <p:cNvPr id="48" name="Forme libre 47">
-            <a:extLst>
-              <a:ext uri="{FF2B5EF4-FFF2-40B4-BE49-F238E27FC236}">
-                <a16:creationId xmlns:a16="http://schemas.microsoft.com/office/drawing/2014/main" id="{49845E24-64A8-94F7-1AD8-5E120D109EC7}"/>
-              </a:ext>
-            </a:extLst>
-          </p:cNvPr>
-          <p:cNvSpPr/>
-          <p:nvPr/>
-        </p:nvSpPr>
-        <p:spPr>
-          <a:xfrm>
-            <a:off x="0" y="6346586"/>
-            <a:ext cx="330200" cy="660400"/>
-          </a:xfrm>
-          <a:custGeom>
-            <a:avLst/>
-            <a:gdLst>
-              <a:gd name="connsiteX0" fmla="*/ 0 w 330200"/>
-              <a:gd name="connsiteY0" fmla="*/ 0 h 660400"/>
-              <a:gd name="connsiteX1" fmla="*/ 330200 w 330200"/>
-              <a:gd name="connsiteY1" fmla="*/ 330200 h 660400"/>
-              <a:gd name="connsiteX2" fmla="*/ 0 w 330200"/>
-              <a:gd name="connsiteY2" fmla="*/ 660400 h 660400"/>
-              <a:gd name="connsiteX3" fmla="*/ 0 w 330200"/>
-              <a:gd name="connsiteY3" fmla="*/ 0 h 660400"/>
-            </a:gdLst>
-            <a:ahLst/>
-            <a:cxnLst>
-              <a:cxn ang="0">
-                <a:pos x="connsiteX0" y="connsiteY0"/>
-              </a:cxn>
-              <a:cxn ang="0">
-                <a:pos x="connsiteX1" y="connsiteY1"/>
-              </a:cxn>
-              <a:cxn ang="0">
-                <a:pos x="connsiteX2" y="connsiteY2"/>
-              </a:cxn>
-              <a:cxn ang="0">
-                <a:pos x="connsiteX3" y="connsiteY3"/>
-              </a:cxn>
-            </a:cxnLst>
-            <a:rect l="l" t="t" r="r" b="b"/>
-            <a:pathLst>
-              <a:path w="330200" h="660400">
-                <a:moveTo>
-                  <a:pt x="0" y="0"/>
-                </a:moveTo>
-                <a:cubicBezTo>
-                  <a:pt x="182364" y="0"/>
-                  <a:pt x="330200" y="147836"/>
-                  <a:pt x="330200" y="330200"/>
-                </a:cubicBezTo>
-                <a:cubicBezTo>
-                  <a:pt x="330200" y="512564"/>
-                  <a:pt x="182364" y="660400"/>
-                  <a:pt x="0" y="660400"/>
-                </a:cubicBezTo>
-                <a:lnTo>
-                  <a:pt x="0" y="0"/>
-                </a:lnTo>
-                <a:close/>
-              </a:path>
-            </a:pathLst>
-          </a:custGeom>
-          <a:solidFill>
-            <a:srgbClr val="F3103A"/>
-          </a:solidFill>
-          <a:ln>
-            <a:noFill/>
-          </a:ln>
-        </p:spPr>
-        <p:style>
-          <a:lnRef idx="0">
-            <a:scrgbClr r="0" g="0" b="0"/>
-          </a:lnRef>
-          <a:fillRef idx="0">
-            <a:scrgbClr r="0" g="0" b="0"/>
-          </a:fillRef>
-          <a:effectRef idx="0">
-            <a:scrgbClr r="0" g="0" b="0"/>
-          </a:effectRef>
-          <a:fontRef idx="minor">
-            <a:schemeClr val="lt1"/>
-          </a:fontRef>
-        </p:style>
-        <p:txBody>
-          <a:bodyPr wrap="square" rtlCol="0" anchor="ctr">
-            <a:noAutofit/>
-          </a:bodyPr>
-          <a:lstStyle/>
-          <a:p>
-            <a:pPr algn="ctr"/>
-            <a:endParaRPr lang="fr-FR"/>
-          </a:p>
-        </p:txBody>
-      </p:sp>
       <p:pic>
         <p:nvPicPr>
           <p:cNvPr id="16" name="Image 15">
@@ -21343,105 +17336,6 @@
           </a:custGeom>
           <a:solidFill>
             <a:srgbClr val="FA3EE0"/>
-          </a:solidFill>
-          <a:ln>
-            <a:noFill/>
-          </a:ln>
-        </p:spPr>
-        <p:style>
-          <a:lnRef idx="0">
-            <a:scrgbClr r="0" g="0" b="0"/>
-          </a:lnRef>
-          <a:fillRef idx="0">
-            <a:scrgbClr r="0" g="0" b="0"/>
-          </a:fillRef>
-          <a:effectRef idx="0">
-            <a:scrgbClr r="0" g="0" b="0"/>
-          </a:effectRef>
-          <a:fontRef idx="minor">
-            <a:schemeClr val="lt1"/>
-          </a:fontRef>
-        </p:style>
-        <p:txBody>
-          <a:bodyPr wrap="square" rtlCol="0" anchor="ctr">
-            <a:noAutofit/>
-          </a:bodyPr>
-          <a:lstStyle/>
-          <a:p>
-            <a:pPr algn="ctr"/>
-            <a:endParaRPr lang="fr-FR"/>
-          </a:p>
-        </p:txBody>
-      </p:sp>
-      <p:sp>
-        <p:nvSpPr>
-          <p:cNvPr id="48" name="Forme libre 47">
-            <a:extLst>
-              <a:ext uri="{FF2B5EF4-FFF2-40B4-BE49-F238E27FC236}">
-                <a16:creationId xmlns:a16="http://schemas.microsoft.com/office/drawing/2014/main" id="{C44FF99D-A38D-15BE-1C2E-AE446A69C598}"/>
-              </a:ext>
-            </a:extLst>
-          </p:cNvPr>
-          <p:cNvSpPr/>
-          <p:nvPr/>
-        </p:nvSpPr>
-        <p:spPr>
-          <a:xfrm>
-            <a:off x="0" y="6346586"/>
-            <a:ext cx="330200" cy="660400"/>
-          </a:xfrm>
-          <a:custGeom>
-            <a:avLst/>
-            <a:gdLst>
-              <a:gd name="connsiteX0" fmla="*/ 0 w 330200"/>
-              <a:gd name="connsiteY0" fmla="*/ 0 h 660400"/>
-              <a:gd name="connsiteX1" fmla="*/ 330200 w 330200"/>
-              <a:gd name="connsiteY1" fmla="*/ 330200 h 660400"/>
-              <a:gd name="connsiteX2" fmla="*/ 0 w 330200"/>
-              <a:gd name="connsiteY2" fmla="*/ 660400 h 660400"/>
-              <a:gd name="connsiteX3" fmla="*/ 0 w 330200"/>
-              <a:gd name="connsiteY3" fmla="*/ 0 h 660400"/>
-            </a:gdLst>
-            <a:ahLst/>
-            <a:cxnLst>
-              <a:cxn ang="0">
-                <a:pos x="connsiteX0" y="connsiteY0"/>
-              </a:cxn>
-              <a:cxn ang="0">
-                <a:pos x="connsiteX1" y="connsiteY1"/>
-              </a:cxn>
-              <a:cxn ang="0">
-                <a:pos x="connsiteX2" y="connsiteY2"/>
-              </a:cxn>
-              <a:cxn ang="0">
-                <a:pos x="connsiteX3" y="connsiteY3"/>
-              </a:cxn>
-            </a:cxnLst>
-            <a:rect l="l" t="t" r="r" b="b"/>
-            <a:pathLst>
-              <a:path w="330200" h="660400">
-                <a:moveTo>
-                  <a:pt x="0" y="0"/>
-                </a:moveTo>
-                <a:cubicBezTo>
-                  <a:pt x="182364" y="0"/>
-                  <a:pt x="330200" y="147836"/>
-                  <a:pt x="330200" y="330200"/>
-                </a:cubicBezTo>
-                <a:cubicBezTo>
-                  <a:pt x="330200" y="512564"/>
-                  <a:pt x="182364" y="660400"/>
-                  <a:pt x="0" y="660400"/>
-                </a:cubicBezTo>
-                <a:lnTo>
-                  <a:pt x="0" y="0"/>
-                </a:lnTo>
-                <a:close/>
-              </a:path>
-            </a:pathLst>
-          </a:custGeom>
-          <a:solidFill>
-            <a:srgbClr val="F3103A"/>
           </a:solidFill>
           <a:ln>
             <a:noFill/>

--- a/Présentation.pptx
+++ b/Présentation.pptx
@@ -5,27 +5,26 @@
     <p:sldMasterId id="2147483648" r:id="rId1"/>
   </p:sldMasterIdLst>
   <p:notesMasterIdLst>
-    <p:notesMasterId r:id="rId20"/>
+    <p:notesMasterId r:id="rId19"/>
   </p:notesMasterIdLst>
   <p:sldIdLst>
     <p:sldId id="256" r:id="rId2"/>
     <p:sldId id="275" r:id="rId3"/>
-    <p:sldId id="258" r:id="rId4"/>
-    <p:sldId id="287" r:id="rId5"/>
-    <p:sldId id="276" r:id="rId6"/>
-    <p:sldId id="277" r:id="rId7"/>
-    <p:sldId id="278" r:id="rId8"/>
-    <p:sldId id="279" r:id="rId9"/>
-    <p:sldId id="280" r:id="rId10"/>
-    <p:sldId id="281" r:id="rId11"/>
-    <p:sldId id="282" r:id="rId12"/>
-    <p:sldId id="293" r:id="rId13"/>
-    <p:sldId id="283" r:id="rId14"/>
-    <p:sldId id="284" r:id="rId15"/>
-    <p:sldId id="285" r:id="rId16"/>
-    <p:sldId id="294" r:id="rId17"/>
-    <p:sldId id="288" r:id="rId18"/>
-    <p:sldId id="289" r:id="rId19"/>
+    <p:sldId id="287" r:id="rId4"/>
+    <p:sldId id="276" r:id="rId5"/>
+    <p:sldId id="277" r:id="rId6"/>
+    <p:sldId id="278" r:id="rId7"/>
+    <p:sldId id="279" r:id="rId8"/>
+    <p:sldId id="280" r:id="rId9"/>
+    <p:sldId id="281" r:id="rId10"/>
+    <p:sldId id="282" r:id="rId11"/>
+    <p:sldId id="293" r:id="rId12"/>
+    <p:sldId id="283" r:id="rId13"/>
+    <p:sldId id="284" r:id="rId14"/>
+    <p:sldId id="285" r:id="rId15"/>
+    <p:sldId id="294" r:id="rId16"/>
+    <p:sldId id="288" r:id="rId17"/>
+    <p:sldId id="289" r:id="rId18"/>
   </p:sldIdLst>
   <p:sldSz cx="12192000" cy="6858000"/>
   <p:notesSz cx="6858000" cy="9144000"/>
@@ -214,7 +213,7 @@
           <a:p>
             <a:fld id="{033193B6-5E70-9947-90BB-6115D3AF2A14}" type="datetimeFigureOut">
               <a:rPr lang="fr-FR" smtClean="0"/>
-              <a:t>01/02/2024</a:t>
+              <a:t>02/02/2024</a:t>
             </a:fld>
             <a:endParaRPr lang="fr-FR"/>
           </a:p>
@@ -592,125 +591,6 @@
         <p:cNvPr id="1" name="">
           <a:extLst>
             <a:ext uri="{FF2B5EF4-FFF2-40B4-BE49-F238E27FC236}">
-              <a16:creationId xmlns:a16="http://schemas.microsoft.com/office/drawing/2014/main" id="{0010A2BC-5167-6A03-0A00-952930325421}"/>
-            </a:ext>
-          </a:extLst>
-        </p:cNvPr>
-        <p:cNvGrpSpPr/>
-        <p:nvPr/>
-      </p:nvGrpSpPr>
-      <p:grpSpPr>
-        <a:xfrm>
-          <a:off x="0" y="0"/>
-          <a:ext cx="0" cy="0"/>
-          <a:chOff x="0" y="0"/>
-          <a:chExt cx="0" cy="0"/>
-        </a:xfrm>
-      </p:grpSpPr>
-      <p:sp>
-        <p:nvSpPr>
-          <p:cNvPr id="2" name="Espace réservé de l'image des diapositives 1">
-            <a:extLst>
-              <a:ext uri="{FF2B5EF4-FFF2-40B4-BE49-F238E27FC236}">
-                <a16:creationId xmlns:a16="http://schemas.microsoft.com/office/drawing/2014/main" id="{D643D55B-AF8E-4F2F-1C91-F298F98081E1}"/>
-              </a:ext>
-            </a:extLst>
-          </p:cNvPr>
-          <p:cNvSpPr>
-            <a:spLocks noGrp="1" noRot="1" noChangeAspect="1"/>
-          </p:cNvSpPr>
-          <p:nvPr>
-            <p:ph type="sldImg"/>
-          </p:nvPr>
-        </p:nvSpPr>
-        <p:spPr/>
-      </p:sp>
-      <p:sp>
-        <p:nvSpPr>
-          <p:cNvPr id="3" name="Espace réservé des notes 2">
-            <a:extLst>
-              <a:ext uri="{FF2B5EF4-FFF2-40B4-BE49-F238E27FC236}">
-                <a16:creationId xmlns:a16="http://schemas.microsoft.com/office/drawing/2014/main" id="{64805E78-FAFC-3FBD-D7A1-C80B355B73F1}"/>
-              </a:ext>
-            </a:extLst>
-          </p:cNvPr>
-          <p:cNvSpPr>
-            <a:spLocks noGrp="1"/>
-          </p:cNvSpPr>
-          <p:nvPr>
-            <p:ph type="body" idx="1"/>
-          </p:nvPr>
-        </p:nvSpPr>
-        <p:spPr/>
-        <p:txBody>
-          <a:bodyPr/>
-          <a:lstStyle/>
-          <a:p>
-            <a:r>
-              <a:rPr lang="fr-FR" dirty="0"/>
-              <a:t>Jusqu’à la version 13, il n’y avait pas de typage sur les formulaires. Ce qui veut dire qu’on avait pas de contrôle de cohérence sur les données sortie du formulaire. Aujourd’hui ce n’est plus le cas !!! On va pouvoir profiter de la puissance de </a:t>
-            </a:r>
-            <a:r>
-              <a:rPr lang="fr-FR" dirty="0" err="1"/>
-              <a:t>typescript</a:t>
-            </a:r>
-            <a:r>
-              <a:rPr lang="fr-FR" dirty="0"/>
-              <a:t> même sur cette partie là</a:t>
-            </a:r>
-          </a:p>
-        </p:txBody>
-      </p:sp>
-      <p:sp>
-        <p:nvSpPr>
-          <p:cNvPr id="4" name="Espace réservé du numéro de diapositive 3">
-            <a:extLst>
-              <a:ext uri="{FF2B5EF4-FFF2-40B4-BE49-F238E27FC236}">
-                <a16:creationId xmlns:a16="http://schemas.microsoft.com/office/drawing/2014/main" id="{F08E4A46-71DD-EE67-71FB-407F9DCAFAE2}"/>
-              </a:ext>
-            </a:extLst>
-          </p:cNvPr>
-          <p:cNvSpPr>
-            <a:spLocks noGrp="1"/>
-          </p:cNvSpPr>
-          <p:nvPr>
-            <p:ph type="sldNum" sz="quarter" idx="5"/>
-          </p:nvPr>
-        </p:nvSpPr>
-        <p:spPr/>
-        <p:txBody>
-          <a:bodyPr/>
-          <a:lstStyle/>
-          <a:p>
-            <a:fld id="{EB0C3375-AD00-2849-8B47-02ED823D7559}" type="slidenum">
-              <a:rPr lang="fr-FR" smtClean="0"/>
-              <a:t>10</a:t>
-            </a:fld>
-            <a:endParaRPr lang="fr-FR"/>
-          </a:p>
-        </p:txBody>
-      </p:sp>
-    </p:spTree>
-    <p:extLst>
-      <p:ext uri="{BB962C8B-B14F-4D97-AF65-F5344CB8AC3E}">
-        <p14:creationId xmlns:p14="http://schemas.microsoft.com/office/powerpoint/2010/main" val="3255709435"/>
-      </p:ext>
-    </p:extLst>
-  </p:cSld>
-  <p:clrMapOvr>
-    <a:masterClrMapping/>
-  </p:clrMapOvr>
-</p:notes>
-</file>
-
-<file path=ppt/notesSlides/notesSlide11.xml><?xml version="1.0" encoding="utf-8"?>
-<p:notes xmlns:a="http://schemas.openxmlformats.org/drawingml/2006/main" xmlns:r="http://schemas.openxmlformats.org/officeDocument/2006/relationships" xmlns:p="http://schemas.openxmlformats.org/presentationml/2006/main">
-  <p:cSld>
-    <p:spTree>
-      <p:nvGrpSpPr>
-        <p:cNvPr id="1" name="">
-          <a:extLst>
-            <a:ext uri="{FF2B5EF4-FFF2-40B4-BE49-F238E27FC236}">
               <a16:creationId xmlns:a16="http://schemas.microsoft.com/office/drawing/2014/main" id="{61BF84CA-E9C7-E21A-551B-83D69EE7BBDE}"/>
             </a:ext>
           </a:extLst>
@@ -819,7 +699,7 @@
           <a:p>
             <a:fld id="{EB0C3375-AD00-2849-8B47-02ED823D7559}" type="slidenum">
               <a:rPr lang="fr-FR" smtClean="0"/>
-              <a:t>11</a:t>
+              <a:t>10</a:t>
             </a:fld>
             <a:endParaRPr lang="fr-FR"/>
           </a:p>
@@ -838,7 +718,7 @@
 </p:notes>
 </file>
 
-<file path=ppt/notesSlides/notesSlide12.xml><?xml version="1.0" encoding="utf-8"?>
+<file path=ppt/notesSlides/notesSlide11.xml><?xml version="1.0" encoding="utf-8"?>
 <p:notes xmlns:a="http://schemas.openxmlformats.org/drawingml/2006/main" xmlns:r="http://schemas.openxmlformats.org/officeDocument/2006/relationships" xmlns:p="http://schemas.openxmlformats.org/presentationml/2006/main">
   <p:cSld>
     <p:spTree>
@@ -962,7 +842,7 @@
           <a:p>
             <a:fld id="{EB0C3375-AD00-2849-8B47-02ED823D7559}" type="slidenum">
               <a:rPr lang="fr-FR" smtClean="0"/>
-              <a:t>12</a:t>
+              <a:t>11</a:t>
             </a:fld>
             <a:endParaRPr lang="fr-FR"/>
           </a:p>
@@ -981,7 +861,7 @@
 </p:notes>
 </file>
 
-<file path=ppt/notesSlides/notesSlide13.xml><?xml version="1.0" encoding="utf-8"?>
+<file path=ppt/notesSlides/notesSlide12.xml><?xml version="1.0" encoding="utf-8"?>
 <p:notes xmlns:a="http://schemas.openxmlformats.org/drawingml/2006/main" xmlns:r="http://schemas.openxmlformats.org/officeDocument/2006/relationships" xmlns:p="http://schemas.openxmlformats.org/presentationml/2006/main">
   <p:cSld>
     <p:spTree>
@@ -1127,7 +1007,7 @@
           <a:p>
             <a:fld id="{EB0C3375-AD00-2849-8B47-02ED823D7559}" type="slidenum">
               <a:rPr lang="fr-FR" smtClean="0"/>
-              <a:t>13</a:t>
+              <a:t>12</a:t>
             </a:fld>
             <a:endParaRPr lang="fr-FR"/>
           </a:p>
@@ -1146,7 +1026,7 @@
 </p:notes>
 </file>
 
-<file path=ppt/notesSlides/notesSlide14.xml><?xml version="1.0" encoding="utf-8"?>
+<file path=ppt/notesSlides/notesSlide13.xml><?xml version="1.0" encoding="utf-8"?>
 <p:notes xmlns:a="http://schemas.openxmlformats.org/drawingml/2006/main" xmlns:r="http://schemas.openxmlformats.org/officeDocument/2006/relationships" xmlns:p="http://schemas.openxmlformats.org/presentationml/2006/main">
   <p:cSld>
     <p:spTree>
@@ -1292,7 +1172,7 @@
           <a:p>
             <a:fld id="{EB0C3375-AD00-2849-8B47-02ED823D7559}" type="slidenum">
               <a:rPr lang="fr-FR" smtClean="0"/>
-              <a:t>14</a:t>
+              <a:t>13</a:t>
             </a:fld>
             <a:endParaRPr lang="fr-FR"/>
           </a:p>
@@ -1311,7 +1191,7 @@
 </p:notes>
 </file>
 
-<file path=ppt/notesSlides/notesSlide15.xml><?xml version="1.0" encoding="utf-8"?>
+<file path=ppt/notesSlides/notesSlide14.xml><?xml version="1.0" encoding="utf-8"?>
 <p:notes xmlns:a="http://schemas.openxmlformats.org/drawingml/2006/main" xmlns:r="http://schemas.openxmlformats.org/officeDocument/2006/relationships" xmlns:p="http://schemas.openxmlformats.org/presentationml/2006/main">
   <p:cSld>
     <p:spTree>
@@ -1400,7 +1280,7 @@
           <a:p>
             <a:fld id="{EB0C3375-AD00-2849-8B47-02ED823D7559}" type="slidenum">
               <a:rPr lang="fr-FR" smtClean="0"/>
-              <a:t>15</a:t>
+              <a:t>14</a:t>
             </a:fld>
             <a:endParaRPr lang="fr-FR"/>
           </a:p>
@@ -1419,7 +1299,7 @@
 </p:notes>
 </file>
 
-<file path=ppt/notesSlides/notesSlide16.xml><?xml version="1.0" encoding="utf-8"?>
+<file path=ppt/notesSlides/notesSlide15.xml><?xml version="1.0" encoding="utf-8"?>
 <p:notes xmlns:a="http://schemas.openxmlformats.org/drawingml/2006/main" xmlns:r="http://schemas.openxmlformats.org/officeDocument/2006/relationships" xmlns:p="http://schemas.openxmlformats.org/presentationml/2006/main">
   <p:cSld>
     <p:spTree>
@@ -1508,7 +1388,7 @@
           <a:p>
             <a:fld id="{EB0C3375-AD00-2849-8B47-02ED823D7559}" type="slidenum">
               <a:rPr lang="fr-FR" smtClean="0"/>
-              <a:t>16</a:t>
+              <a:t>15</a:t>
             </a:fld>
             <a:endParaRPr lang="fr-FR"/>
           </a:p>
@@ -1527,7 +1407,7 @@
 </p:notes>
 </file>
 
-<file path=ppt/notesSlides/notesSlide17.xml><?xml version="1.0" encoding="utf-8"?>
+<file path=ppt/notesSlides/notesSlide16.xml><?xml version="1.0" encoding="utf-8"?>
 <p:notes xmlns:a="http://schemas.openxmlformats.org/drawingml/2006/main" xmlns:r="http://schemas.openxmlformats.org/officeDocument/2006/relationships" xmlns:p="http://schemas.openxmlformats.org/presentationml/2006/main">
   <p:cSld>
     <p:spTree>
@@ -1616,7 +1496,7 @@
           <a:p>
             <a:fld id="{EB0C3375-AD00-2849-8B47-02ED823D7559}" type="slidenum">
               <a:rPr lang="fr-FR" smtClean="0"/>
-              <a:t>17</a:t>
+              <a:t>16</a:t>
             </a:fld>
             <a:endParaRPr lang="fr-FR"/>
           </a:p>
@@ -1635,7 +1515,7 @@
 </p:notes>
 </file>
 
-<file path=ppt/notesSlides/notesSlide18.xml><?xml version="1.0" encoding="utf-8"?>
+<file path=ppt/notesSlides/notesSlide17.xml><?xml version="1.0" encoding="utf-8"?>
 <p:notes xmlns:a="http://schemas.openxmlformats.org/drawingml/2006/main" xmlns:r="http://schemas.openxmlformats.org/officeDocument/2006/relationships" xmlns:p="http://schemas.openxmlformats.org/presentationml/2006/main">
   <p:cSld>
     <p:spTree>
@@ -1724,7 +1604,7 @@
           <a:p>
             <a:fld id="{EB0C3375-AD00-2849-8B47-02ED823D7559}" type="slidenum">
               <a:rPr lang="fr-FR" smtClean="0"/>
-              <a:t>18</a:t>
+              <a:t>17</a:t>
             </a:fld>
             <a:endParaRPr lang="fr-FR"/>
           </a:p>
@@ -1835,90 +1715,6 @@
   <p:cSld>
     <p:spTree>
       <p:nvGrpSpPr>
-        <p:cNvPr id="1" name=""/>
-        <p:cNvGrpSpPr/>
-        <p:nvPr/>
-      </p:nvGrpSpPr>
-      <p:grpSpPr>
-        <a:xfrm>
-          <a:off x="0" y="0"/>
-          <a:ext cx="0" cy="0"/>
-          <a:chOff x="0" y="0"/>
-          <a:chExt cx="0" cy="0"/>
-        </a:xfrm>
-      </p:grpSpPr>
-      <p:sp>
-        <p:nvSpPr>
-          <p:cNvPr id="2" name="Espace réservé de l'image des diapositives 1"/>
-          <p:cNvSpPr>
-            <a:spLocks noGrp="1" noRot="1" noChangeAspect="1"/>
-          </p:cNvSpPr>
-          <p:nvPr>
-            <p:ph type="sldImg"/>
-          </p:nvPr>
-        </p:nvSpPr>
-        <p:spPr/>
-      </p:sp>
-      <p:sp>
-        <p:nvSpPr>
-          <p:cNvPr id="3" name="Espace réservé des notes 2"/>
-          <p:cNvSpPr>
-            <a:spLocks noGrp="1"/>
-          </p:cNvSpPr>
-          <p:nvPr>
-            <p:ph type="body" idx="1"/>
-          </p:nvPr>
-        </p:nvSpPr>
-        <p:spPr/>
-        <p:txBody>
-          <a:bodyPr/>
-          <a:lstStyle/>
-          <a:p>
-            <a:endParaRPr lang="fr-FR" dirty="0"/>
-          </a:p>
-        </p:txBody>
-      </p:sp>
-      <p:sp>
-        <p:nvSpPr>
-          <p:cNvPr id="4" name="Espace réservé du numéro de diapositive 3"/>
-          <p:cNvSpPr>
-            <a:spLocks noGrp="1"/>
-          </p:cNvSpPr>
-          <p:nvPr>
-            <p:ph type="sldNum" sz="quarter" idx="5"/>
-          </p:nvPr>
-        </p:nvSpPr>
-        <p:spPr/>
-        <p:txBody>
-          <a:bodyPr/>
-          <a:lstStyle/>
-          <a:p>
-            <a:fld id="{EB0C3375-AD00-2849-8B47-02ED823D7559}" type="slidenum">
-              <a:rPr lang="fr-FR" smtClean="0"/>
-              <a:t>3</a:t>
-            </a:fld>
-            <a:endParaRPr lang="fr-FR"/>
-          </a:p>
-        </p:txBody>
-      </p:sp>
-    </p:spTree>
-    <p:extLst>
-      <p:ext uri="{BB962C8B-B14F-4D97-AF65-F5344CB8AC3E}">
-        <p14:creationId xmlns:p14="http://schemas.microsoft.com/office/powerpoint/2010/main" val="202802719"/>
-      </p:ext>
-    </p:extLst>
-  </p:cSld>
-  <p:clrMapOvr>
-    <a:masterClrMapping/>
-  </p:clrMapOvr>
-</p:notes>
-</file>
-
-<file path=ppt/notesSlides/notesSlide4.xml><?xml version="1.0" encoding="utf-8"?>
-<p:notes xmlns:a="http://schemas.openxmlformats.org/drawingml/2006/main" xmlns:r="http://schemas.openxmlformats.org/officeDocument/2006/relationships" xmlns:p="http://schemas.openxmlformats.org/presentationml/2006/main">
-  <p:cSld>
-    <p:spTree>
-      <p:nvGrpSpPr>
         <p:cNvPr id="1" name="">
           <a:extLst>
             <a:ext uri="{FF2B5EF4-FFF2-40B4-BE49-F238E27FC236}">
@@ -2023,7 +1819,7 @@
           <a:p>
             <a:fld id="{EB0C3375-AD00-2849-8B47-02ED823D7559}" type="slidenum">
               <a:rPr lang="fr-FR" smtClean="0"/>
-              <a:t>4</a:t>
+              <a:t>3</a:t>
             </a:fld>
             <a:endParaRPr lang="fr-FR"/>
           </a:p>
@@ -2042,7 +1838,7 @@
 </p:notes>
 </file>
 
-<file path=ppt/notesSlides/notesSlide5.xml><?xml version="1.0" encoding="utf-8"?>
+<file path=ppt/notesSlides/notesSlide4.xml><?xml version="1.0" encoding="utf-8"?>
 <p:notes xmlns:a="http://schemas.openxmlformats.org/drawingml/2006/main" xmlns:r="http://schemas.openxmlformats.org/officeDocument/2006/relationships" xmlns:p="http://schemas.openxmlformats.org/presentationml/2006/main">
   <p:cSld>
     <p:spTree>
@@ -2162,7 +1958,7 @@
           <a:p>
             <a:fld id="{EB0C3375-AD00-2849-8B47-02ED823D7559}" type="slidenum">
               <a:rPr lang="fr-FR" smtClean="0"/>
-              <a:t>5</a:t>
+              <a:t>4</a:t>
             </a:fld>
             <a:endParaRPr lang="fr-FR"/>
           </a:p>
@@ -2181,7 +1977,7 @@
 </p:notes>
 </file>
 
-<file path=ppt/notesSlides/notesSlide6.xml><?xml version="1.0" encoding="utf-8"?>
+<file path=ppt/notesSlides/notesSlide5.xml><?xml version="1.0" encoding="utf-8"?>
 <p:notes xmlns:a="http://schemas.openxmlformats.org/drawingml/2006/main" xmlns:r="http://schemas.openxmlformats.org/officeDocument/2006/relationships" xmlns:p="http://schemas.openxmlformats.org/presentationml/2006/main">
   <p:cSld>
     <p:spTree>
@@ -2273,7 +2069,7 @@
           <a:p>
             <a:fld id="{EB0C3375-AD00-2849-8B47-02ED823D7559}" type="slidenum">
               <a:rPr lang="fr-FR" smtClean="0"/>
-              <a:t>6</a:t>
+              <a:t>5</a:t>
             </a:fld>
             <a:endParaRPr lang="fr-FR"/>
           </a:p>
@@ -2292,7 +2088,7 @@
 </p:notes>
 </file>
 
-<file path=ppt/notesSlides/notesSlide7.xml><?xml version="1.0" encoding="utf-8"?>
+<file path=ppt/notesSlides/notesSlide6.xml><?xml version="1.0" encoding="utf-8"?>
 <p:notes xmlns:a="http://schemas.openxmlformats.org/drawingml/2006/main" xmlns:r="http://schemas.openxmlformats.org/officeDocument/2006/relationships" xmlns:p="http://schemas.openxmlformats.org/presentationml/2006/main">
   <p:cSld>
     <p:spTree>
@@ -2388,7 +2184,7 @@
           <a:p>
             <a:fld id="{EB0C3375-AD00-2849-8B47-02ED823D7559}" type="slidenum">
               <a:rPr lang="fr-FR" smtClean="0"/>
-              <a:t>7</a:t>
+              <a:t>6</a:t>
             </a:fld>
             <a:endParaRPr lang="fr-FR"/>
           </a:p>
@@ -2407,7 +2203,7 @@
 </p:notes>
 </file>
 
-<file path=ppt/notesSlides/notesSlide8.xml><?xml version="1.0" encoding="utf-8"?>
+<file path=ppt/notesSlides/notesSlide7.xml><?xml version="1.0" encoding="utf-8"?>
 <p:notes xmlns:a="http://schemas.openxmlformats.org/drawingml/2006/main" xmlns:r="http://schemas.openxmlformats.org/officeDocument/2006/relationships" xmlns:p="http://schemas.openxmlformats.org/presentationml/2006/main">
   <p:cSld>
     <p:spTree>
@@ -2552,7 +2348,7 @@
           <a:p>
             <a:fld id="{EB0C3375-AD00-2849-8B47-02ED823D7559}" type="slidenum">
               <a:rPr lang="fr-FR" smtClean="0"/>
-              <a:t>8</a:t>
+              <a:t>7</a:t>
             </a:fld>
             <a:endParaRPr lang="fr-FR"/>
           </a:p>
@@ -2571,7 +2367,7 @@
 </p:notes>
 </file>
 
-<file path=ppt/notesSlides/notesSlide9.xml><?xml version="1.0" encoding="utf-8"?>
+<file path=ppt/notesSlides/notesSlide8.xml><?xml version="1.0" encoding="utf-8"?>
 <p:notes xmlns:a="http://schemas.openxmlformats.org/drawingml/2006/main" xmlns:r="http://schemas.openxmlformats.org/officeDocument/2006/relationships" xmlns:p="http://schemas.openxmlformats.org/presentationml/2006/main">
   <p:cSld>
     <p:spTree>
@@ -2671,7 +2467,7 @@
           <a:p>
             <a:fld id="{EB0C3375-AD00-2849-8B47-02ED823D7559}" type="slidenum">
               <a:rPr lang="fr-FR" smtClean="0"/>
-              <a:t>9</a:t>
+              <a:t>8</a:t>
             </a:fld>
             <a:endParaRPr lang="fr-FR"/>
           </a:p>
@@ -2681,6 +2477,125 @@
     <p:extLst>
       <p:ext uri="{BB962C8B-B14F-4D97-AF65-F5344CB8AC3E}">
         <p14:creationId xmlns:p14="http://schemas.microsoft.com/office/powerpoint/2010/main" val="3419930292"/>
+      </p:ext>
+    </p:extLst>
+  </p:cSld>
+  <p:clrMapOvr>
+    <a:masterClrMapping/>
+  </p:clrMapOvr>
+</p:notes>
+</file>
+
+<file path=ppt/notesSlides/notesSlide9.xml><?xml version="1.0" encoding="utf-8"?>
+<p:notes xmlns:a="http://schemas.openxmlformats.org/drawingml/2006/main" xmlns:r="http://schemas.openxmlformats.org/officeDocument/2006/relationships" xmlns:p="http://schemas.openxmlformats.org/presentationml/2006/main">
+  <p:cSld>
+    <p:spTree>
+      <p:nvGrpSpPr>
+        <p:cNvPr id="1" name="">
+          <a:extLst>
+            <a:ext uri="{FF2B5EF4-FFF2-40B4-BE49-F238E27FC236}">
+              <a16:creationId xmlns:a16="http://schemas.microsoft.com/office/drawing/2014/main" id="{0010A2BC-5167-6A03-0A00-952930325421}"/>
+            </a:ext>
+          </a:extLst>
+        </p:cNvPr>
+        <p:cNvGrpSpPr/>
+        <p:nvPr/>
+      </p:nvGrpSpPr>
+      <p:grpSpPr>
+        <a:xfrm>
+          <a:off x="0" y="0"/>
+          <a:ext cx="0" cy="0"/>
+          <a:chOff x="0" y="0"/>
+          <a:chExt cx="0" cy="0"/>
+        </a:xfrm>
+      </p:grpSpPr>
+      <p:sp>
+        <p:nvSpPr>
+          <p:cNvPr id="2" name="Espace réservé de l'image des diapositives 1">
+            <a:extLst>
+              <a:ext uri="{FF2B5EF4-FFF2-40B4-BE49-F238E27FC236}">
+                <a16:creationId xmlns:a16="http://schemas.microsoft.com/office/drawing/2014/main" id="{D643D55B-AF8E-4F2F-1C91-F298F98081E1}"/>
+              </a:ext>
+            </a:extLst>
+          </p:cNvPr>
+          <p:cNvSpPr>
+            <a:spLocks noGrp="1" noRot="1" noChangeAspect="1"/>
+          </p:cNvSpPr>
+          <p:nvPr>
+            <p:ph type="sldImg"/>
+          </p:nvPr>
+        </p:nvSpPr>
+        <p:spPr/>
+      </p:sp>
+      <p:sp>
+        <p:nvSpPr>
+          <p:cNvPr id="3" name="Espace réservé des notes 2">
+            <a:extLst>
+              <a:ext uri="{FF2B5EF4-FFF2-40B4-BE49-F238E27FC236}">
+                <a16:creationId xmlns:a16="http://schemas.microsoft.com/office/drawing/2014/main" id="{64805E78-FAFC-3FBD-D7A1-C80B355B73F1}"/>
+              </a:ext>
+            </a:extLst>
+          </p:cNvPr>
+          <p:cNvSpPr>
+            <a:spLocks noGrp="1"/>
+          </p:cNvSpPr>
+          <p:nvPr>
+            <p:ph type="body" idx="1"/>
+          </p:nvPr>
+        </p:nvSpPr>
+        <p:spPr/>
+        <p:txBody>
+          <a:bodyPr/>
+          <a:lstStyle/>
+          <a:p>
+            <a:r>
+              <a:rPr lang="fr-FR" dirty="0"/>
+              <a:t>Jusqu’à la version 13, il n’y avait pas de typage sur les formulaires. Ce qui veut dire qu’on avait pas de contrôle de cohérence sur les données sortie du formulaire. Aujourd’hui ce n’est plus le cas !!! On va pouvoir profiter de la puissance de </a:t>
+            </a:r>
+            <a:r>
+              <a:rPr lang="fr-FR" dirty="0" err="1"/>
+              <a:t>typescript</a:t>
+            </a:r>
+            <a:r>
+              <a:rPr lang="fr-FR" dirty="0"/>
+              <a:t> même sur cette partie là</a:t>
+            </a:r>
+          </a:p>
+        </p:txBody>
+      </p:sp>
+      <p:sp>
+        <p:nvSpPr>
+          <p:cNvPr id="4" name="Espace réservé du numéro de diapositive 3">
+            <a:extLst>
+              <a:ext uri="{FF2B5EF4-FFF2-40B4-BE49-F238E27FC236}">
+                <a16:creationId xmlns:a16="http://schemas.microsoft.com/office/drawing/2014/main" id="{F08E4A46-71DD-EE67-71FB-407F9DCAFAE2}"/>
+              </a:ext>
+            </a:extLst>
+          </p:cNvPr>
+          <p:cNvSpPr>
+            <a:spLocks noGrp="1"/>
+          </p:cNvSpPr>
+          <p:nvPr>
+            <p:ph type="sldNum" sz="quarter" idx="5"/>
+          </p:nvPr>
+        </p:nvSpPr>
+        <p:spPr/>
+        <p:txBody>
+          <a:bodyPr/>
+          <a:lstStyle/>
+          <a:p>
+            <a:fld id="{EB0C3375-AD00-2849-8B47-02ED823D7559}" type="slidenum">
+              <a:rPr lang="fr-FR" smtClean="0"/>
+              <a:t>9</a:t>
+            </a:fld>
+            <a:endParaRPr lang="fr-FR"/>
+          </a:p>
+        </p:txBody>
+      </p:sp>
+    </p:spTree>
+    <p:extLst>
+      <p:ext uri="{BB962C8B-B14F-4D97-AF65-F5344CB8AC3E}">
+        <p14:creationId xmlns:p14="http://schemas.microsoft.com/office/powerpoint/2010/main" val="3255709435"/>
       </p:ext>
     </p:extLst>
   </p:cSld>
@@ -2837,7 +2752,7 @@
           <a:p>
             <a:fld id="{B31D952E-9AEA-B24E-B6B1-F2B5D1DED824}" type="datetimeFigureOut">
               <a:rPr lang="fr-FR" smtClean="0"/>
-              <a:t>01/02/2024</a:t>
+              <a:t>02/02/2024</a:t>
             </a:fld>
             <a:endParaRPr lang="fr-FR"/>
           </a:p>
@@ -3035,7 +2950,7 @@
           <a:p>
             <a:fld id="{B31D952E-9AEA-B24E-B6B1-F2B5D1DED824}" type="datetimeFigureOut">
               <a:rPr lang="fr-FR" smtClean="0"/>
-              <a:t>01/02/2024</a:t>
+              <a:t>02/02/2024</a:t>
             </a:fld>
             <a:endParaRPr lang="fr-FR"/>
           </a:p>
@@ -3243,7 +3158,7 @@
           <a:p>
             <a:fld id="{B31D952E-9AEA-B24E-B6B1-F2B5D1DED824}" type="datetimeFigureOut">
               <a:rPr lang="fr-FR" smtClean="0"/>
-              <a:t>01/02/2024</a:t>
+              <a:t>02/02/2024</a:t>
             </a:fld>
             <a:endParaRPr lang="fr-FR"/>
           </a:p>
@@ -3441,7 +3356,7 @@
           <a:p>
             <a:fld id="{B31D952E-9AEA-B24E-B6B1-F2B5D1DED824}" type="datetimeFigureOut">
               <a:rPr lang="fr-FR" smtClean="0"/>
-              <a:t>01/02/2024</a:t>
+              <a:t>02/02/2024</a:t>
             </a:fld>
             <a:endParaRPr lang="fr-FR"/>
           </a:p>
@@ -3716,7 +3631,7 @@
           <a:p>
             <a:fld id="{B31D952E-9AEA-B24E-B6B1-F2B5D1DED824}" type="datetimeFigureOut">
               <a:rPr lang="fr-FR" smtClean="0"/>
-              <a:t>01/02/2024</a:t>
+              <a:t>02/02/2024</a:t>
             </a:fld>
             <a:endParaRPr lang="fr-FR"/>
           </a:p>
@@ -3981,7 +3896,7 @@
           <a:p>
             <a:fld id="{B31D952E-9AEA-B24E-B6B1-F2B5D1DED824}" type="datetimeFigureOut">
               <a:rPr lang="fr-FR" smtClean="0"/>
-              <a:t>01/02/2024</a:t>
+              <a:t>02/02/2024</a:t>
             </a:fld>
             <a:endParaRPr lang="fr-FR"/>
           </a:p>
@@ -4393,7 +4308,7 @@
           <a:p>
             <a:fld id="{B31D952E-9AEA-B24E-B6B1-F2B5D1DED824}" type="datetimeFigureOut">
               <a:rPr lang="fr-FR" smtClean="0"/>
-              <a:t>01/02/2024</a:t>
+              <a:t>02/02/2024</a:t>
             </a:fld>
             <a:endParaRPr lang="fr-FR"/>
           </a:p>
@@ -4534,7 +4449,7 @@
           <a:p>
             <a:fld id="{B31D952E-9AEA-B24E-B6B1-F2B5D1DED824}" type="datetimeFigureOut">
               <a:rPr lang="fr-FR" smtClean="0"/>
-              <a:t>01/02/2024</a:t>
+              <a:t>02/02/2024</a:t>
             </a:fld>
             <a:endParaRPr lang="fr-FR"/>
           </a:p>
@@ -4647,7 +4562,7 @@
           <a:p>
             <a:fld id="{B31D952E-9AEA-B24E-B6B1-F2B5D1DED824}" type="datetimeFigureOut">
               <a:rPr lang="fr-FR" smtClean="0"/>
-              <a:t>01/02/2024</a:t>
+              <a:t>02/02/2024</a:t>
             </a:fld>
             <a:endParaRPr lang="fr-FR"/>
           </a:p>
@@ -4958,7 +4873,7 @@
           <a:p>
             <a:fld id="{B31D952E-9AEA-B24E-B6B1-F2B5D1DED824}" type="datetimeFigureOut">
               <a:rPr lang="fr-FR" smtClean="0"/>
-              <a:t>01/02/2024</a:t>
+              <a:t>02/02/2024</a:t>
             </a:fld>
             <a:endParaRPr lang="fr-FR"/>
           </a:p>
@@ -5246,7 +5161,7 @@
           <a:p>
             <a:fld id="{B31D952E-9AEA-B24E-B6B1-F2B5D1DED824}" type="datetimeFigureOut">
               <a:rPr lang="fr-FR" smtClean="0"/>
-              <a:t>01/02/2024</a:t>
+              <a:t>02/02/2024</a:t>
             </a:fld>
             <a:endParaRPr lang="fr-FR"/>
           </a:p>
@@ -5487,7 +5402,7 @@
           <a:p>
             <a:fld id="{B31D952E-9AEA-B24E-B6B1-F2B5D1DED824}" type="datetimeFigureOut">
               <a:rPr lang="fr-FR" smtClean="0"/>
-              <a:t>01/02/2024</a:t>
+              <a:t>02/02/2024</a:t>
             </a:fld>
             <a:endParaRPr lang="fr-FR"/>
           </a:p>
@@ -6055,6 +5970,68 @@
           </a:p>
         </p:txBody>
       </p:sp>
+      <p:sp>
+        <p:nvSpPr>
+          <p:cNvPr id="2" name="ZoneTexte 1">
+            <a:extLst>
+              <a:ext uri="{FF2B5EF4-FFF2-40B4-BE49-F238E27FC236}">
+                <a16:creationId xmlns:a16="http://schemas.microsoft.com/office/drawing/2014/main" id="{5AC3ABA5-EE5C-5AC6-9F37-1C1CD48A1E2A}"/>
+              </a:ext>
+            </a:extLst>
+          </p:cNvPr>
+          <p:cNvSpPr txBox="1"/>
+          <p:nvPr/>
+        </p:nvSpPr>
+        <p:spPr>
+          <a:xfrm>
+            <a:off x="8752652" y="131704"/>
+            <a:ext cx="3239911" cy="646331"/>
+          </a:xfrm>
+          <a:prstGeom prst="rect">
+            <a:avLst/>
+          </a:prstGeom>
+          <a:noFill/>
+        </p:spPr>
+        <p:txBody>
+          <a:bodyPr wrap="square" rtlCol="0">
+            <a:spAutoFit/>
+          </a:bodyPr>
+          <a:lstStyle/>
+          <a:p>
+            <a:r>
+              <a:rPr lang="fr-FR" dirty="0">
+                <a:solidFill>
+                  <a:schemeClr val="bg1"/>
+                </a:solidFill>
+                <a:hlinkClick r:id="rId4">
+                  <a:extLst>
+                    <a:ext uri="{A12FA001-AC4F-418D-AE19-62706E023703}">
+                      <ahyp:hlinkClr xmlns:ahyp="http://schemas.microsoft.com/office/drawing/2018/hyperlinkcolor" val="tx"/>
+                    </a:ext>
+                  </a:extLst>
+                </a:hlinkClick>
+              </a:rPr>
+              <a:t>Adresse du TP : </a:t>
+            </a:r>
+            <a:r>
+              <a:rPr lang="fr-FR" dirty="0">
+                <a:solidFill>
+                  <a:srgbClr val="0563C1"/>
+                </a:solidFill>
+                <a:hlinkClick r:id="rId4">
+                  <a:extLst>
+                    <a:ext uri="{A12FA001-AC4F-418D-AE19-62706E023703}">
+                      <ahyp:hlinkClr xmlns:ahyp="http://schemas.microsoft.com/office/drawing/2018/hyperlinkcolor" val="tx"/>
+                    </a:ext>
+                  </a:extLst>
+                </a:hlinkClick>
+              </a:rPr>
+              <a:t>https://bit.ly/atelier-angular-17</a:t>
+            </a:r>
+            <a:endParaRPr lang="fr-FR" dirty="0"/>
+          </a:p>
+        </p:txBody>
+      </p:sp>
     </p:spTree>
     <p:extLst>
       <p:ext uri="{BB962C8B-B14F-4D97-AF65-F5344CB8AC3E}">
@@ -6076,7 +6053,7 @@
         <p:cNvPr id="1" name="">
           <a:extLst>
             <a:ext uri="{FF2B5EF4-FFF2-40B4-BE49-F238E27FC236}">
-              <a16:creationId xmlns:a16="http://schemas.microsoft.com/office/drawing/2014/main" id="{D4A02718-6022-1514-F1BB-850793498032}"/>
+              <a16:creationId xmlns:a16="http://schemas.microsoft.com/office/drawing/2014/main" id="{2F373722-CDB3-F5CE-5B9A-057D536C4D5D}"/>
             </a:ext>
           </a:extLst>
         </p:cNvPr>
@@ -6096,7 +6073,7 @@
           <p:cNvPr id="37" name="ZoneTexte 36">
             <a:extLst>
               <a:ext uri="{FF2B5EF4-FFF2-40B4-BE49-F238E27FC236}">
-                <a16:creationId xmlns:a16="http://schemas.microsoft.com/office/drawing/2014/main" id="{F2EA991F-7935-9F6A-4904-839F2A218A29}"/>
+                <a16:creationId xmlns:a16="http://schemas.microsoft.com/office/drawing/2014/main" id="{7DB66283-A629-26D2-F1CE-47A18D9461B5}"/>
               </a:ext>
             </a:extLst>
           </p:cNvPr>
@@ -6136,7 +6113,7 @@
           <p:cNvPr id="53" name="Forme libre 52">
             <a:extLst>
               <a:ext uri="{FF2B5EF4-FFF2-40B4-BE49-F238E27FC236}">
-                <a16:creationId xmlns:a16="http://schemas.microsoft.com/office/drawing/2014/main" id="{6946FEE9-FF06-70B6-083D-B58D35E2CCC9}"/>
+                <a16:creationId xmlns:a16="http://schemas.microsoft.com/office/drawing/2014/main" id="{1F0FB0BE-C811-886D-1BDB-871EE20B45EE}"/>
               </a:ext>
             </a:extLst>
           </p:cNvPr>
@@ -6273,7 +6250,7 @@
           <p:cNvPr id="49" name="Forme libre 48">
             <a:extLst>
               <a:ext uri="{FF2B5EF4-FFF2-40B4-BE49-F238E27FC236}">
-                <a16:creationId xmlns:a16="http://schemas.microsoft.com/office/drawing/2014/main" id="{BAE1F5BA-1967-1732-E9C0-A7785B5F2507}"/>
+                <a16:creationId xmlns:a16="http://schemas.microsoft.com/office/drawing/2014/main" id="{3304956C-9FFC-5C71-8A28-58C69486BF53}"/>
               </a:ext>
             </a:extLst>
           </p:cNvPr>
@@ -6372,7 +6349,7 @@
           <p:cNvPr id="16" name="Image 15">
             <a:extLst>
               <a:ext uri="{FF2B5EF4-FFF2-40B4-BE49-F238E27FC236}">
-                <a16:creationId xmlns:a16="http://schemas.microsoft.com/office/drawing/2014/main" id="{6755CC27-6302-B6B0-D67A-6F24C4DF122E}"/>
+                <a16:creationId xmlns:a16="http://schemas.microsoft.com/office/drawing/2014/main" id="{82AE02B4-F562-9C16-0CF5-6ED82C82A350}"/>
               </a:ext>
             </a:extLst>
           </p:cNvPr>
@@ -6401,7 +6378,7 @@
           <p:cNvPr id="44" name="Forme libre 43">
             <a:extLst>
               <a:ext uri="{FF2B5EF4-FFF2-40B4-BE49-F238E27FC236}">
-                <a16:creationId xmlns:a16="http://schemas.microsoft.com/office/drawing/2014/main" id="{1B893D89-0EB5-6B8F-1C50-9F4F23C3CD90}"/>
+                <a16:creationId xmlns:a16="http://schemas.microsoft.com/office/drawing/2014/main" id="{D617D25A-4608-C3AB-79A1-7A3DC02632AE}"/>
               </a:ext>
             </a:extLst>
           </p:cNvPr>
@@ -6497,10 +6474,10 @@
       </p:sp>
       <p:sp>
         <p:nvSpPr>
-          <p:cNvPr id="21" name="ZoneTexte 20">
-            <a:extLst>
-              <a:ext uri="{FF2B5EF4-FFF2-40B4-BE49-F238E27FC236}">
-                <a16:creationId xmlns:a16="http://schemas.microsoft.com/office/drawing/2014/main" id="{B1C17CCB-E976-CE1C-8B75-CC8A1A289A8D}"/>
+          <p:cNvPr id="2" name="ZoneTexte 1">
+            <a:extLst>
+              <a:ext uri="{FF2B5EF4-FFF2-40B4-BE49-F238E27FC236}">
+                <a16:creationId xmlns:a16="http://schemas.microsoft.com/office/drawing/2014/main" id="{75E730E7-5115-2DB3-E69D-01C22CEB0B89}"/>
               </a:ext>
             </a:extLst>
           </p:cNvPr>
@@ -6509,67 +6486,7 @@
         </p:nvSpPr>
         <p:spPr>
           <a:xfrm>
-            <a:off x="277548" y="2016611"/>
-            <a:ext cx="1716832" cy="276999"/>
-          </a:xfrm>
-          <a:prstGeom prst="rect">
-            <a:avLst/>
-          </a:prstGeom>
-          <a:noFill/>
-        </p:spPr>
-        <p:txBody>
-          <a:bodyPr wrap="square" rtlCol="0">
-            <a:spAutoFit/>
-          </a:bodyPr>
-          <a:lstStyle/>
-          <a:p>
-            <a:r>
-              <a:rPr lang="fr-FR" sz="1200" dirty="0" err="1">
-                <a:solidFill>
-                  <a:schemeClr val="bg1"/>
-                </a:solidFill>
-              </a:rPr>
-              <a:t>ViteJs</a:t>
-            </a:r>
-            <a:r>
-              <a:rPr lang="fr-FR" sz="1200" dirty="0">
-                <a:solidFill>
-                  <a:schemeClr val="bg1"/>
-                </a:solidFill>
-              </a:rPr>
-              <a:t> / </a:t>
-            </a:r>
-            <a:r>
-              <a:rPr lang="fr-FR" sz="1200" dirty="0" err="1">
-                <a:solidFill>
-                  <a:schemeClr val="bg1"/>
-                </a:solidFill>
-              </a:rPr>
-              <a:t>EsBuild</a:t>
-            </a:r>
-            <a:endParaRPr lang="fr-FR" sz="1200" dirty="0">
-              <a:solidFill>
-                <a:schemeClr val="bg1"/>
-              </a:solidFill>
-            </a:endParaRPr>
-          </a:p>
-        </p:txBody>
-      </p:sp>
-      <p:sp>
-        <p:nvSpPr>
-          <p:cNvPr id="2" name="ZoneTexte 1">
-            <a:extLst>
-              <a:ext uri="{FF2B5EF4-FFF2-40B4-BE49-F238E27FC236}">
-                <a16:creationId xmlns:a16="http://schemas.microsoft.com/office/drawing/2014/main" id="{319108EF-F1C9-9539-4CFB-90CEA5AF8513}"/>
-              </a:ext>
-            </a:extLst>
-          </p:cNvPr>
-          <p:cNvSpPr txBox="1"/>
-          <p:nvPr/>
-        </p:nvSpPr>
-        <p:spPr>
-          <a:xfrm>
-            <a:off x="277548" y="2283783"/>
+            <a:off x="277548" y="2022525"/>
             <a:ext cx="1716832" cy="276999"/>
           </a:xfrm>
           <a:prstGeom prst="rect">
@@ -6599,7 +6516,7 @@
           <p:cNvPr id="3" name="ZoneTexte 2">
             <a:extLst>
               <a:ext uri="{FF2B5EF4-FFF2-40B4-BE49-F238E27FC236}">
-                <a16:creationId xmlns:a16="http://schemas.microsoft.com/office/drawing/2014/main" id="{389A208A-0FC7-CCD2-8BFD-8CBAD2DB881E}"/>
+                <a16:creationId xmlns:a16="http://schemas.microsoft.com/office/drawing/2014/main" id="{402A1156-2A38-591A-4D49-10CA211A7646}"/>
               </a:ext>
             </a:extLst>
           </p:cNvPr>
@@ -6608,7 +6525,7 @@
         </p:nvSpPr>
         <p:spPr>
           <a:xfrm>
-            <a:off x="277548" y="2550955"/>
+            <a:off x="277548" y="2289697"/>
             <a:ext cx="1716832" cy="276999"/>
           </a:xfrm>
           <a:prstGeom prst="rect">
@@ -6640,10 +6557,10 @@
       </p:sp>
       <p:sp>
         <p:nvSpPr>
-          <p:cNvPr id="20" name="ZoneTexte 19">
-            <a:extLst>
-              <a:ext uri="{FF2B5EF4-FFF2-40B4-BE49-F238E27FC236}">
-                <a16:creationId xmlns:a16="http://schemas.microsoft.com/office/drawing/2014/main" id="{C3CC2439-6019-5650-3845-E050FBE17195}"/>
+          <p:cNvPr id="21" name="ZoneTexte 20">
+            <a:extLst>
+              <a:ext uri="{FF2B5EF4-FFF2-40B4-BE49-F238E27FC236}">
+                <a16:creationId xmlns:a16="http://schemas.microsoft.com/office/drawing/2014/main" id="{38E6736F-7697-866A-9D48-98174607799E}"/>
               </a:ext>
             </a:extLst>
           </p:cNvPr>
@@ -6652,7 +6569,7 @@
         </p:nvSpPr>
         <p:spPr>
           <a:xfrm>
-            <a:off x="277548" y="1337846"/>
+            <a:off x="277548" y="1333788"/>
             <a:ext cx="1716832" cy="707886"/>
           </a:xfrm>
           <a:prstGeom prst="rect">
@@ -6666,23 +6583,44 @@
           </a:bodyPr>
           <a:lstStyle/>
           <a:p>
+            <a:r>
+              <a:rPr lang="fr-FR" sz="2000" dirty="0" err="1">
+                <a:solidFill>
+                  <a:schemeClr val="bg1"/>
+                </a:solidFill>
+              </a:rPr>
+              <a:t>ViteJs</a:t>
+            </a:r>
             <a:r>
               <a:rPr lang="fr-FR" sz="2000" dirty="0">
                 <a:solidFill>
                   <a:schemeClr val="bg1"/>
                 </a:solidFill>
               </a:rPr>
-              <a:t>Formulaire Typé</a:t>
-            </a:r>
+              <a:t> / </a:t>
+            </a:r>
+            <a:r>
+              <a:rPr lang="fr-FR" sz="2000" dirty="0" err="1">
+                <a:solidFill>
+                  <a:schemeClr val="bg1"/>
+                </a:solidFill>
+              </a:rPr>
+              <a:t>EsBuild</a:t>
+            </a:r>
+            <a:endParaRPr lang="fr-FR" sz="2000" dirty="0">
+              <a:solidFill>
+                <a:schemeClr val="bg1"/>
+              </a:solidFill>
+            </a:endParaRPr>
           </a:p>
         </p:txBody>
       </p:sp>
       <p:pic>
         <p:nvPicPr>
-          <p:cNvPr id="5" name="Image 4">
-            <a:extLst>
-              <a:ext uri="{FF2B5EF4-FFF2-40B4-BE49-F238E27FC236}">
-                <a16:creationId xmlns:a16="http://schemas.microsoft.com/office/drawing/2014/main" id="{C0660E86-26F3-1B1B-5312-D38F5A91DA74}"/>
+          <p:cNvPr id="6" name="Image 5" descr="Une image contenant capture d’écran, texte, diagramme, ligne&#10;&#10;Description générée automatiquement">
+            <a:extLst>
+              <a:ext uri="{FF2B5EF4-FFF2-40B4-BE49-F238E27FC236}">
+                <a16:creationId xmlns:a16="http://schemas.microsoft.com/office/drawing/2014/main" id="{52F43BC2-79A0-9F57-39D2-453436D02A29}"/>
               </a:ext>
             </a:extLst>
           </p:cNvPr>
@@ -6691,26 +6629,65 @@
           </p:cNvPicPr>
           <p:nvPr/>
         </p:nvPicPr>
-        <p:blipFill>
+        <p:blipFill rotWithShape="1">
           <a:blip r:embed="rId4"/>
-          <a:stretch>
-            <a:fillRect/>
-          </a:stretch>
+          <a:srcRect l="1285"/>
+          <a:stretch/>
         </p:blipFill>
         <p:spPr>
           <a:xfrm>
-            <a:off x="3711437" y="1190100"/>
-            <a:ext cx="7420785" cy="4991100"/>
+            <a:off x="3250361" y="1333788"/>
+            <a:ext cx="8421224" cy="4871580"/>
           </a:xfrm>
           <a:prstGeom prst="rect">
             <a:avLst/>
           </a:prstGeom>
         </p:spPr>
       </p:pic>
+      <p:sp>
+        <p:nvSpPr>
+          <p:cNvPr id="9" name="ZoneTexte 8">
+            <a:extLst>
+              <a:ext uri="{FF2B5EF4-FFF2-40B4-BE49-F238E27FC236}">
+                <a16:creationId xmlns:a16="http://schemas.microsoft.com/office/drawing/2014/main" id="{E3D83EBE-E6D4-D2C9-85AB-39CA86210383}"/>
+              </a:ext>
+            </a:extLst>
+          </p:cNvPr>
+          <p:cNvSpPr txBox="1"/>
+          <p:nvPr/>
+        </p:nvSpPr>
+        <p:spPr>
+          <a:xfrm>
+            <a:off x="3250361" y="887896"/>
+            <a:ext cx="6341166" cy="369332"/>
+          </a:xfrm>
+          <a:prstGeom prst="rect">
+            <a:avLst/>
+          </a:prstGeom>
+          <a:noFill/>
+        </p:spPr>
+        <p:txBody>
+          <a:bodyPr wrap="square" rtlCol="0">
+            <a:spAutoFit/>
+          </a:bodyPr>
+          <a:lstStyle/>
+          <a:p>
+            <a:r>
+              <a:rPr lang="fr-FR" dirty="0"/>
+              <a:t>Sans </a:t>
+            </a:r>
+            <a:r>
+              <a:rPr lang="fr-FR" dirty="0" err="1"/>
+              <a:t>ESBuild</a:t>
+            </a:r>
+            <a:endParaRPr lang="fr-FR" dirty="0"/>
+          </a:p>
+        </p:txBody>
+      </p:sp>
     </p:spTree>
     <p:extLst>
       <p:ext uri="{BB962C8B-B14F-4D97-AF65-F5344CB8AC3E}">
-        <p14:creationId xmlns:p14="http://schemas.microsoft.com/office/powerpoint/2010/main" val="2012407289"/>
+        <p14:creationId xmlns:p14="http://schemas.microsoft.com/office/powerpoint/2010/main" val="2592693867"/>
       </p:ext>
     </p:extLst>
   </p:cSld>
@@ -6740,7 +6717,7 @@
         <p:cNvPr id="1" name="">
           <a:extLst>
             <a:ext uri="{FF2B5EF4-FFF2-40B4-BE49-F238E27FC236}">
-              <a16:creationId xmlns:a16="http://schemas.microsoft.com/office/drawing/2014/main" id="{2F373722-CDB3-F5CE-5B9A-057D536C4D5D}"/>
+              <a16:creationId xmlns:a16="http://schemas.microsoft.com/office/drawing/2014/main" id="{A3BD8E0E-AFB5-AEEF-7CED-9B63C106E8C7}"/>
             </a:ext>
           </a:extLst>
         </p:cNvPr>
@@ -6760,7 +6737,7 @@
           <p:cNvPr id="37" name="ZoneTexte 36">
             <a:extLst>
               <a:ext uri="{FF2B5EF4-FFF2-40B4-BE49-F238E27FC236}">
-                <a16:creationId xmlns:a16="http://schemas.microsoft.com/office/drawing/2014/main" id="{7DB66283-A629-26D2-F1CE-47A18D9461B5}"/>
+                <a16:creationId xmlns:a16="http://schemas.microsoft.com/office/drawing/2014/main" id="{AA94758D-DBAB-9B50-7107-2906BA4510FB}"/>
               </a:ext>
             </a:extLst>
           </p:cNvPr>
@@ -6800,7 +6777,7 @@
           <p:cNvPr id="53" name="Forme libre 52">
             <a:extLst>
               <a:ext uri="{FF2B5EF4-FFF2-40B4-BE49-F238E27FC236}">
-                <a16:creationId xmlns:a16="http://schemas.microsoft.com/office/drawing/2014/main" id="{1F0FB0BE-C811-886D-1BDB-871EE20B45EE}"/>
+                <a16:creationId xmlns:a16="http://schemas.microsoft.com/office/drawing/2014/main" id="{89B63361-FF23-E77F-301C-63A5DD4A7694}"/>
               </a:ext>
             </a:extLst>
           </p:cNvPr>
@@ -6937,7 +6914,7 @@
           <p:cNvPr id="49" name="Forme libre 48">
             <a:extLst>
               <a:ext uri="{FF2B5EF4-FFF2-40B4-BE49-F238E27FC236}">
-                <a16:creationId xmlns:a16="http://schemas.microsoft.com/office/drawing/2014/main" id="{3304956C-9FFC-5C71-8A28-58C69486BF53}"/>
+                <a16:creationId xmlns:a16="http://schemas.microsoft.com/office/drawing/2014/main" id="{FF020B09-9196-7023-454A-43FB1A1323D5}"/>
               </a:ext>
             </a:extLst>
           </p:cNvPr>
@@ -7036,7 +7013,7 @@
           <p:cNvPr id="16" name="Image 15">
             <a:extLst>
               <a:ext uri="{FF2B5EF4-FFF2-40B4-BE49-F238E27FC236}">
-                <a16:creationId xmlns:a16="http://schemas.microsoft.com/office/drawing/2014/main" id="{82AE02B4-F562-9C16-0CF5-6ED82C82A350}"/>
+                <a16:creationId xmlns:a16="http://schemas.microsoft.com/office/drawing/2014/main" id="{85426F4D-184F-7071-24D5-1B66D55E4BB8}"/>
               </a:ext>
             </a:extLst>
           </p:cNvPr>
@@ -7065,7 +7042,7 @@
           <p:cNvPr id="44" name="Forme libre 43">
             <a:extLst>
               <a:ext uri="{FF2B5EF4-FFF2-40B4-BE49-F238E27FC236}">
-                <a16:creationId xmlns:a16="http://schemas.microsoft.com/office/drawing/2014/main" id="{D617D25A-4608-C3AB-79A1-7A3DC02632AE}"/>
+                <a16:creationId xmlns:a16="http://schemas.microsoft.com/office/drawing/2014/main" id="{00E4D903-BA5E-698B-818D-481BE1E49F30}"/>
               </a:ext>
             </a:extLst>
           </p:cNvPr>
@@ -7164,7 +7141,7 @@
           <p:cNvPr id="2" name="ZoneTexte 1">
             <a:extLst>
               <a:ext uri="{FF2B5EF4-FFF2-40B4-BE49-F238E27FC236}">
-                <a16:creationId xmlns:a16="http://schemas.microsoft.com/office/drawing/2014/main" id="{75E730E7-5115-2DB3-E69D-01C22CEB0B89}"/>
+                <a16:creationId xmlns:a16="http://schemas.microsoft.com/office/drawing/2014/main" id="{FFE1712A-6C6D-B709-CB2C-024B5EC292FD}"/>
               </a:ext>
             </a:extLst>
           </p:cNvPr>
@@ -7203,7 +7180,7 @@
           <p:cNvPr id="3" name="ZoneTexte 2">
             <a:extLst>
               <a:ext uri="{FF2B5EF4-FFF2-40B4-BE49-F238E27FC236}">
-                <a16:creationId xmlns:a16="http://schemas.microsoft.com/office/drawing/2014/main" id="{402A1156-2A38-591A-4D49-10CA211A7646}"/>
+                <a16:creationId xmlns:a16="http://schemas.microsoft.com/office/drawing/2014/main" id="{6A7CFD2F-C4BA-652B-2432-B0F9C6987A2F}"/>
               </a:ext>
             </a:extLst>
           </p:cNvPr>
@@ -7247,7 +7224,7 @@
           <p:cNvPr id="21" name="ZoneTexte 20">
             <a:extLst>
               <a:ext uri="{FF2B5EF4-FFF2-40B4-BE49-F238E27FC236}">
-                <a16:creationId xmlns:a16="http://schemas.microsoft.com/office/drawing/2014/main" id="{38E6736F-7697-866A-9D48-98174607799E}"/>
+                <a16:creationId xmlns:a16="http://schemas.microsoft.com/office/drawing/2014/main" id="{E5D51979-8D10-340C-8727-28DEDB83FF36}"/>
               </a:ext>
             </a:extLst>
           </p:cNvPr>
@@ -7304,10 +7281,10 @@
       </p:sp>
       <p:pic>
         <p:nvPicPr>
-          <p:cNvPr id="6" name="Image 5" descr="Une image contenant capture d’écran, texte, diagramme, ligne&#10;&#10;Description générée automatiquement">
-            <a:extLst>
-              <a:ext uri="{FF2B5EF4-FFF2-40B4-BE49-F238E27FC236}">
-                <a16:creationId xmlns:a16="http://schemas.microsoft.com/office/drawing/2014/main" id="{52F43BC2-79A0-9F57-39D2-453436D02A29}"/>
+          <p:cNvPr id="4" name="Image 3" descr="Une image contenant texte, capture d’écran, diagramme, Police&#10;&#10;Description générée automatiquement">
+            <a:extLst>
+              <a:ext uri="{FF2B5EF4-FFF2-40B4-BE49-F238E27FC236}">
+                <a16:creationId xmlns:a16="http://schemas.microsoft.com/office/drawing/2014/main" id="{0966F26B-815F-D53C-6D59-0D0B0881BCFB}"/>
               </a:ext>
             </a:extLst>
           </p:cNvPr>
@@ -7316,15 +7293,16 @@
           </p:cNvPicPr>
           <p:nvPr/>
         </p:nvPicPr>
-        <p:blipFill rotWithShape="1">
+        <p:blipFill>
           <a:blip r:embed="rId4"/>
-          <a:srcRect l="1285"/>
-          <a:stretch/>
+          <a:stretch>
+            <a:fillRect/>
+          </a:stretch>
         </p:blipFill>
         <p:spPr>
           <a:xfrm>
-            <a:off x="3250361" y="1333788"/>
-            <a:ext cx="8421224" cy="4871580"/>
+            <a:off x="3263612" y="1333788"/>
+            <a:ext cx="8407973" cy="4862590"/>
           </a:xfrm>
           <a:prstGeom prst="rect">
             <a:avLst/>
@@ -7333,10 +7311,10 @@
       </p:pic>
       <p:sp>
         <p:nvSpPr>
-          <p:cNvPr id="9" name="ZoneTexte 8">
-            <a:extLst>
-              <a:ext uri="{FF2B5EF4-FFF2-40B4-BE49-F238E27FC236}">
-                <a16:creationId xmlns:a16="http://schemas.microsoft.com/office/drawing/2014/main" id="{E3D83EBE-E6D4-D2C9-85AB-39CA86210383}"/>
+          <p:cNvPr id="7" name="ZoneTexte 6">
+            <a:extLst>
+              <a:ext uri="{FF2B5EF4-FFF2-40B4-BE49-F238E27FC236}">
+                <a16:creationId xmlns:a16="http://schemas.microsoft.com/office/drawing/2014/main" id="{03FA2C8C-65B9-A0C0-A0A7-E8DB7CE2DAC1}"/>
               </a:ext>
             </a:extLst>
           </p:cNvPr>
@@ -7361,20 +7339,23 @@
           <a:p>
             <a:r>
               <a:rPr lang="fr-FR" dirty="0"/>
-              <a:t>Sans </a:t>
+              <a:t>Avec </a:t>
             </a:r>
             <a:r>
               <a:rPr lang="fr-FR" dirty="0" err="1"/>
               <a:t>ESBuild</a:t>
             </a:r>
-            <a:endParaRPr lang="fr-FR" dirty="0"/>
+            <a:r>
+              <a:rPr lang="fr-FR" dirty="0"/>
+              <a:t> (Théorie)</a:t>
+            </a:r>
           </a:p>
         </p:txBody>
       </p:sp>
     </p:spTree>
     <p:extLst>
       <p:ext uri="{BB962C8B-B14F-4D97-AF65-F5344CB8AC3E}">
-        <p14:creationId xmlns:p14="http://schemas.microsoft.com/office/powerpoint/2010/main" val="2592693867"/>
+        <p14:creationId xmlns:p14="http://schemas.microsoft.com/office/powerpoint/2010/main" val="2362202711"/>
       </p:ext>
     </p:extLst>
   </p:cSld>
@@ -7404,7 +7385,7 @@
         <p:cNvPr id="1" name="">
           <a:extLst>
             <a:ext uri="{FF2B5EF4-FFF2-40B4-BE49-F238E27FC236}">
-              <a16:creationId xmlns:a16="http://schemas.microsoft.com/office/drawing/2014/main" id="{A3BD8E0E-AFB5-AEEF-7CED-9B63C106E8C7}"/>
+              <a16:creationId xmlns:a16="http://schemas.microsoft.com/office/drawing/2014/main" id="{E04285C6-DABD-1477-F466-F95CECEB05CB}"/>
             </a:ext>
           </a:extLst>
         </p:cNvPr>
@@ -7424,7 +7405,7 @@
           <p:cNvPr id="37" name="ZoneTexte 36">
             <a:extLst>
               <a:ext uri="{FF2B5EF4-FFF2-40B4-BE49-F238E27FC236}">
-                <a16:creationId xmlns:a16="http://schemas.microsoft.com/office/drawing/2014/main" id="{AA94758D-DBAB-9B50-7107-2906BA4510FB}"/>
+                <a16:creationId xmlns:a16="http://schemas.microsoft.com/office/drawing/2014/main" id="{9595AAD1-373C-5F2B-9C7F-E61B3C2D6234}"/>
               </a:ext>
             </a:extLst>
           </p:cNvPr>
@@ -7464,7 +7445,7 @@
           <p:cNvPr id="53" name="Forme libre 52">
             <a:extLst>
               <a:ext uri="{FF2B5EF4-FFF2-40B4-BE49-F238E27FC236}">
-                <a16:creationId xmlns:a16="http://schemas.microsoft.com/office/drawing/2014/main" id="{89B63361-FF23-E77F-301C-63A5DD4A7694}"/>
+                <a16:creationId xmlns:a16="http://schemas.microsoft.com/office/drawing/2014/main" id="{9334709C-024C-EB41-18A1-F8F3D2322CEA}"/>
               </a:ext>
             </a:extLst>
           </p:cNvPr>
@@ -7601,7 +7582,7 @@
           <p:cNvPr id="49" name="Forme libre 48">
             <a:extLst>
               <a:ext uri="{FF2B5EF4-FFF2-40B4-BE49-F238E27FC236}">
-                <a16:creationId xmlns:a16="http://schemas.microsoft.com/office/drawing/2014/main" id="{FF020B09-9196-7023-454A-43FB1A1323D5}"/>
+                <a16:creationId xmlns:a16="http://schemas.microsoft.com/office/drawing/2014/main" id="{FD6221A7-8096-2181-0787-90E5098AB4AA}"/>
               </a:ext>
             </a:extLst>
           </p:cNvPr>
@@ -7700,7 +7681,7 @@
           <p:cNvPr id="16" name="Image 15">
             <a:extLst>
               <a:ext uri="{FF2B5EF4-FFF2-40B4-BE49-F238E27FC236}">
-                <a16:creationId xmlns:a16="http://schemas.microsoft.com/office/drawing/2014/main" id="{85426F4D-184F-7071-24D5-1B66D55E4BB8}"/>
+                <a16:creationId xmlns:a16="http://schemas.microsoft.com/office/drawing/2014/main" id="{F8CD77AF-EFD5-9B5E-58A9-C84BA04223D3}"/>
               </a:ext>
             </a:extLst>
           </p:cNvPr>
@@ -7729,7 +7710,7 @@
           <p:cNvPr id="44" name="Forme libre 43">
             <a:extLst>
               <a:ext uri="{FF2B5EF4-FFF2-40B4-BE49-F238E27FC236}">
-                <a16:creationId xmlns:a16="http://schemas.microsoft.com/office/drawing/2014/main" id="{00E4D903-BA5E-698B-818D-481BE1E49F30}"/>
+                <a16:creationId xmlns:a16="http://schemas.microsoft.com/office/drawing/2014/main" id="{81209F9B-7AE2-9054-3BAE-365702549539}"/>
               </a:ext>
             </a:extLst>
           </p:cNvPr>
@@ -7825,10 +7806,10 @@
       </p:sp>
       <p:sp>
         <p:nvSpPr>
-          <p:cNvPr id="2" name="ZoneTexte 1">
-            <a:extLst>
-              <a:ext uri="{FF2B5EF4-FFF2-40B4-BE49-F238E27FC236}">
-                <a16:creationId xmlns:a16="http://schemas.microsoft.com/office/drawing/2014/main" id="{FFE1712A-6C6D-B709-CB2C-024B5EC292FD}"/>
+          <p:cNvPr id="3" name="ZoneTexte 2">
+            <a:extLst>
+              <a:ext uri="{FF2B5EF4-FFF2-40B4-BE49-F238E27FC236}">
+                <a16:creationId xmlns:a16="http://schemas.microsoft.com/office/drawing/2014/main" id="{5C7E25E7-F7D1-2C39-F5F5-B481EBEF6D71}"/>
               </a:ext>
             </a:extLst>
           </p:cNvPr>
@@ -7837,46 +7818,7 @@
         </p:nvSpPr>
         <p:spPr>
           <a:xfrm>
-            <a:off x="277548" y="2022525"/>
-            <a:ext cx="1716832" cy="276999"/>
-          </a:xfrm>
-          <a:prstGeom prst="rect">
-            <a:avLst/>
-          </a:prstGeom>
-          <a:noFill/>
-        </p:spPr>
-        <p:txBody>
-          <a:bodyPr wrap="square" rtlCol="0">
-            <a:spAutoFit/>
-          </a:bodyPr>
-          <a:lstStyle/>
-          <a:p>
-            <a:r>
-              <a:rPr lang="fr-FR" sz="1200" dirty="0">
-                <a:solidFill>
-                  <a:schemeClr val="bg1"/>
-                </a:solidFill>
-              </a:rPr>
-              <a:t>SSR</a:t>
-            </a:r>
-          </a:p>
-        </p:txBody>
-      </p:sp>
-      <p:sp>
-        <p:nvSpPr>
-          <p:cNvPr id="3" name="ZoneTexte 2">
-            <a:extLst>
-              <a:ext uri="{FF2B5EF4-FFF2-40B4-BE49-F238E27FC236}">
-                <a16:creationId xmlns:a16="http://schemas.microsoft.com/office/drawing/2014/main" id="{6A7CFD2F-C4BA-652B-2432-B0F9C6987A2F}"/>
-              </a:ext>
-            </a:extLst>
-          </p:cNvPr>
-          <p:cNvSpPr txBox="1"/>
-          <p:nvPr/>
-        </p:nvSpPr>
-        <p:spPr>
-          <a:xfrm>
-            <a:off x="277548" y="2289697"/>
+            <a:off x="277548" y="2008345"/>
             <a:ext cx="1716832" cy="276999"/>
           </a:xfrm>
           <a:prstGeom prst="rect">
@@ -7908,10 +7850,10 @@
       </p:sp>
       <p:sp>
         <p:nvSpPr>
-          <p:cNvPr id="21" name="ZoneTexte 20">
-            <a:extLst>
-              <a:ext uri="{FF2B5EF4-FFF2-40B4-BE49-F238E27FC236}">
-                <a16:creationId xmlns:a16="http://schemas.microsoft.com/office/drawing/2014/main" id="{E5D51979-8D10-340C-8727-28DEDB83FF36}"/>
+          <p:cNvPr id="2" name="ZoneTexte 1">
+            <a:extLst>
+              <a:ext uri="{FF2B5EF4-FFF2-40B4-BE49-F238E27FC236}">
+                <a16:creationId xmlns:a16="http://schemas.microsoft.com/office/drawing/2014/main" id="{0C604DC3-BF64-16C2-948B-81C17224D0F1}"/>
               </a:ext>
             </a:extLst>
           </p:cNvPr>
@@ -7920,8 +7862,8 @@
         </p:nvSpPr>
         <p:spPr>
           <a:xfrm>
-            <a:off x="277548" y="1333788"/>
-            <a:ext cx="1716832" cy="707886"/>
+            <a:off x="277548" y="1482883"/>
+            <a:ext cx="1716832" cy="400110"/>
           </a:xfrm>
           <a:prstGeom prst="rect">
             <a:avLst/>
@@ -7934,44 +7876,23 @@
           </a:bodyPr>
           <a:lstStyle/>
           <a:p>
-            <a:r>
-              <a:rPr lang="fr-FR" sz="2000" dirty="0" err="1">
-                <a:solidFill>
-                  <a:schemeClr val="bg1"/>
-                </a:solidFill>
-              </a:rPr>
-              <a:t>ViteJs</a:t>
-            </a:r>
             <a:r>
               <a:rPr lang="fr-FR" sz="2000" dirty="0">
                 <a:solidFill>
                   <a:schemeClr val="bg1"/>
                 </a:solidFill>
               </a:rPr>
-              <a:t> / </a:t>
-            </a:r>
-            <a:r>
-              <a:rPr lang="fr-FR" sz="2000" dirty="0" err="1">
-                <a:solidFill>
-                  <a:schemeClr val="bg1"/>
-                </a:solidFill>
-              </a:rPr>
-              <a:t>EsBuild</a:t>
-            </a:r>
-            <a:endParaRPr lang="fr-FR" sz="2000" dirty="0">
-              <a:solidFill>
-                <a:schemeClr val="bg1"/>
-              </a:solidFill>
-            </a:endParaRPr>
+              <a:t>SSR</a:t>
+            </a:r>
           </a:p>
         </p:txBody>
       </p:sp>
       <p:pic>
         <p:nvPicPr>
-          <p:cNvPr id="4" name="Image 3" descr="Une image contenant texte, capture d’écran, diagramme, Police&#10;&#10;Description générée automatiquement">
-            <a:extLst>
-              <a:ext uri="{FF2B5EF4-FFF2-40B4-BE49-F238E27FC236}">
-                <a16:creationId xmlns:a16="http://schemas.microsoft.com/office/drawing/2014/main" id="{0966F26B-815F-D53C-6D59-0D0B0881BCFB}"/>
+          <p:cNvPr id="6" name="Image 5">
+            <a:extLst>
+              <a:ext uri="{FF2B5EF4-FFF2-40B4-BE49-F238E27FC236}">
+                <a16:creationId xmlns:a16="http://schemas.microsoft.com/office/drawing/2014/main" id="{6DC8BED6-0B79-621A-5CD1-F65BD23D0AA2}"/>
               </a:ext>
             </a:extLst>
           </p:cNvPr>
@@ -7988,58 +7909,108 @@
         </p:blipFill>
         <p:spPr>
           <a:xfrm>
-            <a:off x="3263612" y="1333788"/>
-            <a:ext cx="8407973" cy="4862590"/>
+            <a:off x="3458466" y="1195664"/>
+            <a:ext cx="7772400" cy="415319"/>
           </a:xfrm>
           <a:prstGeom prst="rect">
             <a:avLst/>
           </a:prstGeom>
         </p:spPr>
       </p:pic>
-      <p:sp>
-        <p:nvSpPr>
-          <p:cNvPr id="7" name="ZoneTexte 6">
-            <a:extLst>
-              <a:ext uri="{FF2B5EF4-FFF2-40B4-BE49-F238E27FC236}">
-                <a16:creationId xmlns:a16="http://schemas.microsoft.com/office/drawing/2014/main" id="{03FA2C8C-65B9-A0C0-A0A7-E8DB7CE2DAC1}"/>
-              </a:ext>
-            </a:extLst>
-          </p:cNvPr>
-          <p:cNvSpPr txBox="1"/>
+      <p:pic>
+        <p:nvPicPr>
+          <p:cNvPr id="8" name="Image 7">
+            <a:extLst>
+              <a:ext uri="{FF2B5EF4-FFF2-40B4-BE49-F238E27FC236}">
+                <a16:creationId xmlns:a16="http://schemas.microsoft.com/office/drawing/2014/main" id="{B71BBED1-EEE7-B60E-CCBD-6B65FA3FCFEB}"/>
+              </a:ext>
+            </a:extLst>
+          </p:cNvPr>
+          <p:cNvPicPr>
+            <a:picLocks noChangeAspect="1"/>
+          </p:cNvPicPr>
           <p:nvPr/>
-        </p:nvSpPr>
-        <p:spPr>
-          <a:xfrm>
-            <a:off x="3250361" y="887896"/>
-            <a:ext cx="6341166" cy="369332"/>
+        </p:nvPicPr>
+        <p:blipFill>
+          <a:blip r:embed="rId5"/>
+          <a:stretch>
+            <a:fillRect/>
+          </a:stretch>
+        </p:blipFill>
+        <p:spPr>
+          <a:xfrm>
+            <a:off x="3458466" y="1628596"/>
+            <a:ext cx="7772400" cy="404688"/>
           </a:xfrm>
           <a:prstGeom prst="rect">
             <a:avLst/>
           </a:prstGeom>
-          <a:noFill/>
-        </p:spPr>
-        <p:txBody>
-          <a:bodyPr wrap="square" rtlCol="0">
-            <a:spAutoFit/>
-          </a:bodyPr>
-          <a:lstStyle/>
-          <a:p>
-            <a:r>
-              <a:rPr lang="fr-FR" dirty="0"/>
-              <a:t>Avec </a:t>
-            </a:r>
-            <a:r>
-              <a:rPr lang="fr-FR" dirty="0" err="1"/>
-              <a:t>ESBuild</a:t>
-            </a:r>
-            <a:endParaRPr lang="fr-FR" dirty="0"/>
-          </a:p>
-        </p:txBody>
-      </p:sp>
+        </p:spPr>
+      </p:pic>
+      <p:pic>
+        <p:nvPicPr>
+          <p:cNvPr id="12" name="Image 11" descr="Une image contenant texte, reçu, blanc, algèbre&#10;&#10;Description générée automatiquement">
+            <a:extLst>
+              <a:ext uri="{FF2B5EF4-FFF2-40B4-BE49-F238E27FC236}">
+                <a16:creationId xmlns:a16="http://schemas.microsoft.com/office/drawing/2014/main" id="{8F08CD26-380A-C7F5-D7EB-DFE796B5F27B}"/>
+              </a:ext>
+            </a:extLst>
+          </p:cNvPr>
+          <p:cNvPicPr>
+            <a:picLocks noChangeAspect="1"/>
+          </p:cNvPicPr>
+          <p:nvPr/>
+        </p:nvPicPr>
+        <p:blipFill>
+          <a:blip r:embed="rId6"/>
+          <a:stretch>
+            <a:fillRect/>
+          </a:stretch>
+        </p:blipFill>
+        <p:spPr>
+          <a:xfrm>
+            <a:off x="3458466" y="2351099"/>
+            <a:ext cx="7772400" cy="1500332"/>
+          </a:xfrm>
+          <a:prstGeom prst="rect">
+            <a:avLst/>
+          </a:prstGeom>
+        </p:spPr>
+      </p:pic>
+      <p:pic>
+        <p:nvPicPr>
+          <p:cNvPr id="14" name="Image 13" descr="Une image contenant texte, Police, capture d’écran, ligne&#10;&#10;Description générée automatiquement">
+            <a:extLst>
+              <a:ext uri="{FF2B5EF4-FFF2-40B4-BE49-F238E27FC236}">
+                <a16:creationId xmlns:a16="http://schemas.microsoft.com/office/drawing/2014/main" id="{2A588921-8DDA-894F-B5C0-5C4C05DB5D03}"/>
+              </a:ext>
+            </a:extLst>
+          </p:cNvPr>
+          <p:cNvPicPr>
+            <a:picLocks noChangeAspect="1"/>
+          </p:cNvPicPr>
+          <p:nvPr/>
+        </p:nvPicPr>
+        <p:blipFill>
+          <a:blip r:embed="rId7"/>
+          <a:stretch>
+            <a:fillRect/>
+          </a:stretch>
+        </p:blipFill>
+        <p:spPr>
+          <a:xfrm>
+            <a:off x="3458466" y="4205142"/>
+            <a:ext cx="7772400" cy="1745800"/>
+          </a:xfrm>
+          <a:prstGeom prst="rect">
+            <a:avLst/>
+          </a:prstGeom>
+        </p:spPr>
+      </p:pic>
     </p:spTree>
     <p:extLst>
       <p:ext uri="{BB962C8B-B14F-4D97-AF65-F5344CB8AC3E}">
-        <p14:creationId xmlns:p14="http://schemas.microsoft.com/office/powerpoint/2010/main" val="2362202711"/>
+        <p14:creationId xmlns:p14="http://schemas.microsoft.com/office/powerpoint/2010/main" val="4210171450"/>
       </p:ext>
     </p:extLst>
   </p:cSld>
@@ -8069,7 +8040,7 @@
         <p:cNvPr id="1" name="">
           <a:extLst>
             <a:ext uri="{FF2B5EF4-FFF2-40B4-BE49-F238E27FC236}">
-              <a16:creationId xmlns:a16="http://schemas.microsoft.com/office/drawing/2014/main" id="{E04285C6-DABD-1477-F466-F95CECEB05CB}"/>
+              <a16:creationId xmlns:a16="http://schemas.microsoft.com/office/drawing/2014/main" id="{AB678D0D-2BD2-B55F-2119-4A37E8D0CA57}"/>
             </a:ext>
           </a:extLst>
         </p:cNvPr>
@@ -8089,7 +8060,7 @@
           <p:cNvPr id="37" name="ZoneTexte 36">
             <a:extLst>
               <a:ext uri="{FF2B5EF4-FFF2-40B4-BE49-F238E27FC236}">
-                <a16:creationId xmlns:a16="http://schemas.microsoft.com/office/drawing/2014/main" id="{9595AAD1-373C-5F2B-9C7F-E61B3C2D6234}"/>
+                <a16:creationId xmlns:a16="http://schemas.microsoft.com/office/drawing/2014/main" id="{13642561-F37B-1BC4-0E8E-C9DD6F123FB8}"/>
               </a:ext>
             </a:extLst>
           </p:cNvPr>
@@ -8129,7 +8100,7 @@
           <p:cNvPr id="53" name="Forme libre 52">
             <a:extLst>
               <a:ext uri="{FF2B5EF4-FFF2-40B4-BE49-F238E27FC236}">
-                <a16:creationId xmlns:a16="http://schemas.microsoft.com/office/drawing/2014/main" id="{9334709C-024C-EB41-18A1-F8F3D2322CEA}"/>
+                <a16:creationId xmlns:a16="http://schemas.microsoft.com/office/drawing/2014/main" id="{A7F0C488-3F0C-23B9-D4D8-2DC8D7AC23F7}"/>
               </a:ext>
             </a:extLst>
           </p:cNvPr>
@@ -8266,7 +8237,7 @@
           <p:cNvPr id="49" name="Forme libre 48">
             <a:extLst>
               <a:ext uri="{FF2B5EF4-FFF2-40B4-BE49-F238E27FC236}">
-                <a16:creationId xmlns:a16="http://schemas.microsoft.com/office/drawing/2014/main" id="{FD6221A7-8096-2181-0787-90E5098AB4AA}"/>
+                <a16:creationId xmlns:a16="http://schemas.microsoft.com/office/drawing/2014/main" id="{A6F58122-12BE-2C03-4303-AFD41D201A49}"/>
               </a:ext>
             </a:extLst>
           </p:cNvPr>
@@ -8365,7 +8336,7 @@
           <p:cNvPr id="16" name="Image 15">
             <a:extLst>
               <a:ext uri="{FF2B5EF4-FFF2-40B4-BE49-F238E27FC236}">
-                <a16:creationId xmlns:a16="http://schemas.microsoft.com/office/drawing/2014/main" id="{F8CD77AF-EFD5-9B5E-58A9-C84BA04223D3}"/>
+                <a16:creationId xmlns:a16="http://schemas.microsoft.com/office/drawing/2014/main" id="{E21272E3-DE17-E93D-376A-ED5486A9147B}"/>
               </a:ext>
             </a:extLst>
           </p:cNvPr>
@@ -8394,7 +8365,7 @@
           <p:cNvPr id="44" name="Forme libre 43">
             <a:extLst>
               <a:ext uri="{FF2B5EF4-FFF2-40B4-BE49-F238E27FC236}">
-                <a16:creationId xmlns:a16="http://schemas.microsoft.com/office/drawing/2014/main" id="{81209F9B-7AE2-9054-3BAE-365702549539}"/>
+                <a16:creationId xmlns:a16="http://schemas.microsoft.com/office/drawing/2014/main" id="{BE3BAB55-2185-441F-F8FC-47B34F291C9B}"/>
               </a:ext>
             </a:extLst>
           </p:cNvPr>
@@ -8493,7 +8464,7 @@
           <p:cNvPr id="3" name="ZoneTexte 2">
             <a:extLst>
               <a:ext uri="{FF2B5EF4-FFF2-40B4-BE49-F238E27FC236}">
-                <a16:creationId xmlns:a16="http://schemas.microsoft.com/office/drawing/2014/main" id="{5C7E25E7-F7D1-2C39-F5F5-B481EBEF6D71}"/>
+                <a16:creationId xmlns:a16="http://schemas.microsoft.com/office/drawing/2014/main" id="{7CD2B6C5-E2B7-F82D-B859-070741571CF4}"/>
               </a:ext>
             </a:extLst>
           </p:cNvPr>
@@ -8502,8 +8473,8 @@
         </p:nvSpPr>
         <p:spPr>
           <a:xfrm>
-            <a:off x="277548" y="2008345"/>
-            <a:ext cx="1716832" cy="276999"/>
+            <a:off x="282573" y="1487676"/>
+            <a:ext cx="1716832" cy="400110"/>
           </a:xfrm>
           <a:prstGeom prst="rect">
             <a:avLst/>
@@ -8517,14 +8488,14 @@
           <a:lstStyle/>
           <a:p>
             <a:r>
-              <a:rPr lang="fr-FR" sz="1200" dirty="0" err="1">
+              <a:rPr lang="fr-FR" sz="2000" dirty="0" err="1">
                 <a:solidFill>
                   <a:schemeClr val="bg1"/>
                 </a:solidFill>
               </a:rPr>
               <a:t>Inject</a:t>
             </a:r>
-            <a:endParaRPr lang="fr-FR" sz="1200" dirty="0">
+            <a:endParaRPr lang="fr-FR" sz="2000" dirty="0">
               <a:solidFill>
                 <a:schemeClr val="bg1"/>
               </a:solidFill>
@@ -8532,51 +8503,12 @@
           </a:p>
         </p:txBody>
       </p:sp>
-      <p:sp>
-        <p:nvSpPr>
-          <p:cNvPr id="2" name="ZoneTexte 1">
-            <a:extLst>
-              <a:ext uri="{FF2B5EF4-FFF2-40B4-BE49-F238E27FC236}">
-                <a16:creationId xmlns:a16="http://schemas.microsoft.com/office/drawing/2014/main" id="{0C604DC3-BF64-16C2-948B-81C17224D0F1}"/>
-              </a:ext>
-            </a:extLst>
-          </p:cNvPr>
-          <p:cNvSpPr txBox="1"/>
-          <p:nvPr/>
-        </p:nvSpPr>
-        <p:spPr>
-          <a:xfrm>
-            <a:off x="277548" y="1482883"/>
-            <a:ext cx="1716832" cy="400110"/>
-          </a:xfrm>
-          <a:prstGeom prst="rect">
-            <a:avLst/>
-          </a:prstGeom>
-          <a:noFill/>
-        </p:spPr>
-        <p:txBody>
-          <a:bodyPr wrap="square" rtlCol="0">
-            <a:spAutoFit/>
-          </a:bodyPr>
-          <a:lstStyle/>
-          <a:p>
-            <a:r>
-              <a:rPr lang="fr-FR" sz="2000" dirty="0">
-                <a:solidFill>
-                  <a:schemeClr val="bg1"/>
-                </a:solidFill>
-              </a:rPr>
-              <a:t>SSR</a:t>
-            </a:r>
-          </a:p>
-        </p:txBody>
-      </p:sp>
       <p:pic>
         <p:nvPicPr>
-          <p:cNvPr id="6" name="Image 5">
-            <a:extLst>
-              <a:ext uri="{FF2B5EF4-FFF2-40B4-BE49-F238E27FC236}">
-                <a16:creationId xmlns:a16="http://schemas.microsoft.com/office/drawing/2014/main" id="{6DC8BED6-0B79-621A-5CD1-F65BD23D0AA2}"/>
+          <p:cNvPr id="4" name="Image 3" descr="Une image contenant texte, Police, capture d’écran, ligne&#10;&#10;Description générée automatiquement">
+            <a:extLst>
+              <a:ext uri="{FF2B5EF4-FFF2-40B4-BE49-F238E27FC236}">
+                <a16:creationId xmlns:a16="http://schemas.microsoft.com/office/drawing/2014/main" id="{2B12B226-103B-3C5A-A150-1BD4075EA02C}"/>
               </a:ext>
             </a:extLst>
           </p:cNvPr>
@@ -8593,8 +8525,8 @@
         </p:blipFill>
         <p:spPr>
           <a:xfrm>
-            <a:off x="3458466" y="1195664"/>
-            <a:ext cx="7772400" cy="415319"/>
+            <a:off x="4893255" y="3934403"/>
+            <a:ext cx="4902200" cy="1104900"/>
           </a:xfrm>
           <a:prstGeom prst="rect">
             <a:avLst/>
@@ -8603,10 +8535,10 @@
       </p:pic>
       <p:pic>
         <p:nvPicPr>
-          <p:cNvPr id="8" name="Image 7">
-            <a:extLst>
-              <a:ext uri="{FF2B5EF4-FFF2-40B4-BE49-F238E27FC236}">
-                <a16:creationId xmlns:a16="http://schemas.microsoft.com/office/drawing/2014/main" id="{B71BBED1-EEE7-B60E-CCBD-6B65FA3FCFEB}"/>
+          <p:cNvPr id="6" name="Image 5" descr="Une image contenant texte, Police, capture d’écran, ligne&#10;&#10;Description générée automatiquement">
+            <a:extLst>
+              <a:ext uri="{FF2B5EF4-FFF2-40B4-BE49-F238E27FC236}">
+                <a16:creationId xmlns:a16="http://schemas.microsoft.com/office/drawing/2014/main" id="{A05A3A32-2E52-866C-C927-A7DDDDA19523}"/>
               </a:ext>
             </a:extLst>
           </p:cNvPr>
@@ -8623,68 +8555,8 @@
         </p:blipFill>
         <p:spPr>
           <a:xfrm>
-            <a:off x="3458466" y="1628596"/>
-            <a:ext cx="7772400" cy="404688"/>
-          </a:xfrm>
-          <a:prstGeom prst="rect">
-            <a:avLst/>
-          </a:prstGeom>
-        </p:spPr>
-      </p:pic>
-      <p:pic>
-        <p:nvPicPr>
-          <p:cNvPr id="12" name="Image 11" descr="Une image contenant texte, reçu, blanc, algèbre&#10;&#10;Description générée automatiquement">
-            <a:extLst>
-              <a:ext uri="{FF2B5EF4-FFF2-40B4-BE49-F238E27FC236}">
-                <a16:creationId xmlns:a16="http://schemas.microsoft.com/office/drawing/2014/main" id="{8F08CD26-380A-C7F5-D7EB-DFE796B5F27B}"/>
-              </a:ext>
-            </a:extLst>
-          </p:cNvPr>
-          <p:cNvPicPr>
-            <a:picLocks noChangeAspect="1"/>
-          </p:cNvPicPr>
-          <p:nvPr/>
-        </p:nvPicPr>
-        <p:blipFill>
-          <a:blip r:embed="rId6"/>
-          <a:stretch>
-            <a:fillRect/>
-          </a:stretch>
-        </p:blipFill>
-        <p:spPr>
-          <a:xfrm>
-            <a:off x="3458466" y="2351099"/>
-            <a:ext cx="7772400" cy="1500332"/>
-          </a:xfrm>
-          <a:prstGeom prst="rect">
-            <a:avLst/>
-          </a:prstGeom>
-        </p:spPr>
-      </p:pic>
-      <p:pic>
-        <p:nvPicPr>
-          <p:cNvPr id="14" name="Image 13" descr="Une image contenant texte, Police, capture d’écran, ligne&#10;&#10;Description générée automatiquement">
-            <a:extLst>
-              <a:ext uri="{FF2B5EF4-FFF2-40B4-BE49-F238E27FC236}">
-                <a16:creationId xmlns:a16="http://schemas.microsoft.com/office/drawing/2014/main" id="{2A588921-8DDA-894F-B5C0-5C4C05DB5D03}"/>
-              </a:ext>
-            </a:extLst>
-          </p:cNvPr>
-          <p:cNvPicPr>
-            <a:picLocks noChangeAspect="1"/>
-          </p:cNvPicPr>
-          <p:nvPr/>
-        </p:nvPicPr>
-        <p:blipFill>
-          <a:blip r:embed="rId7"/>
-          <a:stretch>
-            <a:fillRect/>
-          </a:stretch>
-        </p:blipFill>
-        <p:spPr>
-          <a:xfrm>
-            <a:off x="3458466" y="4205142"/>
-            <a:ext cx="7772400" cy="1745800"/>
+            <a:off x="4747205" y="2137201"/>
+            <a:ext cx="5194300" cy="1143000"/>
           </a:xfrm>
           <a:prstGeom prst="rect">
             <a:avLst/>
@@ -8694,7 +8566,7 @@
     </p:spTree>
     <p:extLst>
       <p:ext uri="{BB962C8B-B14F-4D97-AF65-F5344CB8AC3E}">
-        <p14:creationId xmlns:p14="http://schemas.microsoft.com/office/powerpoint/2010/main" val="4210171450"/>
+        <p14:creationId xmlns:p14="http://schemas.microsoft.com/office/powerpoint/2010/main" val="3470553657"/>
       </p:ext>
     </p:extLst>
   </p:cSld>
@@ -8724,7 +8596,7 @@
         <p:cNvPr id="1" name="">
           <a:extLst>
             <a:ext uri="{FF2B5EF4-FFF2-40B4-BE49-F238E27FC236}">
-              <a16:creationId xmlns:a16="http://schemas.microsoft.com/office/drawing/2014/main" id="{AB678D0D-2BD2-B55F-2119-4A37E8D0CA57}"/>
+              <a16:creationId xmlns:a16="http://schemas.microsoft.com/office/drawing/2014/main" id="{46F37032-D4E8-6CD7-3620-D42DAD244C0E}"/>
             </a:ext>
           </a:extLst>
         </p:cNvPr>
@@ -8744,7 +8616,7 @@
           <p:cNvPr id="37" name="ZoneTexte 36">
             <a:extLst>
               <a:ext uri="{FF2B5EF4-FFF2-40B4-BE49-F238E27FC236}">
-                <a16:creationId xmlns:a16="http://schemas.microsoft.com/office/drawing/2014/main" id="{13642561-F37B-1BC4-0E8E-C9DD6F123FB8}"/>
+                <a16:creationId xmlns:a16="http://schemas.microsoft.com/office/drawing/2014/main" id="{FB258515-8DAF-2F0D-5555-A80A9D65C281}"/>
               </a:ext>
             </a:extLst>
           </p:cNvPr>
@@ -8753,8 +8625,8 @@
         </p:nvSpPr>
         <p:spPr>
           <a:xfrm>
-            <a:off x="5482668" y="34803"/>
-            <a:ext cx="6933267" cy="646331"/>
+            <a:off x="4752870" y="34803"/>
+            <a:ext cx="7663065" cy="646331"/>
           </a:xfrm>
           <a:prstGeom prst="rect">
             <a:avLst/>
@@ -8769,13 +8641,16 @@
           <a:p>
             <a:r>
               <a:rPr lang="fr-FR" sz="3600" dirty="0"/>
-              <a:t>Quelques nouveautés d’</a:t>
+              <a:t>Migrer une application vers </a:t>
             </a:r>
             <a:r>
               <a:rPr lang="fr-FR" sz="3600" dirty="0" err="1"/>
               <a:t>Angular</a:t>
             </a:r>
-            <a:endParaRPr lang="fr-FR" sz="3600" dirty="0"/>
+            <a:r>
+              <a:rPr lang="fr-FR" sz="3600" dirty="0"/>
+              <a:t> 17</a:t>
+            </a:r>
           </a:p>
         </p:txBody>
       </p:sp>
@@ -8784,7 +8659,7 @@
           <p:cNvPr id="53" name="Forme libre 52">
             <a:extLst>
               <a:ext uri="{FF2B5EF4-FFF2-40B4-BE49-F238E27FC236}">
-                <a16:creationId xmlns:a16="http://schemas.microsoft.com/office/drawing/2014/main" id="{A7F0C488-3F0C-23B9-D4D8-2DC8D7AC23F7}"/>
+                <a16:creationId xmlns:a16="http://schemas.microsoft.com/office/drawing/2014/main" id="{4D85DFFA-F363-F575-2304-21177227222E}"/>
               </a:ext>
             </a:extLst>
           </p:cNvPr>
@@ -8916,12 +8791,80 @@
           </a:p>
         </p:txBody>
       </p:sp>
+      <p:pic>
+        <p:nvPicPr>
+          <p:cNvPr id="16" name="Image 15">
+            <a:extLst>
+              <a:ext uri="{FF2B5EF4-FFF2-40B4-BE49-F238E27FC236}">
+                <a16:creationId xmlns:a16="http://schemas.microsoft.com/office/drawing/2014/main" id="{D4A4CD24-6702-6587-2A32-AD7ADD3DC323}"/>
+              </a:ext>
+            </a:extLst>
+          </p:cNvPr>
+          <p:cNvPicPr>
+            <a:picLocks noChangeAspect="1"/>
+          </p:cNvPicPr>
+          <p:nvPr/>
+        </p:nvPicPr>
+        <p:blipFill rotWithShape="1">
+          <a:blip r:embed="rId3"/>
+          <a:srcRect r="72930"/>
+          <a:stretch/>
+        </p:blipFill>
+        <p:spPr>
+          <a:xfrm>
+            <a:off x="637278" y="130629"/>
+            <a:ext cx="1101877" cy="1272695"/>
+          </a:xfrm>
+          <a:prstGeom prst="rect">
+            <a:avLst/>
+          </a:prstGeom>
+        </p:spPr>
+      </p:pic>
+      <p:sp>
+        <p:nvSpPr>
+          <p:cNvPr id="3" name="ZoneTexte 2">
+            <a:extLst>
+              <a:ext uri="{FF2B5EF4-FFF2-40B4-BE49-F238E27FC236}">
+                <a16:creationId xmlns:a16="http://schemas.microsoft.com/office/drawing/2014/main" id="{0DDA0B2C-992F-C3AB-04DB-4A1E43518B78}"/>
+              </a:ext>
+            </a:extLst>
+          </p:cNvPr>
+          <p:cNvSpPr txBox="1"/>
+          <p:nvPr/>
+        </p:nvSpPr>
+        <p:spPr>
+          <a:xfrm>
+            <a:off x="282573" y="1487676"/>
+            <a:ext cx="1716832" cy="400110"/>
+          </a:xfrm>
+          <a:prstGeom prst="rect">
+            <a:avLst/>
+          </a:prstGeom>
+          <a:noFill/>
+        </p:spPr>
+        <p:txBody>
+          <a:bodyPr wrap="square" rtlCol="0">
+            <a:spAutoFit/>
+          </a:bodyPr>
+          <a:lstStyle/>
+          <a:p>
+            <a:r>
+              <a:rPr lang="fr-FR" sz="2000" dirty="0">
+                <a:solidFill>
+                  <a:schemeClr val="bg1"/>
+                </a:solidFill>
+              </a:rPr>
+              <a:t>Migration</a:t>
+            </a:r>
+          </a:p>
+        </p:txBody>
+      </p:sp>
       <p:sp>
         <p:nvSpPr>
           <p:cNvPr id="49" name="Forme libre 48">
             <a:extLst>
               <a:ext uri="{FF2B5EF4-FFF2-40B4-BE49-F238E27FC236}">
-                <a16:creationId xmlns:a16="http://schemas.microsoft.com/office/drawing/2014/main" id="{A6F58122-12BE-2C03-4303-AFD41D201A49}"/>
+                <a16:creationId xmlns:a16="http://schemas.microsoft.com/office/drawing/2014/main" id="{611EB613-7A03-765A-249C-56777CA0B3CE}"/>
               </a:ext>
             </a:extLst>
           </p:cNvPr>
@@ -8930,7 +8873,7 @@
         </p:nvSpPr>
         <p:spPr>
           <a:xfrm>
-            <a:off x="0" y="5393579"/>
+            <a:off x="0" y="1354129"/>
             <a:ext cx="330200" cy="660400"/>
           </a:xfrm>
           <a:custGeom>
@@ -9017,182 +8960,10 @@
       </p:sp>
       <p:pic>
         <p:nvPicPr>
-          <p:cNvPr id="16" name="Image 15">
-            <a:extLst>
-              <a:ext uri="{FF2B5EF4-FFF2-40B4-BE49-F238E27FC236}">
-                <a16:creationId xmlns:a16="http://schemas.microsoft.com/office/drawing/2014/main" id="{E21272E3-DE17-E93D-376A-ED5486A9147B}"/>
-              </a:ext>
-            </a:extLst>
-          </p:cNvPr>
-          <p:cNvPicPr>
-            <a:picLocks noChangeAspect="1"/>
-          </p:cNvPicPr>
-          <p:nvPr/>
-        </p:nvPicPr>
-        <p:blipFill rotWithShape="1">
-          <a:blip r:embed="rId3"/>
-          <a:srcRect r="72930"/>
-          <a:stretch/>
-        </p:blipFill>
-        <p:spPr>
-          <a:xfrm>
-            <a:off x="637278" y="130629"/>
-            <a:ext cx="1101877" cy="1272695"/>
-          </a:xfrm>
-          <a:prstGeom prst="rect">
-            <a:avLst/>
-          </a:prstGeom>
-        </p:spPr>
-      </p:pic>
-      <p:sp>
-        <p:nvSpPr>
-          <p:cNvPr id="44" name="Forme libre 43">
-            <a:extLst>
-              <a:ext uri="{FF2B5EF4-FFF2-40B4-BE49-F238E27FC236}">
-                <a16:creationId xmlns:a16="http://schemas.microsoft.com/office/drawing/2014/main" id="{BE3BAB55-2185-441F-F8FC-47B34F291C9B}"/>
-              </a:ext>
-            </a:extLst>
-          </p:cNvPr>
-          <p:cNvSpPr/>
-          <p:nvPr/>
-        </p:nvSpPr>
-        <p:spPr>
-          <a:xfrm>
-            <a:off x="-2" y="1357531"/>
-            <a:ext cx="330200" cy="660400"/>
-          </a:xfrm>
-          <a:custGeom>
-            <a:avLst/>
-            <a:gdLst>
-              <a:gd name="connsiteX0" fmla="*/ 0 w 330200"/>
-              <a:gd name="connsiteY0" fmla="*/ 0 h 660400"/>
-              <a:gd name="connsiteX1" fmla="*/ 330200 w 330200"/>
-              <a:gd name="connsiteY1" fmla="*/ 330200 h 660400"/>
-              <a:gd name="connsiteX2" fmla="*/ 0 w 330200"/>
-              <a:gd name="connsiteY2" fmla="*/ 660400 h 660400"/>
-              <a:gd name="connsiteX3" fmla="*/ 0 w 330200"/>
-              <a:gd name="connsiteY3" fmla="*/ 0 h 660400"/>
-            </a:gdLst>
-            <a:ahLst/>
-            <a:cxnLst>
-              <a:cxn ang="0">
-                <a:pos x="connsiteX0" y="connsiteY0"/>
-              </a:cxn>
-              <a:cxn ang="0">
-                <a:pos x="connsiteX1" y="connsiteY1"/>
-              </a:cxn>
-              <a:cxn ang="0">
-                <a:pos x="connsiteX2" y="connsiteY2"/>
-              </a:cxn>
-              <a:cxn ang="0">
-                <a:pos x="connsiteX3" y="connsiteY3"/>
-              </a:cxn>
-            </a:cxnLst>
-            <a:rect l="l" t="t" r="r" b="b"/>
-            <a:pathLst>
-              <a:path w="330200" h="660400">
-                <a:moveTo>
-                  <a:pt x="0" y="0"/>
-                </a:moveTo>
-                <a:cubicBezTo>
-                  <a:pt x="182364" y="0"/>
-                  <a:pt x="330200" y="147836"/>
-                  <a:pt x="330200" y="330200"/>
-                </a:cubicBezTo>
-                <a:cubicBezTo>
-                  <a:pt x="330200" y="512564"/>
-                  <a:pt x="182364" y="660400"/>
-                  <a:pt x="0" y="660400"/>
-                </a:cubicBezTo>
-                <a:lnTo>
-                  <a:pt x="0" y="0"/>
-                </a:lnTo>
-                <a:close/>
-              </a:path>
-            </a:pathLst>
-          </a:custGeom>
-          <a:solidFill>
-            <a:srgbClr val="963AFF"/>
-          </a:solidFill>
-          <a:ln>
-            <a:noFill/>
-          </a:ln>
-        </p:spPr>
-        <p:style>
-          <a:lnRef idx="0">
-            <a:scrgbClr r="0" g="0" b="0"/>
-          </a:lnRef>
-          <a:fillRef idx="0">
-            <a:scrgbClr r="0" g="0" b="0"/>
-          </a:fillRef>
-          <a:effectRef idx="0">
-            <a:scrgbClr r="0" g="0" b="0"/>
-          </a:effectRef>
-          <a:fontRef idx="minor">
-            <a:schemeClr val="lt1"/>
-          </a:fontRef>
-        </p:style>
-        <p:txBody>
-          <a:bodyPr wrap="square" rtlCol="0" anchor="ctr">
-            <a:noAutofit/>
-          </a:bodyPr>
-          <a:lstStyle/>
-          <a:p>
-            <a:pPr algn="ctr"/>
-            <a:endParaRPr lang="fr-FR"/>
-          </a:p>
-        </p:txBody>
-      </p:sp>
-      <p:sp>
-        <p:nvSpPr>
-          <p:cNvPr id="3" name="ZoneTexte 2">
-            <a:extLst>
-              <a:ext uri="{FF2B5EF4-FFF2-40B4-BE49-F238E27FC236}">
-                <a16:creationId xmlns:a16="http://schemas.microsoft.com/office/drawing/2014/main" id="{7CD2B6C5-E2B7-F82D-B859-070741571CF4}"/>
-              </a:ext>
-            </a:extLst>
-          </p:cNvPr>
-          <p:cNvSpPr txBox="1"/>
-          <p:nvPr/>
-        </p:nvSpPr>
-        <p:spPr>
-          <a:xfrm>
-            <a:off x="282573" y="1487676"/>
-            <a:ext cx="1716832" cy="400110"/>
-          </a:xfrm>
-          <a:prstGeom prst="rect">
-            <a:avLst/>
-          </a:prstGeom>
-          <a:noFill/>
-        </p:spPr>
-        <p:txBody>
-          <a:bodyPr wrap="square" rtlCol="0">
-            <a:spAutoFit/>
-          </a:bodyPr>
-          <a:lstStyle/>
-          <a:p>
-            <a:r>
-              <a:rPr lang="fr-FR" sz="2000" dirty="0" err="1">
-                <a:solidFill>
-                  <a:schemeClr val="bg1"/>
-                </a:solidFill>
-              </a:rPr>
-              <a:t>Inject</a:t>
-            </a:r>
-            <a:endParaRPr lang="fr-FR" sz="2000" dirty="0">
-              <a:solidFill>
-                <a:schemeClr val="bg1"/>
-              </a:solidFill>
-            </a:endParaRPr>
-          </a:p>
-        </p:txBody>
-      </p:sp>
-      <p:pic>
-        <p:nvPicPr>
-          <p:cNvPr id="4" name="Image 3" descr="Une image contenant texte, Police, capture d’écran, ligne&#10;&#10;Description générée automatiquement">
-            <a:extLst>
-              <a:ext uri="{FF2B5EF4-FFF2-40B4-BE49-F238E27FC236}">
-                <a16:creationId xmlns:a16="http://schemas.microsoft.com/office/drawing/2014/main" id="{2B12B226-103B-3C5A-A150-1BD4075EA02C}"/>
+          <p:cNvPr id="5" name="Image 4" descr="Une image contenant capture d’écran&#10;&#10;Description générée automatiquement">
+            <a:extLst>
+              <a:ext uri="{FF2B5EF4-FFF2-40B4-BE49-F238E27FC236}">
+                <a16:creationId xmlns:a16="http://schemas.microsoft.com/office/drawing/2014/main" id="{146EFA30-12ED-CB70-722A-3676047D0C25}"/>
               </a:ext>
             </a:extLst>
           </p:cNvPr>
@@ -9209,48 +8980,56 @@
         </p:blipFill>
         <p:spPr>
           <a:xfrm>
-            <a:off x="4893255" y="3934403"/>
-            <a:ext cx="4902200" cy="1104900"/>
+            <a:off x="3315694" y="1289358"/>
+            <a:ext cx="7772400" cy="3685710"/>
           </a:xfrm>
           <a:prstGeom prst="rect">
             <a:avLst/>
           </a:prstGeom>
         </p:spPr>
       </p:pic>
-      <p:pic>
-        <p:nvPicPr>
-          <p:cNvPr id="6" name="Image 5" descr="Une image contenant texte, Police, capture d’écran, ligne&#10;&#10;Description générée automatiquement">
-            <a:extLst>
-              <a:ext uri="{FF2B5EF4-FFF2-40B4-BE49-F238E27FC236}">
-                <a16:creationId xmlns:a16="http://schemas.microsoft.com/office/drawing/2014/main" id="{A05A3A32-2E52-866C-C927-A7DDDDA19523}"/>
-              </a:ext>
-            </a:extLst>
-          </p:cNvPr>
-          <p:cNvPicPr>
-            <a:picLocks noChangeAspect="1"/>
-          </p:cNvPicPr>
+      <p:sp>
+        <p:nvSpPr>
+          <p:cNvPr id="2" name="ZoneTexte 1">
+            <a:extLst>
+              <a:ext uri="{FF2B5EF4-FFF2-40B4-BE49-F238E27FC236}">
+                <a16:creationId xmlns:a16="http://schemas.microsoft.com/office/drawing/2014/main" id="{835EDDD8-5712-2985-8274-0D6908C43A02}"/>
+              </a:ext>
+            </a:extLst>
+          </p:cNvPr>
+          <p:cNvSpPr txBox="1"/>
           <p:nvPr/>
-        </p:nvPicPr>
-        <p:blipFill>
-          <a:blip r:embed="rId5"/>
-          <a:stretch>
-            <a:fillRect/>
-          </a:stretch>
-        </p:blipFill>
-        <p:spPr>
-          <a:xfrm>
-            <a:off x="4747205" y="2137201"/>
-            <a:ext cx="5194300" cy="1143000"/>
+        </p:nvSpPr>
+        <p:spPr>
+          <a:xfrm>
+            <a:off x="4110824" y="800580"/>
+            <a:ext cx="3239911" cy="369332"/>
           </a:xfrm>
           <a:prstGeom prst="rect">
             <a:avLst/>
           </a:prstGeom>
-        </p:spPr>
-      </p:pic>
+          <a:noFill/>
+        </p:spPr>
+        <p:txBody>
+          <a:bodyPr wrap="square" rtlCol="0">
+            <a:spAutoFit/>
+          </a:bodyPr>
+          <a:lstStyle/>
+          <a:p>
+            <a:r>
+              <a:rPr lang="fr-FR" dirty="0">
+                <a:hlinkClick r:id="rId5"/>
+              </a:rPr>
+              <a:t>https://bit.ly/atelier-angular-17</a:t>
+            </a:r>
+            <a:endParaRPr lang="fr-FR" dirty="0"/>
+          </a:p>
+        </p:txBody>
+      </p:sp>
     </p:spTree>
     <p:extLst>
       <p:ext uri="{BB962C8B-B14F-4D97-AF65-F5344CB8AC3E}">
-        <p14:creationId xmlns:p14="http://schemas.microsoft.com/office/powerpoint/2010/main" val="3470553657"/>
+        <p14:creationId xmlns:p14="http://schemas.microsoft.com/office/powerpoint/2010/main" val="1597963109"/>
       </p:ext>
     </p:extLst>
   </p:cSld>
@@ -9280,7 +9059,7 @@
         <p:cNvPr id="1" name="">
           <a:extLst>
             <a:ext uri="{FF2B5EF4-FFF2-40B4-BE49-F238E27FC236}">
-              <a16:creationId xmlns:a16="http://schemas.microsoft.com/office/drawing/2014/main" id="{46F37032-D4E8-6CD7-3620-D42DAD244C0E}"/>
+              <a16:creationId xmlns:a16="http://schemas.microsoft.com/office/drawing/2014/main" id="{2F2DE13F-6B7D-858F-023A-0C8E6A5A092F}"/>
             </a:ext>
           </a:extLst>
         </p:cNvPr>
@@ -9300,7 +9079,7 @@
           <p:cNvPr id="37" name="ZoneTexte 36">
             <a:extLst>
               <a:ext uri="{FF2B5EF4-FFF2-40B4-BE49-F238E27FC236}">
-                <a16:creationId xmlns:a16="http://schemas.microsoft.com/office/drawing/2014/main" id="{FB258515-8DAF-2F0D-5555-A80A9D65C281}"/>
+                <a16:creationId xmlns:a16="http://schemas.microsoft.com/office/drawing/2014/main" id="{DD66F86A-4A0A-52C6-28C5-91C620D2C1EE}"/>
               </a:ext>
             </a:extLst>
           </p:cNvPr>
@@ -9343,7 +9122,7 @@
           <p:cNvPr id="53" name="Forme libre 52">
             <a:extLst>
               <a:ext uri="{FF2B5EF4-FFF2-40B4-BE49-F238E27FC236}">
-                <a16:creationId xmlns:a16="http://schemas.microsoft.com/office/drawing/2014/main" id="{4D85DFFA-F363-F575-2304-21177227222E}"/>
+                <a16:creationId xmlns:a16="http://schemas.microsoft.com/office/drawing/2014/main" id="{A7E8F8D5-8F04-9678-90EB-B9367161BF5F}"/>
               </a:ext>
             </a:extLst>
           </p:cNvPr>
@@ -9480,7 +9259,7 @@
           <p:cNvPr id="16" name="Image 15">
             <a:extLst>
               <a:ext uri="{FF2B5EF4-FFF2-40B4-BE49-F238E27FC236}">
-                <a16:creationId xmlns:a16="http://schemas.microsoft.com/office/drawing/2014/main" id="{D4A4CD24-6702-6587-2A32-AD7ADD3DC323}"/>
+                <a16:creationId xmlns:a16="http://schemas.microsoft.com/office/drawing/2014/main" id="{D7B4DE39-A229-55AB-6AF1-A6696857D26E}"/>
               </a:ext>
             </a:extLst>
           </p:cNvPr>
@@ -9509,7 +9288,7 @@
           <p:cNvPr id="3" name="ZoneTexte 2">
             <a:extLst>
               <a:ext uri="{FF2B5EF4-FFF2-40B4-BE49-F238E27FC236}">
-                <a16:creationId xmlns:a16="http://schemas.microsoft.com/office/drawing/2014/main" id="{0DDA0B2C-992F-C3AB-04DB-4A1E43518B78}"/>
+                <a16:creationId xmlns:a16="http://schemas.microsoft.com/office/drawing/2014/main" id="{DD98F052-D33A-2664-B04F-D57633F16910}"/>
               </a:ext>
             </a:extLst>
           </p:cNvPr>
@@ -9548,7 +9327,7 @@
           <p:cNvPr id="49" name="Forme libre 48">
             <a:extLst>
               <a:ext uri="{FF2B5EF4-FFF2-40B4-BE49-F238E27FC236}">
-                <a16:creationId xmlns:a16="http://schemas.microsoft.com/office/drawing/2014/main" id="{611EB613-7A03-765A-249C-56777CA0B3CE}"/>
+                <a16:creationId xmlns:a16="http://schemas.microsoft.com/office/drawing/2014/main" id="{769D5F88-ACC9-44C5-8C77-DDEDDA02630C}"/>
               </a:ext>
             </a:extLst>
           </p:cNvPr>
@@ -9644,10 +9423,10 @@
       </p:sp>
       <p:pic>
         <p:nvPicPr>
-          <p:cNvPr id="5" name="Image 4" descr="Une image contenant capture d’écran&#10;&#10;Description générée automatiquement">
-            <a:extLst>
-              <a:ext uri="{FF2B5EF4-FFF2-40B4-BE49-F238E27FC236}">
-                <a16:creationId xmlns:a16="http://schemas.microsoft.com/office/drawing/2014/main" id="{146EFA30-12ED-CB70-722A-3676047D0C25}"/>
+          <p:cNvPr id="4" name="Image 3" descr="Une image contenant texte, nombre, ligne, Police&#10;&#10;Description générée automatiquement">
+            <a:extLst>
+              <a:ext uri="{FF2B5EF4-FFF2-40B4-BE49-F238E27FC236}">
+                <a16:creationId xmlns:a16="http://schemas.microsoft.com/office/drawing/2014/main" id="{1F41C116-84D1-3B52-7159-46D2577E9CBF}"/>
               </a:ext>
             </a:extLst>
           </p:cNvPr>
@@ -9664,20 +9443,110 @@
         </p:blipFill>
         <p:spPr>
           <a:xfrm>
-            <a:off x="3315694" y="1289358"/>
-            <a:ext cx="7772400" cy="3685710"/>
+            <a:off x="2678414" y="1289359"/>
+            <a:ext cx="5349003" cy="1684430"/>
           </a:xfrm>
           <a:prstGeom prst="rect">
             <a:avLst/>
           </a:prstGeom>
         </p:spPr>
       </p:pic>
-      <p:sp>
-        <p:nvSpPr>
-          <p:cNvPr id="8" name="ZoneTexte 7">
-            <a:extLst>
-              <a:ext uri="{FF2B5EF4-FFF2-40B4-BE49-F238E27FC236}">
-                <a16:creationId xmlns:a16="http://schemas.microsoft.com/office/drawing/2014/main" id="{5C4B67C4-8201-98CB-7F57-5DD48A80B86D}"/>
+      <p:pic>
+        <p:nvPicPr>
+          <p:cNvPr id="7" name="Image 6" descr="Une image contenant texte, capture d’écran, Police&#10;&#10;Description générée automatiquement">
+            <a:extLst>
+              <a:ext uri="{FF2B5EF4-FFF2-40B4-BE49-F238E27FC236}">
+                <a16:creationId xmlns:a16="http://schemas.microsoft.com/office/drawing/2014/main" id="{C7643D27-CB74-886C-084B-BC87E748826D}"/>
+              </a:ext>
+            </a:extLst>
+          </p:cNvPr>
+          <p:cNvPicPr>
+            <a:picLocks noChangeAspect="1"/>
+          </p:cNvPicPr>
+          <p:nvPr/>
+        </p:nvPicPr>
+        <p:blipFill>
+          <a:blip r:embed="rId5"/>
+          <a:stretch>
+            <a:fillRect/>
+          </a:stretch>
+        </p:blipFill>
+        <p:spPr>
+          <a:xfrm>
+            <a:off x="8982477" y="1289358"/>
+            <a:ext cx="2847275" cy="3256059"/>
+          </a:xfrm>
+          <a:prstGeom prst="rect">
+            <a:avLst/>
+          </a:prstGeom>
+        </p:spPr>
+      </p:pic>
+      <p:pic>
+        <p:nvPicPr>
+          <p:cNvPr id="10" name="Image 9" descr="Une image contenant texte, capture d’écran, logiciel&#10;&#10;Description générée automatiquement">
+            <a:extLst>
+              <a:ext uri="{FF2B5EF4-FFF2-40B4-BE49-F238E27FC236}">
+                <a16:creationId xmlns:a16="http://schemas.microsoft.com/office/drawing/2014/main" id="{C94C7194-FB70-1AB9-D124-ED29F96AE4A3}"/>
+              </a:ext>
+            </a:extLst>
+          </p:cNvPr>
+          <p:cNvPicPr>
+            <a:picLocks noChangeAspect="1"/>
+          </p:cNvPicPr>
+          <p:nvPr/>
+        </p:nvPicPr>
+        <p:blipFill>
+          <a:blip r:embed="rId6"/>
+          <a:stretch>
+            <a:fillRect/>
+          </a:stretch>
+        </p:blipFill>
+        <p:spPr>
+          <a:xfrm>
+            <a:off x="2678414" y="2846566"/>
+            <a:ext cx="3632272" cy="2783401"/>
+          </a:xfrm>
+          <a:prstGeom prst="rect">
+            <a:avLst/>
+          </a:prstGeom>
+        </p:spPr>
+      </p:pic>
+      <p:pic>
+        <p:nvPicPr>
+          <p:cNvPr id="12" name="Image 11" descr="Une image contenant texte, Police, capture d’écran&#10;&#10;Description générée automatiquement">
+            <a:extLst>
+              <a:ext uri="{FF2B5EF4-FFF2-40B4-BE49-F238E27FC236}">
+                <a16:creationId xmlns:a16="http://schemas.microsoft.com/office/drawing/2014/main" id="{0A6FDFA4-E139-70AF-C3F4-0E89F1B74A34}"/>
+              </a:ext>
+            </a:extLst>
+          </p:cNvPr>
+          <p:cNvPicPr>
+            <a:picLocks noChangeAspect="1"/>
+          </p:cNvPicPr>
+          <p:nvPr/>
+        </p:nvPicPr>
+        <p:blipFill>
+          <a:blip r:embed="rId7"/>
+          <a:stretch>
+            <a:fillRect/>
+          </a:stretch>
+        </p:blipFill>
+        <p:spPr>
+          <a:xfrm>
+            <a:off x="6830170" y="4956485"/>
+            <a:ext cx="4857419" cy="1541469"/>
+          </a:xfrm>
+          <a:prstGeom prst="rect">
+            <a:avLst/>
+          </a:prstGeom>
+        </p:spPr>
+      </p:pic>
+      <p:sp>
+        <p:nvSpPr>
+          <p:cNvPr id="2" name="ZoneTexte 1">
+            <a:extLst>
+              <a:ext uri="{FF2B5EF4-FFF2-40B4-BE49-F238E27FC236}">
+                <a16:creationId xmlns:a16="http://schemas.microsoft.com/office/drawing/2014/main" id="{DD8FC1FD-0857-A5C2-9FFC-443D3233948F}"/>
               </a:ext>
             </a:extLst>
           </p:cNvPr>
@@ -9687,7 +9556,7 @@
         <p:spPr>
           <a:xfrm>
             <a:off x="4110824" y="800580"/>
-            <a:ext cx="6706926" cy="369332"/>
+            <a:ext cx="3239911" cy="369332"/>
           </a:xfrm>
           <a:prstGeom prst="rect">
             <a:avLst/>
@@ -9701,17 +9570,10 @@
           <a:lstStyle/>
           <a:p>
             <a:r>
-              <a:rPr lang="fr-FR" b="0" u="sng" dirty="0">
-                <a:solidFill>
-                  <a:schemeClr val="accent1">
-                    <a:lumMod val="75000"/>
-                  </a:schemeClr>
-                </a:solidFill>
-                <a:effectLst/>
-                <a:latin typeface="JetBrains Mono"/>
-                <a:hlinkClick r:id="rId5"/>
+              <a:rPr lang="fr-FR" dirty="0">
+                <a:hlinkClick r:id="rId8"/>
               </a:rPr>
-              <a:t>https://yatho.github.io/atelier-Angular17/atelier-angular-17/</a:t>
+              <a:t>https://bit.ly/atelier-angular-17</a:t>
             </a:r>
             <a:endParaRPr lang="fr-FR" dirty="0"/>
           </a:p>
@@ -9720,7 +9582,7 @@
     </p:spTree>
     <p:extLst>
       <p:ext uri="{BB962C8B-B14F-4D97-AF65-F5344CB8AC3E}">
-        <p14:creationId xmlns:p14="http://schemas.microsoft.com/office/powerpoint/2010/main" val="1597963109"/>
+        <p14:creationId xmlns:p14="http://schemas.microsoft.com/office/powerpoint/2010/main" val="1946024771"/>
       </p:ext>
     </p:extLst>
   </p:cSld>
@@ -9750,7 +9612,7 @@
         <p:cNvPr id="1" name="">
           <a:extLst>
             <a:ext uri="{FF2B5EF4-FFF2-40B4-BE49-F238E27FC236}">
-              <a16:creationId xmlns:a16="http://schemas.microsoft.com/office/drawing/2014/main" id="{2F2DE13F-6B7D-858F-023A-0C8E6A5A092F}"/>
+              <a16:creationId xmlns:a16="http://schemas.microsoft.com/office/drawing/2014/main" id="{21CFFE71-9B98-9B1F-4B52-78C62C0453F2}"/>
             </a:ext>
           </a:extLst>
         </p:cNvPr>
@@ -9767,53 +9629,10 @@
       </p:grpSpPr>
       <p:sp>
         <p:nvSpPr>
-          <p:cNvPr id="37" name="ZoneTexte 36">
-            <a:extLst>
-              <a:ext uri="{FF2B5EF4-FFF2-40B4-BE49-F238E27FC236}">
-                <a16:creationId xmlns:a16="http://schemas.microsoft.com/office/drawing/2014/main" id="{DD66F86A-4A0A-52C6-28C5-91C620D2C1EE}"/>
-              </a:ext>
-            </a:extLst>
-          </p:cNvPr>
-          <p:cNvSpPr txBox="1"/>
-          <p:nvPr/>
-        </p:nvSpPr>
-        <p:spPr>
-          <a:xfrm>
-            <a:off x="4752870" y="34803"/>
-            <a:ext cx="7663065" cy="646331"/>
-          </a:xfrm>
-          <a:prstGeom prst="rect">
-            <a:avLst/>
-          </a:prstGeom>
-          <a:noFill/>
-        </p:spPr>
-        <p:txBody>
-          <a:bodyPr wrap="square" rtlCol="0">
-            <a:spAutoFit/>
-          </a:bodyPr>
-          <a:lstStyle/>
-          <a:p>
-            <a:r>
-              <a:rPr lang="fr-FR" sz="3600" dirty="0"/>
-              <a:t>Migrer une application vers </a:t>
-            </a:r>
-            <a:r>
-              <a:rPr lang="fr-FR" sz="3600" dirty="0" err="1"/>
-              <a:t>Angular</a:t>
-            </a:r>
-            <a:r>
-              <a:rPr lang="fr-FR" sz="3600" dirty="0"/>
-              <a:t> 17</a:t>
-            </a:r>
-          </a:p>
-        </p:txBody>
-      </p:sp>
-      <p:sp>
-        <p:nvSpPr>
           <p:cNvPr id="53" name="Forme libre 52">
             <a:extLst>
               <a:ext uri="{FF2B5EF4-FFF2-40B4-BE49-F238E27FC236}">
-                <a16:creationId xmlns:a16="http://schemas.microsoft.com/office/drawing/2014/main" id="{A7E8F8D5-8F04-9678-90EB-B9367161BF5F}"/>
+                <a16:creationId xmlns:a16="http://schemas.microsoft.com/office/drawing/2014/main" id="{9F1E427B-0882-9B77-624C-BE9021BFE934}"/>
               </a:ext>
             </a:extLst>
           </p:cNvPr>
@@ -9823,7 +9642,7 @@
         <p:spPr>
           <a:xfrm>
             <a:off x="0" y="0"/>
-            <a:ext cx="2376435" cy="6858000"/>
+            <a:ext cx="12192000" cy="6858000"/>
           </a:xfrm>
           <a:custGeom>
             <a:avLst/>
@@ -9945,523 +9764,6 @@
           </a:p>
         </p:txBody>
       </p:sp>
-      <p:pic>
-        <p:nvPicPr>
-          <p:cNvPr id="16" name="Image 15">
-            <a:extLst>
-              <a:ext uri="{FF2B5EF4-FFF2-40B4-BE49-F238E27FC236}">
-                <a16:creationId xmlns:a16="http://schemas.microsoft.com/office/drawing/2014/main" id="{D7B4DE39-A229-55AB-6AF1-A6696857D26E}"/>
-              </a:ext>
-            </a:extLst>
-          </p:cNvPr>
-          <p:cNvPicPr>
-            <a:picLocks noChangeAspect="1"/>
-          </p:cNvPicPr>
-          <p:nvPr/>
-        </p:nvPicPr>
-        <p:blipFill rotWithShape="1">
-          <a:blip r:embed="rId3"/>
-          <a:srcRect r="72930"/>
-          <a:stretch/>
-        </p:blipFill>
-        <p:spPr>
-          <a:xfrm>
-            <a:off x="637278" y="130629"/>
-            <a:ext cx="1101877" cy="1272695"/>
-          </a:xfrm>
-          <a:prstGeom prst="rect">
-            <a:avLst/>
-          </a:prstGeom>
-        </p:spPr>
-      </p:pic>
-      <p:sp>
-        <p:nvSpPr>
-          <p:cNvPr id="3" name="ZoneTexte 2">
-            <a:extLst>
-              <a:ext uri="{FF2B5EF4-FFF2-40B4-BE49-F238E27FC236}">
-                <a16:creationId xmlns:a16="http://schemas.microsoft.com/office/drawing/2014/main" id="{DD98F052-D33A-2664-B04F-D57633F16910}"/>
-              </a:ext>
-            </a:extLst>
-          </p:cNvPr>
-          <p:cNvSpPr txBox="1"/>
-          <p:nvPr/>
-        </p:nvSpPr>
-        <p:spPr>
-          <a:xfrm>
-            <a:off x="282573" y="1487676"/>
-            <a:ext cx="1716832" cy="400110"/>
-          </a:xfrm>
-          <a:prstGeom prst="rect">
-            <a:avLst/>
-          </a:prstGeom>
-          <a:noFill/>
-        </p:spPr>
-        <p:txBody>
-          <a:bodyPr wrap="square" rtlCol="0">
-            <a:spAutoFit/>
-          </a:bodyPr>
-          <a:lstStyle/>
-          <a:p>
-            <a:r>
-              <a:rPr lang="fr-FR" sz="2000" dirty="0">
-                <a:solidFill>
-                  <a:schemeClr val="bg1"/>
-                </a:solidFill>
-              </a:rPr>
-              <a:t>Migration</a:t>
-            </a:r>
-          </a:p>
-        </p:txBody>
-      </p:sp>
-      <p:sp>
-        <p:nvSpPr>
-          <p:cNvPr id="49" name="Forme libre 48">
-            <a:extLst>
-              <a:ext uri="{FF2B5EF4-FFF2-40B4-BE49-F238E27FC236}">
-                <a16:creationId xmlns:a16="http://schemas.microsoft.com/office/drawing/2014/main" id="{769D5F88-ACC9-44C5-8C77-DDEDDA02630C}"/>
-              </a:ext>
-            </a:extLst>
-          </p:cNvPr>
-          <p:cNvSpPr/>
-          <p:nvPr/>
-        </p:nvSpPr>
-        <p:spPr>
-          <a:xfrm>
-            <a:off x="0" y="1354129"/>
-            <a:ext cx="330200" cy="660400"/>
-          </a:xfrm>
-          <a:custGeom>
-            <a:avLst/>
-            <a:gdLst>
-              <a:gd name="connsiteX0" fmla="*/ 0 w 330200"/>
-              <a:gd name="connsiteY0" fmla="*/ 0 h 660400"/>
-              <a:gd name="connsiteX1" fmla="*/ 330200 w 330200"/>
-              <a:gd name="connsiteY1" fmla="*/ 330200 h 660400"/>
-              <a:gd name="connsiteX2" fmla="*/ 0 w 330200"/>
-              <a:gd name="connsiteY2" fmla="*/ 660400 h 660400"/>
-              <a:gd name="connsiteX3" fmla="*/ 0 w 330200"/>
-              <a:gd name="connsiteY3" fmla="*/ 0 h 660400"/>
-            </a:gdLst>
-            <a:ahLst/>
-            <a:cxnLst>
-              <a:cxn ang="0">
-                <a:pos x="connsiteX0" y="connsiteY0"/>
-              </a:cxn>
-              <a:cxn ang="0">
-                <a:pos x="connsiteX1" y="connsiteY1"/>
-              </a:cxn>
-              <a:cxn ang="0">
-                <a:pos x="connsiteX2" y="connsiteY2"/>
-              </a:cxn>
-              <a:cxn ang="0">
-                <a:pos x="connsiteX3" y="connsiteY3"/>
-              </a:cxn>
-            </a:cxnLst>
-            <a:rect l="l" t="t" r="r" b="b"/>
-            <a:pathLst>
-              <a:path w="330200" h="660400">
-                <a:moveTo>
-                  <a:pt x="0" y="0"/>
-                </a:moveTo>
-                <a:cubicBezTo>
-                  <a:pt x="182364" y="0"/>
-                  <a:pt x="330200" y="147836"/>
-                  <a:pt x="330200" y="330200"/>
-                </a:cubicBezTo>
-                <a:cubicBezTo>
-                  <a:pt x="330200" y="512564"/>
-                  <a:pt x="182364" y="660400"/>
-                  <a:pt x="0" y="660400"/>
-                </a:cubicBezTo>
-                <a:lnTo>
-                  <a:pt x="0" y="0"/>
-                </a:lnTo>
-                <a:close/>
-              </a:path>
-            </a:pathLst>
-          </a:custGeom>
-          <a:solidFill>
-            <a:srgbClr val="FA3EE0"/>
-          </a:solidFill>
-          <a:ln>
-            <a:noFill/>
-          </a:ln>
-        </p:spPr>
-        <p:style>
-          <a:lnRef idx="0">
-            <a:scrgbClr r="0" g="0" b="0"/>
-          </a:lnRef>
-          <a:fillRef idx="0">
-            <a:scrgbClr r="0" g="0" b="0"/>
-          </a:fillRef>
-          <a:effectRef idx="0">
-            <a:scrgbClr r="0" g="0" b="0"/>
-          </a:effectRef>
-          <a:fontRef idx="minor">
-            <a:schemeClr val="lt1"/>
-          </a:fontRef>
-        </p:style>
-        <p:txBody>
-          <a:bodyPr wrap="square" rtlCol="0" anchor="ctr">
-            <a:noAutofit/>
-          </a:bodyPr>
-          <a:lstStyle/>
-          <a:p>
-            <a:pPr algn="ctr"/>
-            <a:endParaRPr lang="fr-FR"/>
-          </a:p>
-        </p:txBody>
-      </p:sp>
-      <p:sp>
-        <p:nvSpPr>
-          <p:cNvPr id="8" name="ZoneTexte 7">
-            <a:extLst>
-              <a:ext uri="{FF2B5EF4-FFF2-40B4-BE49-F238E27FC236}">
-                <a16:creationId xmlns:a16="http://schemas.microsoft.com/office/drawing/2014/main" id="{14B7DCB5-BEF4-A322-FFDE-BBE9B4886900}"/>
-              </a:ext>
-            </a:extLst>
-          </p:cNvPr>
-          <p:cNvSpPr txBox="1"/>
-          <p:nvPr/>
-        </p:nvSpPr>
-        <p:spPr>
-          <a:xfrm>
-            <a:off x="4110824" y="800580"/>
-            <a:ext cx="6706926" cy="369332"/>
-          </a:xfrm>
-          <a:prstGeom prst="rect">
-            <a:avLst/>
-          </a:prstGeom>
-          <a:noFill/>
-        </p:spPr>
-        <p:txBody>
-          <a:bodyPr wrap="square" rtlCol="0">
-            <a:spAutoFit/>
-          </a:bodyPr>
-          <a:lstStyle/>
-          <a:p>
-            <a:r>
-              <a:rPr lang="fr-FR" b="0" u="sng" dirty="0">
-                <a:solidFill>
-                  <a:schemeClr val="accent1">
-                    <a:lumMod val="75000"/>
-                  </a:schemeClr>
-                </a:solidFill>
-                <a:effectLst/>
-                <a:latin typeface="JetBrains Mono"/>
-                <a:hlinkClick r:id="rId4"/>
-              </a:rPr>
-              <a:t>https://yatho.github.io/atelier-Angular17/atelier-angular-17/</a:t>
-            </a:r>
-            <a:endParaRPr lang="fr-FR" dirty="0"/>
-          </a:p>
-        </p:txBody>
-      </p:sp>
-      <p:pic>
-        <p:nvPicPr>
-          <p:cNvPr id="4" name="Image 3" descr="Une image contenant texte, nombre, ligne, Police&#10;&#10;Description générée automatiquement">
-            <a:extLst>
-              <a:ext uri="{FF2B5EF4-FFF2-40B4-BE49-F238E27FC236}">
-                <a16:creationId xmlns:a16="http://schemas.microsoft.com/office/drawing/2014/main" id="{1F41C116-84D1-3B52-7159-46D2577E9CBF}"/>
-              </a:ext>
-            </a:extLst>
-          </p:cNvPr>
-          <p:cNvPicPr>
-            <a:picLocks noChangeAspect="1"/>
-          </p:cNvPicPr>
-          <p:nvPr/>
-        </p:nvPicPr>
-        <p:blipFill>
-          <a:blip r:embed="rId5"/>
-          <a:stretch>
-            <a:fillRect/>
-          </a:stretch>
-        </p:blipFill>
-        <p:spPr>
-          <a:xfrm>
-            <a:off x="2678414" y="1289359"/>
-            <a:ext cx="5349003" cy="1684430"/>
-          </a:xfrm>
-          <a:prstGeom prst="rect">
-            <a:avLst/>
-          </a:prstGeom>
-        </p:spPr>
-      </p:pic>
-      <p:pic>
-        <p:nvPicPr>
-          <p:cNvPr id="7" name="Image 6" descr="Une image contenant texte, capture d’écran, Police&#10;&#10;Description générée automatiquement">
-            <a:extLst>
-              <a:ext uri="{FF2B5EF4-FFF2-40B4-BE49-F238E27FC236}">
-                <a16:creationId xmlns:a16="http://schemas.microsoft.com/office/drawing/2014/main" id="{C7643D27-CB74-886C-084B-BC87E748826D}"/>
-              </a:ext>
-            </a:extLst>
-          </p:cNvPr>
-          <p:cNvPicPr>
-            <a:picLocks noChangeAspect="1"/>
-          </p:cNvPicPr>
-          <p:nvPr/>
-        </p:nvPicPr>
-        <p:blipFill>
-          <a:blip r:embed="rId6"/>
-          <a:stretch>
-            <a:fillRect/>
-          </a:stretch>
-        </p:blipFill>
-        <p:spPr>
-          <a:xfrm>
-            <a:off x="8982477" y="1289358"/>
-            <a:ext cx="2847275" cy="3256059"/>
-          </a:xfrm>
-          <a:prstGeom prst="rect">
-            <a:avLst/>
-          </a:prstGeom>
-        </p:spPr>
-      </p:pic>
-      <p:pic>
-        <p:nvPicPr>
-          <p:cNvPr id="10" name="Image 9" descr="Une image contenant texte, capture d’écran, logiciel&#10;&#10;Description générée automatiquement">
-            <a:extLst>
-              <a:ext uri="{FF2B5EF4-FFF2-40B4-BE49-F238E27FC236}">
-                <a16:creationId xmlns:a16="http://schemas.microsoft.com/office/drawing/2014/main" id="{C94C7194-FB70-1AB9-D124-ED29F96AE4A3}"/>
-              </a:ext>
-            </a:extLst>
-          </p:cNvPr>
-          <p:cNvPicPr>
-            <a:picLocks noChangeAspect="1"/>
-          </p:cNvPicPr>
-          <p:nvPr/>
-        </p:nvPicPr>
-        <p:blipFill>
-          <a:blip r:embed="rId7"/>
-          <a:stretch>
-            <a:fillRect/>
-          </a:stretch>
-        </p:blipFill>
-        <p:spPr>
-          <a:xfrm>
-            <a:off x="2678414" y="2846566"/>
-            <a:ext cx="3632272" cy="2783401"/>
-          </a:xfrm>
-          <a:prstGeom prst="rect">
-            <a:avLst/>
-          </a:prstGeom>
-        </p:spPr>
-      </p:pic>
-      <p:pic>
-        <p:nvPicPr>
-          <p:cNvPr id="12" name="Image 11" descr="Une image contenant texte, Police, capture d’écran&#10;&#10;Description générée automatiquement">
-            <a:extLst>
-              <a:ext uri="{FF2B5EF4-FFF2-40B4-BE49-F238E27FC236}">
-                <a16:creationId xmlns:a16="http://schemas.microsoft.com/office/drawing/2014/main" id="{0A6FDFA4-E139-70AF-C3F4-0E89F1B74A34}"/>
-              </a:ext>
-            </a:extLst>
-          </p:cNvPr>
-          <p:cNvPicPr>
-            <a:picLocks noChangeAspect="1"/>
-          </p:cNvPicPr>
-          <p:nvPr/>
-        </p:nvPicPr>
-        <p:blipFill>
-          <a:blip r:embed="rId8"/>
-          <a:stretch>
-            <a:fillRect/>
-          </a:stretch>
-        </p:blipFill>
-        <p:spPr>
-          <a:xfrm>
-            <a:off x="6830170" y="4956485"/>
-            <a:ext cx="4857419" cy="1541469"/>
-          </a:xfrm>
-          <a:prstGeom prst="rect">
-            <a:avLst/>
-          </a:prstGeom>
-        </p:spPr>
-      </p:pic>
-    </p:spTree>
-    <p:extLst>
-      <p:ext uri="{BB962C8B-B14F-4D97-AF65-F5344CB8AC3E}">
-        <p14:creationId xmlns:p14="http://schemas.microsoft.com/office/powerpoint/2010/main" val="1946024771"/>
-      </p:ext>
-    </p:extLst>
-  </p:cSld>
-  <p:clrMapOvr>
-    <a:masterClrMapping/>
-  </p:clrMapOvr>
-  <mc:AlternateContent xmlns:mc="http://schemas.openxmlformats.org/markup-compatibility/2006" xmlns:p159="http://schemas.microsoft.com/office/powerpoint/2015/09/main">
-    <mc:Choice Requires="p159">
-      <p:transition spd="slow">
-        <p159:morph option="byObject"/>
-      </p:transition>
-    </mc:Choice>
-    <mc:Fallback xmlns="">
-      <p:transition spd="slow">
-        <p:fade/>
-      </p:transition>
-    </mc:Fallback>
-  </mc:AlternateContent>
-</p:sld>
-</file>
-
-<file path=ppt/slides/slide17.xml><?xml version="1.0" encoding="utf-8"?>
-<p:sld xmlns:a="http://schemas.openxmlformats.org/drawingml/2006/main" xmlns:r="http://schemas.openxmlformats.org/officeDocument/2006/relationships" xmlns:p="http://schemas.openxmlformats.org/presentationml/2006/main">
-  <p:cSld>
-    <p:spTree>
-      <p:nvGrpSpPr>
-        <p:cNvPr id="1" name="">
-          <a:extLst>
-            <a:ext uri="{FF2B5EF4-FFF2-40B4-BE49-F238E27FC236}">
-              <a16:creationId xmlns:a16="http://schemas.microsoft.com/office/drawing/2014/main" id="{21CFFE71-9B98-9B1F-4B52-78C62C0453F2}"/>
-            </a:ext>
-          </a:extLst>
-        </p:cNvPr>
-        <p:cNvGrpSpPr/>
-        <p:nvPr/>
-      </p:nvGrpSpPr>
-      <p:grpSpPr>
-        <a:xfrm>
-          <a:off x="0" y="0"/>
-          <a:ext cx="0" cy="0"/>
-          <a:chOff x="0" y="0"/>
-          <a:chExt cx="0" cy="0"/>
-        </a:xfrm>
-      </p:grpSpPr>
-      <p:sp>
-        <p:nvSpPr>
-          <p:cNvPr id="53" name="Forme libre 52">
-            <a:extLst>
-              <a:ext uri="{FF2B5EF4-FFF2-40B4-BE49-F238E27FC236}">
-                <a16:creationId xmlns:a16="http://schemas.microsoft.com/office/drawing/2014/main" id="{9F1E427B-0882-9B77-624C-BE9021BFE934}"/>
-              </a:ext>
-            </a:extLst>
-          </p:cNvPr>
-          <p:cNvSpPr/>
-          <p:nvPr/>
-        </p:nvSpPr>
-        <p:spPr>
-          <a:xfrm>
-            <a:off x="0" y="0"/>
-            <a:ext cx="12192000" cy="6858000"/>
-          </a:xfrm>
-          <a:custGeom>
-            <a:avLst/>
-            <a:gdLst>
-              <a:gd name="connsiteX0" fmla="*/ 0 w 2376435"/>
-              <a:gd name="connsiteY0" fmla="*/ 0 h 6858000"/>
-              <a:gd name="connsiteX1" fmla="*/ 2376435 w 2376435"/>
-              <a:gd name="connsiteY1" fmla="*/ 0 h 6858000"/>
-              <a:gd name="connsiteX2" fmla="*/ 2376435 w 2376435"/>
-              <a:gd name="connsiteY2" fmla="*/ 584200 h 6858000"/>
-              <a:gd name="connsiteX3" fmla="*/ 2376435 w 2376435"/>
-              <a:gd name="connsiteY3" fmla="*/ 1244600 h 6858000"/>
-              <a:gd name="connsiteX4" fmla="*/ 2376435 w 2376435"/>
-              <a:gd name="connsiteY4" fmla="*/ 1650138 h 6858000"/>
-              <a:gd name="connsiteX5" fmla="*/ 2376435 w 2376435"/>
-              <a:gd name="connsiteY5" fmla="*/ 2310538 h 6858000"/>
-              <a:gd name="connsiteX6" fmla="*/ 2376435 w 2376435"/>
-              <a:gd name="connsiteY6" fmla="*/ 2603145 h 6858000"/>
-              <a:gd name="connsiteX7" fmla="*/ 2376435 w 2376435"/>
-              <a:gd name="connsiteY7" fmla="*/ 3263545 h 6858000"/>
-              <a:gd name="connsiteX8" fmla="*/ 2376435 w 2376435"/>
-              <a:gd name="connsiteY8" fmla="*/ 6858000 h 6858000"/>
-              <a:gd name="connsiteX9" fmla="*/ 0 w 2376435"/>
-              <a:gd name="connsiteY9" fmla="*/ 6858000 h 6858000"/>
-            </a:gdLst>
-            <a:ahLst/>
-            <a:cxnLst>
-              <a:cxn ang="0">
-                <a:pos x="connsiteX0" y="connsiteY0"/>
-              </a:cxn>
-              <a:cxn ang="0">
-                <a:pos x="connsiteX1" y="connsiteY1"/>
-              </a:cxn>
-              <a:cxn ang="0">
-                <a:pos x="connsiteX2" y="connsiteY2"/>
-              </a:cxn>
-              <a:cxn ang="0">
-                <a:pos x="connsiteX3" y="connsiteY3"/>
-              </a:cxn>
-              <a:cxn ang="0">
-                <a:pos x="connsiteX4" y="connsiteY4"/>
-              </a:cxn>
-              <a:cxn ang="0">
-                <a:pos x="connsiteX5" y="connsiteY5"/>
-              </a:cxn>
-              <a:cxn ang="0">
-                <a:pos x="connsiteX6" y="connsiteY6"/>
-              </a:cxn>
-              <a:cxn ang="0">
-                <a:pos x="connsiteX7" y="connsiteY7"/>
-              </a:cxn>
-              <a:cxn ang="0">
-                <a:pos x="connsiteX8" y="connsiteY8"/>
-              </a:cxn>
-              <a:cxn ang="0">
-                <a:pos x="connsiteX9" y="connsiteY9"/>
-              </a:cxn>
-            </a:cxnLst>
-            <a:rect l="l" t="t" r="r" b="b"/>
-            <a:pathLst>
-              <a:path w="2376435" h="6858000">
-                <a:moveTo>
-                  <a:pt x="0" y="0"/>
-                </a:moveTo>
-                <a:lnTo>
-                  <a:pt x="2376435" y="0"/>
-                </a:lnTo>
-                <a:lnTo>
-                  <a:pt x="2376435" y="584200"/>
-                </a:lnTo>
-                <a:lnTo>
-                  <a:pt x="2376435" y="1244600"/>
-                </a:lnTo>
-                <a:lnTo>
-                  <a:pt x="2376435" y="1650138"/>
-                </a:lnTo>
-                <a:lnTo>
-                  <a:pt x="2376435" y="2310538"/>
-                </a:lnTo>
-                <a:lnTo>
-                  <a:pt x="2376435" y="2603145"/>
-                </a:lnTo>
-                <a:lnTo>
-                  <a:pt x="2376435" y="3263545"/>
-                </a:lnTo>
-                <a:lnTo>
-                  <a:pt x="2376435" y="6858000"/>
-                </a:lnTo>
-                <a:lnTo>
-                  <a:pt x="0" y="6858000"/>
-                </a:lnTo>
-                <a:close/>
-              </a:path>
-            </a:pathLst>
-          </a:custGeom>
-        </p:spPr>
-        <p:style>
-          <a:lnRef idx="1">
-            <a:schemeClr val="dk1"/>
-          </a:lnRef>
-          <a:fillRef idx="3">
-            <a:schemeClr val="dk1"/>
-          </a:fillRef>
-          <a:effectRef idx="2">
-            <a:schemeClr val="dk1"/>
-          </a:effectRef>
-          <a:fontRef idx="minor">
-            <a:schemeClr val="lt1"/>
-          </a:fontRef>
-        </p:style>
-        <p:txBody>
-          <a:bodyPr wrap="square" rtlCol="0" anchor="ctr">
-            <a:noAutofit/>
-          </a:bodyPr>
-          <a:lstStyle/>
-          <a:p>
-            <a:pPr algn="ctr"/>
-            <a:endParaRPr lang="fr-FR"/>
-          </a:p>
-        </p:txBody>
-      </p:sp>
       <p:sp>
         <p:nvSpPr>
           <p:cNvPr id="37" name="ZoneTexte 36">
@@ -10557,7 +9859,7 @@
 </p:sld>
 </file>
 
-<file path=ppt/slides/slide18.xml><?xml version="1.0" encoding="utf-8"?>
+<file path=ppt/slides/slide17.xml><?xml version="1.0" encoding="utf-8"?>
 <p:sld xmlns:a="http://schemas.openxmlformats.org/drawingml/2006/main" xmlns:r="http://schemas.openxmlformats.org/officeDocument/2006/relationships" xmlns:p="http://schemas.openxmlformats.org/presentationml/2006/main">
   <p:cSld>
     <p:spTree>
@@ -12163,11 +11465,17 @@
 </file>
 
 <file path=ppt/slides/slide3.xml><?xml version="1.0" encoding="utf-8"?>
-<p:sld xmlns:a="http://schemas.openxmlformats.org/drawingml/2006/main" xmlns:r="http://schemas.openxmlformats.org/officeDocument/2006/relationships" xmlns:p="http://schemas.openxmlformats.org/presentationml/2006/main" show="0">
+<p:sld xmlns:a="http://schemas.openxmlformats.org/drawingml/2006/main" xmlns:r="http://schemas.openxmlformats.org/officeDocument/2006/relationships" xmlns:p="http://schemas.openxmlformats.org/presentationml/2006/main">
   <p:cSld>
     <p:spTree>
       <p:nvGrpSpPr>
-        <p:cNvPr id="1" name=""/>
+        <p:cNvPr id="1" name="">
+          <a:extLst>
+            <a:ext uri="{FF2B5EF4-FFF2-40B4-BE49-F238E27FC236}">
+              <a16:creationId xmlns:a16="http://schemas.microsoft.com/office/drawing/2014/main" id="{02410238-96B1-DBB9-CA1F-0E4E8F04A6E2}"/>
+            </a:ext>
+          </a:extLst>
+        </p:cNvPr>
         <p:cNvGrpSpPr/>
         <p:nvPr/>
       </p:nvGrpSpPr>
@@ -12184,7 +11492,7 @@
           <p:cNvPr id="16" name="Image 15">
             <a:extLst>
               <a:ext uri="{FF2B5EF4-FFF2-40B4-BE49-F238E27FC236}">
-                <a16:creationId xmlns:a16="http://schemas.microsoft.com/office/drawing/2014/main" id="{58464008-5CBA-FDFA-68D9-5064F9EB073B}"/>
+                <a16:creationId xmlns:a16="http://schemas.microsoft.com/office/drawing/2014/main" id="{BEC4F97A-8073-8284-CAD7-B8F42826E59C}"/>
               </a:ext>
             </a:extLst>
           </p:cNvPr>
@@ -12213,7 +11521,7 @@
           <p:cNvPr id="18" name="ZoneTexte 17">
             <a:extLst>
               <a:ext uri="{FF2B5EF4-FFF2-40B4-BE49-F238E27FC236}">
-                <a16:creationId xmlns:a16="http://schemas.microsoft.com/office/drawing/2014/main" id="{A522BF11-3A3A-17BF-3783-3DCE126984FD}"/>
+                <a16:creationId xmlns:a16="http://schemas.microsoft.com/office/drawing/2014/main" id="{FC5FF3EA-E48B-CA0E-66AB-68C3D12386EA}"/>
               </a:ext>
             </a:extLst>
           </p:cNvPr>
@@ -12248,7 +11556,7 @@
           <p:cNvPr id="44" name="Forme libre 43">
             <a:extLst>
               <a:ext uri="{FF2B5EF4-FFF2-40B4-BE49-F238E27FC236}">
-                <a16:creationId xmlns:a16="http://schemas.microsoft.com/office/drawing/2014/main" id="{529916A3-D35B-0774-2F0F-8819B0EC489A}"/>
+                <a16:creationId xmlns:a16="http://schemas.microsoft.com/office/drawing/2014/main" id="{40DB53B8-0B4E-3D76-91E5-070E4A5A23BC}"/>
               </a:ext>
             </a:extLst>
           </p:cNvPr>
@@ -12347,7 +11655,7 @@
           <p:cNvPr id="37" name="ZoneTexte 36">
             <a:extLst>
               <a:ext uri="{FF2B5EF4-FFF2-40B4-BE49-F238E27FC236}">
-                <a16:creationId xmlns:a16="http://schemas.microsoft.com/office/drawing/2014/main" id="{C670C7E1-21DC-423E-0E7D-97E77A601861}"/>
+                <a16:creationId xmlns:a16="http://schemas.microsoft.com/office/drawing/2014/main" id="{074B249A-A2FD-8C9F-7159-64EE45D27F6C}"/>
               </a:ext>
             </a:extLst>
           </p:cNvPr>
@@ -12378,14 +11686,11 @@
               <a:rPr lang="fr-FR" dirty="0" err="1"/>
               <a:t>Angular</a:t>
             </a:r>
-            <a:r>
-              <a:rPr lang="fr-FR" dirty="0"/>
-              <a:t> 17</a:t>
-            </a:r>
-          </a:p>
-          <a:p>
             <a:endParaRPr lang="fr-FR" dirty="0"/>
           </a:p>
+          <a:p>
+            <a:endParaRPr lang="fr-FR" dirty="0"/>
+          </a:p>
         </p:txBody>
       </p:sp>
       <p:sp>
@@ -12393,7 +11698,7 @@
           <p:cNvPr id="53" name="Forme libre 52">
             <a:extLst>
               <a:ext uri="{FF2B5EF4-FFF2-40B4-BE49-F238E27FC236}">
-                <a16:creationId xmlns:a16="http://schemas.microsoft.com/office/drawing/2014/main" id="{09556A9B-1E67-7056-AC02-FE3A815BE7EA}"/>
+                <a16:creationId xmlns:a16="http://schemas.microsoft.com/office/drawing/2014/main" id="{F6D21E42-AA14-DB00-A08D-839725766C3C}"/>
               </a:ext>
             </a:extLst>
           </p:cNvPr>
@@ -12533,7 +11838,7 @@
           <p:cNvPr id="49" name="Forme libre 48">
             <a:extLst>
               <a:ext uri="{FF2B5EF4-FFF2-40B4-BE49-F238E27FC236}">
-                <a16:creationId xmlns:a16="http://schemas.microsoft.com/office/drawing/2014/main" id="{321FB7DB-D08A-1D4E-8602-060D2C94F390}"/>
+                <a16:creationId xmlns:a16="http://schemas.microsoft.com/office/drawing/2014/main" id="{A8DD817D-C5EF-DD1E-051F-3756779BA104}"/>
               </a:ext>
             </a:extLst>
           </p:cNvPr>
@@ -12629,109 +11934,10 @@
       </p:sp>
       <p:sp>
         <p:nvSpPr>
-          <p:cNvPr id="48" name="Forme libre 47">
-            <a:extLst>
-              <a:ext uri="{FF2B5EF4-FFF2-40B4-BE49-F238E27FC236}">
-                <a16:creationId xmlns:a16="http://schemas.microsoft.com/office/drawing/2014/main" id="{903551FF-655E-0D40-69E5-ED1E0F4C00E8}"/>
-              </a:ext>
-            </a:extLst>
-          </p:cNvPr>
-          <p:cNvSpPr/>
-          <p:nvPr/>
-        </p:nvSpPr>
-        <p:spPr>
-          <a:xfrm>
-            <a:off x="2376435" y="2603145"/>
-            <a:ext cx="330200" cy="660400"/>
-          </a:xfrm>
-          <a:custGeom>
-            <a:avLst/>
-            <a:gdLst>
-              <a:gd name="connsiteX0" fmla="*/ 0 w 330200"/>
-              <a:gd name="connsiteY0" fmla="*/ 0 h 660400"/>
-              <a:gd name="connsiteX1" fmla="*/ 330200 w 330200"/>
-              <a:gd name="connsiteY1" fmla="*/ 330200 h 660400"/>
-              <a:gd name="connsiteX2" fmla="*/ 0 w 330200"/>
-              <a:gd name="connsiteY2" fmla="*/ 660400 h 660400"/>
-              <a:gd name="connsiteX3" fmla="*/ 0 w 330200"/>
-              <a:gd name="connsiteY3" fmla="*/ 0 h 660400"/>
-            </a:gdLst>
-            <a:ahLst/>
-            <a:cxnLst>
-              <a:cxn ang="0">
-                <a:pos x="connsiteX0" y="connsiteY0"/>
-              </a:cxn>
-              <a:cxn ang="0">
-                <a:pos x="connsiteX1" y="connsiteY1"/>
-              </a:cxn>
-              <a:cxn ang="0">
-                <a:pos x="connsiteX2" y="connsiteY2"/>
-              </a:cxn>
-              <a:cxn ang="0">
-                <a:pos x="connsiteX3" y="connsiteY3"/>
-              </a:cxn>
-            </a:cxnLst>
-            <a:rect l="l" t="t" r="r" b="b"/>
-            <a:pathLst>
-              <a:path w="330200" h="660400">
-                <a:moveTo>
-                  <a:pt x="0" y="0"/>
-                </a:moveTo>
-                <a:cubicBezTo>
-                  <a:pt x="182364" y="0"/>
-                  <a:pt x="330200" y="147836"/>
-                  <a:pt x="330200" y="330200"/>
-                </a:cubicBezTo>
-                <a:cubicBezTo>
-                  <a:pt x="330200" y="512564"/>
-                  <a:pt x="182364" y="660400"/>
-                  <a:pt x="0" y="660400"/>
-                </a:cubicBezTo>
-                <a:lnTo>
-                  <a:pt x="0" y="0"/>
-                </a:lnTo>
-                <a:close/>
-              </a:path>
-            </a:pathLst>
-          </a:custGeom>
-          <a:solidFill>
-            <a:srgbClr val="F3103A"/>
-          </a:solidFill>
-          <a:ln>
-            <a:noFill/>
-          </a:ln>
-        </p:spPr>
-        <p:style>
-          <a:lnRef idx="0">
-            <a:scrgbClr r="0" g="0" b="0"/>
-          </a:lnRef>
-          <a:fillRef idx="0">
-            <a:scrgbClr r="0" g="0" b="0"/>
-          </a:fillRef>
-          <a:effectRef idx="0">
-            <a:scrgbClr r="0" g="0" b="0"/>
-          </a:effectRef>
-          <a:fontRef idx="minor">
-            <a:schemeClr val="lt1"/>
-          </a:fontRef>
-        </p:style>
-        <p:txBody>
-          <a:bodyPr wrap="square" rtlCol="0" anchor="ctr">
-            <a:noAutofit/>
-          </a:bodyPr>
-          <a:lstStyle/>
-          <a:p>
-            <a:pPr algn="ctr"/>
-            <a:endParaRPr lang="fr-FR"/>
-          </a:p>
-        </p:txBody>
-      </p:sp>
-      <p:sp>
-        <p:nvSpPr>
           <p:cNvPr id="39" name="ZoneTexte 38">
             <a:extLst>
               <a:ext uri="{FF2B5EF4-FFF2-40B4-BE49-F238E27FC236}">
-                <a16:creationId xmlns:a16="http://schemas.microsoft.com/office/drawing/2014/main" id="{60BB4CB2-B2CF-C870-2291-8FF3329FD6EA}"/>
+                <a16:creationId xmlns:a16="http://schemas.microsoft.com/office/drawing/2014/main" id="{B830A25C-5A56-7AA1-E848-FFD8C9FC6FA4}"/>
               </a:ext>
             </a:extLst>
           </p:cNvPr>
@@ -12756,42 +11962,15 @@
           <a:p>
             <a:r>
               <a:rPr lang="fr-FR" dirty="0"/>
-              <a:t>Migrer une application</a:t>
-            </a:r>
-          </a:p>
-        </p:txBody>
-      </p:sp>
-      <p:sp>
-        <p:nvSpPr>
-          <p:cNvPr id="41" name="ZoneTexte 40">
-            <a:extLst>
-              <a:ext uri="{FF2B5EF4-FFF2-40B4-BE49-F238E27FC236}">
-                <a16:creationId xmlns:a16="http://schemas.microsoft.com/office/drawing/2014/main" id="{8BF6D25B-89E2-2938-8BCF-E1CA94D8C1B7}"/>
-              </a:ext>
-            </a:extLst>
-          </p:cNvPr>
-          <p:cNvSpPr txBox="1"/>
-          <p:nvPr/>
-        </p:nvSpPr>
-        <p:spPr>
-          <a:xfrm>
-            <a:off x="2808235" y="2748679"/>
-            <a:ext cx="4572000" cy="369332"/>
-          </a:xfrm>
-          <a:prstGeom prst="rect">
-            <a:avLst/>
-          </a:prstGeom>
-          <a:noFill/>
-        </p:spPr>
-        <p:txBody>
-          <a:bodyPr wrap="square" rtlCol="0">
-            <a:spAutoFit/>
-          </a:bodyPr>
-          <a:lstStyle/>
-          <a:p>
+              <a:t>Migrer une application vers </a:t>
+            </a:r>
+            <a:r>
+              <a:rPr lang="fr-FR" dirty="0" err="1"/>
+              <a:t>Angular</a:t>
+            </a:r>
             <a:r>
               <a:rPr lang="fr-FR" dirty="0"/>
-              <a:t>Entrons dans les détails</a:t>
+              <a:t> 17</a:t>
             </a:r>
           </a:p>
         </p:txBody>
@@ -12799,7 +11978,7 @@
     </p:spTree>
     <p:extLst>
       <p:ext uri="{BB962C8B-B14F-4D97-AF65-F5344CB8AC3E}">
-        <p14:creationId xmlns:p14="http://schemas.microsoft.com/office/powerpoint/2010/main" val="2070254861"/>
+        <p14:creationId xmlns:p14="http://schemas.microsoft.com/office/powerpoint/2010/main" val="919323334"/>
       </p:ext>
     </p:extLst>
   </p:cSld>
@@ -12829,7 +12008,7 @@
         <p:cNvPr id="1" name="">
           <a:extLst>
             <a:ext uri="{FF2B5EF4-FFF2-40B4-BE49-F238E27FC236}">
-              <a16:creationId xmlns:a16="http://schemas.microsoft.com/office/drawing/2014/main" id="{02410238-96B1-DBB9-CA1F-0E4E8F04A6E2}"/>
+              <a16:creationId xmlns:a16="http://schemas.microsoft.com/office/drawing/2014/main" id="{7C6BA482-3FE9-A9DD-73E8-5C59327C65E9}"/>
             </a:ext>
           </a:extLst>
         </p:cNvPr>
@@ -12844,41 +12023,12 @@
           <a:chExt cx="0" cy="0"/>
         </a:xfrm>
       </p:grpSpPr>
-      <p:pic>
-        <p:nvPicPr>
-          <p:cNvPr id="16" name="Image 15">
-            <a:extLst>
-              <a:ext uri="{FF2B5EF4-FFF2-40B4-BE49-F238E27FC236}">
-                <a16:creationId xmlns:a16="http://schemas.microsoft.com/office/drawing/2014/main" id="{BEC4F97A-8073-8284-CAD7-B8F42826E59C}"/>
-              </a:ext>
-            </a:extLst>
-          </p:cNvPr>
-          <p:cNvPicPr>
-            <a:picLocks noChangeAspect="1"/>
-          </p:cNvPicPr>
-          <p:nvPr/>
-        </p:nvPicPr>
-        <p:blipFill rotWithShape="1">
-          <a:blip r:embed="rId3"/>
-          <a:srcRect r="72930"/>
-          <a:stretch/>
-        </p:blipFill>
-        <p:spPr>
-          <a:xfrm>
-            <a:off x="7683499" y="1764438"/>
-            <a:ext cx="6081221" cy="7023962"/>
-          </a:xfrm>
-          <a:prstGeom prst="rect">
-            <a:avLst/>
-          </a:prstGeom>
-        </p:spPr>
-      </p:pic>
-      <p:sp>
-        <p:nvSpPr>
-          <p:cNvPr id="18" name="ZoneTexte 17">
-            <a:extLst>
-              <a:ext uri="{FF2B5EF4-FFF2-40B4-BE49-F238E27FC236}">
-                <a16:creationId xmlns:a16="http://schemas.microsoft.com/office/drawing/2014/main" id="{FC5FF3EA-E48B-CA0E-66AB-68C3D12386EA}"/>
+      <p:sp>
+        <p:nvSpPr>
+          <p:cNvPr id="37" name="ZoneTexte 36">
+            <a:extLst>
+              <a:ext uri="{FF2B5EF4-FFF2-40B4-BE49-F238E27FC236}">
+                <a16:creationId xmlns:a16="http://schemas.microsoft.com/office/drawing/2014/main" id="{44E88C48-EB71-7EA5-5B18-D3453C793142}"/>
               </a:ext>
             </a:extLst>
           </p:cNvPr>
@@ -12887,8 +12037,8 @@
         </p:nvSpPr>
         <p:spPr>
           <a:xfrm>
-            <a:off x="9992130" y="179169"/>
-            <a:ext cx="2073558" cy="646331"/>
+            <a:off x="5482668" y="34803"/>
+            <a:ext cx="6933267" cy="646331"/>
           </a:xfrm>
           <a:prstGeom prst="rect">
             <a:avLst/>
@@ -12903,150 +12053,13 @@
           <a:p>
             <a:r>
               <a:rPr lang="fr-FR" sz="3600" dirty="0"/>
-              <a:t>Sommaire</a:t>
-            </a:r>
-          </a:p>
-        </p:txBody>
-      </p:sp>
-      <p:sp>
-        <p:nvSpPr>
-          <p:cNvPr id="44" name="Forme libre 43">
-            <a:extLst>
-              <a:ext uri="{FF2B5EF4-FFF2-40B4-BE49-F238E27FC236}">
-                <a16:creationId xmlns:a16="http://schemas.microsoft.com/office/drawing/2014/main" id="{40DB53B8-0B4E-3D76-91E5-070E4A5A23BC}"/>
-              </a:ext>
-            </a:extLst>
-          </p:cNvPr>
-          <p:cNvSpPr/>
-          <p:nvPr/>
-        </p:nvSpPr>
-        <p:spPr>
-          <a:xfrm>
-            <a:off x="2376435" y="584200"/>
-            <a:ext cx="330200" cy="660400"/>
-          </a:xfrm>
-          <a:custGeom>
-            <a:avLst/>
-            <a:gdLst>
-              <a:gd name="connsiteX0" fmla="*/ 0 w 330200"/>
-              <a:gd name="connsiteY0" fmla="*/ 0 h 660400"/>
-              <a:gd name="connsiteX1" fmla="*/ 330200 w 330200"/>
-              <a:gd name="connsiteY1" fmla="*/ 330200 h 660400"/>
-              <a:gd name="connsiteX2" fmla="*/ 0 w 330200"/>
-              <a:gd name="connsiteY2" fmla="*/ 660400 h 660400"/>
-              <a:gd name="connsiteX3" fmla="*/ 0 w 330200"/>
-              <a:gd name="connsiteY3" fmla="*/ 0 h 660400"/>
-            </a:gdLst>
-            <a:ahLst/>
-            <a:cxnLst>
-              <a:cxn ang="0">
-                <a:pos x="connsiteX0" y="connsiteY0"/>
-              </a:cxn>
-              <a:cxn ang="0">
-                <a:pos x="connsiteX1" y="connsiteY1"/>
-              </a:cxn>
-              <a:cxn ang="0">
-                <a:pos x="connsiteX2" y="connsiteY2"/>
-              </a:cxn>
-              <a:cxn ang="0">
-                <a:pos x="connsiteX3" y="connsiteY3"/>
-              </a:cxn>
-            </a:cxnLst>
-            <a:rect l="l" t="t" r="r" b="b"/>
-            <a:pathLst>
-              <a:path w="330200" h="660400">
-                <a:moveTo>
-                  <a:pt x="0" y="0"/>
-                </a:moveTo>
-                <a:cubicBezTo>
-                  <a:pt x="182364" y="0"/>
-                  <a:pt x="330200" y="147836"/>
-                  <a:pt x="330200" y="330200"/>
-                </a:cubicBezTo>
-                <a:cubicBezTo>
-                  <a:pt x="330200" y="512564"/>
-                  <a:pt x="182364" y="660400"/>
-                  <a:pt x="0" y="660400"/>
-                </a:cubicBezTo>
-                <a:lnTo>
-                  <a:pt x="0" y="0"/>
-                </a:lnTo>
-                <a:close/>
-              </a:path>
-            </a:pathLst>
-          </a:custGeom>
-          <a:solidFill>
-            <a:srgbClr val="963AFF"/>
-          </a:solidFill>
-          <a:ln>
-            <a:noFill/>
-          </a:ln>
-        </p:spPr>
-        <p:style>
-          <a:lnRef idx="0">
-            <a:scrgbClr r="0" g="0" b="0"/>
-          </a:lnRef>
-          <a:fillRef idx="0">
-            <a:scrgbClr r="0" g="0" b="0"/>
-          </a:fillRef>
-          <a:effectRef idx="0">
-            <a:scrgbClr r="0" g="0" b="0"/>
-          </a:effectRef>
-          <a:fontRef idx="minor">
-            <a:schemeClr val="lt1"/>
-          </a:fontRef>
-        </p:style>
-        <p:txBody>
-          <a:bodyPr wrap="square" rtlCol="0" anchor="ctr">
-            <a:noAutofit/>
-          </a:bodyPr>
-          <a:lstStyle/>
-          <a:p>
-            <a:pPr algn="ctr"/>
-            <a:endParaRPr lang="fr-FR"/>
-          </a:p>
-        </p:txBody>
-      </p:sp>
-      <p:sp>
-        <p:nvSpPr>
-          <p:cNvPr id="37" name="ZoneTexte 36">
-            <a:extLst>
-              <a:ext uri="{FF2B5EF4-FFF2-40B4-BE49-F238E27FC236}">
-                <a16:creationId xmlns:a16="http://schemas.microsoft.com/office/drawing/2014/main" id="{074B249A-A2FD-8C9F-7159-64EE45D27F6C}"/>
-              </a:ext>
-            </a:extLst>
-          </p:cNvPr>
-          <p:cNvSpPr txBox="1"/>
-          <p:nvPr/>
-        </p:nvSpPr>
-        <p:spPr>
-          <a:xfrm>
-            <a:off x="2808235" y="711200"/>
-            <a:ext cx="4572000" cy="646331"/>
-          </a:xfrm>
-          <a:prstGeom prst="rect">
-            <a:avLst/>
-          </a:prstGeom>
-          <a:noFill/>
-        </p:spPr>
-        <p:txBody>
-          <a:bodyPr wrap="square" rtlCol="0">
-            <a:spAutoFit/>
-          </a:bodyPr>
-          <a:lstStyle/>
-          <a:p>
-            <a:r>
-              <a:rPr lang="fr-FR" dirty="0"/>
               <a:t>Quelques nouveautés d’</a:t>
             </a:r>
             <a:r>
-              <a:rPr lang="fr-FR" dirty="0" err="1"/>
+              <a:rPr lang="fr-FR" sz="3600" dirty="0" err="1"/>
               <a:t>Angular</a:t>
             </a:r>
-            <a:endParaRPr lang="fr-FR" dirty="0"/>
-          </a:p>
-          <a:p>
-            <a:endParaRPr lang="fr-FR" dirty="0"/>
+            <a:endParaRPr lang="fr-FR" sz="3600" dirty="0"/>
           </a:p>
         </p:txBody>
       </p:sp>
@@ -13055,7 +12068,7 @@
           <p:cNvPr id="53" name="Forme libre 52">
             <a:extLst>
               <a:ext uri="{FF2B5EF4-FFF2-40B4-BE49-F238E27FC236}">
-                <a16:creationId xmlns:a16="http://schemas.microsoft.com/office/drawing/2014/main" id="{F6D21E42-AA14-DB00-A08D-839725766C3C}"/>
+                <a16:creationId xmlns:a16="http://schemas.microsoft.com/office/drawing/2014/main" id="{CC3314FA-624E-FCB8-CC15-2B560022353E}"/>
               </a:ext>
             </a:extLst>
           </p:cNvPr>
@@ -13161,9 +12174,6 @@
               </a:path>
             </a:pathLst>
           </a:custGeom>
-          <a:ln>
-            <a:noFill/>
-          </a:ln>
         </p:spPr>
         <p:style>
           <a:lnRef idx="1">
@@ -13195,7 +12205,7 @@
           <p:cNvPr id="49" name="Forme libre 48">
             <a:extLst>
               <a:ext uri="{FF2B5EF4-FFF2-40B4-BE49-F238E27FC236}">
-                <a16:creationId xmlns:a16="http://schemas.microsoft.com/office/drawing/2014/main" id="{A8DD817D-C5EF-DD1E-051F-3756779BA104}"/>
+                <a16:creationId xmlns:a16="http://schemas.microsoft.com/office/drawing/2014/main" id="{55EC00EE-2B68-46C2-837B-8CE6D440CFCA}"/>
               </a:ext>
             </a:extLst>
           </p:cNvPr>
@@ -13204,7 +12214,7 @@
         </p:nvSpPr>
         <p:spPr>
           <a:xfrm>
-            <a:off x="2376435" y="1650138"/>
+            <a:off x="0" y="5393579"/>
             <a:ext cx="330200" cy="660400"/>
           </a:xfrm>
           <a:custGeom>
@@ -13289,12 +12299,41 @@
           </a:p>
         </p:txBody>
       </p:sp>
-      <p:sp>
-        <p:nvSpPr>
-          <p:cNvPr id="39" name="ZoneTexte 38">
-            <a:extLst>
-              <a:ext uri="{FF2B5EF4-FFF2-40B4-BE49-F238E27FC236}">
-                <a16:creationId xmlns:a16="http://schemas.microsoft.com/office/drawing/2014/main" id="{B830A25C-5A56-7AA1-E848-FFD8C9FC6FA4}"/>
+      <p:pic>
+        <p:nvPicPr>
+          <p:cNvPr id="16" name="Image 15">
+            <a:extLst>
+              <a:ext uri="{FF2B5EF4-FFF2-40B4-BE49-F238E27FC236}">
+                <a16:creationId xmlns:a16="http://schemas.microsoft.com/office/drawing/2014/main" id="{34466EE9-2226-B209-8232-138F06C17203}"/>
+              </a:ext>
+            </a:extLst>
+          </p:cNvPr>
+          <p:cNvPicPr>
+            <a:picLocks noChangeAspect="1"/>
+          </p:cNvPicPr>
+          <p:nvPr/>
+        </p:nvPicPr>
+        <p:blipFill rotWithShape="1">
+          <a:blip r:embed="rId3"/>
+          <a:srcRect r="72930"/>
+          <a:stretch/>
+        </p:blipFill>
+        <p:spPr>
+          <a:xfrm>
+            <a:off x="637278" y="130629"/>
+            <a:ext cx="1101877" cy="1272695"/>
+          </a:xfrm>
+          <a:prstGeom prst="rect">
+            <a:avLst/>
+          </a:prstGeom>
+        </p:spPr>
+      </p:pic>
+      <p:sp>
+        <p:nvSpPr>
+          <p:cNvPr id="2" name="ZoneTexte 1">
+            <a:extLst>
+              <a:ext uri="{FF2B5EF4-FFF2-40B4-BE49-F238E27FC236}">
+                <a16:creationId xmlns:a16="http://schemas.microsoft.com/office/drawing/2014/main" id="{856E1DD5-BF3F-217B-3A35-7E6CF5659A2D}"/>
               </a:ext>
             </a:extLst>
           </p:cNvPr>
@@ -13303,8 +12342,8 @@
         </p:nvSpPr>
         <p:spPr>
           <a:xfrm>
-            <a:off x="2808235" y="1795672"/>
-            <a:ext cx="4572000" cy="369332"/>
+            <a:off x="329799" y="1456898"/>
+            <a:ext cx="2046635" cy="400110"/>
           </a:xfrm>
           <a:prstGeom prst="rect">
             <a:avLst/>
@@ -13318,24 +12357,584 @@
           <a:lstStyle/>
           <a:p>
             <a:r>
-              <a:rPr lang="fr-FR" dirty="0"/>
-              <a:t>Migrer une application vers </a:t>
-            </a:r>
-            <a:r>
-              <a:rPr lang="fr-FR" dirty="0" err="1"/>
-              <a:t>Angular</a:t>
-            </a:r>
-            <a:r>
-              <a:rPr lang="fr-FR" dirty="0"/>
-              <a:t> 17</a:t>
-            </a:r>
+              <a:rPr lang="fr-FR" sz="2000" dirty="0">
+                <a:solidFill>
+                  <a:schemeClr val="bg1"/>
+                </a:solidFill>
+              </a:rPr>
+              <a:t>Logo</a:t>
+            </a:r>
+          </a:p>
+        </p:txBody>
+      </p:sp>
+      <p:sp>
+        <p:nvSpPr>
+          <p:cNvPr id="3" name="ZoneTexte 2">
+            <a:extLst>
+              <a:ext uri="{FF2B5EF4-FFF2-40B4-BE49-F238E27FC236}">
+                <a16:creationId xmlns:a16="http://schemas.microsoft.com/office/drawing/2014/main" id="{CCF89AD6-5AA6-EADE-0D89-79129C897769}"/>
+              </a:ext>
+            </a:extLst>
+          </p:cNvPr>
+          <p:cNvSpPr txBox="1"/>
+          <p:nvPr/>
+        </p:nvSpPr>
+        <p:spPr>
+          <a:xfrm>
+            <a:off x="277548" y="1910582"/>
+            <a:ext cx="1716832" cy="276999"/>
+          </a:xfrm>
+          <a:prstGeom prst="rect">
+            <a:avLst/>
+          </a:prstGeom>
+          <a:noFill/>
+        </p:spPr>
+        <p:txBody>
+          <a:bodyPr wrap="square" rtlCol="0">
+            <a:spAutoFit/>
+          </a:bodyPr>
+          <a:lstStyle/>
+          <a:p>
+            <a:r>
+              <a:rPr lang="fr-FR" sz="1200" dirty="0">
+                <a:solidFill>
+                  <a:schemeClr val="bg1"/>
+                </a:solidFill>
+              </a:rPr>
+              <a:t>Documentation</a:t>
+            </a:r>
+          </a:p>
+        </p:txBody>
+      </p:sp>
+      <p:pic>
+        <p:nvPicPr>
+          <p:cNvPr id="8" name="Picture 4" descr="Angular - PRESS KIT">
+            <a:extLst>
+              <a:ext uri="{FF2B5EF4-FFF2-40B4-BE49-F238E27FC236}">
+                <a16:creationId xmlns:a16="http://schemas.microsoft.com/office/drawing/2014/main" id="{BEB4CECE-6710-5F93-B1EF-DEA329DF7A77}"/>
+              </a:ext>
+            </a:extLst>
+          </p:cNvPr>
+          <p:cNvPicPr>
+            <a:picLocks noChangeAspect="1" noChangeArrowheads="1"/>
+          </p:cNvPicPr>
+          <p:nvPr/>
+        </p:nvPicPr>
+        <p:blipFill>
+          <a:blip r:embed="rId4">
+            <a:extLst>
+              <a:ext uri="{28A0092B-C50C-407E-A947-70E740481C1C}">
+                <a14:useLocalDpi xmlns:a14="http://schemas.microsoft.com/office/drawing/2010/main" val="0"/>
+              </a:ext>
+            </a:extLst>
+          </a:blip>
+          <a:srcRect/>
+          <a:stretch>
+            <a:fillRect/>
+          </a:stretch>
+        </p:blipFill>
+        <p:spPr bwMode="auto">
+          <a:xfrm>
+            <a:off x="3621904" y="2156048"/>
+            <a:ext cx="2548910" cy="2548910"/>
+          </a:xfrm>
+          <a:prstGeom prst="rect">
+            <a:avLst/>
+          </a:prstGeom>
+          <a:noFill/>
+          <a:extLst>
+            <a:ext uri="{909E8E84-426E-40DD-AFC4-6F175D3DCCD1}">
+              <a14:hiddenFill xmlns:a14="http://schemas.microsoft.com/office/drawing/2010/main">
+                <a:solidFill>
+                  <a:srgbClr val="FFFFFF"/>
+                </a:solidFill>
+              </a14:hiddenFill>
+            </a:ext>
+          </a:extLst>
+        </p:spPr>
+      </p:pic>
+      <p:pic>
+        <p:nvPicPr>
+          <p:cNvPr id="7" name="Image 6">
+            <a:extLst>
+              <a:ext uri="{FF2B5EF4-FFF2-40B4-BE49-F238E27FC236}">
+                <a16:creationId xmlns:a16="http://schemas.microsoft.com/office/drawing/2014/main" id="{52934182-5E3A-0489-46DC-606E61F1E196}"/>
+              </a:ext>
+            </a:extLst>
+          </p:cNvPr>
+          <p:cNvPicPr>
+            <a:picLocks noChangeAspect="1"/>
+          </p:cNvPicPr>
+          <p:nvPr/>
+        </p:nvPicPr>
+        <p:blipFill rotWithShape="1">
+          <a:blip r:embed="rId3"/>
+          <a:srcRect r="72930"/>
+          <a:stretch/>
+        </p:blipFill>
+        <p:spPr>
+          <a:xfrm>
+            <a:off x="8755847" y="2056579"/>
+            <a:ext cx="2376435" cy="2744841"/>
+          </a:xfrm>
+          <a:prstGeom prst="rect">
+            <a:avLst/>
+          </a:prstGeom>
+        </p:spPr>
+      </p:pic>
+      <p:cxnSp>
+        <p:nvCxnSpPr>
+          <p:cNvPr id="10" name="Connecteur droit avec flèche 9">
+            <a:extLst>
+              <a:ext uri="{FF2B5EF4-FFF2-40B4-BE49-F238E27FC236}">
+                <a16:creationId xmlns:a16="http://schemas.microsoft.com/office/drawing/2014/main" id="{7A799D87-FDDD-7967-33A7-805CD52D5D7A}"/>
+              </a:ext>
+            </a:extLst>
+          </p:cNvPr>
+          <p:cNvCxnSpPr>
+            <a:cxnSpLocks/>
+          </p:cNvCxnSpPr>
+          <p:nvPr/>
+        </p:nvCxnSpPr>
+        <p:spPr>
+          <a:xfrm>
+            <a:off x="6885992" y="3428999"/>
+            <a:ext cx="925597" cy="0"/>
+          </a:xfrm>
+          <a:prstGeom prst="straightConnector1">
+            <a:avLst/>
+          </a:prstGeom>
+          <a:ln>
+            <a:tailEnd type="triangle"/>
+          </a:ln>
+        </p:spPr>
+        <p:style>
+          <a:lnRef idx="3">
+            <a:schemeClr val="dk1"/>
+          </a:lnRef>
+          <a:fillRef idx="0">
+            <a:schemeClr val="dk1"/>
+          </a:fillRef>
+          <a:effectRef idx="2">
+            <a:schemeClr val="dk1"/>
+          </a:effectRef>
+          <a:fontRef idx="minor">
+            <a:schemeClr val="tx1"/>
+          </a:fontRef>
+        </p:style>
+      </p:cxnSp>
+      <p:sp>
+        <p:nvSpPr>
+          <p:cNvPr id="13" name="ZoneTexte 12">
+            <a:extLst>
+              <a:ext uri="{FF2B5EF4-FFF2-40B4-BE49-F238E27FC236}">
+                <a16:creationId xmlns:a16="http://schemas.microsoft.com/office/drawing/2014/main" id="{37F804C8-C158-415C-CA3B-86512A352563}"/>
+              </a:ext>
+            </a:extLst>
+          </p:cNvPr>
+          <p:cNvSpPr txBox="1"/>
+          <p:nvPr/>
+        </p:nvSpPr>
+        <p:spPr>
+          <a:xfrm>
+            <a:off x="277548" y="2174478"/>
+            <a:ext cx="1716832" cy="276999"/>
+          </a:xfrm>
+          <a:prstGeom prst="rect">
+            <a:avLst/>
+          </a:prstGeom>
+          <a:noFill/>
+        </p:spPr>
+        <p:txBody>
+          <a:bodyPr wrap="square" rtlCol="0">
+            <a:spAutoFit/>
+          </a:bodyPr>
+          <a:lstStyle/>
+          <a:p>
+            <a:r>
+              <a:rPr lang="fr-FR" sz="1200" dirty="0" err="1">
+                <a:solidFill>
+                  <a:schemeClr val="bg1"/>
+                </a:solidFill>
+              </a:rPr>
+              <a:t>Playground</a:t>
+            </a:r>
+            <a:endParaRPr lang="fr-FR" sz="1200" dirty="0">
+              <a:solidFill>
+                <a:schemeClr val="bg1"/>
+              </a:solidFill>
+            </a:endParaRPr>
+          </a:p>
+        </p:txBody>
+      </p:sp>
+      <p:sp>
+        <p:nvSpPr>
+          <p:cNvPr id="15" name="ZoneTexte 14">
+            <a:extLst>
+              <a:ext uri="{FF2B5EF4-FFF2-40B4-BE49-F238E27FC236}">
+                <a16:creationId xmlns:a16="http://schemas.microsoft.com/office/drawing/2014/main" id="{5BE3089B-8FC4-93BF-B80A-F66ACF14AB09}"/>
+              </a:ext>
+            </a:extLst>
+          </p:cNvPr>
+          <p:cNvSpPr txBox="1"/>
+          <p:nvPr/>
+        </p:nvSpPr>
+        <p:spPr>
+          <a:xfrm>
+            <a:off x="277548" y="2438374"/>
+            <a:ext cx="1716832" cy="276999"/>
+          </a:xfrm>
+          <a:prstGeom prst="rect">
+            <a:avLst/>
+          </a:prstGeom>
+          <a:noFill/>
+        </p:spPr>
+        <p:txBody>
+          <a:bodyPr wrap="square" rtlCol="0">
+            <a:spAutoFit/>
+          </a:bodyPr>
+          <a:lstStyle/>
+          <a:p>
+            <a:r>
+              <a:rPr lang="fr-FR" sz="1200" dirty="0">
+                <a:solidFill>
+                  <a:schemeClr val="bg1"/>
+                </a:solidFill>
+              </a:rPr>
+              <a:t>Standalone</a:t>
+            </a:r>
+          </a:p>
+        </p:txBody>
+      </p:sp>
+      <p:sp>
+        <p:nvSpPr>
+          <p:cNvPr id="17" name="ZoneTexte 16">
+            <a:extLst>
+              <a:ext uri="{FF2B5EF4-FFF2-40B4-BE49-F238E27FC236}">
+                <a16:creationId xmlns:a16="http://schemas.microsoft.com/office/drawing/2014/main" id="{BE66C74F-A077-6E93-EA8F-EA3F7CA8550D}"/>
+              </a:ext>
+            </a:extLst>
+          </p:cNvPr>
+          <p:cNvSpPr txBox="1"/>
+          <p:nvPr/>
+        </p:nvSpPr>
+        <p:spPr>
+          <a:xfrm>
+            <a:off x="277548" y="2702270"/>
+            <a:ext cx="1716832" cy="276999"/>
+          </a:xfrm>
+          <a:prstGeom prst="rect">
+            <a:avLst/>
+          </a:prstGeom>
+          <a:noFill/>
+        </p:spPr>
+        <p:txBody>
+          <a:bodyPr wrap="square" rtlCol="0">
+            <a:spAutoFit/>
+          </a:bodyPr>
+          <a:lstStyle/>
+          <a:p>
+            <a:r>
+              <a:rPr lang="fr-FR" sz="1200" dirty="0" err="1">
+                <a:solidFill>
+                  <a:schemeClr val="bg1"/>
+                </a:solidFill>
+              </a:rPr>
+              <a:t>Signals</a:t>
+            </a:r>
+            <a:endParaRPr lang="fr-FR" sz="1200" dirty="0">
+              <a:solidFill>
+                <a:schemeClr val="bg1"/>
+              </a:solidFill>
+            </a:endParaRPr>
+          </a:p>
+        </p:txBody>
+      </p:sp>
+      <p:sp>
+        <p:nvSpPr>
+          <p:cNvPr id="19" name="ZoneTexte 18">
+            <a:extLst>
+              <a:ext uri="{FF2B5EF4-FFF2-40B4-BE49-F238E27FC236}">
+                <a16:creationId xmlns:a16="http://schemas.microsoft.com/office/drawing/2014/main" id="{76575239-E883-CB57-05A6-C44B30E4E379}"/>
+              </a:ext>
+            </a:extLst>
+          </p:cNvPr>
+          <p:cNvSpPr txBox="1"/>
+          <p:nvPr/>
+        </p:nvSpPr>
+        <p:spPr>
+          <a:xfrm>
+            <a:off x="277548" y="2966166"/>
+            <a:ext cx="1716832" cy="276999"/>
+          </a:xfrm>
+          <a:prstGeom prst="rect">
+            <a:avLst/>
+          </a:prstGeom>
+          <a:noFill/>
+        </p:spPr>
+        <p:txBody>
+          <a:bodyPr wrap="square" rtlCol="0">
+            <a:spAutoFit/>
+          </a:bodyPr>
+          <a:lstStyle/>
+          <a:p>
+            <a:r>
+              <a:rPr lang="fr-FR" sz="1200" dirty="0">
+                <a:solidFill>
+                  <a:schemeClr val="bg1"/>
+                </a:solidFill>
+              </a:rPr>
+              <a:t>Formulaire Typé</a:t>
+            </a:r>
+          </a:p>
+        </p:txBody>
+      </p:sp>
+      <p:sp>
+        <p:nvSpPr>
+          <p:cNvPr id="20" name="ZoneTexte 19">
+            <a:extLst>
+              <a:ext uri="{FF2B5EF4-FFF2-40B4-BE49-F238E27FC236}">
+                <a16:creationId xmlns:a16="http://schemas.microsoft.com/office/drawing/2014/main" id="{AB0DB348-9F42-1427-FA37-8FA692FFBE90}"/>
+              </a:ext>
+            </a:extLst>
+          </p:cNvPr>
+          <p:cNvSpPr txBox="1"/>
+          <p:nvPr/>
+        </p:nvSpPr>
+        <p:spPr>
+          <a:xfrm>
+            <a:off x="277548" y="3230062"/>
+            <a:ext cx="1716832" cy="276999"/>
+          </a:xfrm>
+          <a:prstGeom prst="rect">
+            <a:avLst/>
+          </a:prstGeom>
+          <a:noFill/>
+        </p:spPr>
+        <p:txBody>
+          <a:bodyPr wrap="square" rtlCol="0">
+            <a:spAutoFit/>
+          </a:bodyPr>
+          <a:lstStyle/>
+          <a:p>
+            <a:r>
+              <a:rPr lang="fr-FR" sz="1200" dirty="0" err="1">
+                <a:solidFill>
+                  <a:schemeClr val="bg1"/>
+                </a:solidFill>
+              </a:rPr>
+              <a:t>ViteJs</a:t>
+            </a:r>
+            <a:r>
+              <a:rPr lang="fr-FR" sz="1200" dirty="0">
+                <a:solidFill>
+                  <a:schemeClr val="bg1"/>
+                </a:solidFill>
+              </a:rPr>
+              <a:t> / </a:t>
+            </a:r>
+            <a:r>
+              <a:rPr lang="fr-FR" sz="1200" dirty="0" err="1">
+                <a:solidFill>
+                  <a:schemeClr val="bg1"/>
+                </a:solidFill>
+              </a:rPr>
+              <a:t>EsBuild</a:t>
+            </a:r>
+            <a:endParaRPr lang="fr-FR" sz="1200" dirty="0">
+              <a:solidFill>
+                <a:schemeClr val="bg1"/>
+              </a:solidFill>
+            </a:endParaRPr>
+          </a:p>
+        </p:txBody>
+      </p:sp>
+      <p:sp>
+        <p:nvSpPr>
+          <p:cNvPr id="22" name="Forme libre 21">
+            <a:extLst>
+              <a:ext uri="{FF2B5EF4-FFF2-40B4-BE49-F238E27FC236}">
+                <a16:creationId xmlns:a16="http://schemas.microsoft.com/office/drawing/2014/main" id="{DFCE5BE8-EA82-0DCF-3CFE-0ECEAE8076FE}"/>
+              </a:ext>
+            </a:extLst>
+          </p:cNvPr>
+          <p:cNvSpPr/>
+          <p:nvPr/>
+        </p:nvSpPr>
+        <p:spPr>
+          <a:xfrm>
+            <a:off x="-7637" y="1347209"/>
+            <a:ext cx="330200" cy="660400"/>
+          </a:xfrm>
+          <a:custGeom>
+            <a:avLst/>
+            <a:gdLst>
+              <a:gd name="connsiteX0" fmla="*/ 0 w 330200"/>
+              <a:gd name="connsiteY0" fmla="*/ 0 h 660400"/>
+              <a:gd name="connsiteX1" fmla="*/ 330200 w 330200"/>
+              <a:gd name="connsiteY1" fmla="*/ 330200 h 660400"/>
+              <a:gd name="connsiteX2" fmla="*/ 0 w 330200"/>
+              <a:gd name="connsiteY2" fmla="*/ 660400 h 660400"/>
+              <a:gd name="connsiteX3" fmla="*/ 0 w 330200"/>
+              <a:gd name="connsiteY3" fmla="*/ 0 h 660400"/>
+            </a:gdLst>
+            <a:ahLst/>
+            <a:cxnLst>
+              <a:cxn ang="0">
+                <a:pos x="connsiteX0" y="connsiteY0"/>
+              </a:cxn>
+              <a:cxn ang="0">
+                <a:pos x="connsiteX1" y="connsiteY1"/>
+              </a:cxn>
+              <a:cxn ang="0">
+                <a:pos x="connsiteX2" y="connsiteY2"/>
+              </a:cxn>
+              <a:cxn ang="0">
+                <a:pos x="connsiteX3" y="connsiteY3"/>
+              </a:cxn>
+            </a:cxnLst>
+            <a:rect l="l" t="t" r="r" b="b"/>
+            <a:pathLst>
+              <a:path w="330200" h="660400">
+                <a:moveTo>
+                  <a:pt x="0" y="0"/>
+                </a:moveTo>
+                <a:cubicBezTo>
+                  <a:pt x="182364" y="0"/>
+                  <a:pt x="330200" y="147836"/>
+                  <a:pt x="330200" y="330200"/>
+                </a:cubicBezTo>
+                <a:cubicBezTo>
+                  <a:pt x="330200" y="512564"/>
+                  <a:pt x="182364" y="660400"/>
+                  <a:pt x="0" y="660400"/>
+                </a:cubicBezTo>
+                <a:lnTo>
+                  <a:pt x="0" y="0"/>
+                </a:lnTo>
+                <a:close/>
+              </a:path>
+            </a:pathLst>
+          </a:custGeom>
+          <a:solidFill>
+            <a:srgbClr val="963AFF"/>
+          </a:solidFill>
+          <a:ln>
+            <a:noFill/>
+          </a:ln>
+        </p:spPr>
+        <p:style>
+          <a:lnRef idx="0">
+            <a:scrgbClr r="0" g="0" b="0"/>
+          </a:lnRef>
+          <a:fillRef idx="0">
+            <a:scrgbClr r="0" g="0" b="0"/>
+          </a:fillRef>
+          <a:effectRef idx="0">
+            <a:scrgbClr r="0" g="0" b="0"/>
+          </a:effectRef>
+          <a:fontRef idx="minor">
+            <a:schemeClr val="lt1"/>
+          </a:fontRef>
+        </p:style>
+        <p:txBody>
+          <a:bodyPr wrap="square" rtlCol="0" anchor="ctr">
+            <a:noAutofit/>
+          </a:bodyPr>
+          <a:lstStyle/>
+          <a:p>
+            <a:pPr algn="ctr"/>
+            <a:endParaRPr lang="fr-FR"/>
+          </a:p>
+        </p:txBody>
+      </p:sp>
+      <p:sp>
+        <p:nvSpPr>
+          <p:cNvPr id="4" name="ZoneTexte 3">
+            <a:extLst>
+              <a:ext uri="{FF2B5EF4-FFF2-40B4-BE49-F238E27FC236}">
+                <a16:creationId xmlns:a16="http://schemas.microsoft.com/office/drawing/2014/main" id="{883A5A33-DBEB-C6EA-87F0-AAAB38FB2004}"/>
+              </a:ext>
+            </a:extLst>
+          </p:cNvPr>
+          <p:cNvSpPr txBox="1"/>
+          <p:nvPr/>
+        </p:nvSpPr>
+        <p:spPr>
+          <a:xfrm>
+            <a:off x="277548" y="3493958"/>
+            <a:ext cx="1716832" cy="276999"/>
+          </a:xfrm>
+          <a:prstGeom prst="rect">
+            <a:avLst/>
+          </a:prstGeom>
+          <a:noFill/>
+        </p:spPr>
+        <p:txBody>
+          <a:bodyPr wrap="square" rtlCol="0">
+            <a:spAutoFit/>
+          </a:bodyPr>
+          <a:lstStyle/>
+          <a:p>
+            <a:r>
+              <a:rPr lang="fr-FR" sz="1200" dirty="0">
+                <a:solidFill>
+                  <a:schemeClr val="bg1"/>
+                </a:solidFill>
+              </a:rPr>
+              <a:t>SSR</a:t>
+            </a:r>
+          </a:p>
+        </p:txBody>
+      </p:sp>
+      <p:sp>
+        <p:nvSpPr>
+          <p:cNvPr id="5" name="ZoneTexte 4">
+            <a:extLst>
+              <a:ext uri="{FF2B5EF4-FFF2-40B4-BE49-F238E27FC236}">
+                <a16:creationId xmlns:a16="http://schemas.microsoft.com/office/drawing/2014/main" id="{1CDB184C-9812-F36F-810D-14D46068DEDA}"/>
+              </a:ext>
+            </a:extLst>
+          </p:cNvPr>
+          <p:cNvSpPr txBox="1"/>
+          <p:nvPr/>
+        </p:nvSpPr>
+        <p:spPr>
+          <a:xfrm>
+            <a:off x="277548" y="3757855"/>
+            <a:ext cx="1716832" cy="276999"/>
+          </a:xfrm>
+          <a:prstGeom prst="rect">
+            <a:avLst/>
+          </a:prstGeom>
+          <a:noFill/>
+        </p:spPr>
+        <p:txBody>
+          <a:bodyPr wrap="square" rtlCol="0">
+            <a:spAutoFit/>
+          </a:bodyPr>
+          <a:lstStyle/>
+          <a:p>
+            <a:r>
+              <a:rPr lang="fr-FR" sz="1200" dirty="0" err="1">
+                <a:solidFill>
+                  <a:schemeClr val="bg1"/>
+                </a:solidFill>
+              </a:rPr>
+              <a:t>Inject</a:t>
+            </a:r>
+            <a:endParaRPr lang="fr-FR" sz="1200" dirty="0">
+              <a:solidFill>
+                <a:schemeClr val="bg1"/>
+              </a:solidFill>
+            </a:endParaRPr>
           </a:p>
         </p:txBody>
       </p:sp>
     </p:spTree>
     <p:extLst>
       <p:ext uri="{BB962C8B-B14F-4D97-AF65-F5344CB8AC3E}">
-        <p14:creationId xmlns:p14="http://schemas.microsoft.com/office/powerpoint/2010/main" val="919323334"/>
+        <p14:creationId xmlns:p14="http://schemas.microsoft.com/office/powerpoint/2010/main" val="3913593116"/>
       </p:ext>
     </p:extLst>
   </p:cSld>
@@ -13365,7 +12964,7 @@
         <p:cNvPr id="1" name="">
           <a:extLst>
             <a:ext uri="{FF2B5EF4-FFF2-40B4-BE49-F238E27FC236}">
-              <a16:creationId xmlns:a16="http://schemas.microsoft.com/office/drawing/2014/main" id="{7C6BA482-3FE9-A9DD-73E8-5C59327C65E9}"/>
+              <a16:creationId xmlns:a16="http://schemas.microsoft.com/office/drawing/2014/main" id="{E8B760E2-6D03-D670-FED5-189D745E1794}"/>
             </a:ext>
           </a:extLst>
         </p:cNvPr>
@@ -13385,7 +12984,7 @@
           <p:cNvPr id="37" name="ZoneTexte 36">
             <a:extLst>
               <a:ext uri="{FF2B5EF4-FFF2-40B4-BE49-F238E27FC236}">
-                <a16:creationId xmlns:a16="http://schemas.microsoft.com/office/drawing/2014/main" id="{44E88C48-EB71-7EA5-5B18-D3453C793142}"/>
+                <a16:creationId xmlns:a16="http://schemas.microsoft.com/office/drawing/2014/main" id="{F532FF3A-7D68-1ABB-2496-9901A4113C61}"/>
               </a:ext>
             </a:extLst>
           </p:cNvPr>
@@ -13425,7 +13024,7 @@
           <p:cNvPr id="53" name="Forme libre 52">
             <a:extLst>
               <a:ext uri="{FF2B5EF4-FFF2-40B4-BE49-F238E27FC236}">
-                <a16:creationId xmlns:a16="http://schemas.microsoft.com/office/drawing/2014/main" id="{CC3314FA-624E-FCB8-CC15-2B560022353E}"/>
+                <a16:creationId xmlns:a16="http://schemas.microsoft.com/office/drawing/2014/main" id="{A8FFEBD1-5ADD-29C5-FB92-AC3993EB4672}"/>
               </a:ext>
             </a:extLst>
           </p:cNvPr>
@@ -13562,7 +13161,7 @@
           <p:cNvPr id="49" name="Forme libre 48">
             <a:extLst>
               <a:ext uri="{FF2B5EF4-FFF2-40B4-BE49-F238E27FC236}">
-                <a16:creationId xmlns:a16="http://schemas.microsoft.com/office/drawing/2014/main" id="{55EC00EE-2B68-46C2-837B-8CE6D440CFCA}"/>
+                <a16:creationId xmlns:a16="http://schemas.microsoft.com/office/drawing/2014/main" id="{61F449AE-DF6D-A235-4BFC-7E6711D3EC68}"/>
               </a:ext>
             </a:extLst>
           </p:cNvPr>
@@ -13661,7 +13260,7 @@
           <p:cNvPr id="16" name="Image 15">
             <a:extLst>
               <a:ext uri="{FF2B5EF4-FFF2-40B4-BE49-F238E27FC236}">
-                <a16:creationId xmlns:a16="http://schemas.microsoft.com/office/drawing/2014/main" id="{34466EE9-2226-B209-8232-138F06C17203}"/>
+                <a16:creationId xmlns:a16="http://schemas.microsoft.com/office/drawing/2014/main" id="{8BB8C793-E15B-EC45-F446-D63B303C1CE4}"/>
               </a:ext>
             </a:extLst>
           </p:cNvPr>
@@ -13687,431 +13286,10 @@
       </p:pic>
       <p:sp>
         <p:nvSpPr>
-          <p:cNvPr id="2" name="ZoneTexte 1">
-            <a:extLst>
-              <a:ext uri="{FF2B5EF4-FFF2-40B4-BE49-F238E27FC236}">
-                <a16:creationId xmlns:a16="http://schemas.microsoft.com/office/drawing/2014/main" id="{856E1DD5-BF3F-217B-3A35-7E6CF5659A2D}"/>
-              </a:ext>
-            </a:extLst>
-          </p:cNvPr>
-          <p:cNvSpPr txBox="1"/>
-          <p:nvPr/>
-        </p:nvSpPr>
-        <p:spPr>
-          <a:xfrm>
-            <a:off x="329799" y="1456898"/>
-            <a:ext cx="2046635" cy="400110"/>
-          </a:xfrm>
-          <a:prstGeom prst="rect">
-            <a:avLst/>
-          </a:prstGeom>
-          <a:noFill/>
-        </p:spPr>
-        <p:txBody>
-          <a:bodyPr wrap="square" rtlCol="0">
-            <a:spAutoFit/>
-          </a:bodyPr>
-          <a:lstStyle/>
-          <a:p>
-            <a:r>
-              <a:rPr lang="fr-FR" sz="2000" dirty="0">
-                <a:solidFill>
-                  <a:schemeClr val="bg1"/>
-                </a:solidFill>
-              </a:rPr>
-              <a:t>Logo</a:t>
-            </a:r>
-          </a:p>
-        </p:txBody>
-      </p:sp>
-      <p:sp>
-        <p:nvSpPr>
-          <p:cNvPr id="3" name="ZoneTexte 2">
-            <a:extLst>
-              <a:ext uri="{FF2B5EF4-FFF2-40B4-BE49-F238E27FC236}">
-                <a16:creationId xmlns:a16="http://schemas.microsoft.com/office/drawing/2014/main" id="{CCF89AD6-5AA6-EADE-0D89-79129C897769}"/>
-              </a:ext>
-            </a:extLst>
-          </p:cNvPr>
-          <p:cNvSpPr txBox="1"/>
-          <p:nvPr/>
-        </p:nvSpPr>
-        <p:spPr>
-          <a:xfrm>
-            <a:off x="277548" y="1910582"/>
-            <a:ext cx="1716832" cy="276999"/>
-          </a:xfrm>
-          <a:prstGeom prst="rect">
-            <a:avLst/>
-          </a:prstGeom>
-          <a:noFill/>
-        </p:spPr>
-        <p:txBody>
-          <a:bodyPr wrap="square" rtlCol="0">
-            <a:spAutoFit/>
-          </a:bodyPr>
-          <a:lstStyle/>
-          <a:p>
-            <a:r>
-              <a:rPr lang="fr-FR" sz="1200" dirty="0">
-                <a:solidFill>
-                  <a:schemeClr val="bg1"/>
-                </a:solidFill>
-              </a:rPr>
-              <a:t>Documentation</a:t>
-            </a:r>
-          </a:p>
-        </p:txBody>
-      </p:sp>
-      <p:pic>
-        <p:nvPicPr>
-          <p:cNvPr id="8" name="Picture 4" descr="Angular - PRESS KIT">
-            <a:extLst>
-              <a:ext uri="{FF2B5EF4-FFF2-40B4-BE49-F238E27FC236}">
-                <a16:creationId xmlns:a16="http://schemas.microsoft.com/office/drawing/2014/main" id="{BEB4CECE-6710-5F93-B1EF-DEA329DF7A77}"/>
-              </a:ext>
-            </a:extLst>
-          </p:cNvPr>
-          <p:cNvPicPr>
-            <a:picLocks noChangeAspect="1" noChangeArrowheads="1"/>
-          </p:cNvPicPr>
-          <p:nvPr/>
-        </p:nvPicPr>
-        <p:blipFill>
-          <a:blip r:embed="rId4">
-            <a:extLst>
-              <a:ext uri="{28A0092B-C50C-407E-A947-70E740481C1C}">
-                <a14:useLocalDpi xmlns:a14="http://schemas.microsoft.com/office/drawing/2010/main" val="0"/>
-              </a:ext>
-            </a:extLst>
-          </a:blip>
-          <a:srcRect/>
-          <a:stretch>
-            <a:fillRect/>
-          </a:stretch>
-        </p:blipFill>
-        <p:spPr bwMode="auto">
-          <a:xfrm>
-            <a:off x="3621904" y="2156048"/>
-            <a:ext cx="2548910" cy="2548910"/>
-          </a:xfrm>
-          <a:prstGeom prst="rect">
-            <a:avLst/>
-          </a:prstGeom>
-          <a:noFill/>
-          <a:extLst>
-            <a:ext uri="{909E8E84-426E-40DD-AFC4-6F175D3DCCD1}">
-              <a14:hiddenFill xmlns:a14="http://schemas.microsoft.com/office/drawing/2010/main">
-                <a:solidFill>
-                  <a:srgbClr val="FFFFFF"/>
-                </a:solidFill>
-              </a14:hiddenFill>
-            </a:ext>
-          </a:extLst>
-        </p:spPr>
-      </p:pic>
-      <p:pic>
-        <p:nvPicPr>
-          <p:cNvPr id="7" name="Image 6">
-            <a:extLst>
-              <a:ext uri="{FF2B5EF4-FFF2-40B4-BE49-F238E27FC236}">
-                <a16:creationId xmlns:a16="http://schemas.microsoft.com/office/drawing/2014/main" id="{52934182-5E3A-0489-46DC-606E61F1E196}"/>
-              </a:ext>
-            </a:extLst>
-          </p:cNvPr>
-          <p:cNvPicPr>
-            <a:picLocks noChangeAspect="1"/>
-          </p:cNvPicPr>
-          <p:nvPr/>
-        </p:nvPicPr>
-        <p:blipFill rotWithShape="1">
-          <a:blip r:embed="rId3"/>
-          <a:srcRect r="72930"/>
-          <a:stretch/>
-        </p:blipFill>
-        <p:spPr>
-          <a:xfrm>
-            <a:off x="8755847" y="2056579"/>
-            <a:ext cx="2376435" cy="2744841"/>
-          </a:xfrm>
-          <a:prstGeom prst="rect">
-            <a:avLst/>
-          </a:prstGeom>
-        </p:spPr>
-      </p:pic>
-      <p:cxnSp>
-        <p:nvCxnSpPr>
-          <p:cNvPr id="10" name="Connecteur droit avec flèche 9">
-            <a:extLst>
-              <a:ext uri="{FF2B5EF4-FFF2-40B4-BE49-F238E27FC236}">
-                <a16:creationId xmlns:a16="http://schemas.microsoft.com/office/drawing/2014/main" id="{7A799D87-FDDD-7967-33A7-805CD52D5D7A}"/>
-              </a:ext>
-            </a:extLst>
-          </p:cNvPr>
-          <p:cNvCxnSpPr>
-            <a:cxnSpLocks/>
-          </p:cNvCxnSpPr>
-          <p:nvPr/>
-        </p:nvCxnSpPr>
-        <p:spPr>
-          <a:xfrm>
-            <a:off x="6885992" y="3428999"/>
-            <a:ext cx="925597" cy="0"/>
-          </a:xfrm>
-          <a:prstGeom prst="straightConnector1">
-            <a:avLst/>
-          </a:prstGeom>
-          <a:ln>
-            <a:tailEnd type="triangle"/>
-          </a:ln>
-        </p:spPr>
-        <p:style>
-          <a:lnRef idx="3">
-            <a:schemeClr val="dk1"/>
-          </a:lnRef>
-          <a:fillRef idx="0">
-            <a:schemeClr val="dk1"/>
-          </a:fillRef>
-          <a:effectRef idx="2">
-            <a:schemeClr val="dk1"/>
-          </a:effectRef>
-          <a:fontRef idx="minor">
-            <a:schemeClr val="tx1"/>
-          </a:fontRef>
-        </p:style>
-      </p:cxnSp>
-      <p:sp>
-        <p:nvSpPr>
-          <p:cNvPr id="13" name="ZoneTexte 12">
-            <a:extLst>
-              <a:ext uri="{FF2B5EF4-FFF2-40B4-BE49-F238E27FC236}">
-                <a16:creationId xmlns:a16="http://schemas.microsoft.com/office/drawing/2014/main" id="{37F804C8-C158-415C-CA3B-86512A352563}"/>
-              </a:ext>
-            </a:extLst>
-          </p:cNvPr>
-          <p:cNvSpPr txBox="1"/>
-          <p:nvPr/>
-        </p:nvSpPr>
-        <p:spPr>
-          <a:xfrm>
-            <a:off x="277548" y="2174478"/>
-            <a:ext cx="1716832" cy="276999"/>
-          </a:xfrm>
-          <a:prstGeom prst="rect">
-            <a:avLst/>
-          </a:prstGeom>
-          <a:noFill/>
-        </p:spPr>
-        <p:txBody>
-          <a:bodyPr wrap="square" rtlCol="0">
-            <a:spAutoFit/>
-          </a:bodyPr>
-          <a:lstStyle/>
-          <a:p>
-            <a:r>
-              <a:rPr lang="fr-FR" sz="1200" dirty="0" err="1">
-                <a:solidFill>
-                  <a:schemeClr val="bg1"/>
-                </a:solidFill>
-              </a:rPr>
-              <a:t>Playground</a:t>
-            </a:r>
-            <a:endParaRPr lang="fr-FR" sz="1200" dirty="0">
-              <a:solidFill>
-                <a:schemeClr val="bg1"/>
-              </a:solidFill>
-            </a:endParaRPr>
-          </a:p>
-        </p:txBody>
-      </p:sp>
-      <p:sp>
-        <p:nvSpPr>
-          <p:cNvPr id="15" name="ZoneTexte 14">
-            <a:extLst>
-              <a:ext uri="{FF2B5EF4-FFF2-40B4-BE49-F238E27FC236}">
-                <a16:creationId xmlns:a16="http://schemas.microsoft.com/office/drawing/2014/main" id="{5BE3089B-8FC4-93BF-B80A-F66ACF14AB09}"/>
-              </a:ext>
-            </a:extLst>
-          </p:cNvPr>
-          <p:cNvSpPr txBox="1"/>
-          <p:nvPr/>
-        </p:nvSpPr>
-        <p:spPr>
-          <a:xfrm>
-            <a:off x="277548" y="2438374"/>
-            <a:ext cx="1716832" cy="276999"/>
-          </a:xfrm>
-          <a:prstGeom prst="rect">
-            <a:avLst/>
-          </a:prstGeom>
-          <a:noFill/>
-        </p:spPr>
-        <p:txBody>
-          <a:bodyPr wrap="square" rtlCol="0">
-            <a:spAutoFit/>
-          </a:bodyPr>
-          <a:lstStyle/>
-          <a:p>
-            <a:r>
-              <a:rPr lang="fr-FR" sz="1200" dirty="0">
-                <a:solidFill>
-                  <a:schemeClr val="bg1"/>
-                </a:solidFill>
-              </a:rPr>
-              <a:t>Standalone</a:t>
-            </a:r>
-          </a:p>
-        </p:txBody>
-      </p:sp>
-      <p:sp>
-        <p:nvSpPr>
-          <p:cNvPr id="17" name="ZoneTexte 16">
-            <a:extLst>
-              <a:ext uri="{FF2B5EF4-FFF2-40B4-BE49-F238E27FC236}">
-                <a16:creationId xmlns:a16="http://schemas.microsoft.com/office/drawing/2014/main" id="{BE66C74F-A077-6E93-EA8F-EA3F7CA8550D}"/>
-              </a:ext>
-            </a:extLst>
-          </p:cNvPr>
-          <p:cNvSpPr txBox="1"/>
-          <p:nvPr/>
-        </p:nvSpPr>
-        <p:spPr>
-          <a:xfrm>
-            <a:off x="277548" y="2702270"/>
-            <a:ext cx="1716832" cy="276999"/>
-          </a:xfrm>
-          <a:prstGeom prst="rect">
-            <a:avLst/>
-          </a:prstGeom>
-          <a:noFill/>
-        </p:spPr>
-        <p:txBody>
-          <a:bodyPr wrap="square" rtlCol="0">
-            <a:spAutoFit/>
-          </a:bodyPr>
-          <a:lstStyle/>
-          <a:p>
-            <a:r>
-              <a:rPr lang="fr-FR" sz="1200" dirty="0" err="1">
-                <a:solidFill>
-                  <a:schemeClr val="bg1"/>
-                </a:solidFill>
-              </a:rPr>
-              <a:t>Signals</a:t>
-            </a:r>
-            <a:endParaRPr lang="fr-FR" sz="1200" dirty="0">
-              <a:solidFill>
-                <a:schemeClr val="bg1"/>
-              </a:solidFill>
-            </a:endParaRPr>
-          </a:p>
-        </p:txBody>
-      </p:sp>
-      <p:sp>
-        <p:nvSpPr>
-          <p:cNvPr id="19" name="ZoneTexte 18">
-            <a:extLst>
-              <a:ext uri="{FF2B5EF4-FFF2-40B4-BE49-F238E27FC236}">
-                <a16:creationId xmlns:a16="http://schemas.microsoft.com/office/drawing/2014/main" id="{76575239-E883-CB57-05A6-C44B30E4E379}"/>
-              </a:ext>
-            </a:extLst>
-          </p:cNvPr>
-          <p:cNvSpPr txBox="1"/>
-          <p:nvPr/>
-        </p:nvSpPr>
-        <p:spPr>
-          <a:xfrm>
-            <a:off x="277548" y="2966166"/>
-            <a:ext cx="1716832" cy="276999"/>
-          </a:xfrm>
-          <a:prstGeom prst="rect">
-            <a:avLst/>
-          </a:prstGeom>
-          <a:noFill/>
-        </p:spPr>
-        <p:txBody>
-          <a:bodyPr wrap="square" rtlCol="0">
-            <a:spAutoFit/>
-          </a:bodyPr>
-          <a:lstStyle/>
-          <a:p>
-            <a:r>
-              <a:rPr lang="fr-FR" sz="1200" dirty="0">
-                <a:solidFill>
-                  <a:schemeClr val="bg1"/>
-                </a:solidFill>
-              </a:rPr>
-              <a:t>Formulaire Typé</a:t>
-            </a:r>
-          </a:p>
-        </p:txBody>
-      </p:sp>
-      <p:sp>
-        <p:nvSpPr>
-          <p:cNvPr id="20" name="ZoneTexte 19">
-            <a:extLst>
-              <a:ext uri="{FF2B5EF4-FFF2-40B4-BE49-F238E27FC236}">
-                <a16:creationId xmlns:a16="http://schemas.microsoft.com/office/drawing/2014/main" id="{AB0DB348-9F42-1427-FA37-8FA692FFBE90}"/>
-              </a:ext>
-            </a:extLst>
-          </p:cNvPr>
-          <p:cNvSpPr txBox="1"/>
-          <p:nvPr/>
-        </p:nvSpPr>
-        <p:spPr>
-          <a:xfrm>
-            <a:off x="277548" y="3230062"/>
-            <a:ext cx="1716832" cy="276999"/>
-          </a:xfrm>
-          <a:prstGeom prst="rect">
-            <a:avLst/>
-          </a:prstGeom>
-          <a:noFill/>
-        </p:spPr>
-        <p:txBody>
-          <a:bodyPr wrap="square" rtlCol="0">
-            <a:spAutoFit/>
-          </a:bodyPr>
-          <a:lstStyle/>
-          <a:p>
-            <a:r>
-              <a:rPr lang="fr-FR" sz="1200" dirty="0" err="1">
-                <a:solidFill>
-                  <a:schemeClr val="bg1"/>
-                </a:solidFill>
-              </a:rPr>
-              <a:t>ViteJs</a:t>
-            </a:r>
-            <a:r>
-              <a:rPr lang="fr-FR" sz="1200" dirty="0">
-                <a:solidFill>
-                  <a:schemeClr val="bg1"/>
-                </a:solidFill>
-              </a:rPr>
-              <a:t> / </a:t>
-            </a:r>
-            <a:r>
-              <a:rPr lang="fr-FR" sz="1200" dirty="0" err="1">
-                <a:solidFill>
-                  <a:schemeClr val="bg1"/>
-                </a:solidFill>
-              </a:rPr>
-              <a:t>EsBuild</a:t>
-            </a:r>
-            <a:endParaRPr lang="fr-FR" sz="1200" dirty="0">
-              <a:solidFill>
-                <a:schemeClr val="bg1"/>
-              </a:solidFill>
-            </a:endParaRPr>
-          </a:p>
-        </p:txBody>
-      </p:sp>
-      <p:sp>
-        <p:nvSpPr>
-          <p:cNvPr id="22" name="Forme libre 21">
-            <a:extLst>
-              <a:ext uri="{FF2B5EF4-FFF2-40B4-BE49-F238E27FC236}">
-                <a16:creationId xmlns:a16="http://schemas.microsoft.com/office/drawing/2014/main" id="{DFCE5BE8-EA82-0DCF-3CFE-0ECEAE8076FE}"/>
+          <p:cNvPr id="44" name="Forme libre 43">
+            <a:extLst>
+              <a:ext uri="{FF2B5EF4-FFF2-40B4-BE49-F238E27FC236}">
+                <a16:creationId xmlns:a16="http://schemas.microsoft.com/office/drawing/2014/main" id="{ECDD26AB-501D-0E6F-7571-031C928D09B1}"/>
               </a:ext>
             </a:extLst>
           </p:cNvPr>
@@ -14120,7 +13298,7 @@
         </p:nvSpPr>
         <p:spPr>
           <a:xfrm>
-            <a:off x="-7637" y="1347209"/>
+            <a:off x="-2" y="1357531"/>
             <a:ext cx="330200" cy="660400"/>
           </a:xfrm>
           <a:custGeom>
@@ -14205,12 +13383,53 @@
           </a:p>
         </p:txBody>
       </p:sp>
+      <p:cxnSp>
+        <p:nvCxnSpPr>
+          <p:cNvPr id="10" name="Connecteur droit avec flèche 9">
+            <a:extLst>
+              <a:ext uri="{FF2B5EF4-FFF2-40B4-BE49-F238E27FC236}">
+                <a16:creationId xmlns:a16="http://schemas.microsoft.com/office/drawing/2014/main" id="{F9297B13-9DCF-71EE-730F-B280A719501E}"/>
+              </a:ext>
+            </a:extLst>
+          </p:cNvPr>
+          <p:cNvCxnSpPr>
+            <a:cxnSpLocks/>
+          </p:cNvCxnSpPr>
+          <p:nvPr/>
+        </p:nvCxnSpPr>
+        <p:spPr>
+          <a:xfrm>
+            <a:off x="6752560" y="2416488"/>
+            <a:ext cx="925597" cy="0"/>
+          </a:xfrm>
+          <a:prstGeom prst="straightConnector1">
+            <a:avLst/>
+          </a:prstGeom>
+          <a:ln>
+            <a:tailEnd type="triangle"/>
+          </a:ln>
+        </p:spPr>
+        <p:style>
+          <a:lnRef idx="3">
+            <a:schemeClr val="dk1"/>
+          </a:lnRef>
+          <a:fillRef idx="0">
+            <a:schemeClr val="dk1"/>
+          </a:fillRef>
+          <a:effectRef idx="2">
+            <a:schemeClr val="dk1"/>
+          </a:effectRef>
+          <a:fontRef idx="minor">
+            <a:schemeClr val="tx1"/>
+          </a:fontRef>
+        </p:style>
+      </p:cxnSp>
       <p:sp>
         <p:nvSpPr>
           <p:cNvPr id="4" name="ZoneTexte 3">
             <a:extLst>
               <a:ext uri="{FF2B5EF4-FFF2-40B4-BE49-F238E27FC236}">
-                <a16:creationId xmlns:a16="http://schemas.microsoft.com/office/drawing/2014/main" id="{883A5A33-DBEB-C6EA-87F0-AAAB38FB2004}"/>
+                <a16:creationId xmlns:a16="http://schemas.microsoft.com/office/drawing/2014/main" id="{ECECB050-E879-7EBA-C629-949F1EFC1ACB}"/>
               </a:ext>
             </a:extLst>
           </p:cNvPr>
@@ -14219,7 +13438,414 @@
         </p:nvSpPr>
         <p:spPr>
           <a:xfrm>
-            <a:off x="277548" y="3493958"/>
+            <a:off x="8853259" y="2231822"/>
+            <a:ext cx="2062545" cy="369332"/>
+          </a:xfrm>
+          <a:prstGeom prst="rect">
+            <a:avLst/>
+          </a:prstGeom>
+          <a:noFill/>
+        </p:spPr>
+        <p:txBody>
+          <a:bodyPr wrap="square">
+            <a:spAutoFit/>
+          </a:bodyPr>
+          <a:lstStyle/>
+          <a:p>
+            <a:r>
+              <a:rPr lang="fr-FR" dirty="0">
+                <a:hlinkClick r:id="rId4"/>
+              </a:rPr>
+              <a:t>https://angular.dev/</a:t>
+            </a:r>
+            <a:r>
+              <a:rPr lang="fr-FR" dirty="0"/>
+              <a:t> </a:t>
+            </a:r>
+          </a:p>
+        </p:txBody>
+      </p:sp>
+      <p:sp>
+        <p:nvSpPr>
+          <p:cNvPr id="5" name="ZoneTexte 4">
+            <a:extLst>
+              <a:ext uri="{FF2B5EF4-FFF2-40B4-BE49-F238E27FC236}">
+                <a16:creationId xmlns:a16="http://schemas.microsoft.com/office/drawing/2014/main" id="{50B69093-8A44-5528-37E4-577A29AE4397}"/>
+              </a:ext>
+            </a:extLst>
+          </p:cNvPr>
+          <p:cNvSpPr txBox="1"/>
+          <p:nvPr/>
+        </p:nvSpPr>
+        <p:spPr>
+          <a:xfrm>
+            <a:off x="3767358" y="2231822"/>
+            <a:ext cx="1960806" cy="369332"/>
+          </a:xfrm>
+          <a:prstGeom prst="rect">
+            <a:avLst/>
+          </a:prstGeom>
+          <a:noFill/>
+        </p:spPr>
+        <p:txBody>
+          <a:bodyPr wrap="square">
+            <a:spAutoFit/>
+          </a:bodyPr>
+          <a:lstStyle/>
+          <a:p>
+            <a:r>
+              <a:rPr lang="fr-FR" dirty="0">
+                <a:hlinkClick r:id="rId5"/>
+              </a:rPr>
+              <a:t>https://angular.io/</a:t>
+            </a:r>
+            <a:r>
+              <a:rPr lang="fr-FR" dirty="0"/>
+              <a:t> </a:t>
+            </a:r>
+          </a:p>
+        </p:txBody>
+      </p:sp>
+      <p:pic>
+        <p:nvPicPr>
+          <p:cNvPr id="12" name="Image 11" descr="Une image contenant texte, Police, capture d’écran&#10;&#10;Description générée automatiquement">
+            <a:extLst>
+              <a:ext uri="{FF2B5EF4-FFF2-40B4-BE49-F238E27FC236}">
+                <a16:creationId xmlns:a16="http://schemas.microsoft.com/office/drawing/2014/main" id="{7982B9C0-4FAC-58B2-C5DE-921988281285}"/>
+              </a:ext>
+            </a:extLst>
+          </p:cNvPr>
+          <p:cNvPicPr>
+            <a:picLocks noChangeAspect="1"/>
+          </p:cNvPicPr>
+          <p:nvPr/>
+        </p:nvPicPr>
+        <p:blipFill>
+          <a:blip r:embed="rId6"/>
+          <a:stretch>
+            <a:fillRect/>
+          </a:stretch>
+        </p:blipFill>
+        <p:spPr>
+          <a:xfrm>
+            <a:off x="7678156" y="2794378"/>
+            <a:ext cx="4412752" cy="2520000"/>
+          </a:xfrm>
+          <a:prstGeom prst="rect">
+            <a:avLst/>
+          </a:prstGeom>
+        </p:spPr>
+      </p:pic>
+      <p:pic>
+        <p:nvPicPr>
+          <p:cNvPr id="14" name="Image 13" descr="Une image contenant texte, capture d’écran, logo, Police&#10;&#10;Description générée automatiquement">
+            <a:extLst>
+              <a:ext uri="{FF2B5EF4-FFF2-40B4-BE49-F238E27FC236}">
+                <a16:creationId xmlns:a16="http://schemas.microsoft.com/office/drawing/2014/main" id="{A6B2B8A0-111C-6B0C-03ED-85A8CF7AB89D}"/>
+              </a:ext>
+            </a:extLst>
+          </p:cNvPr>
+          <p:cNvPicPr>
+            <a:picLocks noChangeAspect="1"/>
+          </p:cNvPicPr>
+          <p:nvPr/>
+        </p:nvPicPr>
+        <p:blipFill>
+          <a:blip r:embed="rId7"/>
+          <a:stretch>
+            <a:fillRect/>
+          </a:stretch>
+        </p:blipFill>
+        <p:spPr>
+          <a:xfrm>
+            <a:off x="2550662" y="2794378"/>
+            <a:ext cx="4394199" cy="2520000"/>
+          </a:xfrm>
+          <a:prstGeom prst="rect">
+            <a:avLst/>
+          </a:prstGeom>
+        </p:spPr>
+      </p:pic>
+      <p:sp>
+        <p:nvSpPr>
+          <p:cNvPr id="15" name="ZoneTexte 14">
+            <a:extLst>
+              <a:ext uri="{FF2B5EF4-FFF2-40B4-BE49-F238E27FC236}">
+                <a16:creationId xmlns:a16="http://schemas.microsoft.com/office/drawing/2014/main" id="{85051AEE-E5D7-E3CC-902A-AC85AAEFCC06}"/>
+              </a:ext>
+            </a:extLst>
+          </p:cNvPr>
+          <p:cNvSpPr txBox="1"/>
+          <p:nvPr/>
+        </p:nvSpPr>
+        <p:spPr>
+          <a:xfrm>
+            <a:off x="277548" y="1483173"/>
+            <a:ext cx="1864561" cy="400110"/>
+          </a:xfrm>
+          <a:prstGeom prst="rect">
+            <a:avLst/>
+          </a:prstGeom>
+          <a:noFill/>
+        </p:spPr>
+        <p:txBody>
+          <a:bodyPr wrap="square" rtlCol="0">
+            <a:spAutoFit/>
+          </a:bodyPr>
+          <a:lstStyle/>
+          <a:p>
+            <a:r>
+              <a:rPr lang="fr-FR" sz="2000" dirty="0">
+                <a:solidFill>
+                  <a:schemeClr val="bg1"/>
+                </a:solidFill>
+              </a:rPr>
+              <a:t>Documentation</a:t>
+            </a:r>
+          </a:p>
+        </p:txBody>
+      </p:sp>
+      <p:sp>
+        <p:nvSpPr>
+          <p:cNvPr id="17" name="ZoneTexte 16">
+            <a:extLst>
+              <a:ext uri="{FF2B5EF4-FFF2-40B4-BE49-F238E27FC236}">
+                <a16:creationId xmlns:a16="http://schemas.microsoft.com/office/drawing/2014/main" id="{F1359E3A-23BE-F099-CA03-C550FC39673A}"/>
+              </a:ext>
+            </a:extLst>
+          </p:cNvPr>
+          <p:cNvSpPr txBox="1"/>
+          <p:nvPr/>
+        </p:nvSpPr>
+        <p:spPr>
+          <a:xfrm>
+            <a:off x="277548" y="1935367"/>
+            <a:ext cx="1716832" cy="276999"/>
+          </a:xfrm>
+          <a:prstGeom prst="rect">
+            <a:avLst/>
+          </a:prstGeom>
+          <a:noFill/>
+        </p:spPr>
+        <p:txBody>
+          <a:bodyPr wrap="square" rtlCol="0">
+            <a:spAutoFit/>
+          </a:bodyPr>
+          <a:lstStyle/>
+          <a:p>
+            <a:r>
+              <a:rPr lang="fr-FR" sz="1200" dirty="0" err="1">
+                <a:solidFill>
+                  <a:schemeClr val="bg1"/>
+                </a:solidFill>
+              </a:rPr>
+              <a:t>Playground</a:t>
+            </a:r>
+            <a:endParaRPr lang="fr-FR" sz="1200" dirty="0">
+              <a:solidFill>
+                <a:schemeClr val="bg1"/>
+              </a:solidFill>
+            </a:endParaRPr>
+          </a:p>
+        </p:txBody>
+      </p:sp>
+      <p:sp>
+        <p:nvSpPr>
+          <p:cNvPr id="18" name="ZoneTexte 17">
+            <a:extLst>
+              <a:ext uri="{FF2B5EF4-FFF2-40B4-BE49-F238E27FC236}">
+                <a16:creationId xmlns:a16="http://schemas.microsoft.com/office/drawing/2014/main" id="{147FF0BF-3C87-C880-BADE-ADE338166FB4}"/>
+              </a:ext>
+            </a:extLst>
+          </p:cNvPr>
+          <p:cNvSpPr txBox="1"/>
+          <p:nvPr/>
+        </p:nvSpPr>
+        <p:spPr>
+          <a:xfrm>
+            <a:off x="277548" y="2196282"/>
+            <a:ext cx="1716832" cy="276999"/>
+          </a:xfrm>
+          <a:prstGeom prst="rect">
+            <a:avLst/>
+          </a:prstGeom>
+          <a:noFill/>
+        </p:spPr>
+        <p:txBody>
+          <a:bodyPr wrap="square" rtlCol="0">
+            <a:spAutoFit/>
+          </a:bodyPr>
+          <a:lstStyle/>
+          <a:p>
+            <a:r>
+              <a:rPr lang="fr-FR" sz="1200" dirty="0">
+                <a:solidFill>
+                  <a:schemeClr val="bg1"/>
+                </a:solidFill>
+              </a:rPr>
+              <a:t>Standalone</a:t>
+            </a:r>
+          </a:p>
+        </p:txBody>
+      </p:sp>
+      <p:sp>
+        <p:nvSpPr>
+          <p:cNvPr id="19" name="ZoneTexte 18">
+            <a:extLst>
+              <a:ext uri="{FF2B5EF4-FFF2-40B4-BE49-F238E27FC236}">
+                <a16:creationId xmlns:a16="http://schemas.microsoft.com/office/drawing/2014/main" id="{C926AEB9-E567-2FAB-D0AF-46A6E834A079}"/>
+              </a:ext>
+            </a:extLst>
+          </p:cNvPr>
+          <p:cNvSpPr txBox="1"/>
+          <p:nvPr/>
+        </p:nvSpPr>
+        <p:spPr>
+          <a:xfrm>
+            <a:off x="277548" y="2457197"/>
+            <a:ext cx="1716832" cy="276999"/>
+          </a:xfrm>
+          <a:prstGeom prst="rect">
+            <a:avLst/>
+          </a:prstGeom>
+          <a:noFill/>
+        </p:spPr>
+        <p:txBody>
+          <a:bodyPr wrap="square" rtlCol="0">
+            <a:spAutoFit/>
+          </a:bodyPr>
+          <a:lstStyle/>
+          <a:p>
+            <a:r>
+              <a:rPr lang="fr-FR" sz="1200" dirty="0" err="1">
+                <a:solidFill>
+                  <a:schemeClr val="bg1"/>
+                </a:solidFill>
+              </a:rPr>
+              <a:t>Signals</a:t>
+            </a:r>
+            <a:endParaRPr lang="fr-FR" sz="1200" dirty="0">
+              <a:solidFill>
+                <a:schemeClr val="bg1"/>
+              </a:solidFill>
+            </a:endParaRPr>
+          </a:p>
+        </p:txBody>
+      </p:sp>
+      <p:sp>
+        <p:nvSpPr>
+          <p:cNvPr id="20" name="ZoneTexte 19">
+            <a:extLst>
+              <a:ext uri="{FF2B5EF4-FFF2-40B4-BE49-F238E27FC236}">
+                <a16:creationId xmlns:a16="http://schemas.microsoft.com/office/drawing/2014/main" id="{C4864792-B353-5C12-46D8-776831FFFEC3}"/>
+              </a:ext>
+            </a:extLst>
+          </p:cNvPr>
+          <p:cNvSpPr txBox="1"/>
+          <p:nvPr/>
+        </p:nvSpPr>
+        <p:spPr>
+          <a:xfrm>
+            <a:off x="277548" y="2718112"/>
+            <a:ext cx="1716832" cy="276999"/>
+          </a:xfrm>
+          <a:prstGeom prst="rect">
+            <a:avLst/>
+          </a:prstGeom>
+          <a:noFill/>
+        </p:spPr>
+        <p:txBody>
+          <a:bodyPr wrap="square" rtlCol="0">
+            <a:spAutoFit/>
+          </a:bodyPr>
+          <a:lstStyle/>
+          <a:p>
+            <a:r>
+              <a:rPr lang="fr-FR" sz="1200" dirty="0">
+                <a:solidFill>
+                  <a:schemeClr val="bg1"/>
+                </a:solidFill>
+              </a:rPr>
+              <a:t>Formulaire Typé</a:t>
+            </a:r>
+          </a:p>
+        </p:txBody>
+      </p:sp>
+      <p:sp>
+        <p:nvSpPr>
+          <p:cNvPr id="21" name="ZoneTexte 20">
+            <a:extLst>
+              <a:ext uri="{FF2B5EF4-FFF2-40B4-BE49-F238E27FC236}">
+                <a16:creationId xmlns:a16="http://schemas.microsoft.com/office/drawing/2014/main" id="{FEE8AEE9-E732-EB42-A42C-EA52E4F02491}"/>
+              </a:ext>
+            </a:extLst>
+          </p:cNvPr>
+          <p:cNvSpPr txBox="1"/>
+          <p:nvPr/>
+        </p:nvSpPr>
+        <p:spPr>
+          <a:xfrm>
+            <a:off x="277548" y="2979027"/>
+            <a:ext cx="1716832" cy="276999"/>
+          </a:xfrm>
+          <a:prstGeom prst="rect">
+            <a:avLst/>
+          </a:prstGeom>
+          <a:noFill/>
+        </p:spPr>
+        <p:txBody>
+          <a:bodyPr wrap="square" rtlCol="0">
+            <a:spAutoFit/>
+          </a:bodyPr>
+          <a:lstStyle/>
+          <a:p>
+            <a:r>
+              <a:rPr lang="fr-FR" sz="1200" dirty="0" err="1">
+                <a:solidFill>
+                  <a:schemeClr val="bg1"/>
+                </a:solidFill>
+              </a:rPr>
+              <a:t>ViteJs</a:t>
+            </a:r>
+            <a:r>
+              <a:rPr lang="fr-FR" sz="1200" dirty="0">
+                <a:solidFill>
+                  <a:schemeClr val="bg1"/>
+                </a:solidFill>
+              </a:rPr>
+              <a:t> / </a:t>
+            </a:r>
+            <a:r>
+              <a:rPr lang="fr-FR" sz="1200" dirty="0" err="1">
+                <a:solidFill>
+                  <a:schemeClr val="bg1"/>
+                </a:solidFill>
+              </a:rPr>
+              <a:t>EsBuild</a:t>
+            </a:r>
+            <a:endParaRPr lang="fr-FR" sz="1200" dirty="0">
+              <a:solidFill>
+                <a:schemeClr val="bg1"/>
+              </a:solidFill>
+            </a:endParaRPr>
+          </a:p>
+        </p:txBody>
+      </p:sp>
+      <p:sp>
+        <p:nvSpPr>
+          <p:cNvPr id="2" name="ZoneTexte 1">
+            <a:extLst>
+              <a:ext uri="{FF2B5EF4-FFF2-40B4-BE49-F238E27FC236}">
+                <a16:creationId xmlns:a16="http://schemas.microsoft.com/office/drawing/2014/main" id="{DD5D4B5A-9D95-3AC1-389B-B5955E08558F}"/>
+              </a:ext>
+            </a:extLst>
+          </p:cNvPr>
+          <p:cNvSpPr txBox="1"/>
+          <p:nvPr/>
+        </p:nvSpPr>
+        <p:spPr>
+          <a:xfrm>
+            <a:off x="277548" y="3239942"/>
             <a:ext cx="1716832" cy="276999"/>
           </a:xfrm>
           <a:prstGeom prst="rect">
@@ -14246,10 +13872,10 @@
       </p:sp>
       <p:sp>
         <p:nvSpPr>
-          <p:cNvPr id="5" name="ZoneTexte 4">
-            <a:extLst>
-              <a:ext uri="{FF2B5EF4-FFF2-40B4-BE49-F238E27FC236}">
-                <a16:creationId xmlns:a16="http://schemas.microsoft.com/office/drawing/2014/main" id="{1CDB184C-9812-F36F-810D-14D46068DEDA}"/>
+          <p:cNvPr id="3" name="ZoneTexte 2">
+            <a:extLst>
+              <a:ext uri="{FF2B5EF4-FFF2-40B4-BE49-F238E27FC236}">
+                <a16:creationId xmlns:a16="http://schemas.microsoft.com/office/drawing/2014/main" id="{A38E9FEA-164C-9FAE-D11A-B227DCEF75B8}"/>
               </a:ext>
             </a:extLst>
           </p:cNvPr>
@@ -14258,7 +13884,7 @@
         </p:nvSpPr>
         <p:spPr>
           <a:xfrm>
-            <a:off x="277548" y="3757855"/>
+            <a:off x="277548" y="3500859"/>
             <a:ext cx="1716832" cy="276999"/>
           </a:xfrm>
           <a:prstGeom prst="rect">
@@ -14291,7 +13917,7 @@
     </p:spTree>
     <p:extLst>
       <p:ext uri="{BB962C8B-B14F-4D97-AF65-F5344CB8AC3E}">
-        <p14:creationId xmlns:p14="http://schemas.microsoft.com/office/powerpoint/2010/main" val="3913593116"/>
+        <p14:creationId xmlns:p14="http://schemas.microsoft.com/office/powerpoint/2010/main" val="1679543939"/>
       </p:ext>
     </p:extLst>
   </p:cSld>
@@ -14321,7 +13947,7 @@
         <p:cNvPr id="1" name="">
           <a:extLst>
             <a:ext uri="{FF2B5EF4-FFF2-40B4-BE49-F238E27FC236}">
-              <a16:creationId xmlns:a16="http://schemas.microsoft.com/office/drawing/2014/main" id="{E8B760E2-6D03-D670-FED5-189D745E1794}"/>
+              <a16:creationId xmlns:a16="http://schemas.microsoft.com/office/drawing/2014/main" id="{7419EA2D-2B21-7DD2-B6B9-F0092FF5539D}"/>
             </a:ext>
           </a:extLst>
         </p:cNvPr>
@@ -14341,7 +13967,7 @@
           <p:cNvPr id="37" name="ZoneTexte 36">
             <a:extLst>
               <a:ext uri="{FF2B5EF4-FFF2-40B4-BE49-F238E27FC236}">
-                <a16:creationId xmlns:a16="http://schemas.microsoft.com/office/drawing/2014/main" id="{F532FF3A-7D68-1ABB-2496-9901A4113C61}"/>
+                <a16:creationId xmlns:a16="http://schemas.microsoft.com/office/drawing/2014/main" id="{3A33D2D1-E9FF-6C3E-BCAB-7026BF95A773}"/>
               </a:ext>
             </a:extLst>
           </p:cNvPr>
@@ -14381,7 +14007,7 @@
           <p:cNvPr id="53" name="Forme libre 52">
             <a:extLst>
               <a:ext uri="{FF2B5EF4-FFF2-40B4-BE49-F238E27FC236}">
-                <a16:creationId xmlns:a16="http://schemas.microsoft.com/office/drawing/2014/main" id="{A8FFEBD1-5ADD-29C5-FB92-AC3993EB4672}"/>
+                <a16:creationId xmlns:a16="http://schemas.microsoft.com/office/drawing/2014/main" id="{A13E655C-2708-5F7E-5EC1-25286723BDAE}"/>
               </a:ext>
             </a:extLst>
           </p:cNvPr>
@@ -14518,7 +14144,7 @@
           <p:cNvPr id="49" name="Forme libre 48">
             <a:extLst>
               <a:ext uri="{FF2B5EF4-FFF2-40B4-BE49-F238E27FC236}">
-                <a16:creationId xmlns:a16="http://schemas.microsoft.com/office/drawing/2014/main" id="{61F449AE-DF6D-A235-4BFC-7E6711D3EC68}"/>
+                <a16:creationId xmlns:a16="http://schemas.microsoft.com/office/drawing/2014/main" id="{EF15852F-6060-03FC-759D-F7F4EA986DD3}"/>
               </a:ext>
             </a:extLst>
           </p:cNvPr>
@@ -14617,7 +14243,7 @@
           <p:cNvPr id="16" name="Image 15">
             <a:extLst>
               <a:ext uri="{FF2B5EF4-FFF2-40B4-BE49-F238E27FC236}">
-                <a16:creationId xmlns:a16="http://schemas.microsoft.com/office/drawing/2014/main" id="{8BB8C793-E15B-EC45-F446-D63B303C1CE4}"/>
+                <a16:creationId xmlns:a16="http://schemas.microsoft.com/office/drawing/2014/main" id="{C7F437BC-5C91-3B54-D22C-DB056C2E005F}"/>
               </a:ext>
             </a:extLst>
           </p:cNvPr>
@@ -14646,7 +14272,7 @@
           <p:cNvPr id="44" name="Forme libre 43">
             <a:extLst>
               <a:ext uri="{FF2B5EF4-FFF2-40B4-BE49-F238E27FC236}">
-                <a16:creationId xmlns:a16="http://schemas.microsoft.com/office/drawing/2014/main" id="{ECDD26AB-501D-0E6F-7571-031C928D09B1}"/>
+                <a16:creationId xmlns:a16="http://schemas.microsoft.com/office/drawing/2014/main" id="{F84F0E84-57BA-21ED-91BC-47A4C137CF87}"/>
               </a:ext>
             </a:extLst>
           </p:cNvPr>
@@ -14740,53 +14366,12 @@
           </a:p>
         </p:txBody>
       </p:sp>
-      <p:cxnSp>
-        <p:nvCxnSpPr>
-          <p:cNvPr id="10" name="Connecteur droit avec flèche 9">
-            <a:extLst>
-              <a:ext uri="{FF2B5EF4-FFF2-40B4-BE49-F238E27FC236}">
-                <a16:creationId xmlns:a16="http://schemas.microsoft.com/office/drawing/2014/main" id="{F9297B13-9DCF-71EE-730F-B280A719501E}"/>
-              </a:ext>
-            </a:extLst>
-          </p:cNvPr>
-          <p:cNvCxnSpPr>
-            <a:cxnSpLocks/>
-          </p:cNvCxnSpPr>
-          <p:nvPr/>
-        </p:nvCxnSpPr>
-        <p:spPr>
-          <a:xfrm>
-            <a:off x="6752560" y="2416488"/>
-            <a:ext cx="925597" cy="0"/>
-          </a:xfrm>
-          <a:prstGeom prst="straightConnector1">
-            <a:avLst/>
-          </a:prstGeom>
-          <a:ln>
-            <a:tailEnd type="triangle"/>
-          </a:ln>
-        </p:spPr>
-        <p:style>
-          <a:lnRef idx="3">
-            <a:schemeClr val="dk1"/>
-          </a:lnRef>
-          <a:fillRef idx="0">
-            <a:schemeClr val="dk1"/>
-          </a:fillRef>
-          <a:effectRef idx="2">
-            <a:schemeClr val="dk1"/>
-          </a:effectRef>
-          <a:fontRef idx="minor">
-            <a:schemeClr val="tx1"/>
-          </a:fontRef>
-        </p:style>
-      </p:cxnSp>
       <p:sp>
         <p:nvSpPr>
           <p:cNvPr id="4" name="ZoneTexte 3">
             <a:extLst>
               <a:ext uri="{FF2B5EF4-FFF2-40B4-BE49-F238E27FC236}">
-                <a16:creationId xmlns:a16="http://schemas.microsoft.com/office/drawing/2014/main" id="{ECECB050-E879-7EBA-C629-949F1EFC1ACB}"/>
+                <a16:creationId xmlns:a16="http://schemas.microsoft.com/office/drawing/2014/main" id="{86A58DF9-4170-D360-B581-E37B29C1E668}"/>
               </a:ext>
             </a:extLst>
           </p:cNvPr>
@@ -14795,8 +14380,8 @@
         </p:nvSpPr>
         <p:spPr>
           <a:xfrm>
-            <a:off x="8853259" y="2231822"/>
-            <a:ext cx="2062545" cy="369332"/>
+            <a:off x="5602099" y="1064703"/>
+            <a:ext cx="3186963" cy="369332"/>
           </a:xfrm>
           <a:prstGeom prst="rect">
             <a:avLst/>
@@ -14813,7 +14398,7 @@
               <a:rPr lang="fr-FR" dirty="0">
                 <a:hlinkClick r:id="rId4"/>
               </a:rPr>
-              <a:t>https://angular.dev/</a:t>
+              <a:t>https://angular.dev/playground</a:t>
             </a:r>
             <a:r>
               <a:rPr lang="fr-FR" dirty="0"/>
@@ -14824,10 +14409,10 @@
       </p:sp>
       <p:sp>
         <p:nvSpPr>
-          <p:cNvPr id="5" name="ZoneTexte 4">
-            <a:extLst>
-              <a:ext uri="{FF2B5EF4-FFF2-40B4-BE49-F238E27FC236}">
-                <a16:creationId xmlns:a16="http://schemas.microsoft.com/office/drawing/2014/main" id="{50B69093-8A44-5528-37E4-577A29AE4397}"/>
+          <p:cNvPr id="18" name="ZoneTexte 17">
+            <a:extLst>
+              <a:ext uri="{FF2B5EF4-FFF2-40B4-BE49-F238E27FC236}">
+                <a16:creationId xmlns:a16="http://schemas.microsoft.com/office/drawing/2014/main" id="{5D831680-1C79-B590-620B-0873852BEF4F}"/>
               </a:ext>
             </a:extLst>
           </p:cNvPr>
@@ -14836,8 +14421,8 @@
         </p:nvSpPr>
         <p:spPr>
           <a:xfrm>
-            <a:off x="3767358" y="2231822"/>
-            <a:ext cx="1960806" cy="369332"/>
+            <a:off x="277548" y="1932374"/>
+            <a:ext cx="1716832" cy="276999"/>
           </a:xfrm>
           <a:prstGeom prst="rect">
             <a:avLst/>
@@ -14845,30 +14430,215 @@
           <a:noFill/>
         </p:spPr>
         <p:txBody>
-          <a:bodyPr wrap="square">
+          <a:bodyPr wrap="square" rtlCol="0">
             <a:spAutoFit/>
           </a:bodyPr>
           <a:lstStyle/>
           <a:p>
             <a:r>
-              <a:rPr lang="fr-FR" dirty="0">
-                <a:hlinkClick r:id="rId5"/>
+              <a:rPr lang="fr-FR" sz="1200" dirty="0">
+                <a:solidFill>
+                  <a:schemeClr val="bg1"/>
+                </a:solidFill>
               </a:rPr>
-              <a:t>https://angular.io/</a:t>
-            </a:r>
-            <a:r>
-              <a:rPr lang="fr-FR" dirty="0"/>
-              <a:t> </a:t>
-            </a:r>
+              <a:t>Standalone</a:t>
+            </a:r>
+          </a:p>
+        </p:txBody>
+      </p:sp>
+      <p:sp>
+        <p:nvSpPr>
+          <p:cNvPr id="19" name="ZoneTexte 18">
+            <a:extLst>
+              <a:ext uri="{FF2B5EF4-FFF2-40B4-BE49-F238E27FC236}">
+                <a16:creationId xmlns:a16="http://schemas.microsoft.com/office/drawing/2014/main" id="{06CA4FFC-BE5A-7207-BCCF-67B082296EE4}"/>
+              </a:ext>
+            </a:extLst>
+          </p:cNvPr>
+          <p:cNvSpPr txBox="1"/>
+          <p:nvPr/>
+        </p:nvSpPr>
+        <p:spPr>
+          <a:xfrm>
+            <a:off x="277548" y="2200069"/>
+            <a:ext cx="1716832" cy="276999"/>
+          </a:xfrm>
+          <a:prstGeom prst="rect">
+            <a:avLst/>
+          </a:prstGeom>
+          <a:noFill/>
+        </p:spPr>
+        <p:txBody>
+          <a:bodyPr wrap="square" rtlCol="0">
+            <a:spAutoFit/>
+          </a:bodyPr>
+          <a:lstStyle/>
+          <a:p>
+            <a:r>
+              <a:rPr lang="fr-FR" sz="1200" dirty="0" err="1">
+                <a:solidFill>
+                  <a:schemeClr val="bg1"/>
+                </a:solidFill>
+              </a:rPr>
+              <a:t>Signals</a:t>
+            </a:r>
+            <a:endParaRPr lang="fr-FR" sz="1200" dirty="0">
+              <a:solidFill>
+                <a:schemeClr val="bg1"/>
+              </a:solidFill>
+            </a:endParaRPr>
+          </a:p>
+        </p:txBody>
+      </p:sp>
+      <p:sp>
+        <p:nvSpPr>
+          <p:cNvPr id="20" name="ZoneTexte 19">
+            <a:extLst>
+              <a:ext uri="{FF2B5EF4-FFF2-40B4-BE49-F238E27FC236}">
+                <a16:creationId xmlns:a16="http://schemas.microsoft.com/office/drawing/2014/main" id="{EDD5BE6C-6DFD-D78F-2C27-D987FA456749}"/>
+              </a:ext>
+            </a:extLst>
+          </p:cNvPr>
+          <p:cNvSpPr txBox="1"/>
+          <p:nvPr/>
+        </p:nvSpPr>
+        <p:spPr>
+          <a:xfrm>
+            <a:off x="277548" y="2467764"/>
+            <a:ext cx="1716832" cy="276999"/>
+          </a:xfrm>
+          <a:prstGeom prst="rect">
+            <a:avLst/>
+          </a:prstGeom>
+          <a:noFill/>
+        </p:spPr>
+        <p:txBody>
+          <a:bodyPr wrap="square" rtlCol="0">
+            <a:spAutoFit/>
+          </a:bodyPr>
+          <a:lstStyle/>
+          <a:p>
+            <a:r>
+              <a:rPr lang="fr-FR" sz="1200" dirty="0">
+                <a:solidFill>
+                  <a:schemeClr val="bg1"/>
+                </a:solidFill>
+              </a:rPr>
+              <a:t>Formulaire Typé</a:t>
+            </a:r>
+          </a:p>
+        </p:txBody>
+      </p:sp>
+      <p:sp>
+        <p:nvSpPr>
+          <p:cNvPr id="21" name="ZoneTexte 20">
+            <a:extLst>
+              <a:ext uri="{FF2B5EF4-FFF2-40B4-BE49-F238E27FC236}">
+                <a16:creationId xmlns:a16="http://schemas.microsoft.com/office/drawing/2014/main" id="{2E6B06FA-93F2-EF38-A29C-293F93CDAB83}"/>
+              </a:ext>
+            </a:extLst>
+          </p:cNvPr>
+          <p:cNvSpPr txBox="1"/>
+          <p:nvPr/>
+        </p:nvSpPr>
+        <p:spPr>
+          <a:xfrm>
+            <a:off x="277548" y="2735459"/>
+            <a:ext cx="1716832" cy="276999"/>
+          </a:xfrm>
+          <a:prstGeom prst="rect">
+            <a:avLst/>
+          </a:prstGeom>
+          <a:noFill/>
+        </p:spPr>
+        <p:txBody>
+          <a:bodyPr wrap="square" rtlCol="0">
+            <a:spAutoFit/>
+          </a:bodyPr>
+          <a:lstStyle/>
+          <a:p>
+            <a:r>
+              <a:rPr lang="fr-FR" sz="1200" dirty="0" err="1">
+                <a:solidFill>
+                  <a:schemeClr val="bg1"/>
+                </a:solidFill>
+              </a:rPr>
+              <a:t>ViteJs</a:t>
+            </a:r>
+            <a:r>
+              <a:rPr lang="fr-FR" sz="1200" dirty="0">
+                <a:solidFill>
+                  <a:schemeClr val="bg1"/>
+                </a:solidFill>
+              </a:rPr>
+              <a:t> / </a:t>
+            </a:r>
+            <a:r>
+              <a:rPr lang="fr-FR" sz="1200" dirty="0" err="1">
+                <a:solidFill>
+                  <a:schemeClr val="bg1"/>
+                </a:solidFill>
+              </a:rPr>
+              <a:t>EsBuild</a:t>
+            </a:r>
+            <a:endParaRPr lang="fr-FR" sz="1200" dirty="0">
+              <a:solidFill>
+                <a:schemeClr val="bg1"/>
+              </a:solidFill>
+            </a:endParaRPr>
+          </a:p>
+        </p:txBody>
+      </p:sp>
+      <p:sp>
+        <p:nvSpPr>
+          <p:cNvPr id="17" name="ZoneTexte 16">
+            <a:extLst>
+              <a:ext uri="{FF2B5EF4-FFF2-40B4-BE49-F238E27FC236}">
+                <a16:creationId xmlns:a16="http://schemas.microsoft.com/office/drawing/2014/main" id="{93584356-08A1-2515-CC70-B5A3938CAFC5}"/>
+              </a:ext>
+            </a:extLst>
+          </p:cNvPr>
+          <p:cNvSpPr txBox="1"/>
+          <p:nvPr/>
+        </p:nvSpPr>
+        <p:spPr>
+          <a:xfrm>
+            <a:off x="277548" y="1481525"/>
+            <a:ext cx="1716832" cy="400110"/>
+          </a:xfrm>
+          <a:prstGeom prst="rect">
+            <a:avLst/>
+          </a:prstGeom>
+          <a:noFill/>
+        </p:spPr>
+        <p:txBody>
+          <a:bodyPr wrap="square" rtlCol="0">
+            <a:spAutoFit/>
+          </a:bodyPr>
+          <a:lstStyle/>
+          <a:p>
+            <a:r>
+              <a:rPr lang="fr-FR" sz="2000" dirty="0" err="1">
+                <a:solidFill>
+                  <a:schemeClr val="bg1"/>
+                </a:solidFill>
+              </a:rPr>
+              <a:t>Playground</a:t>
+            </a:r>
+            <a:endParaRPr lang="fr-FR" sz="2000" dirty="0">
+              <a:solidFill>
+                <a:schemeClr val="bg1"/>
+              </a:solidFill>
+            </a:endParaRPr>
           </a:p>
         </p:txBody>
       </p:sp>
       <p:pic>
         <p:nvPicPr>
-          <p:cNvPr id="12" name="Image 11" descr="Une image contenant texte, Police, capture d’écran&#10;&#10;Description générée automatiquement">
-            <a:extLst>
-              <a:ext uri="{FF2B5EF4-FFF2-40B4-BE49-F238E27FC236}">
-                <a16:creationId xmlns:a16="http://schemas.microsoft.com/office/drawing/2014/main" id="{7982B9C0-4FAC-58B2-C5DE-921988281285}"/>
+          <p:cNvPr id="3" name="Image 2" descr="Une image contenant texte, capture d’écran, Police, nombre&#10;&#10;Description générée automatiquement">
+            <a:extLst>
+              <a:ext uri="{FF2B5EF4-FFF2-40B4-BE49-F238E27FC236}">
+                <a16:creationId xmlns:a16="http://schemas.microsoft.com/office/drawing/2014/main" id="{4C47CA4B-1F5C-9C06-2090-0C0671F2B8B7}"/>
               </a:ext>
             </a:extLst>
           </p:cNvPr>
@@ -14878,57 +14648,27 @@
           <p:nvPr/>
         </p:nvPicPr>
         <p:blipFill>
-          <a:blip r:embed="rId6"/>
+          <a:blip r:embed="rId5"/>
           <a:stretch>
             <a:fillRect/>
           </a:stretch>
         </p:blipFill>
         <p:spPr>
           <a:xfrm>
-            <a:off x="7678156" y="2794378"/>
-            <a:ext cx="4412752" cy="2520000"/>
+            <a:off x="3309381" y="1573120"/>
+            <a:ext cx="7772400" cy="4409666"/>
           </a:xfrm>
           <a:prstGeom prst="rect">
             <a:avLst/>
           </a:prstGeom>
         </p:spPr>
       </p:pic>
-      <p:pic>
-        <p:nvPicPr>
-          <p:cNvPr id="14" name="Image 13" descr="Une image contenant texte, capture d’écran, logo, Police&#10;&#10;Description générée automatiquement">
-            <a:extLst>
-              <a:ext uri="{FF2B5EF4-FFF2-40B4-BE49-F238E27FC236}">
-                <a16:creationId xmlns:a16="http://schemas.microsoft.com/office/drawing/2014/main" id="{A6B2B8A0-111C-6B0C-03ED-85A8CF7AB89D}"/>
-              </a:ext>
-            </a:extLst>
-          </p:cNvPr>
-          <p:cNvPicPr>
-            <a:picLocks noChangeAspect="1"/>
-          </p:cNvPicPr>
-          <p:nvPr/>
-        </p:nvPicPr>
-        <p:blipFill>
-          <a:blip r:embed="rId7"/>
-          <a:stretch>
-            <a:fillRect/>
-          </a:stretch>
-        </p:blipFill>
-        <p:spPr>
-          <a:xfrm>
-            <a:off x="2550662" y="2794378"/>
-            <a:ext cx="4394199" cy="2520000"/>
-          </a:xfrm>
-          <a:prstGeom prst="rect">
-            <a:avLst/>
-          </a:prstGeom>
-        </p:spPr>
-      </p:pic>
-      <p:sp>
-        <p:nvSpPr>
-          <p:cNvPr id="15" name="ZoneTexte 14">
-            <a:extLst>
-              <a:ext uri="{FF2B5EF4-FFF2-40B4-BE49-F238E27FC236}">
-                <a16:creationId xmlns:a16="http://schemas.microsoft.com/office/drawing/2014/main" id="{85051AEE-E5D7-E3CC-902A-AC85AAEFCC06}"/>
+      <p:sp>
+        <p:nvSpPr>
+          <p:cNvPr id="2" name="ZoneTexte 1">
+            <a:extLst>
+              <a:ext uri="{FF2B5EF4-FFF2-40B4-BE49-F238E27FC236}">
+                <a16:creationId xmlns:a16="http://schemas.microsoft.com/office/drawing/2014/main" id="{5BB00721-E9FD-3F7F-15B5-944D5B46A66B}"/>
               </a:ext>
             </a:extLst>
           </p:cNvPr>
@@ -14937,272 +14677,7 @@
         </p:nvSpPr>
         <p:spPr>
           <a:xfrm>
-            <a:off x="277548" y="1483173"/>
-            <a:ext cx="1864561" cy="400110"/>
-          </a:xfrm>
-          <a:prstGeom prst="rect">
-            <a:avLst/>
-          </a:prstGeom>
-          <a:noFill/>
-        </p:spPr>
-        <p:txBody>
-          <a:bodyPr wrap="square" rtlCol="0">
-            <a:spAutoFit/>
-          </a:bodyPr>
-          <a:lstStyle/>
-          <a:p>
-            <a:r>
-              <a:rPr lang="fr-FR" sz="2000" dirty="0">
-                <a:solidFill>
-                  <a:schemeClr val="bg1"/>
-                </a:solidFill>
-              </a:rPr>
-              <a:t>Documentation</a:t>
-            </a:r>
-          </a:p>
-        </p:txBody>
-      </p:sp>
-      <p:sp>
-        <p:nvSpPr>
-          <p:cNvPr id="17" name="ZoneTexte 16">
-            <a:extLst>
-              <a:ext uri="{FF2B5EF4-FFF2-40B4-BE49-F238E27FC236}">
-                <a16:creationId xmlns:a16="http://schemas.microsoft.com/office/drawing/2014/main" id="{F1359E3A-23BE-F099-CA03-C550FC39673A}"/>
-              </a:ext>
-            </a:extLst>
-          </p:cNvPr>
-          <p:cNvSpPr txBox="1"/>
-          <p:nvPr/>
-        </p:nvSpPr>
-        <p:spPr>
-          <a:xfrm>
-            <a:off x="277548" y="1935367"/>
-            <a:ext cx="1716832" cy="276999"/>
-          </a:xfrm>
-          <a:prstGeom prst="rect">
-            <a:avLst/>
-          </a:prstGeom>
-          <a:noFill/>
-        </p:spPr>
-        <p:txBody>
-          <a:bodyPr wrap="square" rtlCol="0">
-            <a:spAutoFit/>
-          </a:bodyPr>
-          <a:lstStyle/>
-          <a:p>
-            <a:r>
-              <a:rPr lang="fr-FR" sz="1200" dirty="0" err="1">
-                <a:solidFill>
-                  <a:schemeClr val="bg1"/>
-                </a:solidFill>
-              </a:rPr>
-              <a:t>Playground</a:t>
-            </a:r>
-            <a:endParaRPr lang="fr-FR" sz="1200" dirty="0">
-              <a:solidFill>
-                <a:schemeClr val="bg1"/>
-              </a:solidFill>
-            </a:endParaRPr>
-          </a:p>
-        </p:txBody>
-      </p:sp>
-      <p:sp>
-        <p:nvSpPr>
-          <p:cNvPr id="18" name="ZoneTexte 17">
-            <a:extLst>
-              <a:ext uri="{FF2B5EF4-FFF2-40B4-BE49-F238E27FC236}">
-                <a16:creationId xmlns:a16="http://schemas.microsoft.com/office/drawing/2014/main" id="{147FF0BF-3C87-C880-BADE-ADE338166FB4}"/>
-              </a:ext>
-            </a:extLst>
-          </p:cNvPr>
-          <p:cNvSpPr txBox="1"/>
-          <p:nvPr/>
-        </p:nvSpPr>
-        <p:spPr>
-          <a:xfrm>
-            <a:off x="277548" y="2196282"/>
-            <a:ext cx="1716832" cy="276999"/>
-          </a:xfrm>
-          <a:prstGeom prst="rect">
-            <a:avLst/>
-          </a:prstGeom>
-          <a:noFill/>
-        </p:spPr>
-        <p:txBody>
-          <a:bodyPr wrap="square" rtlCol="0">
-            <a:spAutoFit/>
-          </a:bodyPr>
-          <a:lstStyle/>
-          <a:p>
-            <a:r>
-              <a:rPr lang="fr-FR" sz="1200" dirty="0">
-                <a:solidFill>
-                  <a:schemeClr val="bg1"/>
-                </a:solidFill>
-              </a:rPr>
-              <a:t>Standalone</a:t>
-            </a:r>
-          </a:p>
-        </p:txBody>
-      </p:sp>
-      <p:sp>
-        <p:nvSpPr>
-          <p:cNvPr id="19" name="ZoneTexte 18">
-            <a:extLst>
-              <a:ext uri="{FF2B5EF4-FFF2-40B4-BE49-F238E27FC236}">
-                <a16:creationId xmlns:a16="http://schemas.microsoft.com/office/drawing/2014/main" id="{C926AEB9-E567-2FAB-D0AF-46A6E834A079}"/>
-              </a:ext>
-            </a:extLst>
-          </p:cNvPr>
-          <p:cNvSpPr txBox="1"/>
-          <p:nvPr/>
-        </p:nvSpPr>
-        <p:spPr>
-          <a:xfrm>
-            <a:off x="277548" y="2457197"/>
-            <a:ext cx="1716832" cy="276999"/>
-          </a:xfrm>
-          <a:prstGeom prst="rect">
-            <a:avLst/>
-          </a:prstGeom>
-          <a:noFill/>
-        </p:spPr>
-        <p:txBody>
-          <a:bodyPr wrap="square" rtlCol="0">
-            <a:spAutoFit/>
-          </a:bodyPr>
-          <a:lstStyle/>
-          <a:p>
-            <a:r>
-              <a:rPr lang="fr-FR" sz="1200" dirty="0" err="1">
-                <a:solidFill>
-                  <a:schemeClr val="bg1"/>
-                </a:solidFill>
-              </a:rPr>
-              <a:t>Signals</a:t>
-            </a:r>
-            <a:endParaRPr lang="fr-FR" sz="1200" dirty="0">
-              <a:solidFill>
-                <a:schemeClr val="bg1"/>
-              </a:solidFill>
-            </a:endParaRPr>
-          </a:p>
-        </p:txBody>
-      </p:sp>
-      <p:sp>
-        <p:nvSpPr>
-          <p:cNvPr id="20" name="ZoneTexte 19">
-            <a:extLst>
-              <a:ext uri="{FF2B5EF4-FFF2-40B4-BE49-F238E27FC236}">
-                <a16:creationId xmlns:a16="http://schemas.microsoft.com/office/drawing/2014/main" id="{C4864792-B353-5C12-46D8-776831FFFEC3}"/>
-              </a:ext>
-            </a:extLst>
-          </p:cNvPr>
-          <p:cNvSpPr txBox="1"/>
-          <p:nvPr/>
-        </p:nvSpPr>
-        <p:spPr>
-          <a:xfrm>
-            <a:off x="277548" y="2718112"/>
-            <a:ext cx="1716832" cy="276999"/>
-          </a:xfrm>
-          <a:prstGeom prst="rect">
-            <a:avLst/>
-          </a:prstGeom>
-          <a:noFill/>
-        </p:spPr>
-        <p:txBody>
-          <a:bodyPr wrap="square" rtlCol="0">
-            <a:spAutoFit/>
-          </a:bodyPr>
-          <a:lstStyle/>
-          <a:p>
-            <a:r>
-              <a:rPr lang="fr-FR" sz="1200" dirty="0">
-                <a:solidFill>
-                  <a:schemeClr val="bg1"/>
-                </a:solidFill>
-              </a:rPr>
-              <a:t>Formulaire Typé</a:t>
-            </a:r>
-          </a:p>
-        </p:txBody>
-      </p:sp>
-      <p:sp>
-        <p:nvSpPr>
-          <p:cNvPr id="21" name="ZoneTexte 20">
-            <a:extLst>
-              <a:ext uri="{FF2B5EF4-FFF2-40B4-BE49-F238E27FC236}">
-                <a16:creationId xmlns:a16="http://schemas.microsoft.com/office/drawing/2014/main" id="{FEE8AEE9-E732-EB42-A42C-EA52E4F02491}"/>
-              </a:ext>
-            </a:extLst>
-          </p:cNvPr>
-          <p:cNvSpPr txBox="1"/>
-          <p:nvPr/>
-        </p:nvSpPr>
-        <p:spPr>
-          <a:xfrm>
-            <a:off x="277548" y="2979027"/>
-            <a:ext cx="1716832" cy="276999"/>
-          </a:xfrm>
-          <a:prstGeom prst="rect">
-            <a:avLst/>
-          </a:prstGeom>
-          <a:noFill/>
-        </p:spPr>
-        <p:txBody>
-          <a:bodyPr wrap="square" rtlCol="0">
-            <a:spAutoFit/>
-          </a:bodyPr>
-          <a:lstStyle/>
-          <a:p>
-            <a:r>
-              <a:rPr lang="fr-FR" sz="1200" dirty="0" err="1">
-                <a:solidFill>
-                  <a:schemeClr val="bg1"/>
-                </a:solidFill>
-              </a:rPr>
-              <a:t>ViteJs</a:t>
-            </a:r>
-            <a:r>
-              <a:rPr lang="fr-FR" sz="1200" dirty="0">
-                <a:solidFill>
-                  <a:schemeClr val="bg1"/>
-                </a:solidFill>
-              </a:rPr>
-              <a:t> / </a:t>
-            </a:r>
-            <a:r>
-              <a:rPr lang="fr-FR" sz="1200" dirty="0" err="1">
-                <a:solidFill>
-                  <a:schemeClr val="bg1"/>
-                </a:solidFill>
-              </a:rPr>
-              <a:t>EsBuild</a:t>
-            </a:r>
-            <a:endParaRPr lang="fr-FR" sz="1200" dirty="0">
-              <a:solidFill>
-                <a:schemeClr val="bg1"/>
-              </a:solidFill>
-            </a:endParaRPr>
-          </a:p>
-        </p:txBody>
-      </p:sp>
-      <p:sp>
-        <p:nvSpPr>
-          <p:cNvPr id="2" name="ZoneTexte 1">
-            <a:extLst>
-              <a:ext uri="{FF2B5EF4-FFF2-40B4-BE49-F238E27FC236}">
-                <a16:creationId xmlns:a16="http://schemas.microsoft.com/office/drawing/2014/main" id="{DD5D4B5A-9D95-3AC1-389B-B5955E08558F}"/>
-              </a:ext>
-            </a:extLst>
-          </p:cNvPr>
-          <p:cNvSpPr txBox="1"/>
-          <p:nvPr/>
-        </p:nvSpPr>
-        <p:spPr>
-          <a:xfrm>
-            <a:off x="277548" y="3239942"/>
+            <a:off x="277548" y="3003154"/>
             <a:ext cx="1716832" cy="276999"/>
           </a:xfrm>
           <a:prstGeom prst="rect">
@@ -15229,10 +14704,10 @@
       </p:sp>
       <p:sp>
         <p:nvSpPr>
-          <p:cNvPr id="3" name="ZoneTexte 2">
-            <a:extLst>
-              <a:ext uri="{FF2B5EF4-FFF2-40B4-BE49-F238E27FC236}">
-                <a16:creationId xmlns:a16="http://schemas.microsoft.com/office/drawing/2014/main" id="{A38E9FEA-164C-9FAE-D11A-B227DCEF75B8}"/>
+          <p:cNvPr id="5" name="ZoneTexte 4">
+            <a:extLst>
+              <a:ext uri="{FF2B5EF4-FFF2-40B4-BE49-F238E27FC236}">
+                <a16:creationId xmlns:a16="http://schemas.microsoft.com/office/drawing/2014/main" id="{28CABDC5-9F69-103B-D38D-AD7B00F99AE6}"/>
               </a:ext>
             </a:extLst>
           </p:cNvPr>
@@ -15241,7 +14716,7 @@
         </p:nvSpPr>
         <p:spPr>
           <a:xfrm>
-            <a:off x="277548" y="3500859"/>
+            <a:off x="277548" y="3270847"/>
             <a:ext cx="1716832" cy="276999"/>
           </a:xfrm>
           <a:prstGeom prst="rect">
@@ -15274,7 +14749,7 @@
     </p:spTree>
     <p:extLst>
       <p:ext uri="{BB962C8B-B14F-4D97-AF65-F5344CB8AC3E}">
-        <p14:creationId xmlns:p14="http://schemas.microsoft.com/office/powerpoint/2010/main" val="1679543939"/>
+        <p14:creationId xmlns:p14="http://schemas.microsoft.com/office/powerpoint/2010/main" val="892983885"/>
       </p:ext>
     </p:extLst>
   </p:cSld>
@@ -15304,7 +14779,7 @@
         <p:cNvPr id="1" name="">
           <a:extLst>
             <a:ext uri="{FF2B5EF4-FFF2-40B4-BE49-F238E27FC236}">
-              <a16:creationId xmlns:a16="http://schemas.microsoft.com/office/drawing/2014/main" id="{7419EA2D-2B21-7DD2-B6B9-F0092FF5539D}"/>
+              <a16:creationId xmlns:a16="http://schemas.microsoft.com/office/drawing/2014/main" id="{657D0F80-515F-4B80-2FC5-E145CDF30305}"/>
             </a:ext>
           </a:extLst>
         </p:cNvPr>
@@ -15324,7 +14799,7 @@
           <p:cNvPr id="37" name="ZoneTexte 36">
             <a:extLst>
               <a:ext uri="{FF2B5EF4-FFF2-40B4-BE49-F238E27FC236}">
-                <a16:creationId xmlns:a16="http://schemas.microsoft.com/office/drawing/2014/main" id="{3A33D2D1-E9FF-6C3E-BCAB-7026BF95A773}"/>
+                <a16:creationId xmlns:a16="http://schemas.microsoft.com/office/drawing/2014/main" id="{6D722CAA-61D9-A049-C2EE-57E4FF8F7E5D}"/>
               </a:ext>
             </a:extLst>
           </p:cNvPr>
@@ -15364,7 +14839,7 @@
           <p:cNvPr id="53" name="Forme libre 52">
             <a:extLst>
               <a:ext uri="{FF2B5EF4-FFF2-40B4-BE49-F238E27FC236}">
-                <a16:creationId xmlns:a16="http://schemas.microsoft.com/office/drawing/2014/main" id="{A13E655C-2708-5F7E-5EC1-25286723BDAE}"/>
+                <a16:creationId xmlns:a16="http://schemas.microsoft.com/office/drawing/2014/main" id="{B4EECFBD-19F5-6884-8E6B-D33EC17587E3}"/>
               </a:ext>
             </a:extLst>
           </p:cNvPr>
@@ -15501,7 +14976,7 @@
           <p:cNvPr id="49" name="Forme libre 48">
             <a:extLst>
               <a:ext uri="{FF2B5EF4-FFF2-40B4-BE49-F238E27FC236}">
-                <a16:creationId xmlns:a16="http://schemas.microsoft.com/office/drawing/2014/main" id="{EF15852F-6060-03FC-759D-F7F4EA986DD3}"/>
+                <a16:creationId xmlns:a16="http://schemas.microsoft.com/office/drawing/2014/main" id="{BFFB4B95-53EC-24D4-1030-7848FB983C32}"/>
               </a:ext>
             </a:extLst>
           </p:cNvPr>
@@ -15600,7 +15075,7 @@
           <p:cNvPr id="16" name="Image 15">
             <a:extLst>
               <a:ext uri="{FF2B5EF4-FFF2-40B4-BE49-F238E27FC236}">
-                <a16:creationId xmlns:a16="http://schemas.microsoft.com/office/drawing/2014/main" id="{C7F437BC-5C91-3B54-D22C-DB056C2E005F}"/>
+                <a16:creationId xmlns:a16="http://schemas.microsoft.com/office/drawing/2014/main" id="{2702FE4C-07E0-8C18-C79E-79D7661BDE22}"/>
               </a:ext>
             </a:extLst>
           </p:cNvPr>
@@ -15629,7 +15104,7 @@
           <p:cNvPr id="44" name="Forme libre 43">
             <a:extLst>
               <a:ext uri="{FF2B5EF4-FFF2-40B4-BE49-F238E27FC236}">
-                <a16:creationId xmlns:a16="http://schemas.microsoft.com/office/drawing/2014/main" id="{F84F0E84-57BA-21ED-91BC-47A4C137CF87}"/>
+                <a16:creationId xmlns:a16="http://schemas.microsoft.com/office/drawing/2014/main" id="{A7ED33EB-0EE0-C6B5-AB4F-DCC6164E212A}"/>
               </a:ext>
             </a:extLst>
           </p:cNvPr>
@@ -15725,10 +15200,10 @@
       </p:sp>
       <p:sp>
         <p:nvSpPr>
-          <p:cNvPr id="4" name="ZoneTexte 3">
-            <a:extLst>
-              <a:ext uri="{FF2B5EF4-FFF2-40B4-BE49-F238E27FC236}">
-                <a16:creationId xmlns:a16="http://schemas.microsoft.com/office/drawing/2014/main" id="{86A58DF9-4170-D360-B581-E37B29C1E668}"/>
+          <p:cNvPr id="19" name="ZoneTexte 18">
+            <a:extLst>
+              <a:ext uri="{FF2B5EF4-FFF2-40B4-BE49-F238E27FC236}">
+                <a16:creationId xmlns:a16="http://schemas.microsoft.com/office/drawing/2014/main" id="{FA135111-3386-130A-5AB6-9E27499E811A}"/>
               </a:ext>
             </a:extLst>
           </p:cNvPr>
@@ -15737,87 +15212,7 @@
         </p:nvSpPr>
         <p:spPr>
           <a:xfrm>
-            <a:off x="5602099" y="1064703"/>
-            <a:ext cx="3186963" cy="369332"/>
-          </a:xfrm>
-          <a:prstGeom prst="rect">
-            <a:avLst/>
-          </a:prstGeom>
-          <a:noFill/>
-        </p:spPr>
-        <p:txBody>
-          <a:bodyPr wrap="square">
-            <a:spAutoFit/>
-          </a:bodyPr>
-          <a:lstStyle/>
-          <a:p>
-            <a:r>
-              <a:rPr lang="fr-FR" dirty="0">
-                <a:hlinkClick r:id="rId4"/>
-              </a:rPr>
-              <a:t>https://angular.dev/playground</a:t>
-            </a:r>
-            <a:r>
-              <a:rPr lang="fr-FR" dirty="0"/>
-              <a:t> </a:t>
-            </a:r>
-          </a:p>
-        </p:txBody>
-      </p:sp>
-      <p:sp>
-        <p:nvSpPr>
-          <p:cNvPr id="18" name="ZoneTexte 17">
-            <a:extLst>
-              <a:ext uri="{FF2B5EF4-FFF2-40B4-BE49-F238E27FC236}">
-                <a16:creationId xmlns:a16="http://schemas.microsoft.com/office/drawing/2014/main" id="{5D831680-1C79-B590-620B-0873852BEF4F}"/>
-              </a:ext>
-            </a:extLst>
-          </p:cNvPr>
-          <p:cNvSpPr txBox="1"/>
-          <p:nvPr/>
-        </p:nvSpPr>
-        <p:spPr>
-          <a:xfrm>
-            <a:off x="277548" y="1932374"/>
-            <a:ext cx="1716832" cy="276999"/>
-          </a:xfrm>
-          <a:prstGeom prst="rect">
-            <a:avLst/>
-          </a:prstGeom>
-          <a:noFill/>
-        </p:spPr>
-        <p:txBody>
-          <a:bodyPr wrap="square" rtlCol="0">
-            <a:spAutoFit/>
-          </a:bodyPr>
-          <a:lstStyle/>
-          <a:p>
-            <a:r>
-              <a:rPr lang="fr-FR" sz="1200" dirty="0">
-                <a:solidFill>
-                  <a:schemeClr val="bg1"/>
-                </a:solidFill>
-              </a:rPr>
-              <a:t>Standalone</a:t>
-            </a:r>
-          </a:p>
-        </p:txBody>
-      </p:sp>
-      <p:sp>
-        <p:nvSpPr>
-          <p:cNvPr id="19" name="ZoneTexte 18">
-            <a:extLst>
-              <a:ext uri="{FF2B5EF4-FFF2-40B4-BE49-F238E27FC236}">
-                <a16:creationId xmlns:a16="http://schemas.microsoft.com/office/drawing/2014/main" id="{06CA4FFC-BE5A-7207-BCCF-67B082296EE4}"/>
-              </a:ext>
-            </a:extLst>
-          </p:cNvPr>
-          <p:cNvSpPr txBox="1"/>
-          <p:nvPr/>
-        </p:nvSpPr>
-        <p:spPr>
-          <a:xfrm>
-            <a:off x="277548" y="2200069"/>
+            <a:off x="277548" y="1929420"/>
             <a:ext cx="1716832" cy="276999"/>
           </a:xfrm>
           <a:prstGeom prst="rect">
@@ -15852,7 +15247,7 @@
           <p:cNvPr id="20" name="ZoneTexte 19">
             <a:extLst>
               <a:ext uri="{FF2B5EF4-FFF2-40B4-BE49-F238E27FC236}">
-                <a16:creationId xmlns:a16="http://schemas.microsoft.com/office/drawing/2014/main" id="{EDD5BE6C-6DFD-D78F-2C27-D987FA456749}"/>
+                <a16:creationId xmlns:a16="http://schemas.microsoft.com/office/drawing/2014/main" id="{1CDAB85A-2FF7-2AA0-E5EA-31B063BFDC6D}"/>
               </a:ext>
             </a:extLst>
           </p:cNvPr>
@@ -15861,7 +15256,7 @@
         </p:nvSpPr>
         <p:spPr>
           <a:xfrm>
-            <a:off x="277548" y="2467764"/>
+            <a:off x="277548" y="2196592"/>
             <a:ext cx="1716832" cy="276999"/>
           </a:xfrm>
           <a:prstGeom prst="rect">
@@ -15891,7 +15286,7 @@
           <p:cNvPr id="21" name="ZoneTexte 20">
             <a:extLst>
               <a:ext uri="{FF2B5EF4-FFF2-40B4-BE49-F238E27FC236}">
-                <a16:creationId xmlns:a16="http://schemas.microsoft.com/office/drawing/2014/main" id="{2E6B06FA-93F2-EF38-A29C-293F93CDAB83}"/>
+                <a16:creationId xmlns:a16="http://schemas.microsoft.com/office/drawing/2014/main" id="{CAA7BD6D-40F3-3460-6B5F-0B6E8678D465}"/>
               </a:ext>
             </a:extLst>
           </p:cNvPr>
@@ -15900,7 +15295,7 @@
         </p:nvSpPr>
         <p:spPr>
           <a:xfrm>
-            <a:off x="277548" y="2735459"/>
+            <a:off x="277548" y="2463764"/>
             <a:ext cx="1716832" cy="276999"/>
           </a:xfrm>
           <a:prstGeom prst="rect">
@@ -15948,10 +15343,10 @@
       </p:sp>
       <p:sp>
         <p:nvSpPr>
-          <p:cNvPr id="17" name="ZoneTexte 16">
-            <a:extLst>
-              <a:ext uri="{FF2B5EF4-FFF2-40B4-BE49-F238E27FC236}">
-                <a16:creationId xmlns:a16="http://schemas.microsoft.com/office/drawing/2014/main" id="{93584356-08A1-2515-CC70-B5A3938CAFC5}"/>
+          <p:cNvPr id="18" name="ZoneTexte 17">
+            <a:extLst>
+              <a:ext uri="{FF2B5EF4-FFF2-40B4-BE49-F238E27FC236}">
+                <a16:creationId xmlns:a16="http://schemas.microsoft.com/office/drawing/2014/main" id="{A79008BB-EED7-D076-2C74-3CBE4B2D59C3}"/>
               </a:ext>
             </a:extLst>
           </p:cNvPr>
@@ -15960,7 +15355,7 @@
         </p:nvSpPr>
         <p:spPr>
           <a:xfrm>
-            <a:off x="277548" y="1481525"/>
+            <a:off x="277548" y="1490138"/>
             <a:ext cx="1716832" cy="400110"/>
           </a:xfrm>
           <a:prstGeom prst="rect">
@@ -15975,27 +15370,52 @@
           <a:lstStyle/>
           <a:p>
             <a:r>
-              <a:rPr lang="fr-FR" sz="2000" dirty="0" err="1">
+              <a:rPr lang="fr-FR" sz="2000" dirty="0">
                 <a:solidFill>
                   <a:schemeClr val="bg1"/>
                 </a:solidFill>
               </a:rPr>
-              <a:t>Playground</a:t>
-            </a:r>
-            <a:endParaRPr lang="fr-FR" sz="2000" dirty="0">
-              <a:solidFill>
-                <a:schemeClr val="bg1"/>
-              </a:solidFill>
-            </a:endParaRPr>
+              <a:t>Standalone</a:t>
+            </a:r>
           </a:p>
         </p:txBody>
       </p:sp>
       <p:pic>
         <p:nvPicPr>
-          <p:cNvPr id="3" name="Image 2" descr="Une image contenant texte, capture d’écran, Police, nombre&#10;&#10;Description générée automatiquement">
-            <a:extLst>
-              <a:ext uri="{FF2B5EF4-FFF2-40B4-BE49-F238E27FC236}">
-                <a16:creationId xmlns:a16="http://schemas.microsoft.com/office/drawing/2014/main" id="{4C47CA4B-1F5C-9C06-2090-0C0671F2B8B7}"/>
+          <p:cNvPr id="5" name="Image 4" descr="Une image contenant texte, capture d’écran, logiciel, Logiciel multimédia&#10;&#10;Description générée automatiquement">
+            <a:extLst>
+              <a:ext uri="{FF2B5EF4-FFF2-40B4-BE49-F238E27FC236}">
+                <a16:creationId xmlns:a16="http://schemas.microsoft.com/office/drawing/2014/main" id="{25D0375E-6D75-DB62-1519-FE0DC71DA718}"/>
+              </a:ext>
+            </a:extLst>
+          </p:cNvPr>
+          <p:cNvPicPr>
+            <a:picLocks noChangeAspect="1"/>
+          </p:cNvPicPr>
+          <p:nvPr/>
+        </p:nvPicPr>
+        <p:blipFill>
+          <a:blip r:embed="rId4"/>
+          <a:stretch>
+            <a:fillRect/>
+          </a:stretch>
+        </p:blipFill>
+        <p:spPr>
+          <a:xfrm>
+            <a:off x="2422838" y="1929420"/>
+            <a:ext cx="5107119" cy="3599572"/>
+          </a:xfrm>
+          <a:prstGeom prst="rect">
+            <a:avLst/>
+          </a:prstGeom>
+        </p:spPr>
+      </p:pic>
+      <p:pic>
+        <p:nvPicPr>
+          <p:cNvPr id="7" name="Image 6" descr="Une image contenant texte, capture d’écran, logiciel, Logiciel multimédia&#10;&#10;Description générée automatiquement">
+            <a:extLst>
+              <a:ext uri="{FF2B5EF4-FFF2-40B4-BE49-F238E27FC236}">
+                <a16:creationId xmlns:a16="http://schemas.microsoft.com/office/drawing/2014/main" id="{9AF7A263-5EEE-567A-419B-501CA52307B2}"/>
               </a:ext>
             </a:extLst>
           </p:cNvPr>
@@ -16012,8 +15432,8 @@
         </p:blipFill>
         <p:spPr>
           <a:xfrm>
-            <a:off x="3309381" y="1573120"/>
-            <a:ext cx="7772400" cy="4409666"/>
+            <a:off x="7564587" y="1929420"/>
+            <a:ext cx="4576395" cy="3599572"/>
           </a:xfrm>
           <a:prstGeom prst="rect">
             <a:avLst/>
@@ -16025,7 +15445,7 @@
           <p:cNvPr id="2" name="ZoneTexte 1">
             <a:extLst>
               <a:ext uri="{FF2B5EF4-FFF2-40B4-BE49-F238E27FC236}">
-                <a16:creationId xmlns:a16="http://schemas.microsoft.com/office/drawing/2014/main" id="{5BB00721-E9FD-3F7F-15B5-944D5B46A66B}"/>
+                <a16:creationId xmlns:a16="http://schemas.microsoft.com/office/drawing/2014/main" id="{5E6F7F5D-F90A-3FEC-73EF-9D88DF4891F2}"/>
               </a:ext>
             </a:extLst>
           </p:cNvPr>
@@ -16034,7 +15454,7 @@
         </p:nvSpPr>
         <p:spPr>
           <a:xfrm>
-            <a:off x="277548" y="3003154"/>
+            <a:off x="277548" y="2730936"/>
             <a:ext cx="1716832" cy="276999"/>
           </a:xfrm>
           <a:prstGeom prst="rect">
@@ -16061,10 +15481,10 @@
       </p:sp>
       <p:sp>
         <p:nvSpPr>
-          <p:cNvPr id="5" name="ZoneTexte 4">
-            <a:extLst>
-              <a:ext uri="{FF2B5EF4-FFF2-40B4-BE49-F238E27FC236}">
-                <a16:creationId xmlns:a16="http://schemas.microsoft.com/office/drawing/2014/main" id="{28CABDC5-9F69-103B-D38D-AD7B00F99AE6}"/>
+          <p:cNvPr id="3" name="ZoneTexte 2">
+            <a:extLst>
+              <a:ext uri="{FF2B5EF4-FFF2-40B4-BE49-F238E27FC236}">
+                <a16:creationId xmlns:a16="http://schemas.microsoft.com/office/drawing/2014/main" id="{EF5853F1-2C1E-98A9-DBBB-69E01A61A53F}"/>
               </a:ext>
             </a:extLst>
           </p:cNvPr>
@@ -16073,7 +15493,7 @@
         </p:nvSpPr>
         <p:spPr>
           <a:xfrm>
-            <a:off x="277548" y="3270847"/>
+            <a:off x="277548" y="2998108"/>
             <a:ext cx="1716832" cy="276999"/>
           </a:xfrm>
           <a:prstGeom prst="rect">
@@ -16103,10 +15523,172 @@
           </a:p>
         </p:txBody>
       </p:sp>
+      <p:sp>
+        <p:nvSpPr>
+          <p:cNvPr id="4" name="Rectangle 3">
+            <a:extLst>
+              <a:ext uri="{FF2B5EF4-FFF2-40B4-BE49-F238E27FC236}">
+                <a16:creationId xmlns:a16="http://schemas.microsoft.com/office/drawing/2014/main" id="{374534BE-559E-6390-9D00-0A7DDE97EAD8}"/>
+              </a:ext>
+            </a:extLst>
+          </p:cNvPr>
+          <p:cNvSpPr/>
+          <p:nvPr/>
+        </p:nvSpPr>
+        <p:spPr>
+          <a:xfrm>
+            <a:off x="4431323" y="3587262"/>
+            <a:ext cx="512466" cy="125604"/>
+          </a:xfrm>
+          <a:prstGeom prst="rect">
+            <a:avLst/>
+          </a:prstGeom>
+          <a:noFill/>
+          <a:ln w="9525" cap="flat" cmpd="sng" algn="ctr">
+            <a:solidFill>
+              <a:schemeClr val="accent4"/>
+            </a:solidFill>
+            <a:prstDash val="solid"/>
+            <a:round/>
+            <a:headEnd type="none" w="med" len="med"/>
+            <a:tailEnd type="none" w="med" len="med"/>
+          </a:ln>
+        </p:spPr>
+        <p:style>
+          <a:lnRef idx="0">
+            <a:scrgbClr r="0" g="0" b="0"/>
+          </a:lnRef>
+          <a:fillRef idx="0">
+            <a:scrgbClr r="0" g="0" b="0"/>
+          </a:fillRef>
+          <a:effectRef idx="0">
+            <a:scrgbClr r="0" g="0" b="0"/>
+          </a:effectRef>
+          <a:fontRef idx="minor">
+            <a:schemeClr val="accent4"/>
+          </a:fontRef>
+        </p:style>
+        <p:txBody>
+          <a:bodyPr rtlCol="0" anchor="ctr"/>
+          <a:lstStyle/>
+          <a:p>
+            <a:pPr algn="ctr"/>
+            <a:endParaRPr lang="fr-FR"/>
+          </a:p>
+        </p:txBody>
+      </p:sp>
+      <p:sp>
+        <p:nvSpPr>
+          <p:cNvPr id="6" name="Rectangle 5">
+            <a:extLst>
+              <a:ext uri="{FF2B5EF4-FFF2-40B4-BE49-F238E27FC236}">
+                <a16:creationId xmlns:a16="http://schemas.microsoft.com/office/drawing/2014/main" id="{BCD2FD12-87E0-1B45-BB40-2756B398CC8B}"/>
+              </a:ext>
+            </a:extLst>
+          </p:cNvPr>
+          <p:cNvSpPr/>
+          <p:nvPr/>
+        </p:nvSpPr>
+        <p:spPr>
+          <a:xfrm>
+            <a:off x="4518408" y="4151643"/>
+            <a:ext cx="1093595" cy="1028281"/>
+          </a:xfrm>
+          <a:prstGeom prst="rect">
+            <a:avLst/>
+          </a:prstGeom>
+          <a:noFill/>
+          <a:ln w="9525" cap="flat" cmpd="sng" algn="ctr">
+            <a:solidFill>
+              <a:schemeClr val="accent4"/>
+            </a:solidFill>
+            <a:prstDash val="solid"/>
+            <a:round/>
+            <a:headEnd type="none" w="med" len="med"/>
+            <a:tailEnd type="none" w="med" len="med"/>
+          </a:ln>
+        </p:spPr>
+        <p:style>
+          <a:lnRef idx="0">
+            <a:scrgbClr r="0" g="0" b="0"/>
+          </a:lnRef>
+          <a:fillRef idx="0">
+            <a:scrgbClr r="0" g="0" b="0"/>
+          </a:fillRef>
+          <a:effectRef idx="0">
+            <a:scrgbClr r="0" g="0" b="0"/>
+          </a:effectRef>
+          <a:fontRef idx="minor">
+            <a:schemeClr val="accent4"/>
+          </a:fontRef>
+        </p:style>
+        <p:txBody>
+          <a:bodyPr rtlCol="0" anchor="ctr"/>
+          <a:lstStyle/>
+          <a:p>
+            <a:pPr algn="ctr"/>
+            <a:endParaRPr lang="fr-FR"/>
+          </a:p>
+        </p:txBody>
+      </p:sp>
+      <p:sp>
+        <p:nvSpPr>
+          <p:cNvPr id="8" name="Rectangle 7">
+            <a:extLst>
+              <a:ext uri="{FF2B5EF4-FFF2-40B4-BE49-F238E27FC236}">
+                <a16:creationId xmlns:a16="http://schemas.microsoft.com/office/drawing/2014/main" id="{1690A7A1-5CD5-4CDB-16B6-98734DEEF88B}"/>
+              </a:ext>
+            </a:extLst>
+          </p:cNvPr>
+          <p:cNvSpPr/>
+          <p:nvPr/>
+        </p:nvSpPr>
+        <p:spPr>
+          <a:xfrm>
+            <a:off x="9305986" y="2962589"/>
+            <a:ext cx="2169232" cy="750278"/>
+          </a:xfrm>
+          <a:prstGeom prst="rect">
+            <a:avLst/>
+          </a:prstGeom>
+          <a:noFill/>
+          <a:ln w="9525" cap="flat" cmpd="sng" algn="ctr">
+            <a:solidFill>
+              <a:schemeClr val="accent4"/>
+            </a:solidFill>
+            <a:prstDash val="solid"/>
+            <a:round/>
+            <a:headEnd type="none" w="med" len="med"/>
+            <a:tailEnd type="none" w="med" len="med"/>
+          </a:ln>
+        </p:spPr>
+        <p:style>
+          <a:lnRef idx="0">
+            <a:scrgbClr r="0" g="0" b="0"/>
+          </a:lnRef>
+          <a:fillRef idx="0">
+            <a:scrgbClr r="0" g="0" b="0"/>
+          </a:fillRef>
+          <a:effectRef idx="0">
+            <a:scrgbClr r="0" g="0" b="0"/>
+          </a:effectRef>
+          <a:fontRef idx="minor">
+            <a:schemeClr val="accent4"/>
+          </a:fontRef>
+        </p:style>
+        <p:txBody>
+          <a:bodyPr rtlCol="0" anchor="ctr"/>
+          <a:lstStyle/>
+          <a:p>
+            <a:pPr algn="ctr"/>
+            <a:endParaRPr lang="fr-FR"/>
+          </a:p>
+        </p:txBody>
+      </p:sp>
     </p:spTree>
     <p:extLst>
       <p:ext uri="{BB962C8B-B14F-4D97-AF65-F5344CB8AC3E}">
-        <p14:creationId xmlns:p14="http://schemas.microsoft.com/office/powerpoint/2010/main" val="892983885"/>
+        <p14:creationId xmlns:p14="http://schemas.microsoft.com/office/powerpoint/2010/main" val="2881701872"/>
       </p:ext>
     </p:extLst>
   </p:cSld>
@@ -16136,7 +15718,7 @@
         <p:cNvPr id="1" name="">
           <a:extLst>
             <a:ext uri="{FF2B5EF4-FFF2-40B4-BE49-F238E27FC236}">
-              <a16:creationId xmlns:a16="http://schemas.microsoft.com/office/drawing/2014/main" id="{657D0F80-515F-4B80-2FC5-E145CDF30305}"/>
+              <a16:creationId xmlns:a16="http://schemas.microsoft.com/office/drawing/2014/main" id="{CE196815-67FF-F86D-BD41-1A30455CF382}"/>
             </a:ext>
           </a:extLst>
         </p:cNvPr>
@@ -16156,7 +15738,7 @@
           <p:cNvPr id="37" name="ZoneTexte 36">
             <a:extLst>
               <a:ext uri="{FF2B5EF4-FFF2-40B4-BE49-F238E27FC236}">
-                <a16:creationId xmlns:a16="http://schemas.microsoft.com/office/drawing/2014/main" id="{6D722CAA-61D9-A049-C2EE-57E4FF8F7E5D}"/>
+                <a16:creationId xmlns:a16="http://schemas.microsoft.com/office/drawing/2014/main" id="{72BA6A56-226F-3D9F-2CAF-4CD8FD153645}"/>
               </a:ext>
             </a:extLst>
           </p:cNvPr>
@@ -16196,7 +15778,7 @@
           <p:cNvPr id="53" name="Forme libre 52">
             <a:extLst>
               <a:ext uri="{FF2B5EF4-FFF2-40B4-BE49-F238E27FC236}">
-                <a16:creationId xmlns:a16="http://schemas.microsoft.com/office/drawing/2014/main" id="{B4EECFBD-19F5-6884-8E6B-D33EC17587E3}"/>
+                <a16:creationId xmlns:a16="http://schemas.microsoft.com/office/drawing/2014/main" id="{6313F1F8-D4CA-81F4-B517-E02BA94147B9}"/>
               </a:ext>
             </a:extLst>
           </p:cNvPr>
@@ -16333,7 +15915,7 @@
           <p:cNvPr id="49" name="Forme libre 48">
             <a:extLst>
               <a:ext uri="{FF2B5EF4-FFF2-40B4-BE49-F238E27FC236}">
-                <a16:creationId xmlns:a16="http://schemas.microsoft.com/office/drawing/2014/main" id="{BFFB4B95-53EC-24D4-1030-7848FB983C32}"/>
+                <a16:creationId xmlns:a16="http://schemas.microsoft.com/office/drawing/2014/main" id="{2197A359-45C0-5DE1-A53D-B41AA0088665}"/>
               </a:ext>
             </a:extLst>
           </p:cNvPr>
@@ -16432,7 +16014,7 @@
           <p:cNvPr id="16" name="Image 15">
             <a:extLst>
               <a:ext uri="{FF2B5EF4-FFF2-40B4-BE49-F238E27FC236}">
-                <a16:creationId xmlns:a16="http://schemas.microsoft.com/office/drawing/2014/main" id="{2702FE4C-07E0-8C18-C79E-79D7661BDE22}"/>
+                <a16:creationId xmlns:a16="http://schemas.microsoft.com/office/drawing/2014/main" id="{E5203A69-4300-A909-30DF-150BF580B30A}"/>
               </a:ext>
             </a:extLst>
           </p:cNvPr>
@@ -16461,7 +16043,7 @@
           <p:cNvPr id="44" name="Forme libre 43">
             <a:extLst>
               <a:ext uri="{FF2B5EF4-FFF2-40B4-BE49-F238E27FC236}">
-                <a16:creationId xmlns:a16="http://schemas.microsoft.com/office/drawing/2014/main" id="{A7ED33EB-0EE0-C6B5-AB4F-DCC6164E212A}"/>
+                <a16:creationId xmlns:a16="http://schemas.microsoft.com/office/drawing/2014/main" id="{098C4221-1A58-C3C6-ECB0-ADE7FFF8F8E1}"/>
               </a:ext>
             </a:extLst>
           </p:cNvPr>
@@ -16557,10 +16139,10 @@
       </p:sp>
       <p:sp>
         <p:nvSpPr>
-          <p:cNvPr id="19" name="ZoneTexte 18">
-            <a:extLst>
-              <a:ext uri="{FF2B5EF4-FFF2-40B4-BE49-F238E27FC236}">
-                <a16:creationId xmlns:a16="http://schemas.microsoft.com/office/drawing/2014/main" id="{FA135111-3386-130A-5AB6-9E27499E811A}"/>
+          <p:cNvPr id="20" name="ZoneTexte 19">
+            <a:extLst>
+              <a:ext uri="{FF2B5EF4-FFF2-40B4-BE49-F238E27FC236}">
+                <a16:creationId xmlns:a16="http://schemas.microsoft.com/office/drawing/2014/main" id="{9E2AB7D5-E7EF-F6EA-11C3-F1EE0CFDAF2D}"/>
               </a:ext>
             </a:extLst>
           </p:cNvPr>
@@ -16569,51 +16151,7 @@
         </p:nvSpPr>
         <p:spPr>
           <a:xfrm>
-            <a:off x="277548" y="1929420"/>
-            <a:ext cx="1716832" cy="276999"/>
-          </a:xfrm>
-          <a:prstGeom prst="rect">
-            <a:avLst/>
-          </a:prstGeom>
-          <a:noFill/>
-        </p:spPr>
-        <p:txBody>
-          <a:bodyPr wrap="square" rtlCol="0">
-            <a:spAutoFit/>
-          </a:bodyPr>
-          <a:lstStyle/>
-          <a:p>
-            <a:r>
-              <a:rPr lang="fr-FR" sz="1200" dirty="0" err="1">
-                <a:solidFill>
-                  <a:schemeClr val="bg1"/>
-                </a:solidFill>
-              </a:rPr>
-              <a:t>Signals</a:t>
-            </a:r>
-            <a:endParaRPr lang="fr-FR" sz="1200" dirty="0">
-              <a:solidFill>
-                <a:schemeClr val="bg1"/>
-              </a:solidFill>
-            </a:endParaRPr>
-          </a:p>
-        </p:txBody>
-      </p:sp>
-      <p:sp>
-        <p:nvSpPr>
-          <p:cNvPr id="20" name="ZoneTexte 19">
-            <a:extLst>
-              <a:ext uri="{FF2B5EF4-FFF2-40B4-BE49-F238E27FC236}">
-                <a16:creationId xmlns:a16="http://schemas.microsoft.com/office/drawing/2014/main" id="{1CDAB85A-2FF7-2AA0-E5EA-31B063BFDC6D}"/>
-              </a:ext>
-            </a:extLst>
-          </p:cNvPr>
-          <p:cNvSpPr txBox="1"/>
-          <p:nvPr/>
-        </p:nvSpPr>
-        <p:spPr>
-          <a:xfrm>
-            <a:off x="277548" y="2196592"/>
+            <a:off x="277548" y="1930311"/>
             <a:ext cx="1716832" cy="276999"/>
           </a:xfrm>
           <a:prstGeom prst="rect">
@@ -16643,7 +16181,7 @@
           <p:cNvPr id="21" name="ZoneTexte 20">
             <a:extLst>
               <a:ext uri="{FF2B5EF4-FFF2-40B4-BE49-F238E27FC236}">
-                <a16:creationId xmlns:a16="http://schemas.microsoft.com/office/drawing/2014/main" id="{CAA7BD6D-40F3-3460-6B5F-0B6E8678D465}"/>
+                <a16:creationId xmlns:a16="http://schemas.microsoft.com/office/drawing/2014/main" id="{9FF28613-E777-9D40-98E0-B54E017DB7F3}"/>
               </a:ext>
             </a:extLst>
           </p:cNvPr>
@@ -16652,7 +16190,7 @@
         </p:nvSpPr>
         <p:spPr>
           <a:xfrm>
-            <a:off x="277548" y="2463764"/>
+            <a:off x="277548" y="2197483"/>
             <a:ext cx="1716832" cy="276999"/>
           </a:xfrm>
           <a:prstGeom prst="rect">
@@ -16700,10 +16238,10 @@
       </p:sp>
       <p:sp>
         <p:nvSpPr>
-          <p:cNvPr id="18" name="ZoneTexte 17">
-            <a:extLst>
-              <a:ext uri="{FF2B5EF4-FFF2-40B4-BE49-F238E27FC236}">
-                <a16:creationId xmlns:a16="http://schemas.microsoft.com/office/drawing/2014/main" id="{A79008BB-EED7-D076-2C74-3CBE4B2D59C3}"/>
+          <p:cNvPr id="2" name="ZoneTexte 1">
+            <a:extLst>
+              <a:ext uri="{FF2B5EF4-FFF2-40B4-BE49-F238E27FC236}">
+                <a16:creationId xmlns:a16="http://schemas.microsoft.com/office/drawing/2014/main" id="{4E2D9439-F238-0297-AB9B-0B59B13274D8}"/>
               </a:ext>
             </a:extLst>
           </p:cNvPr>
@@ -16712,8 +16250,8 @@
         </p:nvSpPr>
         <p:spPr>
           <a:xfrm>
-            <a:off x="277548" y="1490138"/>
-            <a:ext cx="1716832" cy="400110"/>
+            <a:off x="277548" y="2464655"/>
+            <a:ext cx="1716832" cy="276999"/>
           </a:xfrm>
           <a:prstGeom prst="rect">
             <a:avLst/>
@@ -16727,22 +16265,110 @@
           <a:lstStyle/>
           <a:p>
             <a:r>
-              <a:rPr lang="fr-FR" sz="2000" dirty="0">
+              <a:rPr lang="fr-FR" sz="1200" dirty="0">
                 <a:solidFill>
                   <a:schemeClr val="bg1"/>
                 </a:solidFill>
               </a:rPr>
-              <a:t>Standalone</a:t>
-            </a:r>
+              <a:t>SSR</a:t>
+            </a:r>
+          </a:p>
+        </p:txBody>
+      </p:sp>
+      <p:sp>
+        <p:nvSpPr>
+          <p:cNvPr id="3" name="ZoneTexte 2">
+            <a:extLst>
+              <a:ext uri="{FF2B5EF4-FFF2-40B4-BE49-F238E27FC236}">
+                <a16:creationId xmlns:a16="http://schemas.microsoft.com/office/drawing/2014/main" id="{8E7CBF99-86DB-B582-E4DA-3C732FB5629D}"/>
+              </a:ext>
+            </a:extLst>
+          </p:cNvPr>
+          <p:cNvSpPr txBox="1"/>
+          <p:nvPr/>
+        </p:nvSpPr>
+        <p:spPr>
+          <a:xfrm>
+            <a:off x="277548" y="2731827"/>
+            <a:ext cx="1716832" cy="276999"/>
+          </a:xfrm>
+          <a:prstGeom prst="rect">
+            <a:avLst/>
+          </a:prstGeom>
+          <a:noFill/>
+        </p:spPr>
+        <p:txBody>
+          <a:bodyPr wrap="square" rtlCol="0">
+            <a:spAutoFit/>
+          </a:bodyPr>
+          <a:lstStyle/>
+          <a:p>
+            <a:r>
+              <a:rPr lang="fr-FR" sz="1200" dirty="0" err="1">
+                <a:solidFill>
+                  <a:schemeClr val="bg1"/>
+                </a:solidFill>
+              </a:rPr>
+              <a:t>Inject</a:t>
+            </a:r>
+            <a:endParaRPr lang="fr-FR" sz="1200" dirty="0">
+              <a:solidFill>
+                <a:schemeClr val="bg1"/>
+              </a:solidFill>
+            </a:endParaRPr>
+          </a:p>
+        </p:txBody>
+      </p:sp>
+      <p:sp>
+        <p:nvSpPr>
+          <p:cNvPr id="19" name="ZoneTexte 18">
+            <a:extLst>
+              <a:ext uri="{FF2B5EF4-FFF2-40B4-BE49-F238E27FC236}">
+                <a16:creationId xmlns:a16="http://schemas.microsoft.com/office/drawing/2014/main" id="{B15E3F61-B452-7C7D-3383-6857F20BAD23}"/>
+              </a:ext>
+            </a:extLst>
+          </p:cNvPr>
+          <p:cNvSpPr txBox="1"/>
+          <p:nvPr/>
+        </p:nvSpPr>
+        <p:spPr>
+          <a:xfrm>
+            <a:off x="277548" y="1483587"/>
+            <a:ext cx="1716832" cy="400110"/>
+          </a:xfrm>
+          <a:prstGeom prst="rect">
+            <a:avLst/>
+          </a:prstGeom>
+          <a:noFill/>
+        </p:spPr>
+        <p:txBody>
+          <a:bodyPr wrap="square" rtlCol="0">
+            <a:spAutoFit/>
+          </a:bodyPr>
+          <a:lstStyle/>
+          <a:p>
+            <a:r>
+              <a:rPr lang="fr-FR" sz="2000" dirty="0" err="1">
+                <a:solidFill>
+                  <a:schemeClr val="bg1"/>
+                </a:solidFill>
+              </a:rPr>
+              <a:t>Signals</a:t>
+            </a:r>
+            <a:endParaRPr lang="fr-FR" sz="2000" dirty="0">
+              <a:solidFill>
+                <a:schemeClr val="bg1"/>
+              </a:solidFill>
+            </a:endParaRPr>
           </a:p>
         </p:txBody>
       </p:sp>
       <p:pic>
         <p:nvPicPr>
-          <p:cNvPr id="5" name="Image 4" descr="Une image contenant texte, capture d’écran, logiciel, Logiciel multimédia&#10;&#10;Description générée automatiquement">
-            <a:extLst>
-              <a:ext uri="{FF2B5EF4-FFF2-40B4-BE49-F238E27FC236}">
-                <a16:creationId xmlns:a16="http://schemas.microsoft.com/office/drawing/2014/main" id="{25D0375E-6D75-DB62-1519-FE0DC71DA718}"/>
+          <p:cNvPr id="5" name="Image 4" descr="Une image contenant texte, Police, capture d’écran, algèbre&#10;&#10;Description générée automatiquement">
+            <a:extLst>
+              <a:ext uri="{FF2B5EF4-FFF2-40B4-BE49-F238E27FC236}">
+                <a16:creationId xmlns:a16="http://schemas.microsoft.com/office/drawing/2014/main" id="{FFCB17DE-DD3D-71AF-0B6A-265C0157292D}"/>
               </a:ext>
             </a:extLst>
           </p:cNvPr>
@@ -16751,16 +16377,15 @@
           </p:cNvPicPr>
           <p:nvPr/>
         </p:nvPicPr>
-        <p:blipFill>
+        <p:blipFill rotWithShape="1">
           <a:blip r:embed="rId4"/>
-          <a:stretch>
-            <a:fillRect/>
-          </a:stretch>
+          <a:srcRect l="2227" t="6066"/>
+          <a:stretch/>
         </p:blipFill>
         <p:spPr>
           <a:xfrm>
-            <a:off x="2422838" y="1929420"/>
-            <a:ext cx="5107119" cy="3599572"/>
+            <a:off x="3757405" y="1073426"/>
+            <a:ext cx="7599294" cy="1124057"/>
           </a:xfrm>
           <a:prstGeom prst="rect">
             <a:avLst/>
@@ -16769,10 +16394,10 @@
       </p:pic>
       <p:pic>
         <p:nvPicPr>
-          <p:cNvPr id="7" name="Image 6" descr="Une image contenant texte, capture d’écran, logiciel, Logiciel multimédia&#10;&#10;Description générée automatiquement">
-            <a:extLst>
-              <a:ext uri="{FF2B5EF4-FFF2-40B4-BE49-F238E27FC236}">
-                <a16:creationId xmlns:a16="http://schemas.microsoft.com/office/drawing/2014/main" id="{9AF7A263-5EEE-567A-419B-501CA52307B2}"/>
+          <p:cNvPr id="7" name="Image 6">
+            <a:extLst>
+              <a:ext uri="{FF2B5EF4-FFF2-40B4-BE49-F238E27FC236}">
+                <a16:creationId xmlns:a16="http://schemas.microsoft.com/office/drawing/2014/main" id="{9CDE54B3-759B-A141-99ED-EA46B29D3D48}"/>
               </a:ext>
             </a:extLst>
           </p:cNvPr>
@@ -16789,263 +16414,108 @@
         </p:blipFill>
         <p:spPr>
           <a:xfrm>
-            <a:off x="7564587" y="1929420"/>
-            <a:ext cx="4576395" cy="3599572"/>
+            <a:off x="3670852" y="2313314"/>
+            <a:ext cx="7772400" cy="418513"/>
           </a:xfrm>
           <a:prstGeom prst="rect">
             <a:avLst/>
           </a:prstGeom>
         </p:spPr>
       </p:pic>
-      <p:sp>
-        <p:nvSpPr>
-          <p:cNvPr id="2" name="ZoneTexte 1">
-            <a:extLst>
-              <a:ext uri="{FF2B5EF4-FFF2-40B4-BE49-F238E27FC236}">
-                <a16:creationId xmlns:a16="http://schemas.microsoft.com/office/drawing/2014/main" id="{5E6F7F5D-F90A-3FEC-73EF-9D88DF4891F2}"/>
-              </a:ext>
-            </a:extLst>
-          </p:cNvPr>
-          <p:cNvSpPr txBox="1"/>
+      <p:pic>
+        <p:nvPicPr>
+          <p:cNvPr id="9" name="Image 8">
+            <a:extLst>
+              <a:ext uri="{FF2B5EF4-FFF2-40B4-BE49-F238E27FC236}">
+                <a16:creationId xmlns:a16="http://schemas.microsoft.com/office/drawing/2014/main" id="{3F584AB5-6AAD-04E3-CA75-1B531E3C7058}"/>
+              </a:ext>
+            </a:extLst>
+          </p:cNvPr>
+          <p:cNvPicPr>
+            <a:picLocks noChangeAspect="1"/>
+          </p:cNvPicPr>
           <p:nvPr/>
-        </p:nvSpPr>
-        <p:spPr>
-          <a:xfrm>
-            <a:off x="277548" y="2730936"/>
-            <a:ext cx="1716832" cy="276999"/>
+        </p:nvPicPr>
+        <p:blipFill>
+          <a:blip r:embed="rId6"/>
+          <a:stretch>
+            <a:fillRect/>
+          </a:stretch>
+        </p:blipFill>
+        <p:spPr>
+          <a:xfrm>
+            <a:off x="3670852" y="2881733"/>
+            <a:ext cx="7772400" cy="599722"/>
           </a:xfrm>
           <a:prstGeom prst="rect">
             <a:avLst/>
           </a:prstGeom>
-          <a:noFill/>
-        </p:spPr>
-        <p:txBody>
-          <a:bodyPr wrap="square" rtlCol="0">
-            <a:spAutoFit/>
-          </a:bodyPr>
-          <a:lstStyle/>
-          <a:p>
-            <a:r>
-              <a:rPr lang="fr-FR" sz="1200" dirty="0">
-                <a:solidFill>
-                  <a:schemeClr val="bg1"/>
-                </a:solidFill>
-              </a:rPr>
-              <a:t>SSR</a:t>
-            </a:r>
-          </a:p>
-        </p:txBody>
-      </p:sp>
-      <p:sp>
-        <p:nvSpPr>
-          <p:cNvPr id="3" name="ZoneTexte 2">
-            <a:extLst>
-              <a:ext uri="{FF2B5EF4-FFF2-40B4-BE49-F238E27FC236}">
-                <a16:creationId xmlns:a16="http://schemas.microsoft.com/office/drawing/2014/main" id="{EF5853F1-2C1E-98A9-DBBB-69E01A61A53F}"/>
-              </a:ext>
-            </a:extLst>
-          </p:cNvPr>
-          <p:cNvSpPr txBox="1"/>
+        </p:spPr>
+      </p:pic>
+      <p:pic>
+        <p:nvPicPr>
+          <p:cNvPr id="11" name="Image 10">
+            <a:extLst>
+              <a:ext uri="{FF2B5EF4-FFF2-40B4-BE49-F238E27FC236}">
+                <a16:creationId xmlns:a16="http://schemas.microsoft.com/office/drawing/2014/main" id="{4F815114-2CAD-8B53-CD64-351C8AEF806E}"/>
+              </a:ext>
+            </a:extLst>
+          </p:cNvPr>
+          <p:cNvPicPr>
+            <a:picLocks noChangeAspect="1"/>
+          </p:cNvPicPr>
           <p:nvPr/>
-        </p:nvSpPr>
-        <p:spPr>
-          <a:xfrm>
-            <a:off x="277548" y="2998108"/>
-            <a:ext cx="1716832" cy="276999"/>
+        </p:nvPicPr>
+        <p:blipFill>
+          <a:blip r:embed="rId7"/>
+          <a:stretch>
+            <a:fillRect/>
+          </a:stretch>
+        </p:blipFill>
+        <p:spPr>
+          <a:xfrm>
+            <a:off x="3670852" y="3550479"/>
+            <a:ext cx="7772400" cy="667568"/>
           </a:xfrm>
           <a:prstGeom prst="rect">
             <a:avLst/>
           </a:prstGeom>
-          <a:noFill/>
-        </p:spPr>
-        <p:txBody>
-          <a:bodyPr wrap="square" rtlCol="0">
-            <a:spAutoFit/>
-          </a:bodyPr>
-          <a:lstStyle/>
-          <a:p>
-            <a:r>
-              <a:rPr lang="fr-FR" sz="1200" dirty="0" err="1">
-                <a:solidFill>
-                  <a:schemeClr val="bg1"/>
-                </a:solidFill>
-              </a:rPr>
-              <a:t>Inject</a:t>
-            </a:r>
-            <a:endParaRPr lang="fr-FR" sz="1200" dirty="0">
-              <a:solidFill>
-                <a:schemeClr val="bg1"/>
-              </a:solidFill>
-            </a:endParaRPr>
-          </a:p>
-        </p:txBody>
-      </p:sp>
-      <p:sp>
-        <p:nvSpPr>
-          <p:cNvPr id="4" name="Rectangle 3">
-            <a:extLst>
-              <a:ext uri="{FF2B5EF4-FFF2-40B4-BE49-F238E27FC236}">
-                <a16:creationId xmlns:a16="http://schemas.microsoft.com/office/drawing/2014/main" id="{374534BE-559E-6390-9D00-0A7DDE97EAD8}"/>
-              </a:ext>
-            </a:extLst>
-          </p:cNvPr>
-          <p:cNvSpPr/>
+        </p:spPr>
+      </p:pic>
+      <p:pic>
+        <p:nvPicPr>
+          <p:cNvPr id="13" name="Image 12" descr="Une image contenant texte, capture d’écran, Police, ligne&#10;&#10;Description générée automatiquement">
+            <a:extLst>
+              <a:ext uri="{FF2B5EF4-FFF2-40B4-BE49-F238E27FC236}">
+                <a16:creationId xmlns:a16="http://schemas.microsoft.com/office/drawing/2014/main" id="{C5E776E2-B197-1C74-5B31-708279BFD4B6}"/>
+              </a:ext>
+            </a:extLst>
+          </p:cNvPr>
+          <p:cNvPicPr>
+            <a:picLocks noChangeAspect="1"/>
+          </p:cNvPicPr>
           <p:nvPr/>
-        </p:nvSpPr>
-        <p:spPr>
-          <a:xfrm>
-            <a:off x="4431323" y="3587262"/>
-            <a:ext cx="512466" cy="125604"/>
+        </p:nvPicPr>
+        <p:blipFill>
+          <a:blip r:embed="rId8"/>
+          <a:stretch>
+            <a:fillRect/>
+          </a:stretch>
+        </p:blipFill>
+        <p:spPr>
+          <a:xfrm>
+            <a:off x="3670852" y="4364684"/>
+            <a:ext cx="7772400" cy="1981902"/>
           </a:xfrm>
           <a:prstGeom prst="rect">
             <a:avLst/>
           </a:prstGeom>
-          <a:noFill/>
-          <a:ln w="9525" cap="flat" cmpd="sng" algn="ctr">
-            <a:solidFill>
-              <a:schemeClr val="accent4"/>
-            </a:solidFill>
-            <a:prstDash val="solid"/>
-            <a:round/>
-            <a:headEnd type="none" w="med" len="med"/>
-            <a:tailEnd type="none" w="med" len="med"/>
-          </a:ln>
-        </p:spPr>
-        <p:style>
-          <a:lnRef idx="0">
-            <a:scrgbClr r="0" g="0" b="0"/>
-          </a:lnRef>
-          <a:fillRef idx="0">
-            <a:scrgbClr r="0" g="0" b="0"/>
-          </a:fillRef>
-          <a:effectRef idx="0">
-            <a:scrgbClr r="0" g="0" b="0"/>
-          </a:effectRef>
-          <a:fontRef idx="minor">
-            <a:schemeClr val="accent4"/>
-          </a:fontRef>
-        </p:style>
-        <p:txBody>
-          <a:bodyPr rtlCol="0" anchor="ctr"/>
-          <a:lstStyle/>
-          <a:p>
-            <a:pPr algn="ctr"/>
-            <a:endParaRPr lang="fr-FR"/>
-          </a:p>
-        </p:txBody>
-      </p:sp>
-      <p:sp>
-        <p:nvSpPr>
-          <p:cNvPr id="6" name="Rectangle 5">
-            <a:extLst>
-              <a:ext uri="{FF2B5EF4-FFF2-40B4-BE49-F238E27FC236}">
-                <a16:creationId xmlns:a16="http://schemas.microsoft.com/office/drawing/2014/main" id="{BCD2FD12-87E0-1B45-BB40-2756B398CC8B}"/>
-              </a:ext>
-            </a:extLst>
-          </p:cNvPr>
-          <p:cNvSpPr/>
-          <p:nvPr/>
-        </p:nvSpPr>
-        <p:spPr>
-          <a:xfrm>
-            <a:off x="4518408" y="4151643"/>
-            <a:ext cx="1093595" cy="1028281"/>
-          </a:xfrm>
-          <a:prstGeom prst="rect">
-            <a:avLst/>
-          </a:prstGeom>
-          <a:noFill/>
-          <a:ln w="9525" cap="flat" cmpd="sng" algn="ctr">
-            <a:solidFill>
-              <a:schemeClr val="accent4"/>
-            </a:solidFill>
-            <a:prstDash val="solid"/>
-            <a:round/>
-            <a:headEnd type="none" w="med" len="med"/>
-            <a:tailEnd type="none" w="med" len="med"/>
-          </a:ln>
-        </p:spPr>
-        <p:style>
-          <a:lnRef idx="0">
-            <a:scrgbClr r="0" g="0" b="0"/>
-          </a:lnRef>
-          <a:fillRef idx="0">
-            <a:scrgbClr r="0" g="0" b="0"/>
-          </a:fillRef>
-          <a:effectRef idx="0">
-            <a:scrgbClr r="0" g="0" b="0"/>
-          </a:effectRef>
-          <a:fontRef idx="minor">
-            <a:schemeClr val="accent4"/>
-          </a:fontRef>
-        </p:style>
-        <p:txBody>
-          <a:bodyPr rtlCol="0" anchor="ctr"/>
-          <a:lstStyle/>
-          <a:p>
-            <a:pPr algn="ctr"/>
-            <a:endParaRPr lang="fr-FR"/>
-          </a:p>
-        </p:txBody>
-      </p:sp>
-      <p:sp>
-        <p:nvSpPr>
-          <p:cNvPr id="8" name="Rectangle 7">
-            <a:extLst>
-              <a:ext uri="{FF2B5EF4-FFF2-40B4-BE49-F238E27FC236}">
-                <a16:creationId xmlns:a16="http://schemas.microsoft.com/office/drawing/2014/main" id="{1690A7A1-5CD5-4CDB-16B6-98734DEEF88B}"/>
-              </a:ext>
-            </a:extLst>
-          </p:cNvPr>
-          <p:cNvSpPr/>
-          <p:nvPr/>
-        </p:nvSpPr>
-        <p:spPr>
-          <a:xfrm>
-            <a:off x="9305986" y="2962589"/>
-            <a:ext cx="2169232" cy="750278"/>
-          </a:xfrm>
-          <a:prstGeom prst="rect">
-            <a:avLst/>
-          </a:prstGeom>
-          <a:noFill/>
-          <a:ln w="9525" cap="flat" cmpd="sng" algn="ctr">
-            <a:solidFill>
-              <a:schemeClr val="accent4"/>
-            </a:solidFill>
-            <a:prstDash val="solid"/>
-            <a:round/>
-            <a:headEnd type="none" w="med" len="med"/>
-            <a:tailEnd type="none" w="med" len="med"/>
-          </a:ln>
-        </p:spPr>
-        <p:style>
-          <a:lnRef idx="0">
-            <a:scrgbClr r="0" g="0" b="0"/>
-          </a:lnRef>
-          <a:fillRef idx="0">
-            <a:scrgbClr r="0" g="0" b="0"/>
-          </a:fillRef>
-          <a:effectRef idx="0">
-            <a:scrgbClr r="0" g="0" b="0"/>
-          </a:effectRef>
-          <a:fontRef idx="minor">
-            <a:schemeClr val="accent4"/>
-          </a:fontRef>
-        </p:style>
-        <p:txBody>
-          <a:bodyPr rtlCol="0" anchor="ctr"/>
-          <a:lstStyle/>
-          <a:p>
-            <a:pPr algn="ctr"/>
-            <a:endParaRPr lang="fr-FR"/>
-          </a:p>
-        </p:txBody>
-      </p:sp>
+        </p:spPr>
+      </p:pic>
     </p:spTree>
     <p:extLst>
       <p:ext uri="{BB962C8B-B14F-4D97-AF65-F5344CB8AC3E}">
-        <p14:creationId xmlns:p14="http://schemas.microsoft.com/office/powerpoint/2010/main" val="2881701872"/>
+        <p14:creationId xmlns:p14="http://schemas.microsoft.com/office/powerpoint/2010/main" val="4225465642"/>
       </p:ext>
     </p:extLst>
   </p:cSld>
@@ -17075,7 +16545,7 @@
         <p:cNvPr id="1" name="">
           <a:extLst>
             <a:ext uri="{FF2B5EF4-FFF2-40B4-BE49-F238E27FC236}">
-              <a16:creationId xmlns:a16="http://schemas.microsoft.com/office/drawing/2014/main" id="{CE196815-67FF-F86D-BD41-1A30455CF382}"/>
+              <a16:creationId xmlns:a16="http://schemas.microsoft.com/office/drawing/2014/main" id="{D4A02718-6022-1514-F1BB-850793498032}"/>
             </a:ext>
           </a:extLst>
         </p:cNvPr>
@@ -17095,7 +16565,7 @@
           <p:cNvPr id="37" name="ZoneTexte 36">
             <a:extLst>
               <a:ext uri="{FF2B5EF4-FFF2-40B4-BE49-F238E27FC236}">
-                <a16:creationId xmlns:a16="http://schemas.microsoft.com/office/drawing/2014/main" id="{72BA6A56-226F-3D9F-2CAF-4CD8FD153645}"/>
+                <a16:creationId xmlns:a16="http://schemas.microsoft.com/office/drawing/2014/main" id="{F2EA991F-7935-9F6A-4904-839F2A218A29}"/>
               </a:ext>
             </a:extLst>
           </p:cNvPr>
@@ -17135,7 +16605,7 @@
           <p:cNvPr id="53" name="Forme libre 52">
             <a:extLst>
               <a:ext uri="{FF2B5EF4-FFF2-40B4-BE49-F238E27FC236}">
-                <a16:creationId xmlns:a16="http://schemas.microsoft.com/office/drawing/2014/main" id="{6313F1F8-D4CA-81F4-B517-E02BA94147B9}"/>
+                <a16:creationId xmlns:a16="http://schemas.microsoft.com/office/drawing/2014/main" id="{6946FEE9-FF06-70B6-083D-B58D35E2CCC9}"/>
               </a:ext>
             </a:extLst>
           </p:cNvPr>
@@ -17272,7 +16742,7 @@
           <p:cNvPr id="49" name="Forme libre 48">
             <a:extLst>
               <a:ext uri="{FF2B5EF4-FFF2-40B4-BE49-F238E27FC236}">
-                <a16:creationId xmlns:a16="http://schemas.microsoft.com/office/drawing/2014/main" id="{2197A359-45C0-5DE1-A53D-B41AA0088665}"/>
+                <a16:creationId xmlns:a16="http://schemas.microsoft.com/office/drawing/2014/main" id="{BAE1F5BA-1967-1732-E9C0-A7785B5F2507}"/>
               </a:ext>
             </a:extLst>
           </p:cNvPr>
@@ -17371,7 +16841,7 @@
           <p:cNvPr id="16" name="Image 15">
             <a:extLst>
               <a:ext uri="{FF2B5EF4-FFF2-40B4-BE49-F238E27FC236}">
-                <a16:creationId xmlns:a16="http://schemas.microsoft.com/office/drawing/2014/main" id="{E5203A69-4300-A909-30DF-150BF580B30A}"/>
+                <a16:creationId xmlns:a16="http://schemas.microsoft.com/office/drawing/2014/main" id="{6755CC27-6302-B6B0-D67A-6F24C4DF122E}"/>
               </a:ext>
             </a:extLst>
           </p:cNvPr>
@@ -17400,7 +16870,7 @@
           <p:cNvPr id="44" name="Forme libre 43">
             <a:extLst>
               <a:ext uri="{FF2B5EF4-FFF2-40B4-BE49-F238E27FC236}">
-                <a16:creationId xmlns:a16="http://schemas.microsoft.com/office/drawing/2014/main" id="{098C4221-1A58-C3C6-ECB0-ADE7FFF8F8E1}"/>
+                <a16:creationId xmlns:a16="http://schemas.microsoft.com/office/drawing/2014/main" id="{1B893D89-0EB5-6B8F-1C50-9F4F23C3CD90}"/>
               </a:ext>
             </a:extLst>
           </p:cNvPr>
@@ -17496,10 +16966,10 @@
       </p:sp>
       <p:sp>
         <p:nvSpPr>
-          <p:cNvPr id="20" name="ZoneTexte 19">
-            <a:extLst>
-              <a:ext uri="{FF2B5EF4-FFF2-40B4-BE49-F238E27FC236}">
-                <a16:creationId xmlns:a16="http://schemas.microsoft.com/office/drawing/2014/main" id="{9E2AB7D5-E7EF-F6EA-11C3-F1EE0CFDAF2D}"/>
+          <p:cNvPr id="21" name="ZoneTexte 20">
+            <a:extLst>
+              <a:ext uri="{FF2B5EF4-FFF2-40B4-BE49-F238E27FC236}">
+                <a16:creationId xmlns:a16="http://schemas.microsoft.com/office/drawing/2014/main" id="{B1C17CCB-E976-CE1C-8B75-CC8A1A289A8D}"/>
               </a:ext>
             </a:extLst>
           </p:cNvPr>
@@ -17508,46 +16978,7 @@
         </p:nvSpPr>
         <p:spPr>
           <a:xfrm>
-            <a:off x="277548" y="1930311"/>
-            <a:ext cx="1716832" cy="276999"/>
-          </a:xfrm>
-          <a:prstGeom prst="rect">
-            <a:avLst/>
-          </a:prstGeom>
-          <a:noFill/>
-        </p:spPr>
-        <p:txBody>
-          <a:bodyPr wrap="square" rtlCol="0">
-            <a:spAutoFit/>
-          </a:bodyPr>
-          <a:lstStyle/>
-          <a:p>
-            <a:r>
-              <a:rPr lang="fr-FR" sz="1200" dirty="0">
-                <a:solidFill>
-                  <a:schemeClr val="bg1"/>
-                </a:solidFill>
-              </a:rPr>
-              <a:t>Formulaire Typé</a:t>
-            </a:r>
-          </a:p>
-        </p:txBody>
-      </p:sp>
-      <p:sp>
-        <p:nvSpPr>
-          <p:cNvPr id="21" name="ZoneTexte 20">
-            <a:extLst>
-              <a:ext uri="{FF2B5EF4-FFF2-40B4-BE49-F238E27FC236}">
-                <a16:creationId xmlns:a16="http://schemas.microsoft.com/office/drawing/2014/main" id="{9FF28613-E777-9D40-98E0-B54E017DB7F3}"/>
-              </a:ext>
-            </a:extLst>
-          </p:cNvPr>
-          <p:cNvSpPr txBox="1"/>
-          <p:nvPr/>
-        </p:nvSpPr>
-        <p:spPr>
-          <a:xfrm>
-            <a:off x="277548" y="2197483"/>
+            <a:off x="277548" y="2016611"/>
             <a:ext cx="1716832" cy="276999"/>
           </a:xfrm>
           <a:prstGeom prst="rect">
@@ -17598,7 +17029,7 @@
           <p:cNvPr id="2" name="ZoneTexte 1">
             <a:extLst>
               <a:ext uri="{FF2B5EF4-FFF2-40B4-BE49-F238E27FC236}">
-                <a16:creationId xmlns:a16="http://schemas.microsoft.com/office/drawing/2014/main" id="{4E2D9439-F238-0297-AB9B-0B59B13274D8}"/>
+                <a16:creationId xmlns:a16="http://schemas.microsoft.com/office/drawing/2014/main" id="{319108EF-F1C9-9539-4CFB-90CEA5AF8513}"/>
               </a:ext>
             </a:extLst>
           </p:cNvPr>
@@ -17607,7 +17038,7 @@
         </p:nvSpPr>
         <p:spPr>
           <a:xfrm>
-            <a:off x="277548" y="2464655"/>
+            <a:off x="277548" y="2283783"/>
             <a:ext cx="1716832" cy="276999"/>
           </a:xfrm>
           <a:prstGeom prst="rect">
@@ -17637,7 +17068,7 @@
           <p:cNvPr id="3" name="ZoneTexte 2">
             <a:extLst>
               <a:ext uri="{FF2B5EF4-FFF2-40B4-BE49-F238E27FC236}">
-                <a16:creationId xmlns:a16="http://schemas.microsoft.com/office/drawing/2014/main" id="{8E7CBF99-86DB-B582-E4DA-3C732FB5629D}"/>
+                <a16:creationId xmlns:a16="http://schemas.microsoft.com/office/drawing/2014/main" id="{389A208A-0FC7-CCD2-8BFD-8CBAD2DB881E}"/>
               </a:ext>
             </a:extLst>
           </p:cNvPr>
@@ -17646,7 +17077,7 @@
         </p:nvSpPr>
         <p:spPr>
           <a:xfrm>
-            <a:off x="277548" y="2731827"/>
+            <a:off x="277548" y="2550955"/>
             <a:ext cx="1716832" cy="276999"/>
           </a:xfrm>
           <a:prstGeom prst="rect">
@@ -17678,10 +17109,10 @@
       </p:sp>
       <p:sp>
         <p:nvSpPr>
-          <p:cNvPr id="19" name="ZoneTexte 18">
-            <a:extLst>
-              <a:ext uri="{FF2B5EF4-FFF2-40B4-BE49-F238E27FC236}">
-                <a16:creationId xmlns:a16="http://schemas.microsoft.com/office/drawing/2014/main" id="{B15E3F61-B452-7C7D-3383-6857F20BAD23}"/>
+          <p:cNvPr id="20" name="ZoneTexte 19">
+            <a:extLst>
+              <a:ext uri="{FF2B5EF4-FFF2-40B4-BE49-F238E27FC236}">
+                <a16:creationId xmlns:a16="http://schemas.microsoft.com/office/drawing/2014/main" id="{C3CC2439-6019-5650-3845-E050FBE17195}"/>
               </a:ext>
             </a:extLst>
           </p:cNvPr>
@@ -17690,8 +17121,8 @@
         </p:nvSpPr>
         <p:spPr>
           <a:xfrm>
-            <a:off x="277548" y="1483587"/>
-            <a:ext cx="1716832" cy="400110"/>
+            <a:off x="277548" y="1337846"/>
+            <a:ext cx="1716832" cy="707886"/>
           </a:xfrm>
           <a:prstGeom prst="rect">
             <a:avLst/>
@@ -17705,56 +17136,22 @@
           <a:lstStyle/>
           <a:p>
             <a:r>
-              <a:rPr lang="fr-FR" sz="2000" dirty="0" err="1">
+              <a:rPr lang="fr-FR" sz="2000" dirty="0">
                 <a:solidFill>
                   <a:schemeClr val="bg1"/>
                 </a:solidFill>
               </a:rPr>
-              <a:t>Signals</a:t>
-            </a:r>
-            <a:endParaRPr lang="fr-FR" sz="2000" dirty="0">
-              <a:solidFill>
-                <a:schemeClr val="bg1"/>
-              </a:solidFill>
-            </a:endParaRPr>
+              <a:t>Formulaire Typé</a:t>
+            </a:r>
           </a:p>
         </p:txBody>
       </p:sp>
       <p:pic>
         <p:nvPicPr>
-          <p:cNvPr id="5" name="Image 4" descr="Une image contenant texte, Police, capture d’écran, algèbre&#10;&#10;Description générée automatiquement">
-            <a:extLst>
-              <a:ext uri="{FF2B5EF4-FFF2-40B4-BE49-F238E27FC236}">
-                <a16:creationId xmlns:a16="http://schemas.microsoft.com/office/drawing/2014/main" id="{FFCB17DE-DD3D-71AF-0B6A-265C0157292D}"/>
-              </a:ext>
-            </a:extLst>
-          </p:cNvPr>
-          <p:cNvPicPr>
-            <a:picLocks noChangeAspect="1"/>
-          </p:cNvPicPr>
-          <p:nvPr/>
-        </p:nvPicPr>
-        <p:blipFill rotWithShape="1">
-          <a:blip r:embed="rId4"/>
-          <a:srcRect l="2227" t="6066"/>
-          <a:stretch/>
-        </p:blipFill>
-        <p:spPr>
-          <a:xfrm>
-            <a:off x="3757405" y="1073426"/>
-            <a:ext cx="7599294" cy="1124057"/>
-          </a:xfrm>
-          <a:prstGeom prst="rect">
-            <a:avLst/>
-          </a:prstGeom>
-        </p:spPr>
-      </p:pic>
-      <p:pic>
-        <p:nvPicPr>
-          <p:cNvPr id="7" name="Image 6">
-            <a:extLst>
-              <a:ext uri="{FF2B5EF4-FFF2-40B4-BE49-F238E27FC236}">
-                <a16:creationId xmlns:a16="http://schemas.microsoft.com/office/drawing/2014/main" id="{9CDE54B3-759B-A141-99ED-EA46B29D3D48}"/>
+          <p:cNvPr id="5" name="Image 4">
+            <a:extLst>
+              <a:ext uri="{FF2B5EF4-FFF2-40B4-BE49-F238E27FC236}">
+                <a16:creationId xmlns:a16="http://schemas.microsoft.com/office/drawing/2014/main" id="{C0660E86-26F3-1B1B-5312-D38F5A91DA74}"/>
               </a:ext>
             </a:extLst>
           </p:cNvPr>
@@ -17764,105 +17161,15 @@
           <p:nvPr/>
         </p:nvPicPr>
         <p:blipFill>
-          <a:blip r:embed="rId5"/>
+          <a:blip r:embed="rId4"/>
           <a:stretch>
             <a:fillRect/>
           </a:stretch>
         </p:blipFill>
         <p:spPr>
           <a:xfrm>
-            <a:off x="3670852" y="2313314"/>
-            <a:ext cx="7772400" cy="418513"/>
-          </a:xfrm>
-          <a:prstGeom prst="rect">
-            <a:avLst/>
-          </a:prstGeom>
-        </p:spPr>
-      </p:pic>
-      <p:pic>
-        <p:nvPicPr>
-          <p:cNvPr id="9" name="Image 8">
-            <a:extLst>
-              <a:ext uri="{FF2B5EF4-FFF2-40B4-BE49-F238E27FC236}">
-                <a16:creationId xmlns:a16="http://schemas.microsoft.com/office/drawing/2014/main" id="{3F584AB5-6AAD-04E3-CA75-1B531E3C7058}"/>
-              </a:ext>
-            </a:extLst>
-          </p:cNvPr>
-          <p:cNvPicPr>
-            <a:picLocks noChangeAspect="1"/>
-          </p:cNvPicPr>
-          <p:nvPr/>
-        </p:nvPicPr>
-        <p:blipFill>
-          <a:blip r:embed="rId6"/>
-          <a:stretch>
-            <a:fillRect/>
-          </a:stretch>
-        </p:blipFill>
-        <p:spPr>
-          <a:xfrm>
-            <a:off x="3670852" y="2881733"/>
-            <a:ext cx="7772400" cy="599722"/>
-          </a:xfrm>
-          <a:prstGeom prst="rect">
-            <a:avLst/>
-          </a:prstGeom>
-        </p:spPr>
-      </p:pic>
-      <p:pic>
-        <p:nvPicPr>
-          <p:cNvPr id="11" name="Image 10">
-            <a:extLst>
-              <a:ext uri="{FF2B5EF4-FFF2-40B4-BE49-F238E27FC236}">
-                <a16:creationId xmlns:a16="http://schemas.microsoft.com/office/drawing/2014/main" id="{4F815114-2CAD-8B53-CD64-351C8AEF806E}"/>
-              </a:ext>
-            </a:extLst>
-          </p:cNvPr>
-          <p:cNvPicPr>
-            <a:picLocks noChangeAspect="1"/>
-          </p:cNvPicPr>
-          <p:nvPr/>
-        </p:nvPicPr>
-        <p:blipFill>
-          <a:blip r:embed="rId7"/>
-          <a:stretch>
-            <a:fillRect/>
-          </a:stretch>
-        </p:blipFill>
-        <p:spPr>
-          <a:xfrm>
-            <a:off x="3670852" y="3550479"/>
-            <a:ext cx="7772400" cy="667568"/>
-          </a:xfrm>
-          <a:prstGeom prst="rect">
-            <a:avLst/>
-          </a:prstGeom>
-        </p:spPr>
-      </p:pic>
-      <p:pic>
-        <p:nvPicPr>
-          <p:cNvPr id="13" name="Image 12" descr="Une image contenant texte, capture d’écran, Police, ligne&#10;&#10;Description générée automatiquement">
-            <a:extLst>
-              <a:ext uri="{FF2B5EF4-FFF2-40B4-BE49-F238E27FC236}">
-                <a16:creationId xmlns:a16="http://schemas.microsoft.com/office/drawing/2014/main" id="{C5E776E2-B197-1C74-5B31-708279BFD4B6}"/>
-              </a:ext>
-            </a:extLst>
-          </p:cNvPr>
-          <p:cNvPicPr>
-            <a:picLocks noChangeAspect="1"/>
-          </p:cNvPicPr>
-          <p:nvPr/>
-        </p:nvPicPr>
-        <p:blipFill>
-          <a:blip r:embed="rId8"/>
-          <a:stretch>
-            <a:fillRect/>
-          </a:stretch>
-        </p:blipFill>
-        <p:spPr>
-          <a:xfrm>
-            <a:off x="3670852" y="4364684"/>
-            <a:ext cx="7772400" cy="1981902"/>
+            <a:off x="3711437" y="1190100"/>
+            <a:ext cx="7420785" cy="4991100"/>
           </a:xfrm>
           <a:prstGeom prst="rect">
             <a:avLst/>
@@ -17872,7 +17179,7 @@
     </p:spTree>
     <p:extLst>
       <p:ext uri="{BB962C8B-B14F-4D97-AF65-F5344CB8AC3E}">
-        <p14:creationId xmlns:p14="http://schemas.microsoft.com/office/powerpoint/2010/main" val="4225465642"/>
+        <p14:creationId xmlns:p14="http://schemas.microsoft.com/office/powerpoint/2010/main" val="2012407289"/>
       </p:ext>
     </p:extLst>
   </p:cSld>

--- a/Présentation.pptx
+++ b/Présentation.pptx
@@ -5,7 +5,7 @@
     <p:sldMasterId id="2147483648" r:id="rId1"/>
   </p:sldMasterIdLst>
   <p:notesMasterIdLst>
-    <p:notesMasterId r:id="rId19"/>
+    <p:notesMasterId r:id="rId21"/>
   </p:notesMasterIdLst>
   <p:sldIdLst>
     <p:sldId id="256" r:id="rId2"/>
@@ -23,8 +23,10 @@
     <p:sldId id="284" r:id="rId14"/>
     <p:sldId id="285" r:id="rId15"/>
     <p:sldId id="294" r:id="rId16"/>
-    <p:sldId id="288" r:id="rId17"/>
-    <p:sldId id="289" r:id="rId18"/>
+    <p:sldId id="295" r:id="rId17"/>
+    <p:sldId id="296" r:id="rId18"/>
+    <p:sldId id="288" r:id="rId19"/>
+    <p:sldId id="289" r:id="rId20"/>
   </p:sldIdLst>
   <p:sldSz cx="12192000" cy="6858000"/>
   <p:notesSz cx="6858000" cy="9144000"/>
@@ -213,7 +215,7 @@
           <a:p>
             <a:fld id="{033193B6-5E70-9947-90BB-6115D3AF2A14}" type="datetimeFigureOut">
               <a:rPr lang="fr-FR" smtClean="0"/>
-              <a:t>02/02/2024</a:t>
+              <a:t>20/11/2024</a:t>
             </a:fld>
             <a:endParaRPr lang="fr-FR"/>
           </a:p>
@@ -371,7 +373,7 @@
           <a:p>
             <a:fld id="{EB0C3375-AD00-2849-8B47-02ED823D7559}" type="slidenum">
               <a:rPr lang="fr-FR" smtClean="0"/>
-              <a:t>‹N°›</a:t>
+              <a:t>‹#›</a:t>
             </a:fld>
             <a:endParaRPr lang="fr-FR"/>
           </a:p>
@@ -1415,6 +1417,222 @@
         <p:cNvPr id="1" name="">
           <a:extLst>
             <a:ext uri="{FF2B5EF4-FFF2-40B4-BE49-F238E27FC236}">
+              <a16:creationId xmlns:a16="http://schemas.microsoft.com/office/drawing/2014/main" id="{360EF810-7C93-ABF3-9E8B-8F2901860957}"/>
+            </a:ext>
+          </a:extLst>
+        </p:cNvPr>
+        <p:cNvGrpSpPr/>
+        <p:nvPr/>
+      </p:nvGrpSpPr>
+      <p:grpSpPr>
+        <a:xfrm>
+          <a:off x="0" y="0"/>
+          <a:ext cx="0" cy="0"/>
+          <a:chOff x="0" y="0"/>
+          <a:chExt cx="0" cy="0"/>
+        </a:xfrm>
+      </p:grpSpPr>
+      <p:sp>
+        <p:nvSpPr>
+          <p:cNvPr id="2" name="Espace réservé de l'image des diapositives 1">
+            <a:extLst>
+              <a:ext uri="{FF2B5EF4-FFF2-40B4-BE49-F238E27FC236}">
+                <a16:creationId xmlns:a16="http://schemas.microsoft.com/office/drawing/2014/main" id="{A74BDA25-0672-0926-D1BE-A2D21F20C7B5}"/>
+              </a:ext>
+            </a:extLst>
+          </p:cNvPr>
+          <p:cNvSpPr>
+            <a:spLocks noGrp="1" noRot="1" noChangeAspect="1"/>
+          </p:cNvSpPr>
+          <p:nvPr>
+            <p:ph type="sldImg"/>
+          </p:nvPr>
+        </p:nvSpPr>
+        <p:spPr/>
+      </p:sp>
+      <p:sp>
+        <p:nvSpPr>
+          <p:cNvPr id="3" name="Espace réservé des notes 2">
+            <a:extLst>
+              <a:ext uri="{FF2B5EF4-FFF2-40B4-BE49-F238E27FC236}">
+                <a16:creationId xmlns:a16="http://schemas.microsoft.com/office/drawing/2014/main" id="{3697D3CB-90C0-5820-F03B-7CB73BEE069E}"/>
+              </a:ext>
+            </a:extLst>
+          </p:cNvPr>
+          <p:cNvSpPr>
+            <a:spLocks noGrp="1"/>
+          </p:cNvSpPr>
+          <p:nvPr>
+            <p:ph type="body" idx="1"/>
+          </p:nvPr>
+        </p:nvSpPr>
+        <p:spPr/>
+        <p:txBody>
+          <a:bodyPr/>
+          <a:lstStyle/>
+          <a:p>
+            <a:endParaRPr lang="fr-FR" dirty="0"/>
+          </a:p>
+        </p:txBody>
+      </p:sp>
+      <p:sp>
+        <p:nvSpPr>
+          <p:cNvPr id="4" name="Espace réservé du numéro de diapositive 3">
+            <a:extLst>
+              <a:ext uri="{FF2B5EF4-FFF2-40B4-BE49-F238E27FC236}">
+                <a16:creationId xmlns:a16="http://schemas.microsoft.com/office/drawing/2014/main" id="{A35EB8E9-488E-70A9-BC67-FF6D5F1495A4}"/>
+              </a:ext>
+            </a:extLst>
+          </p:cNvPr>
+          <p:cNvSpPr>
+            <a:spLocks noGrp="1"/>
+          </p:cNvSpPr>
+          <p:nvPr>
+            <p:ph type="sldNum" sz="quarter" idx="5"/>
+          </p:nvPr>
+        </p:nvSpPr>
+        <p:spPr/>
+        <p:txBody>
+          <a:bodyPr/>
+          <a:lstStyle/>
+          <a:p>
+            <a:fld id="{EB0C3375-AD00-2849-8B47-02ED823D7559}" type="slidenum">
+              <a:rPr lang="fr-FR" smtClean="0"/>
+              <a:t>16</a:t>
+            </a:fld>
+            <a:endParaRPr lang="fr-FR"/>
+          </a:p>
+        </p:txBody>
+      </p:sp>
+    </p:spTree>
+    <p:extLst>
+      <p:ext uri="{BB962C8B-B14F-4D97-AF65-F5344CB8AC3E}">
+        <p14:creationId xmlns:p14="http://schemas.microsoft.com/office/powerpoint/2010/main" val="275683524"/>
+      </p:ext>
+    </p:extLst>
+  </p:cSld>
+  <p:clrMapOvr>
+    <a:masterClrMapping/>
+  </p:clrMapOvr>
+</p:notes>
+</file>
+
+<file path=ppt/notesSlides/notesSlide17.xml><?xml version="1.0" encoding="utf-8"?>
+<p:notes xmlns:a="http://schemas.openxmlformats.org/drawingml/2006/main" xmlns:r="http://schemas.openxmlformats.org/officeDocument/2006/relationships" xmlns:p="http://schemas.openxmlformats.org/presentationml/2006/main">
+  <p:cSld>
+    <p:spTree>
+      <p:nvGrpSpPr>
+        <p:cNvPr id="1" name="">
+          <a:extLst>
+            <a:ext uri="{FF2B5EF4-FFF2-40B4-BE49-F238E27FC236}">
+              <a16:creationId xmlns:a16="http://schemas.microsoft.com/office/drawing/2014/main" id="{F2BF2974-0190-70B0-CCAB-C56B407C80B3}"/>
+            </a:ext>
+          </a:extLst>
+        </p:cNvPr>
+        <p:cNvGrpSpPr/>
+        <p:nvPr/>
+      </p:nvGrpSpPr>
+      <p:grpSpPr>
+        <a:xfrm>
+          <a:off x="0" y="0"/>
+          <a:ext cx="0" cy="0"/>
+          <a:chOff x="0" y="0"/>
+          <a:chExt cx="0" cy="0"/>
+        </a:xfrm>
+      </p:grpSpPr>
+      <p:sp>
+        <p:nvSpPr>
+          <p:cNvPr id="2" name="Espace réservé de l'image des diapositives 1">
+            <a:extLst>
+              <a:ext uri="{FF2B5EF4-FFF2-40B4-BE49-F238E27FC236}">
+                <a16:creationId xmlns:a16="http://schemas.microsoft.com/office/drawing/2014/main" id="{C4FAFE27-4246-FBD2-F60C-E0670ACED96E}"/>
+              </a:ext>
+            </a:extLst>
+          </p:cNvPr>
+          <p:cNvSpPr>
+            <a:spLocks noGrp="1" noRot="1" noChangeAspect="1"/>
+          </p:cNvSpPr>
+          <p:nvPr>
+            <p:ph type="sldImg"/>
+          </p:nvPr>
+        </p:nvSpPr>
+        <p:spPr/>
+      </p:sp>
+      <p:sp>
+        <p:nvSpPr>
+          <p:cNvPr id="3" name="Espace réservé des notes 2">
+            <a:extLst>
+              <a:ext uri="{FF2B5EF4-FFF2-40B4-BE49-F238E27FC236}">
+                <a16:creationId xmlns:a16="http://schemas.microsoft.com/office/drawing/2014/main" id="{5F2D69F3-D63B-584B-354E-BB5D27DD8A56}"/>
+              </a:ext>
+            </a:extLst>
+          </p:cNvPr>
+          <p:cNvSpPr>
+            <a:spLocks noGrp="1"/>
+          </p:cNvSpPr>
+          <p:nvPr>
+            <p:ph type="body" idx="1"/>
+          </p:nvPr>
+        </p:nvSpPr>
+        <p:spPr/>
+        <p:txBody>
+          <a:bodyPr/>
+          <a:lstStyle/>
+          <a:p>
+            <a:endParaRPr lang="fr-FR" dirty="0"/>
+          </a:p>
+        </p:txBody>
+      </p:sp>
+      <p:sp>
+        <p:nvSpPr>
+          <p:cNvPr id="4" name="Espace réservé du numéro de diapositive 3">
+            <a:extLst>
+              <a:ext uri="{FF2B5EF4-FFF2-40B4-BE49-F238E27FC236}">
+                <a16:creationId xmlns:a16="http://schemas.microsoft.com/office/drawing/2014/main" id="{24E2DBC7-6ABD-8A80-6C93-D2BA5142D39B}"/>
+              </a:ext>
+            </a:extLst>
+          </p:cNvPr>
+          <p:cNvSpPr>
+            <a:spLocks noGrp="1"/>
+          </p:cNvSpPr>
+          <p:nvPr>
+            <p:ph type="sldNum" sz="quarter" idx="5"/>
+          </p:nvPr>
+        </p:nvSpPr>
+        <p:spPr/>
+        <p:txBody>
+          <a:bodyPr/>
+          <a:lstStyle/>
+          <a:p>
+            <a:fld id="{EB0C3375-AD00-2849-8B47-02ED823D7559}" type="slidenum">
+              <a:rPr lang="fr-FR" smtClean="0"/>
+              <a:t>17</a:t>
+            </a:fld>
+            <a:endParaRPr lang="fr-FR"/>
+          </a:p>
+        </p:txBody>
+      </p:sp>
+    </p:spTree>
+    <p:extLst>
+      <p:ext uri="{BB962C8B-B14F-4D97-AF65-F5344CB8AC3E}">
+        <p14:creationId xmlns:p14="http://schemas.microsoft.com/office/powerpoint/2010/main" val="3603548020"/>
+      </p:ext>
+    </p:extLst>
+  </p:cSld>
+  <p:clrMapOvr>
+    <a:masterClrMapping/>
+  </p:clrMapOvr>
+</p:notes>
+</file>
+
+<file path=ppt/notesSlides/notesSlide18.xml><?xml version="1.0" encoding="utf-8"?>
+<p:notes xmlns:a="http://schemas.openxmlformats.org/drawingml/2006/main" xmlns:r="http://schemas.openxmlformats.org/officeDocument/2006/relationships" xmlns:p="http://schemas.openxmlformats.org/presentationml/2006/main">
+  <p:cSld>
+    <p:spTree>
+      <p:nvGrpSpPr>
+        <p:cNvPr id="1" name="">
+          <a:extLst>
+            <a:ext uri="{FF2B5EF4-FFF2-40B4-BE49-F238E27FC236}">
               <a16:creationId xmlns:a16="http://schemas.microsoft.com/office/drawing/2014/main" id="{010D5E84-2CE3-9548-EE69-BF923738A15C}"/>
             </a:ext>
           </a:extLst>
@@ -1496,7 +1714,7 @@
           <a:p>
             <a:fld id="{EB0C3375-AD00-2849-8B47-02ED823D7559}" type="slidenum">
               <a:rPr lang="fr-FR" smtClean="0"/>
-              <a:t>16</a:t>
+              <a:t>18</a:t>
             </a:fld>
             <a:endParaRPr lang="fr-FR"/>
           </a:p>
@@ -1515,7 +1733,7 @@
 </p:notes>
 </file>
 
-<file path=ppt/notesSlides/notesSlide17.xml><?xml version="1.0" encoding="utf-8"?>
+<file path=ppt/notesSlides/notesSlide19.xml><?xml version="1.0" encoding="utf-8"?>
 <p:notes xmlns:a="http://schemas.openxmlformats.org/drawingml/2006/main" xmlns:r="http://schemas.openxmlformats.org/officeDocument/2006/relationships" xmlns:p="http://schemas.openxmlformats.org/presentationml/2006/main">
   <p:cSld>
     <p:spTree>
@@ -1604,7 +1822,7 @@
           <a:p>
             <a:fld id="{EB0C3375-AD00-2849-8B47-02ED823D7559}" type="slidenum">
               <a:rPr lang="fr-FR" smtClean="0"/>
-              <a:t>17</a:t>
+              <a:t>19</a:t>
             </a:fld>
             <a:endParaRPr lang="fr-FR"/>
           </a:p>
@@ -2752,7 +2970,7 @@
           <a:p>
             <a:fld id="{B31D952E-9AEA-B24E-B6B1-F2B5D1DED824}" type="datetimeFigureOut">
               <a:rPr lang="fr-FR" smtClean="0"/>
-              <a:t>02/02/2024</a:t>
+              <a:t>20/11/2024</a:t>
             </a:fld>
             <a:endParaRPr lang="fr-FR"/>
           </a:p>
@@ -2806,7 +3024,7 @@
           <a:p>
             <a:fld id="{1734B60F-DB63-5F41-86F4-5A0CC13919DB}" type="slidenum">
               <a:rPr lang="fr-FR" smtClean="0"/>
-              <a:t>‹N°›</a:t>
+              <a:t>‹#›</a:t>
             </a:fld>
             <a:endParaRPr lang="fr-FR"/>
           </a:p>
@@ -2950,7 +3168,7 @@
           <a:p>
             <a:fld id="{B31D952E-9AEA-B24E-B6B1-F2B5D1DED824}" type="datetimeFigureOut">
               <a:rPr lang="fr-FR" smtClean="0"/>
-              <a:t>02/02/2024</a:t>
+              <a:t>20/11/2024</a:t>
             </a:fld>
             <a:endParaRPr lang="fr-FR"/>
           </a:p>
@@ -3004,7 +3222,7 @@
           <a:p>
             <a:fld id="{1734B60F-DB63-5F41-86F4-5A0CC13919DB}" type="slidenum">
               <a:rPr lang="fr-FR" smtClean="0"/>
-              <a:t>‹N°›</a:t>
+              <a:t>‹#›</a:t>
             </a:fld>
             <a:endParaRPr lang="fr-FR"/>
           </a:p>
@@ -3158,7 +3376,7 @@
           <a:p>
             <a:fld id="{B31D952E-9AEA-B24E-B6B1-F2B5D1DED824}" type="datetimeFigureOut">
               <a:rPr lang="fr-FR" smtClean="0"/>
-              <a:t>02/02/2024</a:t>
+              <a:t>20/11/2024</a:t>
             </a:fld>
             <a:endParaRPr lang="fr-FR"/>
           </a:p>
@@ -3212,7 +3430,7 @@
           <a:p>
             <a:fld id="{1734B60F-DB63-5F41-86F4-5A0CC13919DB}" type="slidenum">
               <a:rPr lang="fr-FR" smtClean="0"/>
-              <a:t>‹N°›</a:t>
+              <a:t>‹#›</a:t>
             </a:fld>
             <a:endParaRPr lang="fr-FR"/>
           </a:p>
@@ -3356,7 +3574,7 @@
           <a:p>
             <a:fld id="{B31D952E-9AEA-B24E-B6B1-F2B5D1DED824}" type="datetimeFigureOut">
               <a:rPr lang="fr-FR" smtClean="0"/>
-              <a:t>02/02/2024</a:t>
+              <a:t>20/11/2024</a:t>
             </a:fld>
             <a:endParaRPr lang="fr-FR"/>
           </a:p>
@@ -3410,7 +3628,7 @@
           <a:p>
             <a:fld id="{1734B60F-DB63-5F41-86F4-5A0CC13919DB}" type="slidenum">
               <a:rPr lang="fr-FR" smtClean="0"/>
-              <a:t>‹N°›</a:t>
+              <a:t>‹#›</a:t>
             </a:fld>
             <a:endParaRPr lang="fr-FR"/>
           </a:p>
@@ -3631,7 +3849,7 @@
           <a:p>
             <a:fld id="{B31D952E-9AEA-B24E-B6B1-F2B5D1DED824}" type="datetimeFigureOut">
               <a:rPr lang="fr-FR" smtClean="0"/>
-              <a:t>02/02/2024</a:t>
+              <a:t>20/11/2024</a:t>
             </a:fld>
             <a:endParaRPr lang="fr-FR"/>
           </a:p>
@@ -3685,7 +3903,7 @@
           <a:p>
             <a:fld id="{1734B60F-DB63-5F41-86F4-5A0CC13919DB}" type="slidenum">
               <a:rPr lang="fr-FR" smtClean="0"/>
-              <a:t>‹N°›</a:t>
+              <a:t>‹#›</a:t>
             </a:fld>
             <a:endParaRPr lang="fr-FR"/>
           </a:p>
@@ -3896,7 +4114,7 @@
           <a:p>
             <a:fld id="{B31D952E-9AEA-B24E-B6B1-F2B5D1DED824}" type="datetimeFigureOut">
               <a:rPr lang="fr-FR" smtClean="0"/>
-              <a:t>02/02/2024</a:t>
+              <a:t>20/11/2024</a:t>
             </a:fld>
             <a:endParaRPr lang="fr-FR"/>
           </a:p>
@@ -3950,7 +4168,7 @@
           <a:p>
             <a:fld id="{1734B60F-DB63-5F41-86F4-5A0CC13919DB}" type="slidenum">
               <a:rPr lang="fr-FR" smtClean="0"/>
-              <a:t>‹N°›</a:t>
+              <a:t>‹#›</a:t>
             </a:fld>
             <a:endParaRPr lang="fr-FR"/>
           </a:p>
@@ -4308,7 +4526,7 @@
           <a:p>
             <a:fld id="{B31D952E-9AEA-B24E-B6B1-F2B5D1DED824}" type="datetimeFigureOut">
               <a:rPr lang="fr-FR" smtClean="0"/>
-              <a:t>02/02/2024</a:t>
+              <a:t>20/11/2024</a:t>
             </a:fld>
             <a:endParaRPr lang="fr-FR"/>
           </a:p>
@@ -4362,7 +4580,7 @@
           <a:p>
             <a:fld id="{1734B60F-DB63-5F41-86F4-5A0CC13919DB}" type="slidenum">
               <a:rPr lang="fr-FR" smtClean="0"/>
-              <a:t>‹N°›</a:t>
+              <a:t>‹#›</a:t>
             </a:fld>
             <a:endParaRPr lang="fr-FR"/>
           </a:p>
@@ -4449,7 +4667,7 @@
           <a:p>
             <a:fld id="{B31D952E-9AEA-B24E-B6B1-F2B5D1DED824}" type="datetimeFigureOut">
               <a:rPr lang="fr-FR" smtClean="0"/>
-              <a:t>02/02/2024</a:t>
+              <a:t>20/11/2024</a:t>
             </a:fld>
             <a:endParaRPr lang="fr-FR"/>
           </a:p>
@@ -4503,7 +4721,7 @@
           <a:p>
             <a:fld id="{1734B60F-DB63-5F41-86F4-5A0CC13919DB}" type="slidenum">
               <a:rPr lang="fr-FR" smtClean="0"/>
-              <a:t>‹N°›</a:t>
+              <a:t>‹#›</a:t>
             </a:fld>
             <a:endParaRPr lang="fr-FR"/>
           </a:p>
@@ -4562,7 +4780,7 @@
           <a:p>
             <a:fld id="{B31D952E-9AEA-B24E-B6B1-F2B5D1DED824}" type="datetimeFigureOut">
               <a:rPr lang="fr-FR" smtClean="0"/>
-              <a:t>02/02/2024</a:t>
+              <a:t>20/11/2024</a:t>
             </a:fld>
             <a:endParaRPr lang="fr-FR"/>
           </a:p>
@@ -4616,7 +4834,7 @@
           <a:p>
             <a:fld id="{1734B60F-DB63-5F41-86F4-5A0CC13919DB}" type="slidenum">
               <a:rPr lang="fr-FR" smtClean="0"/>
-              <a:t>‹N°›</a:t>
+              <a:t>‹#›</a:t>
             </a:fld>
             <a:endParaRPr lang="fr-FR"/>
           </a:p>
@@ -4873,7 +5091,7 @@
           <a:p>
             <a:fld id="{B31D952E-9AEA-B24E-B6B1-F2B5D1DED824}" type="datetimeFigureOut">
               <a:rPr lang="fr-FR" smtClean="0"/>
-              <a:t>02/02/2024</a:t>
+              <a:t>20/11/2024</a:t>
             </a:fld>
             <a:endParaRPr lang="fr-FR"/>
           </a:p>
@@ -4927,7 +5145,7 @@
           <a:p>
             <a:fld id="{1734B60F-DB63-5F41-86F4-5A0CC13919DB}" type="slidenum">
               <a:rPr lang="fr-FR" smtClean="0"/>
-              <a:t>‹N°›</a:t>
+              <a:t>‹#›</a:t>
             </a:fld>
             <a:endParaRPr lang="fr-FR"/>
           </a:p>
@@ -5161,7 +5379,7 @@
           <a:p>
             <a:fld id="{B31D952E-9AEA-B24E-B6B1-F2B5D1DED824}" type="datetimeFigureOut">
               <a:rPr lang="fr-FR" smtClean="0"/>
-              <a:t>02/02/2024</a:t>
+              <a:t>20/11/2024</a:t>
             </a:fld>
             <a:endParaRPr lang="fr-FR"/>
           </a:p>
@@ -5215,7 +5433,7 @@
           <a:p>
             <a:fld id="{1734B60F-DB63-5F41-86F4-5A0CC13919DB}" type="slidenum">
               <a:rPr lang="fr-FR" smtClean="0"/>
-              <a:t>‹N°›</a:t>
+              <a:t>‹#›</a:t>
             </a:fld>
             <a:endParaRPr lang="fr-FR"/>
           </a:p>
@@ -5402,7 +5620,7 @@
           <a:p>
             <a:fld id="{B31D952E-9AEA-B24E-B6B1-F2B5D1DED824}" type="datetimeFigureOut">
               <a:rPr lang="fr-FR" smtClean="0"/>
-              <a:t>02/02/2024</a:t>
+              <a:t>20/11/2024</a:t>
             </a:fld>
             <a:endParaRPr lang="fr-FR"/>
           </a:p>
@@ -5492,7 +5710,7 @@
           <a:p>
             <a:fld id="{1734B60F-DB63-5F41-86F4-5A0CC13919DB}" type="slidenum">
               <a:rPr lang="fr-FR" smtClean="0"/>
-              <a:t>‹N°›</a:t>
+              <a:t>‹#›</a:t>
             </a:fld>
             <a:endParaRPr lang="fr-FR"/>
           </a:p>
@@ -5833,7 +6051,7 @@
         </p:nvSpPr>
         <p:spPr>
           <a:xfrm>
-            <a:off x="0" y="0"/>
+            <a:off x="-19878" y="-19878"/>
             <a:ext cx="12370982" cy="7224823"/>
           </a:xfrm>
           <a:prstGeom prst="rect">
@@ -9605,14 +9823,14 @@
 </file>
 
 <file path=ppt/slides/slide16.xml><?xml version="1.0" encoding="utf-8"?>
-<p:sld xmlns:a="http://schemas.openxmlformats.org/drawingml/2006/main" xmlns:r="http://schemas.openxmlformats.org/officeDocument/2006/relationships" xmlns:p="http://schemas.openxmlformats.org/presentationml/2006/main">
+<p:sld xmlns:a="http://schemas.openxmlformats.org/drawingml/2006/main" xmlns:r="http://schemas.openxmlformats.org/officeDocument/2006/relationships" xmlns:p="http://schemas.openxmlformats.org/presentationml/2006/main" show="0">
   <p:cSld>
     <p:spTree>
       <p:nvGrpSpPr>
         <p:cNvPr id="1" name="">
           <a:extLst>
             <a:ext uri="{FF2B5EF4-FFF2-40B4-BE49-F238E27FC236}">
-              <a16:creationId xmlns:a16="http://schemas.microsoft.com/office/drawing/2014/main" id="{21CFFE71-9B98-9B1F-4B52-78C62C0453F2}"/>
+              <a16:creationId xmlns:a16="http://schemas.microsoft.com/office/drawing/2014/main" id="{A941F756-C388-9090-568F-A852EAE373DE}"/>
             </a:ext>
           </a:extLst>
         </p:cNvPr>
@@ -9629,10 +9847,53 @@
       </p:grpSpPr>
       <p:sp>
         <p:nvSpPr>
+          <p:cNvPr id="37" name="ZoneTexte 36">
+            <a:extLst>
+              <a:ext uri="{FF2B5EF4-FFF2-40B4-BE49-F238E27FC236}">
+                <a16:creationId xmlns:a16="http://schemas.microsoft.com/office/drawing/2014/main" id="{F290B0BA-0AA1-181B-C98D-BBE6160126B3}"/>
+              </a:ext>
+            </a:extLst>
+          </p:cNvPr>
+          <p:cNvSpPr txBox="1"/>
+          <p:nvPr/>
+        </p:nvSpPr>
+        <p:spPr>
+          <a:xfrm>
+            <a:off x="4752870" y="34803"/>
+            <a:ext cx="7663065" cy="646331"/>
+          </a:xfrm>
+          <a:prstGeom prst="rect">
+            <a:avLst/>
+          </a:prstGeom>
+          <a:noFill/>
+        </p:spPr>
+        <p:txBody>
+          <a:bodyPr wrap="square" rtlCol="0">
+            <a:spAutoFit/>
+          </a:bodyPr>
+          <a:lstStyle/>
+          <a:p>
+            <a:r>
+              <a:rPr lang="fr-FR" sz="3600" dirty="0"/>
+              <a:t>Migrer une application vers </a:t>
+            </a:r>
+            <a:r>
+              <a:rPr lang="fr-FR" sz="3600" dirty="0" err="1"/>
+              <a:t>Angular</a:t>
+            </a:r>
+            <a:r>
+              <a:rPr lang="fr-FR" sz="3600" dirty="0"/>
+              <a:t> 19</a:t>
+            </a:r>
+          </a:p>
+        </p:txBody>
+      </p:sp>
+      <p:sp>
+        <p:nvSpPr>
           <p:cNvPr id="53" name="Forme libre 52">
             <a:extLst>
               <a:ext uri="{FF2B5EF4-FFF2-40B4-BE49-F238E27FC236}">
-                <a16:creationId xmlns:a16="http://schemas.microsoft.com/office/drawing/2014/main" id="{9F1E427B-0882-9B77-624C-BE9021BFE934}"/>
+                <a16:creationId xmlns:a16="http://schemas.microsoft.com/office/drawing/2014/main" id="{C978450F-91E7-5EBA-E7AA-6F38FAAA245C}"/>
               </a:ext>
             </a:extLst>
           </p:cNvPr>
@@ -9642,7 +9903,7 @@
         <p:spPr>
           <a:xfrm>
             <a:off x="0" y="0"/>
-            <a:ext cx="12192000" cy="6858000"/>
+            <a:ext cx="2376435" cy="6858000"/>
           </a:xfrm>
           <a:custGeom>
             <a:avLst/>
@@ -9764,6 +10025,933 @@
           </a:p>
         </p:txBody>
       </p:sp>
+      <p:pic>
+        <p:nvPicPr>
+          <p:cNvPr id="16" name="Image 15">
+            <a:extLst>
+              <a:ext uri="{FF2B5EF4-FFF2-40B4-BE49-F238E27FC236}">
+                <a16:creationId xmlns:a16="http://schemas.microsoft.com/office/drawing/2014/main" id="{0BC47051-012D-F172-CD5E-62A5B337830E}"/>
+              </a:ext>
+            </a:extLst>
+          </p:cNvPr>
+          <p:cNvPicPr>
+            <a:picLocks noChangeAspect="1"/>
+          </p:cNvPicPr>
+          <p:nvPr/>
+        </p:nvPicPr>
+        <p:blipFill rotWithShape="1">
+          <a:blip r:embed="rId3"/>
+          <a:srcRect r="72930"/>
+          <a:stretch/>
+        </p:blipFill>
+        <p:spPr>
+          <a:xfrm>
+            <a:off x="637278" y="130629"/>
+            <a:ext cx="1101877" cy="1272695"/>
+          </a:xfrm>
+          <a:prstGeom prst="rect">
+            <a:avLst/>
+          </a:prstGeom>
+        </p:spPr>
+      </p:pic>
+      <p:sp>
+        <p:nvSpPr>
+          <p:cNvPr id="3" name="ZoneTexte 2">
+            <a:extLst>
+              <a:ext uri="{FF2B5EF4-FFF2-40B4-BE49-F238E27FC236}">
+                <a16:creationId xmlns:a16="http://schemas.microsoft.com/office/drawing/2014/main" id="{91101742-5D9A-BE4E-DE77-7C639DB6CD0B}"/>
+              </a:ext>
+            </a:extLst>
+          </p:cNvPr>
+          <p:cNvSpPr txBox="1"/>
+          <p:nvPr/>
+        </p:nvSpPr>
+        <p:spPr>
+          <a:xfrm>
+            <a:off x="282573" y="1487676"/>
+            <a:ext cx="1868956" cy="400110"/>
+          </a:xfrm>
+          <a:prstGeom prst="rect">
+            <a:avLst/>
+          </a:prstGeom>
+          <a:noFill/>
+        </p:spPr>
+        <p:txBody>
+          <a:bodyPr wrap="square" rtlCol="0">
+            <a:spAutoFit/>
+          </a:bodyPr>
+          <a:lstStyle/>
+          <a:p>
+            <a:r>
+              <a:rPr lang="fr-FR" sz="2000" dirty="0">
+                <a:solidFill>
+                  <a:schemeClr val="bg1"/>
+                </a:solidFill>
+              </a:rPr>
+              <a:t>Allons plus loin</a:t>
+            </a:r>
+          </a:p>
+        </p:txBody>
+      </p:sp>
+      <p:sp>
+        <p:nvSpPr>
+          <p:cNvPr id="49" name="Forme libre 48">
+            <a:extLst>
+              <a:ext uri="{FF2B5EF4-FFF2-40B4-BE49-F238E27FC236}">
+                <a16:creationId xmlns:a16="http://schemas.microsoft.com/office/drawing/2014/main" id="{97D7B32C-E383-5AD0-4169-A76189D23EC9}"/>
+              </a:ext>
+            </a:extLst>
+          </p:cNvPr>
+          <p:cNvSpPr/>
+          <p:nvPr/>
+        </p:nvSpPr>
+        <p:spPr>
+          <a:xfrm>
+            <a:off x="0" y="1354129"/>
+            <a:ext cx="330200" cy="660400"/>
+          </a:xfrm>
+          <a:custGeom>
+            <a:avLst/>
+            <a:gdLst>
+              <a:gd name="connsiteX0" fmla="*/ 0 w 330200"/>
+              <a:gd name="connsiteY0" fmla="*/ 0 h 660400"/>
+              <a:gd name="connsiteX1" fmla="*/ 330200 w 330200"/>
+              <a:gd name="connsiteY1" fmla="*/ 330200 h 660400"/>
+              <a:gd name="connsiteX2" fmla="*/ 0 w 330200"/>
+              <a:gd name="connsiteY2" fmla="*/ 660400 h 660400"/>
+              <a:gd name="connsiteX3" fmla="*/ 0 w 330200"/>
+              <a:gd name="connsiteY3" fmla="*/ 0 h 660400"/>
+            </a:gdLst>
+            <a:ahLst/>
+            <a:cxnLst>
+              <a:cxn ang="0">
+                <a:pos x="connsiteX0" y="connsiteY0"/>
+              </a:cxn>
+              <a:cxn ang="0">
+                <a:pos x="connsiteX1" y="connsiteY1"/>
+              </a:cxn>
+              <a:cxn ang="0">
+                <a:pos x="connsiteX2" y="connsiteY2"/>
+              </a:cxn>
+              <a:cxn ang="0">
+                <a:pos x="connsiteX3" y="connsiteY3"/>
+              </a:cxn>
+            </a:cxnLst>
+            <a:rect l="l" t="t" r="r" b="b"/>
+            <a:pathLst>
+              <a:path w="330200" h="660400">
+                <a:moveTo>
+                  <a:pt x="0" y="0"/>
+                </a:moveTo>
+                <a:cubicBezTo>
+                  <a:pt x="182364" y="0"/>
+                  <a:pt x="330200" y="147836"/>
+                  <a:pt x="330200" y="330200"/>
+                </a:cubicBezTo>
+                <a:cubicBezTo>
+                  <a:pt x="330200" y="512564"/>
+                  <a:pt x="182364" y="660400"/>
+                  <a:pt x="0" y="660400"/>
+                </a:cubicBezTo>
+                <a:lnTo>
+                  <a:pt x="0" y="0"/>
+                </a:lnTo>
+                <a:close/>
+              </a:path>
+            </a:pathLst>
+          </a:custGeom>
+          <a:solidFill>
+            <a:schemeClr val="accent6"/>
+          </a:solidFill>
+          <a:ln>
+            <a:noFill/>
+          </a:ln>
+        </p:spPr>
+        <p:style>
+          <a:lnRef idx="0">
+            <a:scrgbClr r="0" g="0" b="0"/>
+          </a:lnRef>
+          <a:fillRef idx="0">
+            <a:scrgbClr r="0" g="0" b="0"/>
+          </a:fillRef>
+          <a:effectRef idx="0">
+            <a:scrgbClr r="0" g="0" b="0"/>
+          </a:effectRef>
+          <a:fontRef idx="minor">
+            <a:schemeClr val="lt1"/>
+          </a:fontRef>
+        </p:style>
+        <p:txBody>
+          <a:bodyPr wrap="square" rtlCol="0" anchor="ctr">
+            <a:noAutofit/>
+          </a:bodyPr>
+          <a:lstStyle/>
+          <a:p>
+            <a:pPr algn="ctr"/>
+            <a:endParaRPr lang="fr-FR"/>
+          </a:p>
+        </p:txBody>
+      </p:sp>
+      <p:pic>
+        <p:nvPicPr>
+          <p:cNvPr id="6" name="Picture 5" descr="A screenshot of a computer code&#10;&#10;Description automatically generated">
+            <a:extLst>
+              <a:ext uri="{FF2B5EF4-FFF2-40B4-BE49-F238E27FC236}">
+                <a16:creationId xmlns:a16="http://schemas.microsoft.com/office/drawing/2014/main" id="{D3F741C3-2ED0-A27E-E2A9-F35B81A21369}"/>
+              </a:ext>
+            </a:extLst>
+          </p:cNvPr>
+          <p:cNvPicPr>
+            <a:picLocks noChangeAspect="1"/>
+          </p:cNvPicPr>
+          <p:nvPr/>
+        </p:nvPicPr>
+        <p:blipFill>
+          <a:blip r:embed="rId4"/>
+          <a:stretch>
+            <a:fillRect/>
+          </a:stretch>
+        </p:blipFill>
+        <p:spPr>
+          <a:xfrm>
+            <a:off x="3402927" y="1214596"/>
+            <a:ext cx="7772400" cy="1599866"/>
+          </a:xfrm>
+          <a:prstGeom prst="rect">
+            <a:avLst/>
+          </a:prstGeom>
+        </p:spPr>
+      </p:pic>
+      <p:pic>
+        <p:nvPicPr>
+          <p:cNvPr id="9" name="Picture 8" descr="A close-up of a computer code&#10;&#10;Description automatically generated">
+            <a:extLst>
+              <a:ext uri="{FF2B5EF4-FFF2-40B4-BE49-F238E27FC236}">
+                <a16:creationId xmlns:a16="http://schemas.microsoft.com/office/drawing/2014/main" id="{084121C2-2559-C329-1969-8EEFB6307FAE}"/>
+              </a:ext>
+            </a:extLst>
+          </p:cNvPr>
+          <p:cNvPicPr>
+            <a:picLocks noChangeAspect="1"/>
+          </p:cNvPicPr>
+          <p:nvPr/>
+        </p:nvPicPr>
+        <p:blipFill>
+          <a:blip r:embed="rId5"/>
+          <a:stretch>
+            <a:fillRect/>
+          </a:stretch>
+        </p:blipFill>
+        <p:spPr>
+          <a:xfrm>
+            <a:off x="5473027" y="2965450"/>
+            <a:ext cx="3632200" cy="1435100"/>
+          </a:xfrm>
+          <a:prstGeom prst="rect">
+            <a:avLst/>
+          </a:prstGeom>
+        </p:spPr>
+      </p:pic>
+      <p:pic>
+        <p:nvPicPr>
+          <p:cNvPr id="13" name="Picture 12" descr="A computer screen shot of text&#10;&#10;Description automatically generated">
+            <a:extLst>
+              <a:ext uri="{FF2B5EF4-FFF2-40B4-BE49-F238E27FC236}">
+                <a16:creationId xmlns:a16="http://schemas.microsoft.com/office/drawing/2014/main" id="{2EE09BE5-E432-77BF-689F-E6355077D759}"/>
+              </a:ext>
+            </a:extLst>
+          </p:cNvPr>
+          <p:cNvPicPr>
+            <a:picLocks noChangeAspect="1"/>
+          </p:cNvPicPr>
+          <p:nvPr/>
+        </p:nvPicPr>
+        <p:blipFill>
+          <a:blip r:embed="rId6"/>
+          <a:stretch>
+            <a:fillRect/>
+          </a:stretch>
+        </p:blipFill>
+        <p:spPr>
+          <a:xfrm>
+            <a:off x="4488777" y="4558518"/>
+            <a:ext cx="5600700" cy="1625600"/>
+          </a:xfrm>
+          <a:prstGeom prst="rect">
+            <a:avLst/>
+          </a:prstGeom>
+        </p:spPr>
+      </p:pic>
+    </p:spTree>
+    <p:extLst>
+      <p:ext uri="{BB962C8B-B14F-4D97-AF65-F5344CB8AC3E}">
+        <p14:creationId xmlns:p14="http://schemas.microsoft.com/office/powerpoint/2010/main" val="3046759053"/>
+      </p:ext>
+    </p:extLst>
+  </p:cSld>
+  <p:clrMapOvr>
+    <a:masterClrMapping/>
+  </p:clrMapOvr>
+  <mc:AlternateContent xmlns:mc="http://schemas.openxmlformats.org/markup-compatibility/2006">
+    <mc:Choice xmlns:p159="http://schemas.microsoft.com/office/powerpoint/2015/09/main" Requires="p159">
+      <p:transition spd="slow">
+        <p159:morph option="byObject"/>
+      </p:transition>
+    </mc:Choice>
+    <mc:Fallback>
+      <p:transition spd="slow">
+        <p:fade/>
+      </p:transition>
+    </mc:Fallback>
+  </mc:AlternateContent>
+</p:sld>
+</file>
+
+<file path=ppt/slides/slide17.xml><?xml version="1.0" encoding="utf-8"?>
+<p:sld xmlns:a="http://schemas.openxmlformats.org/drawingml/2006/main" xmlns:r="http://schemas.openxmlformats.org/officeDocument/2006/relationships" xmlns:p="http://schemas.openxmlformats.org/presentationml/2006/main">
+  <p:cSld>
+    <p:spTree>
+      <p:nvGrpSpPr>
+        <p:cNvPr id="1" name="">
+          <a:extLst>
+            <a:ext uri="{FF2B5EF4-FFF2-40B4-BE49-F238E27FC236}">
+              <a16:creationId xmlns:a16="http://schemas.microsoft.com/office/drawing/2014/main" id="{4D73A57E-517C-AD93-8F61-C1A3D9A47884}"/>
+            </a:ext>
+          </a:extLst>
+        </p:cNvPr>
+        <p:cNvGrpSpPr/>
+        <p:nvPr/>
+      </p:nvGrpSpPr>
+      <p:grpSpPr>
+        <a:xfrm>
+          <a:off x="0" y="0"/>
+          <a:ext cx="0" cy="0"/>
+          <a:chOff x="0" y="0"/>
+          <a:chExt cx="0" cy="0"/>
+        </a:xfrm>
+      </p:grpSpPr>
+      <p:sp>
+        <p:nvSpPr>
+          <p:cNvPr id="37" name="ZoneTexte 36">
+            <a:extLst>
+              <a:ext uri="{FF2B5EF4-FFF2-40B4-BE49-F238E27FC236}">
+                <a16:creationId xmlns:a16="http://schemas.microsoft.com/office/drawing/2014/main" id="{6A996943-92DD-B45E-B031-3F057C895D00}"/>
+              </a:ext>
+            </a:extLst>
+          </p:cNvPr>
+          <p:cNvSpPr txBox="1"/>
+          <p:nvPr/>
+        </p:nvSpPr>
+        <p:spPr>
+          <a:xfrm>
+            <a:off x="4752870" y="34803"/>
+            <a:ext cx="7663065" cy="646331"/>
+          </a:xfrm>
+          <a:prstGeom prst="rect">
+            <a:avLst/>
+          </a:prstGeom>
+          <a:noFill/>
+        </p:spPr>
+        <p:txBody>
+          <a:bodyPr wrap="square" rtlCol="0">
+            <a:spAutoFit/>
+          </a:bodyPr>
+          <a:lstStyle/>
+          <a:p>
+            <a:r>
+              <a:rPr lang="fr-FR" sz="3600" dirty="0"/>
+              <a:t>Migrer une application vers </a:t>
+            </a:r>
+            <a:r>
+              <a:rPr lang="fr-FR" sz="3600" dirty="0" err="1"/>
+              <a:t>Angular</a:t>
+            </a:r>
+            <a:r>
+              <a:rPr lang="fr-FR" sz="3600" dirty="0"/>
+              <a:t> 19</a:t>
+            </a:r>
+          </a:p>
+        </p:txBody>
+      </p:sp>
+      <p:sp>
+        <p:nvSpPr>
+          <p:cNvPr id="53" name="Forme libre 52">
+            <a:extLst>
+              <a:ext uri="{FF2B5EF4-FFF2-40B4-BE49-F238E27FC236}">
+                <a16:creationId xmlns:a16="http://schemas.microsoft.com/office/drawing/2014/main" id="{6CD23771-8F6A-78B6-B43E-1D0E88523E6F}"/>
+              </a:ext>
+            </a:extLst>
+          </p:cNvPr>
+          <p:cNvSpPr/>
+          <p:nvPr/>
+        </p:nvSpPr>
+        <p:spPr>
+          <a:xfrm>
+            <a:off x="0" y="0"/>
+            <a:ext cx="2376435" cy="6858000"/>
+          </a:xfrm>
+          <a:custGeom>
+            <a:avLst/>
+            <a:gdLst>
+              <a:gd name="connsiteX0" fmla="*/ 0 w 2376435"/>
+              <a:gd name="connsiteY0" fmla="*/ 0 h 6858000"/>
+              <a:gd name="connsiteX1" fmla="*/ 2376435 w 2376435"/>
+              <a:gd name="connsiteY1" fmla="*/ 0 h 6858000"/>
+              <a:gd name="connsiteX2" fmla="*/ 2376435 w 2376435"/>
+              <a:gd name="connsiteY2" fmla="*/ 584200 h 6858000"/>
+              <a:gd name="connsiteX3" fmla="*/ 2376435 w 2376435"/>
+              <a:gd name="connsiteY3" fmla="*/ 1244600 h 6858000"/>
+              <a:gd name="connsiteX4" fmla="*/ 2376435 w 2376435"/>
+              <a:gd name="connsiteY4" fmla="*/ 1650138 h 6858000"/>
+              <a:gd name="connsiteX5" fmla="*/ 2376435 w 2376435"/>
+              <a:gd name="connsiteY5" fmla="*/ 2310538 h 6858000"/>
+              <a:gd name="connsiteX6" fmla="*/ 2376435 w 2376435"/>
+              <a:gd name="connsiteY6" fmla="*/ 2603145 h 6858000"/>
+              <a:gd name="connsiteX7" fmla="*/ 2376435 w 2376435"/>
+              <a:gd name="connsiteY7" fmla="*/ 3263545 h 6858000"/>
+              <a:gd name="connsiteX8" fmla="*/ 2376435 w 2376435"/>
+              <a:gd name="connsiteY8" fmla="*/ 6858000 h 6858000"/>
+              <a:gd name="connsiteX9" fmla="*/ 0 w 2376435"/>
+              <a:gd name="connsiteY9" fmla="*/ 6858000 h 6858000"/>
+            </a:gdLst>
+            <a:ahLst/>
+            <a:cxnLst>
+              <a:cxn ang="0">
+                <a:pos x="connsiteX0" y="connsiteY0"/>
+              </a:cxn>
+              <a:cxn ang="0">
+                <a:pos x="connsiteX1" y="connsiteY1"/>
+              </a:cxn>
+              <a:cxn ang="0">
+                <a:pos x="connsiteX2" y="connsiteY2"/>
+              </a:cxn>
+              <a:cxn ang="0">
+                <a:pos x="connsiteX3" y="connsiteY3"/>
+              </a:cxn>
+              <a:cxn ang="0">
+                <a:pos x="connsiteX4" y="connsiteY4"/>
+              </a:cxn>
+              <a:cxn ang="0">
+                <a:pos x="connsiteX5" y="connsiteY5"/>
+              </a:cxn>
+              <a:cxn ang="0">
+                <a:pos x="connsiteX6" y="connsiteY6"/>
+              </a:cxn>
+              <a:cxn ang="0">
+                <a:pos x="connsiteX7" y="connsiteY7"/>
+              </a:cxn>
+              <a:cxn ang="0">
+                <a:pos x="connsiteX8" y="connsiteY8"/>
+              </a:cxn>
+              <a:cxn ang="0">
+                <a:pos x="connsiteX9" y="connsiteY9"/>
+              </a:cxn>
+            </a:cxnLst>
+            <a:rect l="l" t="t" r="r" b="b"/>
+            <a:pathLst>
+              <a:path w="2376435" h="6858000">
+                <a:moveTo>
+                  <a:pt x="0" y="0"/>
+                </a:moveTo>
+                <a:lnTo>
+                  <a:pt x="2376435" y="0"/>
+                </a:lnTo>
+                <a:lnTo>
+                  <a:pt x="2376435" y="584200"/>
+                </a:lnTo>
+                <a:lnTo>
+                  <a:pt x="2376435" y="1244600"/>
+                </a:lnTo>
+                <a:lnTo>
+                  <a:pt x="2376435" y="1650138"/>
+                </a:lnTo>
+                <a:lnTo>
+                  <a:pt x="2376435" y="2310538"/>
+                </a:lnTo>
+                <a:lnTo>
+                  <a:pt x="2376435" y="2603145"/>
+                </a:lnTo>
+                <a:lnTo>
+                  <a:pt x="2376435" y="3263545"/>
+                </a:lnTo>
+                <a:lnTo>
+                  <a:pt x="2376435" y="6858000"/>
+                </a:lnTo>
+                <a:lnTo>
+                  <a:pt x="0" y="6858000"/>
+                </a:lnTo>
+                <a:close/>
+              </a:path>
+            </a:pathLst>
+          </a:custGeom>
+        </p:spPr>
+        <p:style>
+          <a:lnRef idx="1">
+            <a:schemeClr val="dk1"/>
+          </a:lnRef>
+          <a:fillRef idx="3">
+            <a:schemeClr val="dk1"/>
+          </a:fillRef>
+          <a:effectRef idx="2">
+            <a:schemeClr val="dk1"/>
+          </a:effectRef>
+          <a:fontRef idx="minor">
+            <a:schemeClr val="lt1"/>
+          </a:fontRef>
+        </p:style>
+        <p:txBody>
+          <a:bodyPr wrap="square" rtlCol="0" anchor="ctr">
+            <a:noAutofit/>
+          </a:bodyPr>
+          <a:lstStyle/>
+          <a:p>
+            <a:pPr algn="ctr"/>
+            <a:endParaRPr lang="fr-FR"/>
+          </a:p>
+        </p:txBody>
+      </p:sp>
+      <p:pic>
+        <p:nvPicPr>
+          <p:cNvPr id="16" name="Image 15">
+            <a:extLst>
+              <a:ext uri="{FF2B5EF4-FFF2-40B4-BE49-F238E27FC236}">
+                <a16:creationId xmlns:a16="http://schemas.microsoft.com/office/drawing/2014/main" id="{D1FF010D-E676-C799-3AA5-4D9310B9762A}"/>
+              </a:ext>
+            </a:extLst>
+          </p:cNvPr>
+          <p:cNvPicPr>
+            <a:picLocks noChangeAspect="1"/>
+          </p:cNvPicPr>
+          <p:nvPr/>
+        </p:nvPicPr>
+        <p:blipFill rotWithShape="1">
+          <a:blip r:embed="rId3"/>
+          <a:srcRect r="72930"/>
+          <a:stretch/>
+        </p:blipFill>
+        <p:spPr>
+          <a:xfrm>
+            <a:off x="637278" y="130629"/>
+            <a:ext cx="1101877" cy="1272695"/>
+          </a:xfrm>
+          <a:prstGeom prst="rect">
+            <a:avLst/>
+          </a:prstGeom>
+        </p:spPr>
+      </p:pic>
+      <p:sp>
+        <p:nvSpPr>
+          <p:cNvPr id="3" name="ZoneTexte 2">
+            <a:extLst>
+              <a:ext uri="{FF2B5EF4-FFF2-40B4-BE49-F238E27FC236}">
+                <a16:creationId xmlns:a16="http://schemas.microsoft.com/office/drawing/2014/main" id="{8F0F3400-2945-42FC-637C-9FD31D721D81}"/>
+              </a:ext>
+            </a:extLst>
+          </p:cNvPr>
+          <p:cNvSpPr txBox="1"/>
+          <p:nvPr/>
+        </p:nvSpPr>
+        <p:spPr>
+          <a:xfrm>
+            <a:off x="282573" y="1487676"/>
+            <a:ext cx="1868956" cy="400110"/>
+          </a:xfrm>
+          <a:prstGeom prst="rect">
+            <a:avLst/>
+          </a:prstGeom>
+          <a:noFill/>
+        </p:spPr>
+        <p:txBody>
+          <a:bodyPr wrap="square" rtlCol="0">
+            <a:spAutoFit/>
+          </a:bodyPr>
+          <a:lstStyle/>
+          <a:p>
+            <a:r>
+              <a:rPr lang="fr-FR" sz="2000" dirty="0">
+                <a:solidFill>
+                  <a:schemeClr val="bg1"/>
+                </a:solidFill>
+              </a:rPr>
+              <a:t>Allons plus loin</a:t>
+            </a:r>
+          </a:p>
+        </p:txBody>
+      </p:sp>
+      <p:sp>
+        <p:nvSpPr>
+          <p:cNvPr id="49" name="Forme libre 48">
+            <a:extLst>
+              <a:ext uri="{FF2B5EF4-FFF2-40B4-BE49-F238E27FC236}">
+                <a16:creationId xmlns:a16="http://schemas.microsoft.com/office/drawing/2014/main" id="{0FB26BD8-2C5A-79A7-FF35-8CEF7705EFA0}"/>
+              </a:ext>
+            </a:extLst>
+          </p:cNvPr>
+          <p:cNvSpPr/>
+          <p:nvPr/>
+        </p:nvSpPr>
+        <p:spPr>
+          <a:xfrm>
+            <a:off x="0" y="1354129"/>
+            <a:ext cx="330200" cy="660400"/>
+          </a:xfrm>
+          <a:custGeom>
+            <a:avLst/>
+            <a:gdLst>
+              <a:gd name="connsiteX0" fmla="*/ 0 w 330200"/>
+              <a:gd name="connsiteY0" fmla="*/ 0 h 660400"/>
+              <a:gd name="connsiteX1" fmla="*/ 330200 w 330200"/>
+              <a:gd name="connsiteY1" fmla="*/ 330200 h 660400"/>
+              <a:gd name="connsiteX2" fmla="*/ 0 w 330200"/>
+              <a:gd name="connsiteY2" fmla="*/ 660400 h 660400"/>
+              <a:gd name="connsiteX3" fmla="*/ 0 w 330200"/>
+              <a:gd name="connsiteY3" fmla="*/ 0 h 660400"/>
+            </a:gdLst>
+            <a:ahLst/>
+            <a:cxnLst>
+              <a:cxn ang="0">
+                <a:pos x="connsiteX0" y="connsiteY0"/>
+              </a:cxn>
+              <a:cxn ang="0">
+                <a:pos x="connsiteX1" y="connsiteY1"/>
+              </a:cxn>
+              <a:cxn ang="0">
+                <a:pos x="connsiteX2" y="connsiteY2"/>
+              </a:cxn>
+              <a:cxn ang="0">
+                <a:pos x="connsiteX3" y="connsiteY3"/>
+              </a:cxn>
+            </a:cxnLst>
+            <a:rect l="l" t="t" r="r" b="b"/>
+            <a:pathLst>
+              <a:path w="330200" h="660400">
+                <a:moveTo>
+                  <a:pt x="0" y="0"/>
+                </a:moveTo>
+                <a:cubicBezTo>
+                  <a:pt x="182364" y="0"/>
+                  <a:pt x="330200" y="147836"/>
+                  <a:pt x="330200" y="330200"/>
+                </a:cubicBezTo>
+                <a:cubicBezTo>
+                  <a:pt x="330200" y="512564"/>
+                  <a:pt x="182364" y="660400"/>
+                  <a:pt x="0" y="660400"/>
+                </a:cubicBezTo>
+                <a:lnTo>
+                  <a:pt x="0" y="0"/>
+                </a:lnTo>
+                <a:close/>
+              </a:path>
+            </a:pathLst>
+          </a:custGeom>
+          <a:solidFill>
+            <a:schemeClr val="accent6"/>
+          </a:solidFill>
+          <a:ln>
+            <a:noFill/>
+          </a:ln>
+        </p:spPr>
+        <p:style>
+          <a:lnRef idx="0">
+            <a:scrgbClr r="0" g="0" b="0"/>
+          </a:lnRef>
+          <a:fillRef idx="0">
+            <a:scrgbClr r="0" g="0" b="0"/>
+          </a:fillRef>
+          <a:effectRef idx="0">
+            <a:scrgbClr r="0" g="0" b="0"/>
+          </a:effectRef>
+          <a:fontRef idx="minor">
+            <a:schemeClr val="lt1"/>
+          </a:fontRef>
+        </p:style>
+        <p:txBody>
+          <a:bodyPr wrap="square" rtlCol="0" anchor="ctr">
+            <a:noAutofit/>
+          </a:bodyPr>
+          <a:lstStyle/>
+          <a:p>
+            <a:pPr algn="ctr"/>
+            <a:endParaRPr lang="fr-FR"/>
+          </a:p>
+        </p:txBody>
+      </p:sp>
+      <p:pic>
+        <p:nvPicPr>
+          <p:cNvPr id="4" name="Picture 3">
+            <a:extLst>
+              <a:ext uri="{FF2B5EF4-FFF2-40B4-BE49-F238E27FC236}">
+                <a16:creationId xmlns:a16="http://schemas.microsoft.com/office/drawing/2014/main" id="{C4A151E5-71BD-BE9E-F84B-37857A2C09ED}"/>
+              </a:ext>
+            </a:extLst>
+          </p:cNvPr>
+          <p:cNvPicPr>
+            <a:picLocks noChangeAspect="1"/>
+          </p:cNvPicPr>
+          <p:nvPr/>
+        </p:nvPicPr>
+        <p:blipFill>
+          <a:blip r:embed="rId4"/>
+          <a:stretch>
+            <a:fillRect/>
+          </a:stretch>
+        </p:blipFill>
+        <p:spPr>
+          <a:xfrm>
+            <a:off x="5564101" y="3259459"/>
+            <a:ext cx="3708400" cy="533400"/>
+          </a:xfrm>
+          <a:prstGeom prst="rect">
+            <a:avLst/>
+          </a:prstGeom>
+        </p:spPr>
+      </p:pic>
+      <p:pic>
+        <p:nvPicPr>
+          <p:cNvPr id="7" name="Picture 6" descr="A black text on a white background&#10;&#10;Description automatically generated">
+            <a:extLst>
+              <a:ext uri="{FF2B5EF4-FFF2-40B4-BE49-F238E27FC236}">
+                <a16:creationId xmlns:a16="http://schemas.microsoft.com/office/drawing/2014/main" id="{8F24E93B-A0E5-82C8-1C26-2307F64F8560}"/>
+              </a:ext>
+            </a:extLst>
+          </p:cNvPr>
+          <p:cNvPicPr>
+            <a:picLocks noChangeAspect="1"/>
+          </p:cNvPicPr>
+          <p:nvPr/>
+        </p:nvPicPr>
+        <p:blipFill>
+          <a:blip r:embed="rId5"/>
+          <a:stretch>
+            <a:fillRect/>
+          </a:stretch>
+        </p:blipFill>
+        <p:spPr>
+          <a:xfrm>
+            <a:off x="4752870" y="4414188"/>
+            <a:ext cx="5524500" cy="977900"/>
+          </a:xfrm>
+          <a:prstGeom prst="rect">
+            <a:avLst/>
+          </a:prstGeom>
+        </p:spPr>
+      </p:pic>
+      <p:pic>
+        <p:nvPicPr>
+          <p:cNvPr id="10" name="Picture 9">
+            <a:extLst>
+              <a:ext uri="{FF2B5EF4-FFF2-40B4-BE49-F238E27FC236}">
+                <a16:creationId xmlns:a16="http://schemas.microsoft.com/office/drawing/2014/main" id="{68D8C3E6-C028-7EC9-27DB-D105657C4005}"/>
+              </a:ext>
+            </a:extLst>
+          </p:cNvPr>
+          <p:cNvPicPr>
+            <a:picLocks noChangeAspect="1"/>
+          </p:cNvPicPr>
+          <p:nvPr/>
+        </p:nvPicPr>
+        <p:blipFill>
+          <a:blip r:embed="rId6"/>
+          <a:stretch>
+            <a:fillRect/>
+          </a:stretch>
+        </p:blipFill>
+        <p:spPr>
+          <a:xfrm>
+            <a:off x="5635520" y="2115861"/>
+            <a:ext cx="3759200" cy="431800"/>
+          </a:xfrm>
+          <a:prstGeom prst="rect">
+            <a:avLst/>
+          </a:prstGeom>
+        </p:spPr>
+      </p:pic>
+    </p:spTree>
+    <p:extLst>
+      <p:ext uri="{BB962C8B-B14F-4D97-AF65-F5344CB8AC3E}">
+        <p14:creationId xmlns:p14="http://schemas.microsoft.com/office/powerpoint/2010/main" val="886674482"/>
+      </p:ext>
+    </p:extLst>
+  </p:cSld>
+  <p:clrMapOvr>
+    <a:masterClrMapping/>
+  </p:clrMapOvr>
+  <mc:AlternateContent xmlns:mc="http://schemas.openxmlformats.org/markup-compatibility/2006" xmlns:p159="http://schemas.microsoft.com/office/powerpoint/2015/09/main">
+    <mc:Choice Requires="p159">
+      <p:transition spd="slow">
+        <p159:morph option="byObject"/>
+      </p:transition>
+    </mc:Choice>
+    <mc:Fallback xmlns="">
+      <p:transition spd="slow">
+        <p:fade/>
+      </p:transition>
+    </mc:Fallback>
+  </mc:AlternateContent>
+</p:sld>
+</file>
+
+<file path=ppt/slides/slide18.xml><?xml version="1.0" encoding="utf-8"?>
+<p:sld xmlns:a="http://schemas.openxmlformats.org/drawingml/2006/main" xmlns:r="http://schemas.openxmlformats.org/officeDocument/2006/relationships" xmlns:p="http://schemas.openxmlformats.org/presentationml/2006/main">
+  <p:cSld>
+    <p:spTree>
+      <p:nvGrpSpPr>
+        <p:cNvPr id="1" name="">
+          <a:extLst>
+            <a:ext uri="{FF2B5EF4-FFF2-40B4-BE49-F238E27FC236}">
+              <a16:creationId xmlns:a16="http://schemas.microsoft.com/office/drawing/2014/main" id="{21CFFE71-9B98-9B1F-4B52-78C62C0453F2}"/>
+            </a:ext>
+          </a:extLst>
+        </p:cNvPr>
+        <p:cNvGrpSpPr/>
+        <p:nvPr/>
+      </p:nvGrpSpPr>
+      <p:grpSpPr>
+        <a:xfrm>
+          <a:off x="0" y="0"/>
+          <a:ext cx="0" cy="0"/>
+          <a:chOff x="0" y="0"/>
+          <a:chExt cx="0" cy="0"/>
+        </a:xfrm>
+      </p:grpSpPr>
+      <p:sp>
+        <p:nvSpPr>
+          <p:cNvPr id="53" name="Forme libre 52">
+            <a:extLst>
+              <a:ext uri="{FF2B5EF4-FFF2-40B4-BE49-F238E27FC236}">
+                <a16:creationId xmlns:a16="http://schemas.microsoft.com/office/drawing/2014/main" id="{9F1E427B-0882-9B77-624C-BE9021BFE934}"/>
+              </a:ext>
+            </a:extLst>
+          </p:cNvPr>
+          <p:cNvSpPr/>
+          <p:nvPr/>
+        </p:nvSpPr>
+        <p:spPr>
+          <a:xfrm>
+            <a:off x="0" y="0"/>
+            <a:ext cx="12192000" cy="6858000"/>
+          </a:xfrm>
+          <a:custGeom>
+            <a:avLst/>
+            <a:gdLst>
+              <a:gd name="connsiteX0" fmla="*/ 0 w 2376435"/>
+              <a:gd name="connsiteY0" fmla="*/ 0 h 6858000"/>
+              <a:gd name="connsiteX1" fmla="*/ 2376435 w 2376435"/>
+              <a:gd name="connsiteY1" fmla="*/ 0 h 6858000"/>
+              <a:gd name="connsiteX2" fmla="*/ 2376435 w 2376435"/>
+              <a:gd name="connsiteY2" fmla="*/ 584200 h 6858000"/>
+              <a:gd name="connsiteX3" fmla="*/ 2376435 w 2376435"/>
+              <a:gd name="connsiteY3" fmla="*/ 1244600 h 6858000"/>
+              <a:gd name="connsiteX4" fmla="*/ 2376435 w 2376435"/>
+              <a:gd name="connsiteY4" fmla="*/ 1650138 h 6858000"/>
+              <a:gd name="connsiteX5" fmla="*/ 2376435 w 2376435"/>
+              <a:gd name="connsiteY5" fmla="*/ 2310538 h 6858000"/>
+              <a:gd name="connsiteX6" fmla="*/ 2376435 w 2376435"/>
+              <a:gd name="connsiteY6" fmla="*/ 2603145 h 6858000"/>
+              <a:gd name="connsiteX7" fmla="*/ 2376435 w 2376435"/>
+              <a:gd name="connsiteY7" fmla="*/ 3263545 h 6858000"/>
+              <a:gd name="connsiteX8" fmla="*/ 2376435 w 2376435"/>
+              <a:gd name="connsiteY8" fmla="*/ 6858000 h 6858000"/>
+              <a:gd name="connsiteX9" fmla="*/ 0 w 2376435"/>
+              <a:gd name="connsiteY9" fmla="*/ 6858000 h 6858000"/>
+            </a:gdLst>
+            <a:ahLst/>
+            <a:cxnLst>
+              <a:cxn ang="0">
+                <a:pos x="connsiteX0" y="connsiteY0"/>
+              </a:cxn>
+              <a:cxn ang="0">
+                <a:pos x="connsiteX1" y="connsiteY1"/>
+              </a:cxn>
+              <a:cxn ang="0">
+                <a:pos x="connsiteX2" y="connsiteY2"/>
+              </a:cxn>
+              <a:cxn ang="0">
+                <a:pos x="connsiteX3" y="connsiteY3"/>
+              </a:cxn>
+              <a:cxn ang="0">
+                <a:pos x="connsiteX4" y="connsiteY4"/>
+              </a:cxn>
+              <a:cxn ang="0">
+                <a:pos x="connsiteX5" y="connsiteY5"/>
+              </a:cxn>
+              <a:cxn ang="0">
+                <a:pos x="connsiteX6" y="connsiteY6"/>
+              </a:cxn>
+              <a:cxn ang="0">
+                <a:pos x="connsiteX7" y="connsiteY7"/>
+              </a:cxn>
+              <a:cxn ang="0">
+                <a:pos x="connsiteX8" y="connsiteY8"/>
+              </a:cxn>
+              <a:cxn ang="0">
+                <a:pos x="connsiteX9" y="connsiteY9"/>
+              </a:cxn>
+            </a:cxnLst>
+            <a:rect l="l" t="t" r="r" b="b"/>
+            <a:pathLst>
+              <a:path w="2376435" h="6858000">
+                <a:moveTo>
+                  <a:pt x="0" y="0"/>
+                </a:moveTo>
+                <a:lnTo>
+                  <a:pt x="2376435" y="0"/>
+                </a:lnTo>
+                <a:lnTo>
+                  <a:pt x="2376435" y="584200"/>
+                </a:lnTo>
+                <a:lnTo>
+                  <a:pt x="2376435" y="1244600"/>
+                </a:lnTo>
+                <a:lnTo>
+                  <a:pt x="2376435" y="1650138"/>
+                </a:lnTo>
+                <a:lnTo>
+                  <a:pt x="2376435" y="2310538"/>
+                </a:lnTo>
+                <a:lnTo>
+                  <a:pt x="2376435" y="2603145"/>
+                </a:lnTo>
+                <a:lnTo>
+                  <a:pt x="2376435" y="3263545"/>
+                </a:lnTo>
+                <a:lnTo>
+                  <a:pt x="2376435" y="6858000"/>
+                </a:lnTo>
+                <a:lnTo>
+                  <a:pt x="0" y="6858000"/>
+                </a:lnTo>
+                <a:close/>
+              </a:path>
+            </a:pathLst>
+          </a:custGeom>
+        </p:spPr>
+        <p:style>
+          <a:lnRef idx="1">
+            <a:schemeClr val="dk1"/>
+          </a:lnRef>
+          <a:fillRef idx="3">
+            <a:schemeClr val="dk1"/>
+          </a:fillRef>
+          <a:effectRef idx="2">
+            <a:schemeClr val="dk1"/>
+          </a:effectRef>
+          <a:fontRef idx="minor">
+            <a:schemeClr val="lt1"/>
+          </a:fontRef>
+        </p:style>
+        <p:txBody>
+          <a:bodyPr wrap="square" rtlCol="0" anchor="ctr">
+            <a:noAutofit/>
+          </a:bodyPr>
+          <a:lstStyle/>
+          <a:p>
+            <a:pPr algn="ctr"/>
+            <a:endParaRPr lang="fr-FR"/>
+          </a:p>
+        </p:txBody>
+      </p:sp>
       <p:sp>
         <p:nvSpPr>
           <p:cNvPr id="37" name="ZoneTexte 36">
@@ -9859,7 +11047,7 @@
 </p:sld>
 </file>
 
-<file path=ppt/slides/slide17.xml><?xml version="1.0" encoding="utf-8"?>
+<file path=ppt/slides/slide19.xml><?xml version="1.0" encoding="utf-8"?>
 <p:sld xmlns:a="http://schemas.openxmlformats.org/drawingml/2006/main" xmlns:r="http://schemas.openxmlformats.org/officeDocument/2006/relationships" xmlns:p="http://schemas.openxmlformats.org/presentationml/2006/main">
   <p:cSld>
     <p:spTree>
@@ -10748,7 +11936,7 @@
         <p:spPr>
           <a:xfrm>
             <a:off x="100939" y="3014132"/>
-            <a:ext cx="5454501" cy="3416320"/>
+            <a:ext cx="5454501" cy="3785652"/>
           </a:xfrm>
           <a:prstGeom prst="rect">
             <a:avLst/>
@@ -10905,7 +12093,27 @@
                 <a:effectLst/>
                 <a:latin typeface="JetBrains Mono"/>
               </a:rPr>
-              <a:t>"SDIS37"</a:t>
+              <a:t>"SDIS37",  "</a:t>
+            </a:r>
+            <a:r>
+              <a:rPr lang="fr-FR" sz="2400" b="0" dirty="0" err="1">
+                <a:solidFill>
+                  <a:srgbClr val="A5D6FF"/>
+                </a:solidFill>
+                <a:effectLst/>
+                <a:latin typeface="JetBrains Mono"/>
+              </a:rPr>
+              <a:t>Angular</a:t>
+            </a:r>
+            <a:r>
+              <a:rPr lang="fr-FR" sz="2400" b="0" dirty="0">
+                <a:solidFill>
+                  <a:srgbClr val="A5D6FF"/>
+                </a:solidFill>
+                <a:effectLst/>
+                <a:latin typeface="JetBrains Mono"/>
+              </a:rPr>
+              <a:t> Devs France" </a:t>
             </a:r>
             <a:r>
               <a:rPr lang="fr-FR" sz="2400" b="0" dirty="0">
@@ -11251,7 +12459,7 @@
         </p:blipFill>
         <p:spPr bwMode="auto">
           <a:xfrm>
-            <a:off x="3350704" y="4722292"/>
+            <a:off x="4567861" y="4902943"/>
             <a:ext cx="814326" cy="814326"/>
           </a:xfrm>
           <a:prstGeom prst="ellipse">
